--- a/TDK prezi.pptx
+++ b/TDK prezi.pptx
@@ -6,17 +6,21 @@
   </p:sldMasterIdLst>
   <p:sldIdLst>
     <p:sldId id="256" r:id="rId5"/>
-    <p:sldId id="317" r:id="rId6"/>
-    <p:sldId id="318" r:id="rId7"/>
-    <p:sldId id="258" r:id="rId8"/>
-    <p:sldId id="319" r:id="rId9"/>
-    <p:sldId id="320" r:id="rId10"/>
-    <p:sldId id="321" r:id="rId11"/>
-    <p:sldId id="322" r:id="rId12"/>
-    <p:sldId id="323" r:id="rId13"/>
-    <p:sldId id="324" r:id="rId14"/>
-    <p:sldId id="325" r:id="rId15"/>
-    <p:sldId id="266" r:id="rId16"/>
+    <p:sldId id="318" r:id="rId6"/>
+    <p:sldId id="258" r:id="rId7"/>
+    <p:sldId id="319" r:id="rId8"/>
+    <p:sldId id="320" r:id="rId9"/>
+    <p:sldId id="321" r:id="rId10"/>
+    <p:sldId id="322" r:id="rId11"/>
+    <p:sldId id="323" r:id="rId12"/>
+    <p:sldId id="324" r:id="rId13"/>
+    <p:sldId id="325" r:id="rId14"/>
+    <p:sldId id="266" r:id="rId15"/>
+    <p:sldId id="326" r:id="rId16"/>
+    <p:sldId id="327" r:id="rId17"/>
+    <p:sldId id="330" r:id="rId18"/>
+    <p:sldId id="328" r:id="rId19"/>
+    <p:sldId id="329" r:id="rId20"/>
   </p:sldIdLst>
   <p:sldSz cx="12192000" cy="6858000"/>
   <p:notesSz cx="6858000" cy="9144000"/>
@@ -15951,16 +15955,12 @@
           <a:p>
             <a:pPr algn="ctr"/>
             <a:r>
-              <a:rPr lang="hu-HU" sz="2000" b="1" dirty="0" err="1"/>
-              <a:t>Köller</a:t>
-            </a:r>
-            <a:r>
               <a:rPr lang="hu-HU" sz="2000" b="1" dirty="0"/>
-              <a:t> Donát</a:t>
+              <a:t>Köller Donát</a:t>
             </a:r>
             <a:r>
               <a:rPr lang="hu-HU" sz="2000" dirty="0"/>
-              <a:t> és </a:t>
+              <a:t> &amp; </a:t>
             </a:r>
             <a:r>
               <a:rPr lang="hu-HU" sz="2000" b="1" dirty="0"/>
@@ -15993,7 +15993,7 @@
             <a:pPr algn="ctr"/>
             <a:r>
               <a:rPr lang="hu-HU" sz="2000" b="1" dirty="0"/>
-              <a:t>Dr. Szilágy Brigitta</a:t>
+              <a:t>Dr. Szilágyi Brigitta</a:t>
             </a:r>
           </a:p>
           <a:p>
@@ -16086,6 +16086,2408 @@
 </file>
 
 <file path=ppt/slides/slide10.xml><?xml version="1.0" encoding="utf-8"?>
+<p:sld xmlns:a="http://schemas.openxmlformats.org/drawingml/2006/main" xmlns:r="http://schemas.openxmlformats.org/officeDocument/2006/relationships" xmlns:p="http://schemas.openxmlformats.org/presentationml/2006/main">
+  <p:cSld>
+    <p:spTree>
+      <p:nvGrpSpPr>
+        <p:cNvPr id="1" name=""/>
+        <p:cNvGrpSpPr/>
+        <p:nvPr/>
+      </p:nvGrpSpPr>
+      <p:grpSpPr>
+        <a:xfrm>
+          <a:off x="0" y="0"/>
+          <a:ext cx="0" cy="0"/>
+          <a:chOff x="0" y="0"/>
+          <a:chExt cx="0" cy="0"/>
+        </a:xfrm>
+      </p:grpSpPr>
+      <p:sp>
+        <p:nvSpPr>
+          <p:cNvPr id="2" name="Cím 1">
+            <a:extLst>
+              <a:ext uri="{FF2B5EF4-FFF2-40B4-BE49-F238E27FC236}">
+                <a16:creationId xmlns:a16="http://schemas.microsoft.com/office/drawing/2014/main" id="{C07D1A37-CB14-78F2-6839-5D06B4C95C2C}"/>
+              </a:ext>
+            </a:extLst>
+          </p:cNvPr>
+          <p:cNvSpPr>
+            <a:spLocks noGrp="1"/>
+          </p:cNvSpPr>
+          <p:nvPr>
+            <p:ph type="title"/>
+          </p:nvPr>
+        </p:nvSpPr>
+        <p:spPr/>
+        <p:txBody>
+          <a:bodyPr/>
+          <a:lstStyle/>
+          <a:p>
+            <a:pPr algn="ctr"/>
+            <a:r>
+              <a:rPr lang="hu-HU" b="1" dirty="0"/>
+              <a:t>Klaszterkép példa</a:t>
+            </a:r>
+          </a:p>
+        </p:txBody>
+      </p:sp>
+      <p:sp>
+        <p:nvSpPr>
+          <p:cNvPr id="3" name="Tartalom helye 2">
+            <a:extLst>
+              <a:ext uri="{FF2B5EF4-FFF2-40B4-BE49-F238E27FC236}">
+                <a16:creationId xmlns:a16="http://schemas.microsoft.com/office/drawing/2014/main" id="{EC718255-444F-927B-6AE4-0306C7E4B234}"/>
+              </a:ext>
+            </a:extLst>
+          </p:cNvPr>
+          <p:cNvSpPr>
+            <a:spLocks noGrp="1"/>
+          </p:cNvSpPr>
+          <p:nvPr>
+            <p:ph idx="1"/>
+          </p:nvPr>
+        </p:nvSpPr>
+        <p:spPr/>
+        <p:txBody>
+          <a:bodyPr/>
+          <a:lstStyle/>
+          <a:p>
+            <a:endParaRPr lang="hu-HU"/>
+          </a:p>
+        </p:txBody>
+      </p:sp>
+    </p:spTree>
+    <p:extLst>
+      <p:ext uri="{BB962C8B-B14F-4D97-AF65-F5344CB8AC3E}">
+        <p14:creationId xmlns:p14="http://schemas.microsoft.com/office/powerpoint/2010/main" val="1947997817"/>
+      </p:ext>
+    </p:extLst>
+  </p:cSld>
+  <p:clrMapOvr>
+    <a:masterClrMapping/>
+  </p:clrMapOvr>
+</p:sld>
+</file>
+
+<file path=ppt/slides/slide11.xml><?xml version="1.0" encoding="utf-8"?>
+<p:sld xmlns:a="http://schemas.openxmlformats.org/drawingml/2006/main" xmlns:r="http://schemas.openxmlformats.org/officeDocument/2006/relationships" xmlns:p="http://schemas.openxmlformats.org/presentationml/2006/main">
+  <p:cSld>
+    <p:spTree>
+      <p:nvGrpSpPr>
+        <p:cNvPr id="1" name=""/>
+        <p:cNvGrpSpPr/>
+        <p:nvPr/>
+      </p:nvGrpSpPr>
+      <p:grpSpPr>
+        <a:xfrm>
+          <a:off x="0" y="0"/>
+          <a:ext cx="0" cy="0"/>
+          <a:chOff x="0" y="0"/>
+          <a:chExt cx="0" cy="0"/>
+        </a:xfrm>
+      </p:grpSpPr>
+      <p:sp>
+        <p:nvSpPr>
+          <p:cNvPr id="2" name="Cím 1">
+            <a:extLst>
+              <a:ext uri="{FF2B5EF4-FFF2-40B4-BE49-F238E27FC236}">
+                <a16:creationId xmlns:a16="http://schemas.microsoft.com/office/drawing/2014/main" id="{91460F28-EC90-F661-5B85-DB0D89BDDDB8}"/>
+              </a:ext>
+            </a:extLst>
+          </p:cNvPr>
+          <p:cNvSpPr>
+            <a:spLocks noGrp="1"/>
+          </p:cNvSpPr>
+          <p:nvPr>
+            <p:ph type="title"/>
+          </p:nvPr>
+        </p:nvSpPr>
+        <p:spPr>
+          <a:xfrm>
+            <a:off x="691078" y="444616"/>
+            <a:ext cx="10181053" cy="842953"/>
+          </a:xfrm>
+        </p:spPr>
+        <p:txBody>
+          <a:bodyPr>
+            <a:normAutofit/>
+          </a:bodyPr>
+          <a:lstStyle/>
+          <a:p>
+            <a:pPr algn="ctr"/>
+            <a:r>
+              <a:rPr lang="hu-HU" b="1"/>
+              <a:t>Prediktív analitika</a:t>
+            </a:r>
+            <a:endParaRPr lang="hu-HU" b="1" dirty="0"/>
+          </a:p>
+        </p:txBody>
+      </p:sp>
+      <p:sp>
+        <p:nvSpPr>
+          <p:cNvPr id="3" name="Tartalom helye 2">
+            <a:extLst>
+              <a:ext uri="{FF2B5EF4-FFF2-40B4-BE49-F238E27FC236}">
+                <a16:creationId xmlns:a16="http://schemas.microsoft.com/office/drawing/2014/main" id="{D6F290C8-C053-E2E5-3E39-469296C04814}"/>
+              </a:ext>
+            </a:extLst>
+          </p:cNvPr>
+          <p:cNvSpPr>
+            <a:spLocks noGrp="1"/>
+          </p:cNvSpPr>
+          <p:nvPr>
+            <p:ph idx="1"/>
+          </p:nvPr>
+        </p:nvSpPr>
+        <p:spPr>
+          <a:xfrm>
+            <a:off x="691078" y="1764228"/>
+            <a:ext cx="10827005" cy="4032565"/>
+          </a:xfrm>
+        </p:spPr>
+        <p:txBody>
+          <a:bodyPr>
+            <a:normAutofit fontScale="40000" lnSpcReduction="20000"/>
+          </a:bodyPr>
+          <a:lstStyle/>
+          <a:p>
+            <a:pPr>
+              <a:lnSpc>
+                <a:spcPct val="130000"/>
+              </a:lnSpc>
+            </a:pPr>
+            <a:r>
+              <a:rPr lang="hu-HU" sz="6000" dirty="0"/>
+              <a:t>Félév végi teljesítménymutatók </a:t>
+            </a:r>
+            <a:r>
+              <a:rPr lang="hu-HU" sz="6000" dirty="0" err="1"/>
+              <a:t>prediktálása</a:t>
+            </a:r>
+            <a:r>
+              <a:rPr lang="hu-HU" sz="6000" dirty="0"/>
+              <a:t>: első féléves matematika érdemjegycsoportok és kumulált átlag</a:t>
+            </a:r>
+          </a:p>
+          <a:p>
+            <a:pPr>
+              <a:lnSpc>
+                <a:spcPct val="130000"/>
+              </a:lnSpc>
+            </a:pPr>
+            <a:r>
+              <a:rPr lang="hu-HU" sz="6000" dirty="0"/>
+              <a:t>Cél: A modellek hatásfokának és a változók </a:t>
+            </a:r>
+            <a:r>
+              <a:rPr lang="hu-HU" sz="6000" dirty="0" err="1"/>
+              <a:t>predikcióra</a:t>
+            </a:r>
+            <a:r>
+              <a:rPr lang="hu-HU" sz="6000" dirty="0"/>
+              <a:t> gyakorolt hatásának mérése</a:t>
+            </a:r>
+          </a:p>
+          <a:p>
+            <a:pPr>
+              <a:lnSpc>
+                <a:spcPct val="130000"/>
+              </a:lnSpc>
+            </a:pPr>
+            <a:r>
+              <a:rPr lang="hu-HU" sz="6000" dirty="0"/>
+              <a:t>Érdemjegycsoportok előrejelzésénél több modell</a:t>
+            </a:r>
+          </a:p>
+          <a:p>
+            <a:pPr lvl="1">
+              <a:lnSpc>
+                <a:spcPct val="130000"/>
+              </a:lnSpc>
+            </a:pPr>
+            <a:r>
+              <a:rPr lang="hu-HU" sz="6000" dirty="0"/>
+              <a:t>3 csoport: {5,4}, {3,2}, {1}</a:t>
+            </a:r>
+          </a:p>
+          <a:p>
+            <a:pPr lvl="1">
+              <a:lnSpc>
+                <a:spcPct val="130000"/>
+              </a:lnSpc>
+            </a:pPr>
+            <a:r>
+              <a:rPr lang="hu-HU" sz="6000" dirty="0"/>
+              <a:t>2 csoport: {5,4,3}, {2,1}</a:t>
+            </a:r>
+          </a:p>
+          <a:p>
+            <a:pPr lvl="1">
+              <a:lnSpc>
+                <a:spcPct val="130000"/>
+              </a:lnSpc>
+            </a:pPr>
+            <a:r>
+              <a:rPr lang="hu-HU" sz="6000" dirty="0"/>
+              <a:t>Összesítve és </a:t>
+            </a:r>
+            <a:r>
+              <a:rPr lang="hu-HU" sz="6000" dirty="0" err="1"/>
+              <a:t>szakonkénti</a:t>
+            </a:r>
+            <a:r>
+              <a:rPr lang="hu-HU" sz="6000" dirty="0"/>
+              <a:t> bontásban is</a:t>
+            </a:r>
+          </a:p>
+          <a:p>
+            <a:endParaRPr lang="hu-HU" dirty="0"/>
+          </a:p>
+        </p:txBody>
+      </p:sp>
+    </p:spTree>
+    <p:extLst>
+      <p:ext uri="{BB962C8B-B14F-4D97-AF65-F5344CB8AC3E}">
+        <p14:creationId xmlns:p14="http://schemas.microsoft.com/office/powerpoint/2010/main" val="2483476666"/>
+      </p:ext>
+    </p:extLst>
+  </p:cSld>
+  <p:clrMapOvr>
+    <a:masterClrMapping/>
+  </p:clrMapOvr>
+</p:sld>
+</file>
+
+<file path=ppt/slides/slide12.xml><?xml version="1.0" encoding="utf-8"?>
+<p:sld xmlns:a="http://schemas.openxmlformats.org/drawingml/2006/main" xmlns:r="http://schemas.openxmlformats.org/officeDocument/2006/relationships" xmlns:p="http://schemas.openxmlformats.org/presentationml/2006/main">
+  <p:cSld>
+    <p:spTree>
+      <p:nvGrpSpPr>
+        <p:cNvPr id="1" name=""/>
+        <p:cNvGrpSpPr/>
+        <p:nvPr/>
+      </p:nvGrpSpPr>
+      <p:grpSpPr>
+        <a:xfrm>
+          <a:off x="0" y="0"/>
+          <a:ext cx="0" cy="0"/>
+          <a:chOff x="0" y="0"/>
+          <a:chExt cx="0" cy="0"/>
+        </a:xfrm>
+      </p:grpSpPr>
+      <p:sp>
+        <p:nvSpPr>
+          <p:cNvPr id="2" name="Title 1">
+            <a:extLst>
+              <a:ext uri="{FF2B5EF4-FFF2-40B4-BE49-F238E27FC236}">
+                <a16:creationId xmlns:a16="http://schemas.microsoft.com/office/drawing/2014/main" id="{FB211E48-0346-5D89-6886-37966D8E0BBA}"/>
+              </a:ext>
+            </a:extLst>
+          </p:cNvPr>
+          <p:cNvSpPr>
+            <a:spLocks noGrp="1"/>
+          </p:cNvSpPr>
+          <p:nvPr>
+            <p:ph type="title"/>
+          </p:nvPr>
+        </p:nvSpPr>
+        <p:spPr>
+          <a:xfrm>
+            <a:off x="691079" y="496893"/>
+            <a:ext cx="10325000" cy="843467"/>
+          </a:xfrm>
+        </p:spPr>
+        <p:txBody>
+          <a:bodyPr/>
+          <a:lstStyle/>
+          <a:p>
+            <a:r>
+              <a:rPr lang="hu-HU" b="1" dirty="0"/>
+              <a:t>Implementálás</a:t>
+            </a:r>
+            <a:endParaRPr lang="en-US" b="1" dirty="0"/>
+          </a:p>
+        </p:txBody>
+      </p:sp>
+      <p:sp>
+        <p:nvSpPr>
+          <p:cNvPr id="3" name="Content Placeholder 2">
+            <a:extLst>
+              <a:ext uri="{FF2B5EF4-FFF2-40B4-BE49-F238E27FC236}">
+                <a16:creationId xmlns:a16="http://schemas.microsoft.com/office/drawing/2014/main" id="{FCB4D486-B530-52EC-6D9B-18324A47E6CF}"/>
+              </a:ext>
+            </a:extLst>
+          </p:cNvPr>
+          <p:cNvSpPr>
+            <a:spLocks noGrp="1"/>
+          </p:cNvSpPr>
+          <p:nvPr>
+            <p:ph idx="1"/>
+          </p:nvPr>
+        </p:nvSpPr>
+        <p:spPr>
+          <a:xfrm>
+            <a:off x="691079" y="1769389"/>
+            <a:ext cx="10325000" cy="4623022"/>
+          </a:xfrm>
+        </p:spPr>
+        <p:txBody>
+          <a:bodyPr>
+            <a:normAutofit/>
+          </a:bodyPr>
+          <a:lstStyle/>
+          <a:p>
+            <a:r>
+              <a:rPr lang="hu-HU" dirty="0"/>
+              <a:t>Jegycsoport modellek</a:t>
+            </a:r>
+          </a:p>
+          <a:p>
+            <a:pPr lvl="1"/>
+            <a:r>
+              <a:rPr lang="hu-HU" dirty="0"/>
+              <a:t>Algoritmusok: </a:t>
+            </a:r>
+            <a:r>
+              <a:rPr lang="hu-HU" dirty="0" err="1"/>
+              <a:t>Gradient</a:t>
+            </a:r>
+            <a:r>
+              <a:rPr lang="hu-HU" dirty="0"/>
+              <a:t> </a:t>
+            </a:r>
+            <a:r>
+              <a:rPr lang="hu-HU" dirty="0" err="1"/>
+              <a:t>Tree</a:t>
+            </a:r>
+            <a:r>
+              <a:rPr lang="hu-HU" dirty="0"/>
+              <a:t> </a:t>
+            </a:r>
+            <a:r>
+              <a:rPr lang="hu-HU" dirty="0" err="1"/>
+              <a:t>Boosting</a:t>
+            </a:r>
+            <a:r>
+              <a:rPr lang="hu-HU" dirty="0"/>
+              <a:t>, </a:t>
+            </a:r>
+            <a:r>
+              <a:rPr lang="hu-HU" dirty="0" err="1"/>
+              <a:t>Naive</a:t>
+            </a:r>
+            <a:br>
+              <a:rPr lang="hu-HU" dirty="0"/>
+            </a:br>
+            <a:r>
+              <a:rPr lang="hu-HU" dirty="0" err="1"/>
+              <a:t>Bayes</a:t>
+            </a:r>
+            <a:r>
+              <a:rPr lang="hu-HU" dirty="0"/>
+              <a:t>, SVM, logisztikus és lineáris regresszió</a:t>
+            </a:r>
+          </a:p>
+          <a:p>
+            <a:pPr lvl="1"/>
+            <a:r>
+              <a:rPr lang="hu-HU" dirty="0" err="1"/>
+              <a:t>Kvantilis</a:t>
+            </a:r>
+            <a:r>
+              <a:rPr lang="hu-HU" dirty="0"/>
+              <a:t> menti skálázás</a:t>
+            </a:r>
+          </a:p>
+          <a:p>
+            <a:pPr lvl="1"/>
+            <a:r>
+              <a:rPr lang="hu-HU" dirty="0"/>
+              <a:t>PCA dimenziócsökkentés </a:t>
+            </a:r>
+          </a:p>
+          <a:p>
+            <a:pPr lvl="1"/>
+            <a:r>
+              <a:rPr lang="hu-HU" dirty="0"/>
+              <a:t>5-szörös keresztvalidáció</a:t>
+            </a:r>
+          </a:p>
+          <a:p>
+            <a:r>
+              <a:rPr lang="hu-HU" dirty="0"/>
+              <a:t>Kumulált átlag</a:t>
+            </a:r>
+          </a:p>
+          <a:p>
+            <a:pPr lvl="1"/>
+            <a:r>
+              <a:rPr lang="hu-HU" dirty="0"/>
+              <a:t>Algoritmusok: </a:t>
+            </a:r>
+            <a:r>
+              <a:rPr lang="hu-HU" dirty="0" err="1"/>
+              <a:t>Gradient</a:t>
+            </a:r>
+            <a:r>
+              <a:rPr lang="hu-HU" dirty="0"/>
+              <a:t> </a:t>
+            </a:r>
+            <a:r>
+              <a:rPr lang="hu-HU" dirty="0" err="1"/>
+              <a:t>Tree</a:t>
+            </a:r>
+            <a:r>
+              <a:rPr lang="hu-HU" dirty="0"/>
+              <a:t> </a:t>
+            </a:r>
+            <a:r>
+              <a:rPr lang="hu-HU" dirty="0" err="1"/>
+              <a:t>Boosting</a:t>
+            </a:r>
+            <a:r>
+              <a:rPr lang="hu-HU" dirty="0"/>
+              <a:t>, </a:t>
+            </a:r>
+            <a:br>
+              <a:rPr lang="hu-HU" dirty="0"/>
+            </a:br>
+            <a:r>
+              <a:rPr lang="hu-HU" dirty="0"/>
+              <a:t>lineáris regresszió</a:t>
+            </a:r>
+          </a:p>
+          <a:p>
+            <a:pPr lvl="1"/>
+            <a:r>
+              <a:rPr lang="hu-HU" dirty="0" err="1"/>
+              <a:t>Kvantilis</a:t>
+            </a:r>
+            <a:r>
+              <a:rPr lang="hu-HU" dirty="0"/>
+              <a:t> menti skálázás</a:t>
+            </a:r>
+          </a:p>
+          <a:p>
+            <a:pPr lvl="1"/>
+            <a:r>
+              <a:rPr lang="hu-HU" dirty="0"/>
+              <a:t>5-szörös keresztvalidáció</a:t>
+            </a:r>
+          </a:p>
+          <a:p>
+            <a:pPr lvl="1"/>
+            <a:endParaRPr lang="hu-HU" dirty="0"/>
+          </a:p>
+          <a:p>
+            <a:pPr lvl="1"/>
+            <a:endParaRPr lang="hu-HU" dirty="0"/>
+          </a:p>
+        </p:txBody>
+      </p:sp>
+      <p:pic>
+        <p:nvPicPr>
+          <p:cNvPr id="5" name="Picture 4" descr="Diagram&#10;&#10;Description automatically generated">
+            <a:extLst>
+              <a:ext uri="{FF2B5EF4-FFF2-40B4-BE49-F238E27FC236}">
+                <a16:creationId xmlns:a16="http://schemas.microsoft.com/office/drawing/2014/main" id="{0CA26AE9-7A76-FD27-E7B9-08195EEA1027}"/>
+              </a:ext>
+            </a:extLst>
+          </p:cNvPr>
+          <p:cNvPicPr>
+            <a:picLocks noChangeAspect="1"/>
+          </p:cNvPicPr>
+          <p:nvPr/>
+        </p:nvPicPr>
+        <p:blipFill>
+          <a:blip r:embed="rId2">
+            <a:extLst>
+              <a:ext uri="{28A0092B-C50C-407E-A947-70E740481C1C}">
+                <a14:useLocalDpi xmlns:a14="http://schemas.microsoft.com/office/drawing/2010/main" val="0"/>
+              </a:ext>
+            </a:extLst>
+          </a:blip>
+          <a:stretch>
+            <a:fillRect/>
+          </a:stretch>
+        </p:blipFill>
+        <p:spPr>
+          <a:xfrm>
+            <a:off x="6528100" y="894618"/>
+            <a:ext cx="5297381" cy="5068764"/>
+          </a:xfrm>
+          <a:prstGeom prst="rect">
+            <a:avLst/>
+          </a:prstGeom>
+        </p:spPr>
+      </p:pic>
+    </p:spTree>
+    <p:extLst>
+      <p:ext uri="{BB962C8B-B14F-4D97-AF65-F5344CB8AC3E}">
+        <p14:creationId xmlns:p14="http://schemas.microsoft.com/office/powerpoint/2010/main" val="2156428409"/>
+      </p:ext>
+    </p:extLst>
+  </p:cSld>
+  <p:clrMapOvr>
+    <a:masterClrMapping/>
+  </p:clrMapOvr>
+</p:sld>
+</file>
+
+<file path=ppt/slides/slide13.xml><?xml version="1.0" encoding="utf-8"?>
+<p:sld xmlns:a="http://schemas.openxmlformats.org/drawingml/2006/main" xmlns:r="http://schemas.openxmlformats.org/officeDocument/2006/relationships" xmlns:p="http://schemas.openxmlformats.org/presentationml/2006/main">
+  <p:cSld>
+    <p:spTree>
+      <p:nvGrpSpPr>
+        <p:cNvPr id="1" name=""/>
+        <p:cNvGrpSpPr/>
+        <p:nvPr/>
+      </p:nvGrpSpPr>
+      <p:grpSpPr>
+        <a:xfrm>
+          <a:off x="0" y="0"/>
+          <a:ext cx="0" cy="0"/>
+          <a:chOff x="0" y="0"/>
+          <a:chExt cx="0" cy="0"/>
+        </a:xfrm>
+      </p:grpSpPr>
+      <p:sp>
+        <p:nvSpPr>
+          <p:cNvPr id="2" name="Title 1">
+            <a:extLst>
+              <a:ext uri="{FF2B5EF4-FFF2-40B4-BE49-F238E27FC236}">
+                <a16:creationId xmlns:a16="http://schemas.microsoft.com/office/drawing/2014/main" id="{A2D651F9-DA77-4349-1A02-1AC967918E56}"/>
+              </a:ext>
+            </a:extLst>
+          </p:cNvPr>
+          <p:cNvSpPr>
+            <a:spLocks noGrp="1"/>
+          </p:cNvSpPr>
+          <p:nvPr>
+            <p:ph type="title"/>
+          </p:nvPr>
+        </p:nvSpPr>
+        <p:spPr>
+          <a:xfrm>
+            <a:off x="2654103" y="306112"/>
+            <a:ext cx="10325000" cy="768822"/>
+          </a:xfrm>
+        </p:spPr>
+        <p:txBody>
+          <a:bodyPr/>
+          <a:lstStyle/>
+          <a:p>
+            <a:r>
+              <a:rPr lang="hu-HU" b="1" dirty="0"/>
+              <a:t>Jegycsoport eredmények</a:t>
+            </a:r>
+            <a:endParaRPr lang="en-US" b="1" dirty="0"/>
+          </a:p>
+        </p:txBody>
+      </p:sp>
+      <p:graphicFrame>
+        <p:nvGraphicFramePr>
+          <p:cNvPr id="4" name="Table 4">
+            <a:extLst>
+              <a:ext uri="{FF2B5EF4-FFF2-40B4-BE49-F238E27FC236}">
+                <a16:creationId xmlns:a16="http://schemas.microsoft.com/office/drawing/2014/main" id="{6D477EC4-48C8-9641-F3BF-DC39C6054B28}"/>
+              </a:ext>
+            </a:extLst>
+          </p:cNvPr>
+          <p:cNvGraphicFramePr>
+            <a:graphicFrameLocks noGrp="1"/>
+          </p:cNvGraphicFramePr>
+          <p:nvPr>
+            <p:ph idx="1"/>
+            <p:extLst>
+              <p:ext uri="{D42A27DB-BD31-4B8C-83A1-F6EECF244321}">
+                <p14:modId xmlns:p14="http://schemas.microsoft.com/office/powerpoint/2010/main" val="764906784"/>
+              </p:ext>
+            </p:extLst>
+          </p:nvPr>
+        </p:nvGraphicFramePr>
+        <p:xfrm>
+          <a:off x="1080736" y="2250475"/>
+          <a:ext cx="4336444" cy="1854200"/>
+        </p:xfrm>
+        <a:graphic>
+          <a:graphicData uri="http://schemas.openxmlformats.org/drawingml/2006/table">
+            <a:tbl>
+              <a:tblPr firstRow="1" bandRow="1">
+                <a:tableStyleId>{5C22544A-7EE6-4342-B048-85BDC9FD1C3A}</a:tableStyleId>
+              </a:tblPr>
+              <a:tblGrid>
+                <a:gridCol w="2611042">
+                  <a:extLst>
+                    <a:ext uri="{9D8B030D-6E8A-4147-A177-3AD203B41FA5}">
+                      <a16:colId xmlns:a16="http://schemas.microsoft.com/office/drawing/2014/main" val="3013470877"/>
+                    </a:ext>
+                  </a:extLst>
+                </a:gridCol>
+                <a:gridCol w="837488">
+                  <a:extLst>
+                    <a:ext uri="{9D8B030D-6E8A-4147-A177-3AD203B41FA5}">
+                      <a16:colId xmlns:a16="http://schemas.microsoft.com/office/drawing/2014/main" val="1252061748"/>
+                    </a:ext>
+                  </a:extLst>
+                </a:gridCol>
+                <a:gridCol w="887914">
+                  <a:extLst>
+                    <a:ext uri="{9D8B030D-6E8A-4147-A177-3AD203B41FA5}">
+                      <a16:colId xmlns:a16="http://schemas.microsoft.com/office/drawing/2014/main" val="3877532681"/>
+                    </a:ext>
+                  </a:extLst>
+                </a:gridCol>
+              </a:tblGrid>
+              <a:tr h="370840">
+                <a:tc>
+                  <a:txBody>
+                    <a:bodyPr/>
+                    <a:lstStyle/>
+                    <a:p>
+                      <a:pPr algn="ctr"/>
+                      <a:r>
+                        <a:rPr lang="hu-HU" dirty="0"/>
+                        <a:t>Modell</a:t>
+                      </a:r>
+                      <a:endParaRPr lang="en-US" dirty="0"/>
+                    </a:p>
+                  </a:txBody>
+                  <a:tcPr/>
+                </a:tc>
+                <a:tc>
+                  <a:txBody>
+                    <a:bodyPr/>
+                    <a:lstStyle/>
+                    <a:p>
+                      <a:pPr algn="ctr"/>
+                      <a:r>
+                        <a:rPr lang="hu-HU" dirty="0"/>
+                        <a:t>2019</a:t>
+                      </a:r>
+                      <a:endParaRPr lang="en-US" dirty="0"/>
+                    </a:p>
+                  </a:txBody>
+                  <a:tcPr/>
+                </a:tc>
+                <a:tc>
+                  <a:txBody>
+                    <a:bodyPr/>
+                    <a:lstStyle/>
+                    <a:p>
+                      <a:pPr algn="ctr"/>
+                      <a:r>
+                        <a:rPr lang="hu-HU" dirty="0"/>
+                        <a:t>2021</a:t>
+                      </a:r>
+                      <a:endParaRPr lang="en-US" dirty="0"/>
+                    </a:p>
+                  </a:txBody>
+                  <a:tcPr/>
+                </a:tc>
+                <a:extLst>
+                  <a:ext uri="{0D108BD9-81ED-4DB2-BD59-A6C34878D82A}">
+                    <a16:rowId xmlns:a16="http://schemas.microsoft.com/office/drawing/2014/main" val="3251967279"/>
+                  </a:ext>
+                </a:extLst>
+              </a:tr>
+              <a:tr h="370840">
+                <a:tc>
+                  <a:txBody>
+                    <a:bodyPr/>
+                    <a:lstStyle/>
+                    <a:p>
+                      <a:pPr algn="ctr"/>
+                      <a:r>
+                        <a:rPr lang="hu-HU" dirty="0"/>
+                        <a:t>Összesített 3 csoport</a:t>
+                      </a:r>
+                      <a:endParaRPr lang="en-US" dirty="0"/>
+                    </a:p>
+                  </a:txBody>
+                  <a:tcPr/>
+                </a:tc>
+                <a:tc>
+                  <a:txBody>
+                    <a:bodyPr/>
+                    <a:lstStyle/>
+                    <a:p>
+                      <a:pPr algn="ctr"/>
+                      <a:r>
+                        <a:rPr lang="hu-HU" dirty="0"/>
+                        <a:t>70.67</a:t>
+                      </a:r>
+                      <a:endParaRPr lang="en-US" dirty="0"/>
+                    </a:p>
+                  </a:txBody>
+                  <a:tcPr/>
+                </a:tc>
+                <a:tc>
+                  <a:txBody>
+                    <a:bodyPr/>
+                    <a:lstStyle/>
+                    <a:p>
+                      <a:pPr algn="ctr"/>
+                      <a:r>
+                        <a:rPr lang="hu-HU" dirty="0"/>
+                        <a:t>80.39</a:t>
+                      </a:r>
+                      <a:endParaRPr lang="en-US" dirty="0"/>
+                    </a:p>
+                  </a:txBody>
+                  <a:tcPr/>
+                </a:tc>
+                <a:extLst>
+                  <a:ext uri="{0D108BD9-81ED-4DB2-BD59-A6C34878D82A}">
+                    <a16:rowId xmlns:a16="http://schemas.microsoft.com/office/drawing/2014/main" val="931740978"/>
+                  </a:ext>
+                </a:extLst>
+              </a:tr>
+              <a:tr h="370840">
+                <a:tc>
+                  <a:txBody>
+                    <a:bodyPr/>
+                    <a:lstStyle/>
+                    <a:p>
+                      <a:pPr algn="ctr"/>
+                      <a:r>
+                        <a:rPr lang="hu-HU" dirty="0" err="1"/>
+                        <a:t>Szakonkénti</a:t>
+                      </a:r>
+                      <a:r>
+                        <a:rPr lang="hu-HU" dirty="0"/>
+                        <a:t> 2 csoport</a:t>
+                      </a:r>
+                      <a:endParaRPr lang="en-US" dirty="0"/>
+                    </a:p>
+                  </a:txBody>
+                  <a:tcPr/>
+                </a:tc>
+                <a:tc>
+                  <a:txBody>
+                    <a:bodyPr/>
+                    <a:lstStyle/>
+                    <a:p>
+                      <a:pPr algn="ctr"/>
+                      <a:r>
+                        <a:rPr lang="hu-HU" dirty="0"/>
+                        <a:t>82.02</a:t>
+                      </a:r>
+                      <a:endParaRPr lang="en-US" dirty="0"/>
+                    </a:p>
+                  </a:txBody>
+                  <a:tcPr/>
+                </a:tc>
+                <a:tc>
+                  <a:txBody>
+                    <a:bodyPr/>
+                    <a:lstStyle/>
+                    <a:p>
+                      <a:pPr algn="ctr"/>
+                      <a:r>
+                        <a:rPr lang="hu-HU" dirty="0"/>
+                        <a:t>83.07</a:t>
+                      </a:r>
+                      <a:endParaRPr lang="en-US" dirty="0"/>
+                    </a:p>
+                  </a:txBody>
+                  <a:tcPr/>
+                </a:tc>
+                <a:extLst>
+                  <a:ext uri="{0D108BD9-81ED-4DB2-BD59-A6C34878D82A}">
+                    <a16:rowId xmlns:a16="http://schemas.microsoft.com/office/drawing/2014/main" val="1047453926"/>
+                  </a:ext>
+                </a:extLst>
+              </a:tr>
+              <a:tr h="370840">
+                <a:tc>
+                  <a:txBody>
+                    <a:bodyPr/>
+                    <a:lstStyle/>
+                    <a:p>
+                      <a:pPr algn="ctr"/>
+                      <a:r>
+                        <a:rPr lang="hu-HU" dirty="0"/>
+                        <a:t>Összesített 3 csoport</a:t>
+                      </a:r>
+                      <a:endParaRPr lang="en-US" dirty="0"/>
+                    </a:p>
+                  </a:txBody>
+                  <a:tcPr/>
+                </a:tc>
+                <a:tc>
+                  <a:txBody>
+                    <a:bodyPr/>
+                    <a:lstStyle/>
+                    <a:p>
+                      <a:pPr algn="ctr"/>
+                      <a:r>
+                        <a:rPr lang="hu-HU" dirty="0"/>
+                        <a:t>73.91</a:t>
+                      </a:r>
+                      <a:endParaRPr lang="en-US" dirty="0"/>
+                    </a:p>
+                  </a:txBody>
+                  <a:tcPr/>
+                </a:tc>
+                <a:tc>
+                  <a:txBody>
+                    <a:bodyPr/>
+                    <a:lstStyle/>
+                    <a:p>
+                      <a:pPr algn="ctr"/>
+                      <a:r>
+                        <a:rPr lang="hu-HU" dirty="0"/>
+                        <a:t>83.24</a:t>
+                      </a:r>
+                      <a:endParaRPr lang="en-US" dirty="0"/>
+                    </a:p>
+                  </a:txBody>
+                  <a:tcPr/>
+                </a:tc>
+                <a:extLst>
+                  <a:ext uri="{0D108BD9-81ED-4DB2-BD59-A6C34878D82A}">
+                    <a16:rowId xmlns:a16="http://schemas.microsoft.com/office/drawing/2014/main" val="1644338574"/>
+                  </a:ext>
+                </a:extLst>
+              </a:tr>
+              <a:tr h="370840">
+                <a:tc>
+                  <a:txBody>
+                    <a:bodyPr/>
+                    <a:lstStyle/>
+                    <a:p>
+                      <a:pPr algn="ctr"/>
+                      <a:r>
+                        <a:rPr lang="hu-HU" dirty="0" err="1"/>
+                        <a:t>Szakonkénti</a:t>
+                      </a:r>
+                      <a:r>
+                        <a:rPr lang="hu-HU" dirty="0"/>
+                        <a:t> 2 csoport</a:t>
+                      </a:r>
+                      <a:endParaRPr lang="en-US" dirty="0"/>
+                    </a:p>
+                  </a:txBody>
+                  <a:tcPr/>
+                </a:tc>
+                <a:tc>
+                  <a:txBody>
+                    <a:bodyPr/>
+                    <a:lstStyle/>
+                    <a:p>
+                      <a:pPr algn="ctr"/>
+                      <a:r>
+                        <a:rPr lang="hu-HU" dirty="0"/>
+                        <a:t>68.96</a:t>
+                      </a:r>
+                      <a:endParaRPr lang="en-US" dirty="0"/>
+                    </a:p>
+                  </a:txBody>
+                  <a:tcPr/>
+                </a:tc>
+                <a:tc>
+                  <a:txBody>
+                    <a:bodyPr/>
+                    <a:lstStyle/>
+                    <a:p>
+                      <a:pPr algn="ctr"/>
+                      <a:r>
+                        <a:rPr lang="hu-HU" dirty="0"/>
+                        <a:t>81.53</a:t>
+                      </a:r>
+                      <a:endParaRPr lang="en-US" dirty="0"/>
+                    </a:p>
+                  </a:txBody>
+                  <a:tcPr/>
+                </a:tc>
+                <a:extLst>
+                  <a:ext uri="{0D108BD9-81ED-4DB2-BD59-A6C34878D82A}">
+                    <a16:rowId xmlns:a16="http://schemas.microsoft.com/office/drawing/2014/main" val="2189153862"/>
+                  </a:ext>
+                </a:extLst>
+              </a:tr>
+            </a:tbl>
+          </a:graphicData>
+        </a:graphic>
+      </p:graphicFrame>
+      <p:sp>
+        <p:nvSpPr>
+          <p:cNvPr id="5" name="TextBox 4">
+            <a:extLst>
+              <a:ext uri="{FF2B5EF4-FFF2-40B4-BE49-F238E27FC236}">
+                <a16:creationId xmlns:a16="http://schemas.microsoft.com/office/drawing/2014/main" id="{E7E21E30-A4B4-E679-5B76-DFBE0DF85C53}"/>
+              </a:ext>
+            </a:extLst>
+          </p:cNvPr>
+          <p:cNvSpPr txBox="1"/>
+          <p:nvPr/>
+        </p:nvSpPr>
+        <p:spPr>
+          <a:xfrm>
+            <a:off x="1461994" y="4432690"/>
+            <a:ext cx="3627916" cy="307777"/>
+          </a:xfrm>
+          <a:prstGeom prst="rect">
+            <a:avLst/>
+          </a:prstGeom>
+          <a:noFill/>
+        </p:spPr>
+        <p:txBody>
+          <a:bodyPr wrap="none" rtlCol="0">
+            <a:spAutoFit/>
+          </a:bodyPr>
+          <a:lstStyle/>
+          <a:p>
+            <a:r>
+              <a:rPr lang="hu-HU" sz="1400" dirty="0"/>
+              <a:t>-Kiértékelési metrika: „</a:t>
+            </a:r>
+            <a:r>
+              <a:rPr lang="hu-HU" sz="1400" i="1" dirty="0" err="1"/>
+              <a:t>balanced</a:t>
+            </a:r>
+            <a:r>
+              <a:rPr lang="hu-HU" sz="1400" i="1" dirty="0"/>
+              <a:t> </a:t>
+            </a:r>
+            <a:r>
+              <a:rPr lang="hu-HU" sz="1400" i="1" dirty="0" err="1"/>
+              <a:t>accuracy</a:t>
+            </a:r>
+            <a:r>
+              <a:rPr lang="hu-HU" sz="1400" i="1" dirty="0"/>
+              <a:t>”</a:t>
+            </a:r>
+            <a:endParaRPr lang="en-US" sz="1400" i="1" dirty="0"/>
+          </a:p>
+        </p:txBody>
+      </p:sp>
+      <p:pic>
+        <p:nvPicPr>
+          <p:cNvPr id="7" name="Picture 6" descr="A picture containing treemap chart&#10;&#10;Description automatically generated">
+            <a:extLst>
+              <a:ext uri="{FF2B5EF4-FFF2-40B4-BE49-F238E27FC236}">
+                <a16:creationId xmlns:a16="http://schemas.microsoft.com/office/drawing/2014/main" id="{8C56D25A-618C-E9D7-77B9-B2DDAF5FAF5D}"/>
+              </a:ext>
+            </a:extLst>
+          </p:cNvPr>
+          <p:cNvPicPr>
+            <a:picLocks noChangeAspect="1"/>
+          </p:cNvPicPr>
+          <p:nvPr/>
+        </p:nvPicPr>
+        <p:blipFill>
+          <a:blip r:embed="rId2">
+            <a:extLst>
+              <a:ext uri="{28A0092B-C50C-407E-A947-70E740481C1C}">
+                <a14:useLocalDpi xmlns:a14="http://schemas.microsoft.com/office/drawing/2010/main" val="0"/>
+              </a:ext>
+            </a:extLst>
+          </a:blip>
+          <a:stretch>
+            <a:fillRect/>
+          </a:stretch>
+        </p:blipFill>
+        <p:spPr>
+          <a:xfrm>
+            <a:off x="6678686" y="2027337"/>
+            <a:ext cx="4516553" cy="4404941"/>
+          </a:xfrm>
+          <a:prstGeom prst="rect">
+            <a:avLst/>
+          </a:prstGeom>
+        </p:spPr>
+      </p:pic>
+      <p:sp>
+        <p:nvSpPr>
+          <p:cNvPr id="8" name="TextBox 7">
+            <a:extLst>
+              <a:ext uri="{FF2B5EF4-FFF2-40B4-BE49-F238E27FC236}">
+                <a16:creationId xmlns:a16="http://schemas.microsoft.com/office/drawing/2014/main" id="{3AC9C2AE-011F-D217-5C72-EC4AE7DE5320}"/>
+              </a:ext>
+            </a:extLst>
+          </p:cNvPr>
+          <p:cNvSpPr txBox="1"/>
+          <p:nvPr/>
+        </p:nvSpPr>
+        <p:spPr>
+          <a:xfrm>
+            <a:off x="1322790" y="1517357"/>
+            <a:ext cx="3852337" cy="369332"/>
+          </a:xfrm>
+          <a:prstGeom prst="rect">
+            <a:avLst/>
+          </a:prstGeom>
+          <a:noFill/>
+        </p:spPr>
+        <p:txBody>
+          <a:bodyPr wrap="none" rtlCol="0">
+            <a:spAutoFit/>
+          </a:bodyPr>
+          <a:lstStyle/>
+          <a:p>
+            <a:r>
+              <a:rPr lang="hu-HU" dirty="0"/>
+              <a:t>Legjobb eredmények modellenként</a:t>
+            </a:r>
+            <a:endParaRPr lang="en-US" dirty="0"/>
+          </a:p>
+        </p:txBody>
+      </p:sp>
+      <p:sp>
+        <p:nvSpPr>
+          <p:cNvPr id="9" name="TextBox 8">
+            <a:extLst>
+              <a:ext uri="{FF2B5EF4-FFF2-40B4-BE49-F238E27FC236}">
+                <a16:creationId xmlns:a16="http://schemas.microsoft.com/office/drawing/2014/main" id="{A517CA22-5621-5635-9726-6AF69866F326}"/>
+              </a:ext>
+            </a:extLst>
+          </p:cNvPr>
+          <p:cNvSpPr txBox="1"/>
+          <p:nvPr/>
+        </p:nvSpPr>
+        <p:spPr>
+          <a:xfrm>
+            <a:off x="6341315" y="1517357"/>
+            <a:ext cx="5191293" cy="369332"/>
+          </a:xfrm>
+          <a:prstGeom prst="rect">
+            <a:avLst/>
+          </a:prstGeom>
+          <a:noFill/>
+        </p:spPr>
+        <p:txBody>
+          <a:bodyPr wrap="none" rtlCol="0">
+            <a:spAutoFit/>
+          </a:bodyPr>
+          <a:lstStyle/>
+          <a:p>
+            <a:r>
+              <a:rPr lang="hu-HU" dirty="0"/>
+              <a:t>Tévesztési mátrixok az összesített modelleknél</a:t>
+            </a:r>
+            <a:endParaRPr lang="en-US" dirty="0"/>
+          </a:p>
+        </p:txBody>
+      </p:sp>
+      <p:pic>
+        <p:nvPicPr>
+          <p:cNvPr id="11" name="Picture 10">
+            <a:extLst>
+              <a:ext uri="{FF2B5EF4-FFF2-40B4-BE49-F238E27FC236}">
+                <a16:creationId xmlns:a16="http://schemas.microsoft.com/office/drawing/2014/main" id="{FFF57C37-AC7F-679F-624D-787DAA42776A}"/>
+              </a:ext>
+            </a:extLst>
+          </p:cNvPr>
+          <p:cNvPicPr>
+            <a:picLocks noChangeAspect="1"/>
+          </p:cNvPicPr>
+          <p:nvPr/>
+        </p:nvPicPr>
+        <p:blipFill>
+          <a:blip r:embed="rId3"/>
+          <a:stretch>
+            <a:fillRect/>
+          </a:stretch>
+        </p:blipFill>
+        <p:spPr>
+          <a:xfrm>
+            <a:off x="1532525" y="4840030"/>
+            <a:ext cx="3557385" cy="1001225"/>
+          </a:xfrm>
+          <a:prstGeom prst="rect">
+            <a:avLst/>
+          </a:prstGeom>
+        </p:spPr>
+      </p:pic>
+    </p:spTree>
+    <p:extLst>
+      <p:ext uri="{BB962C8B-B14F-4D97-AF65-F5344CB8AC3E}">
+        <p14:creationId xmlns:p14="http://schemas.microsoft.com/office/powerpoint/2010/main" val="430585873"/>
+      </p:ext>
+    </p:extLst>
+  </p:cSld>
+  <p:clrMapOvr>
+    <a:masterClrMapping/>
+  </p:clrMapOvr>
+</p:sld>
+</file>
+
+<file path=ppt/slides/slide14.xml><?xml version="1.0" encoding="utf-8"?>
+<p:sld xmlns:a="http://schemas.openxmlformats.org/drawingml/2006/main" xmlns:r="http://schemas.openxmlformats.org/officeDocument/2006/relationships" xmlns:p="http://schemas.openxmlformats.org/presentationml/2006/main">
+  <p:cSld>
+    <p:spTree>
+      <p:nvGrpSpPr>
+        <p:cNvPr id="1" name=""/>
+        <p:cNvGrpSpPr/>
+        <p:nvPr/>
+      </p:nvGrpSpPr>
+      <p:grpSpPr>
+        <a:xfrm>
+          <a:off x="0" y="0"/>
+          <a:ext cx="0" cy="0"/>
+          <a:chOff x="0" y="0"/>
+          <a:chExt cx="0" cy="0"/>
+        </a:xfrm>
+      </p:grpSpPr>
+      <p:sp>
+        <p:nvSpPr>
+          <p:cNvPr id="2" name="Title 1">
+            <a:extLst>
+              <a:ext uri="{FF2B5EF4-FFF2-40B4-BE49-F238E27FC236}">
+                <a16:creationId xmlns:a16="http://schemas.microsoft.com/office/drawing/2014/main" id="{DC2DB902-8C66-D66F-46D6-28F18A811860}"/>
+              </a:ext>
+            </a:extLst>
+          </p:cNvPr>
+          <p:cNvSpPr>
+            <a:spLocks noGrp="1"/>
+          </p:cNvSpPr>
+          <p:nvPr>
+            <p:ph type="title"/>
+          </p:nvPr>
+        </p:nvSpPr>
+        <p:spPr>
+          <a:xfrm>
+            <a:off x="3459751" y="588337"/>
+            <a:ext cx="6241566" cy="731500"/>
+          </a:xfrm>
+        </p:spPr>
+        <p:txBody>
+          <a:bodyPr>
+            <a:normAutofit fontScale="90000"/>
+          </a:bodyPr>
+          <a:lstStyle/>
+          <a:p>
+            <a:r>
+              <a:rPr lang="hu-HU" b="1" dirty="0"/>
+              <a:t>Változófontosságok</a:t>
+            </a:r>
+            <a:endParaRPr lang="en-US" b="1" dirty="0"/>
+          </a:p>
+        </p:txBody>
+      </p:sp>
+      <p:pic>
+        <p:nvPicPr>
+          <p:cNvPr id="5" name="Content Placeholder 4" descr="Chart, bar chart&#10;&#10;Description automatically generated">
+            <a:extLst>
+              <a:ext uri="{FF2B5EF4-FFF2-40B4-BE49-F238E27FC236}">
+                <a16:creationId xmlns:a16="http://schemas.microsoft.com/office/drawing/2014/main" id="{FC871925-D3FF-B564-95D3-BBF0273B1D30}"/>
+              </a:ext>
+            </a:extLst>
+          </p:cNvPr>
+          <p:cNvPicPr>
+            <a:picLocks noGrp="1" noChangeAspect="1"/>
+          </p:cNvPicPr>
+          <p:nvPr>
+            <p:ph idx="1"/>
+          </p:nvPr>
+        </p:nvPicPr>
+        <p:blipFill>
+          <a:blip r:embed="rId2">
+            <a:extLst>
+              <a:ext uri="{28A0092B-C50C-407E-A947-70E740481C1C}">
+                <a14:useLocalDpi xmlns:a14="http://schemas.microsoft.com/office/drawing/2010/main" val="0"/>
+              </a:ext>
+            </a:extLst>
+          </a:blip>
+          <a:stretch>
+            <a:fillRect/>
+          </a:stretch>
+        </p:blipFill>
+        <p:spPr>
+          <a:xfrm>
+            <a:off x="1607388" y="1849512"/>
+            <a:ext cx="8977223" cy="4157038"/>
+          </a:xfrm>
+        </p:spPr>
+      </p:pic>
+    </p:spTree>
+    <p:extLst>
+      <p:ext uri="{BB962C8B-B14F-4D97-AF65-F5344CB8AC3E}">
+        <p14:creationId xmlns:p14="http://schemas.microsoft.com/office/powerpoint/2010/main" val="3868358561"/>
+      </p:ext>
+    </p:extLst>
+  </p:cSld>
+  <p:clrMapOvr>
+    <a:masterClrMapping/>
+  </p:clrMapOvr>
+</p:sld>
+</file>
+
+<file path=ppt/slides/slide15.xml><?xml version="1.0" encoding="utf-8"?>
+<p:sld xmlns:a="http://schemas.openxmlformats.org/drawingml/2006/main" xmlns:r="http://schemas.openxmlformats.org/officeDocument/2006/relationships" xmlns:p="http://schemas.openxmlformats.org/presentationml/2006/main">
+  <p:cSld>
+    <p:spTree>
+      <p:nvGrpSpPr>
+        <p:cNvPr id="1" name=""/>
+        <p:cNvGrpSpPr/>
+        <p:nvPr/>
+      </p:nvGrpSpPr>
+      <p:grpSpPr>
+        <a:xfrm>
+          <a:off x="0" y="0"/>
+          <a:ext cx="0" cy="0"/>
+          <a:chOff x="0" y="0"/>
+          <a:chExt cx="0" cy="0"/>
+        </a:xfrm>
+      </p:grpSpPr>
+      <p:sp>
+        <p:nvSpPr>
+          <p:cNvPr id="2" name="Title 1">
+            <a:extLst>
+              <a:ext uri="{FF2B5EF4-FFF2-40B4-BE49-F238E27FC236}">
+                <a16:creationId xmlns:a16="http://schemas.microsoft.com/office/drawing/2014/main" id="{5EAC4755-F010-4484-FFDC-2C0C50BF9BA5}"/>
+              </a:ext>
+            </a:extLst>
+          </p:cNvPr>
+          <p:cNvSpPr>
+            <a:spLocks noGrp="1"/>
+          </p:cNvSpPr>
+          <p:nvPr>
+            <p:ph type="title"/>
+          </p:nvPr>
+        </p:nvSpPr>
+        <p:spPr>
+          <a:xfrm>
+            <a:off x="691079" y="335559"/>
+            <a:ext cx="10325000" cy="784231"/>
+          </a:xfrm>
+        </p:spPr>
+        <p:txBody>
+          <a:bodyPr/>
+          <a:lstStyle/>
+          <a:p>
+            <a:r>
+              <a:rPr lang="hu-HU" b="1" dirty="0"/>
+              <a:t>Kumulált átlag eredmények</a:t>
+            </a:r>
+            <a:endParaRPr lang="en-US" b="1" dirty="0"/>
+          </a:p>
+        </p:txBody>
+      </p:sp>
+      <p:sp>
+        <p:nvSpPr>
+          <p:cNvPr id="3" name="Content Placeholder 2">
+            <a:extLst>
+              <a:ext uri="{FF2B5EF4-FFF2-40B4-BE49-F238E27FC236}">
+                <a16:creationId xmlns:a16="http://schemas.microsoft.com/office/drawing/2014/main" id="{CD1B12DB-F6BB-C12F-A1A0-3B72A280EA9E}"/>
+              </a:ext>
+            </a:extLst>
+          </p:cNvPr>
+          <p:cNvSpPr>
+            <a:spLocks noGrp="1"/>
+          </p:cNvSpPr>
+          <p:nvPr>
+            <p:ph idx="1"/>
+          </p:nvPr>
+        </p:nvSpPr>
+        <p:spPr/>
+        <p:txBody>
+          <a:bodyPr/>
+          <a:lstStyle/>
+          <a:p>
+            <a:endParaRPr lang="en-US" dirty="0"/>
+          </a:p>
+        </p:txBody>
+      </p:sp>
+    </p:spTree>
+    <p:extLst>
+      <p:ext uri="{BB962C8B-B14F-4D97-AF65-F5344CB8AC3E}">
+        <p14:creationId xmlns:p14="http://schemas.microsoft.com/office/powerpoint/2010/main" val="1452824542"/>
+      </p:ext>
+    </p:extLst>
+  </p:cSld>
+  <p:clrMapOvr>
+    <a:masterClrMapping/>
+  </p:clrMapOvr>
+</p:sld>
+</file>
+
+<file path=ppt/slides/slide16.xml><?xml version="1.0" encoding="utf-8"?>
+<p:sld xmlns:a="http://schemas.openxmlformats.org/drawingml/2006/main" xmlns:r="http://schemas.openxmlformats.org/officeDocument/2006/relationships" xmlns:p="http://schemas.openxmlformats.org/presentationml/2006/main">
+  <p:cSld>
+    <p:spTree>
+      <p:nvGrpSpPr>
+        <p:cNvPr id="1" name=""/>
+        <p:cNvGrpSpPr/>
+        <p:nvPr/>
+      </p:nvGrpSpPr>
+      <p:grpSpPr>
+        <a:xfrm>
+          <a:off x="0" y="0"/>
+          <a:ext cx="0" cy="0"/>
+          <a:chOff x="0" y="0"/>
+          <a:chExt cx="0" cy="0"/>
+        </a:xfrm>
+      </p:grpSpPr>
+      <p:sp>
+        <p:nvSpPr>
+          <p:cNvPr id="2" name="Title 1">
+            <a:extLst>
+              <a:ext uri="{FF2B5EF4-FFF2-40B4-BE49-F238E27FC236}">
+                <a16:creationId xmlns:a16="http://schemas.microsoft.com/office/drawing/2014/main" id="{6FC7AF35-B014-446A-2450-7CCC2A901659}"/>
+              </a:ext>
+            </a:extLst>
+          </p:cNvPr>
+          <p:cNvSpPr>
+            <a:spLocks noGrp="1"/>
+          </p:cNvSpPr>
+          <p:nvPr>
+            <p:ph type="title"/>
+          </p:nvPr>
+        </p:nvSpPr>
+        <p:spPr>
+          <a:xfrm>
+            <a:off x="691079" y="411061"/>
+            <a:ext cx="10325000" cy="952010"/>
+          </a:xfrm>
+        </p:spPr>
+        <p:txBody>
+          <a:bodyPr/>
+          <a:lstStyle/>
+          <a:p>
+            <a:r>
+              <a:rPr lang="hu-HU" b="1" dirty="0"/>
+              <a:t>Diszkusszió, további célok</a:t>
+            </a:r>
+            <a:endParaRPr lang="en-US" b="1" dirty="0"/>
+          </a:p>
+        </p:txBody>
+      </p:sp>
+      <p:sp>
+        <p:nvSpPr>
+          <p:cNvPr id="3" name="Content Placeholder 2">
+            <a:extLst>
+              <a:ext uri="{FF2B5EF4-FFF2-40B4-BE49-F238E27FC236}">
+                <a16:creationId xmlns:a16="http://schemas.microsoft.com/office/drawing/2014/main" id="{E9096160-2392-F47B-098A-66E70F514A24}"/>
+              </a:ext>
+            </a:extLst>
+          </p:cNvPr>
+          <p:cNvSpPr>
+            <a:spLocks noGrp="1"/>
+          </p:cNvSpPr>
+          <p:nvPr>
+            <p:ph idx="1"/>
+          </p:nvPr>
+        </p:nvSpPr>
+        <p:spPr>
+          <a:xfrm>
+            <a:off x="691079" y="1646782"/>
+            <a:ext cx="10325000" cy="3564436"/>
+          </a:xfrm>
+        </p:spPr>
+        <p:txBody>
+          <a:bodyPr/>
+          <a:lstStyle/>
+          <a:p>
+            <a:r>
+              <a:rPr lang="hu-HU" dirty="0"/>
+              <a:t>Artúr rész</a:t>
+            </a:r>
+          </a:p>
+          <a:p>
+            <a:endParaRPr lang="hu-HU" dirty="0"/>
+          </a:p>
+          <a:p>
+            <a:endParaRPr lang="hu-HU" dirty="0"/>
+          </a:p>
+          <a:p>
+            <a:endParaRPr lang="en-US" dirty="0"/>
+          </a:p>
+        </p:txBody>
+      </p:sp>
+    </p:spTree>
+    <p:extLst>
+      <p:ext uri="{BB962C8B-B14F-4D97-AF65-F5344CB8AC3E}">
+        <p14:creationId xmlns:p14="http://schemas.microsoft.com/office/powerpoint/2010/main" val="1864989293"/>
+      </p:ext>
+    </p:extLst>
+  </p:cSld>
+  <p:clrMapOvr>
+    <a:masterClrMapping/>
+  </p:clrMapOvr>
+</p:sld>
+</file>
+
+<file path=ppt/slides/slide2.xml><?xml version="1.0" encoding="utf-8"?>
+<p:sld xmlns:a="http://schemas.openxmlformats.org/drawingml/2006/main" xmlns:r="http://schemas.openxmlformats.org/officeDocument/2006/relationships" xmlns:p="http://schemas.openxmlformats.org/presentationml/2006/main">
+  <p:cSld>
+    <p:spTree>
+      <p:nvGrpSpPr>
+        <p:cNvPr id="1" name=""/>
+        <p:cNvGrpSpPr/>
+        <p:nvPr/>
+      </p:nvGrpSpPr>
+      <p:grpSpPr>
+        <a:xfrm>
+          <a:off x="0" y="0"/>
+          <a:ext cx="0" cy="0"/>
+          <a:chOff x="0" y="0"/>
+          <a:chExt cx="0" cy="0"/>
+        </a:xfrm>
+      </p:grpSpPr>
+      <p:sp>
+        <p:nvSpPr>
+          <p:cNvPr id="2" name="Cím 1">
+            <a:extLst>
+              <a:ext uri="{FF2B5EF4-FFF2-40B4-BE49-F238E27FC236}">
+                <a16:creationId xmlns:a16="http://schemas.microsoft.com/office/drawing/2014/main" id="{7272F0D8-9DF9-25AE-0E2C-2047DA9D9426}"/>
+              </a:ext>
+            </a:extLst>
+          </p:cNvPr>
+          <p:cNvSpPr>
+            <a:spLocks noGrp="1"/>
+          </p:cNvSpPr>
+          <p:nvPr>
+            <p:ph type="title"/>
+          </p:nvPr>
+        </p:nvSpPr>
+        <p:spPr>
+          <a:xfrm>
+            <a:off x="691079" y="231980"/>
+            <a:ext cx="4761765" cy="1214981"/>
+          </a:xfrm>
+        </p:spPr>
+        <p:txBody>
+          <a:bodyPr/>
+          <a:lstStyle/>
+          <a:p>
+            <a:pPr algn="ctr"/>
+            <a:r>
+              <a:rPr lang="hu-HU" b="1" dirty="0"/>
+              <a:t>Kérdésfeltevés</a:t>
+            </a:r>
+          </a:p>
+        </p:txBody>
+      </p:sp>
+      <p:sp>
+        <p:nvSpPr>
+          <p:cNvPr id="3" name="Tartalom helye 2">
+            <a:extLst>
+              <a:ext uri="{FF2B5EF4-FFF2-40B4-BE49-F238E27FC236}">
+                <a16:creationId xmlns:a16="http://schemas.microsoft.com/office/drawing/2014/main" id="{4FEFA480-032B-BDBB-56AE-B38CFD507F75}"/>
+              </a:ext>
+            </a:extLst>
+          </p:cNvPr>
+          <p:cNvSpPr>
+            <a:spLocks noGrp="1"/>
+          </p:cNvSpPr>
+          <p:nvPr>
+            <p:ph idx="1"/>
+          </p:nvPr>
+        </p:nvSpPr>
+        <p:spPr>
+          <a:xfrm>
+            <a:off x="691079" y="1893782"/>
+            <a:ext cx="4954712" cy="3564436"/>
+          </a:xfrm>
+        </p:spPr>
+        <p:txBody>
+          <a:bodyPr>
+            <a:normAutofit/>
+          </a:bodyPr>
+          <a:lstStyle/>
+          <a:p>
+            <a:r>
+              <a:rPr lang="hu-HU" sz="2400" dirty="0" err="1"/>
+              <a:t>Előrejelezhető</a:t>
+            </a:r>
+            <a:r>
+              <a:rPr lang="hu-HU" sz="2400" dirty="0"/>
+              <a:t>-e egy hallgató sikeressége </a:t>
+            </a:r>
+            <a:br>
+              <a:rPr lang="hu-HU" sz="2400" dirty="0"/>
+            </a:br>
+            <a:r>
+              <a:rPr lang="hu-HU" sz="2400" dirty="0"/>
+              <a:t>adott bemeneti változók segítségével?</a:t>
+            </a:r>
+          </a:p>
+          <a:p>
+            <a:r>
+              <a:rPr lang="hu-HU" sz="2400" dirty="0"/>
+              <a:t>Változtak-e az eredmények a pandémiás időszakban? Ha igen, hogyan?</a:t>
+            </a:r>
+            <a:br>
+              <a:rPr lang="hu-HU" dirty="0"/>
+            </a:br>
+            <a:endParaRPr lang="hu-HU" dirty="0"/>
+          </a:p>
+        </p:txBody>
+      </p:sp>
+      <p:pic>
+        <p:nvPicPr>
+          <p:cNvPr id="1026" name="Picture 2" descr="COVID-19 Response | United Nations">
+            <a:extLst>
+              <a:ext uri="{FF2B5EF4-FFF2-40B4-BE49-F238E27FC236}">
+                <a16:creationId xmlns:a16="http://schemas.microsoft.com/office/drawing/2014/main" id="{5584E600-7D9B-410E-6467-87F7E96B1C46}"/>
+              </a:ext>
+            </a:extLst>
+          </p:cNvPr>
+          <p:cNvPicPr>
+            <a:picLocks noChangeAspect="1" noChangeArrowheads="1"/>
+          </p:cNvPicPr>
+          <p:nvPr/>
+        </p:nvPicPr>
+        <p:blipFill>
+          <a:blip r:embed="rId2">
+            <a:extLst>
+              <a:ext uri="{28A0092B-C50C-407E-A947-70E740481C1C}">
+                <a14:useLocalDpi xmlns:a14="http://schemas.microsoft.com/office/drawing/2010/main" val="0"/>
+              </a:ext>
+            </a:extLst>
+          </a:blip>
+          <a:srcRect/>
+          <a:stretch>
+            <a:fillRect/>
+          </a:stretch>
+        </p:blipFill>
+        <p:spPr bwMode="auto">
+          <a:xfrm>
+            <a:off x="6739158" y="3600499"/>
+            <a:ext cx="3967439" cy="2408803"/>
+          </a:xfrm>
+          <a:prstGeom prst="rect">
+            <a:avLst/>
+          </a:prstGeom>
+          <a:noFill/>
+          <a:extLst>
+            <a:ext uri="{909E8E84-426E-40DD-AFC4-6F175D3DCCD1}">
+              <a14:hiddenFill xmlns:a14="http://schemas.microsoft.com/office/drawing/2010/main">
+                <a:solidFill>
+                  <a:srgbClr val="FFFFFF"/>
+                </a:solidFill>
+              </a14:hiddenFill>
+            </a:ext>
+          </a:extLst>
+        </p:spPr>
+      </p:pic>
+      <p:pic>
+        <p:nvPicPr>
+          <p:cNvPr id="4" name="Picture 3" descr="Writing about worries eases anxiety and improves test performance |  University of Chicago News">
+            <a:extLst>
+              <a:ext uri="{FF2B5EF4-FFF2-40B4-BE49-F238E27FC236}">
+                <a16:creationId xmlns:a16="http://schemas.microsoft.com/office/drawing/2014/main" id="{CC2367F2-3781-423F-86A6-411496094081}"/>
+              </a:ext>
+            </a:extLst>
+          </p:cNvPr>
+          <p:cNvPicPr>
+            <a:picLocks noChangeAspect="1" noChangeArrowheads="1"/>
+          </p:cNvPicPr>
+          <p:nvPr/>
+        </p:nvPicPr>
+        <p:blipFill>
+          <a:blip r:embed="rId3">
+            <a:extLst>
+              <a:ext uri="{28A0092B-C50C-407E-A947-70E740481C1C}">
+                <a14:useLocalDpi xmlns:a14="http://schemas.microsoft.com/office/drawing/2010/main" val="0"/>
+              </a:ext>
+            </a:extLst>
+          </a:blip>
+          <a:srcRect/>
+          <a:stretch>
+            <a:fillRect/>
+          </a:stretch>
+        </p:blipFill>
+        <p:spPr bwMode="auto">
+          <a:xfrm>
+            <a:off x="6739158" y="615432"/>
+            <a:ext cx="3967439" cy="2231168"/>
+          </a:xfrm>
+          <a:prstGeom prst="rect">
+            <a:avLst/>
+          </a:prstGeom>
+          <a:noFill/>
+          <a:extLst>
+            <a:ext uri="{909E8E84-426E-40DD-AFC4-6F175D3DCCD1}">
+              <a14:hiddenFill xmlns:a14="http://schemas.microsoft.com/office/drawing/2010/main">
+                <a:solidFill>
+                  <a:srgbClr val="FFFFFF"/>
+                </a:solidFill>
+              </a14:hiddenFill>
+            </a:ext>
+          </a:extLst>
+        </p:spPr>
+      </p:pic>
+    </p:spTree>
+    <p:extLst>
+      <p:ext uri="{BB962C8B-B14F-4D97-AF65-F5344CB8AC3E}">
+        <p14:creationId xmlns:p14="http://schemas.microsoft.com/office/powerpoint/2010/main" val="1680388290"/>
+      </p:ext>
+    </p:extLst>
+  </p:cSld>
+  <p:clrMapOvr>
+    <a:masterClrMapping/>
+  </p:clrMapOvr>
+</p:sld>
+</file>
+
+<file path=ppt/slides/slide3.xml><?xml version="1.0" encoding="utf-8"?>
+<p:sld xmlns:a="http://schemas.openxmlformats.org/drawingml/2006/main" xmlns:r="http://schemas.openxmlformats.org/officeDocument/2006/relationships" xmlns:p="http://schemas.openxmlformats.org/presentationml/2006/main">
+  <p:cSld>
+    <p:spTree>
+      <p:nvGrpSpPr>
+        <p:cNvPr id="1" name=""/>
+        <p:cNvGrpSpPr/>
+        <p:nvPr/>
+      </p:nvGrpSpPr>
+      <p:grpSpPr>
+        <a:xfrm>
+          <a:off x="0" y="0"/>
+          <a:ext cx="0" cy="0"/>
+          <a:chOff x="0" y="0"/>
+          <a:chExt cx="0" cy="0"/>
+        </a:xfrm>
+      </p:grpSpPr>
+      <p:sp>
+        <p:nvSpPr>
+          <p:cNvPr id="2" name="Cím 1">
+            <a:extLst>
+              <a:ext uri="{FF2B5EF4-FFF2-40B4-BE49-F238E27FC236}">
+                <a16:creationId xmlns:a16="http://schemas.microsoft.com/office/drawing/2014/main" id="{9329AF93-67B2-E332-782E-C7DF0935A2FC}"/>
+              </a:ext>
+            </a:extLst>
+          </p:cNvPr>
+          <p:cNvSpPr>
+            <a:spLocks noGrp="1"/>
+          </p:cNvSpPr>
+          <p:nvPr>
+            <p:ph type="title"/>
+          </p:nvPr>
+        </p:nvSpPr>
+        <p:spPr>
+          <a:xfrm>
+            <a:off x="691079" y="465892"/>
+            <a:ext cx="10325000" cy="1442463"/>
+          </a:xfrm>
+        </p:spPr>
+        <p:txBody>
+          <a:bodyPr/>
+          <a:lstStyle/>
+          <a:p>
+            <a:pPr algn="ctr"/>
+            <a:r>
+              <a:rPr lang="hu-HU" b="1" dirty="0"/>
+              <a:t>Rendelkezésre álló adatok, tisztítás, előkészítés</a:t>
+            </a:r>
+          </a:p>
+        </p:txBody>
+      </p:sp>
+      <p:sp>
+        <p:nvSpPr>
+          <p:cNvPr id="3" name="Tartalom helye 2">
+            <a:extLst>
+              <a:ext uri="{FF2B5EF4-FFF2-40B4-BE49-F238E27FC236}">
+                <a16:creationId xmlns:a16="http://schemas.microsoft.com/office/drawing/2014/main" id="{C8D77745-B9CC-0349-29A7-C170675BA62F}"/>
+              </a:ext>
+            </a:extLst>
+          </p:cNvPr>
+          <p:cNvSpPr>
+            <a:spLocks noGrp="1"/>
+          </p:cNvSpPr>
+          <p:nvPr>
+            <p:ph idx="1"/>
+          </p:nvPr>
+        </p:nvSpPr>
+        <p:spPr>
+          <a:xfrm>
+            <a:off x="691078" y="2340131"/>
+            <a:ext cx="9669325" cy="3564436"/>
+          </a:xfrm>
+        </p:spPr>
+        <p:txBody>
+          <a:bodyPr/>
+          <a:lstStyle/>
+          <a:p>
+            <a:pPr>
+              <a:lnSpc>
+                <a:spcPct val="150000"/>
+              </a:lnSpc>
+            </a:pPr>
+            <a:r>
+              <a:rPr lang="hu-HU" dirty="0"/>
+              <a:t>2019-es és 2021-es adatok </a:t>
+            </a:r>
+          </a:p>
+          <a:p>
+            <a:pPr>
+              <a:lnSpc>
+                <a:spcPct val="150000"/>
+              </a:lnSpc>
+            </a:pPr>
+            <a:r>
+              <a:rPr lang="hu-HU" dirty="0" err="1"/>
+              <a:t>Neptun</a:t>
+            </a:r>
+            <a:r>
+              <a:rPr lang="hu-HU" dirty="0"/>
+              <a:t>: bontott felvételi pontok; 0.ZH eredmény; </a:t>
+            </a:r>
+            <a:r>
+              <a:rPr lang="hu-HU" dirty="0" err="1"/>
+              <a:t>szakmegnevezés</a:t>
+            </a:r>
+            <a:endParaRPr lang="hu-HU" dirty="0"/>
+          </a:p>
+          <a:p>
+            <a:pPr>
+              <a:lnSpc>
+                <a:spcPct val="150000"/>
+              </a:lnSpc>
+            </a:pPr>
+            <a:r>
+              <a:rPr lang="hu-HU" dirty="0" err="1"/>
+              <a:t>EduBase</a:t>
+            </a:r>
+            <a:r>
+              <a:rPr lang="hu-HU" dirty="0"/>
+              <a:t>: emelt érettségi; matematika tagozat; matematikai-nyelvi teszt eredmények</a:t>
+            </a:r>
+          </a:p>
+          <a:p>
+            <a:pPr>
+              <a:lnSpc>
+                <a:spcPct val="150000"/>
+              </a:lnSpc>
+            </a:pPr>
+            <a:r>
+              <a:rPr lang="hu-HU" dirty="0"/>
+              <a:t>Adatelőkészítés (</a:t>
+            </a:r>
+            <a:r>
+              <a:rPr lang="hu-HU" dirty="0" err="1"/>
+              <a:t>oszlopaggregáció</a:t>
+            </a:r>
+            <a:r>
+              <a:rPr lang="hu-HU" dirty="0"/>
+              <a:t>, hiányzó értékek kezelése, skálázás)</a:t>
+            </a:r>
+          </a:p>
+        </p:txBody>
+      </p:sp>
+    </p:spTree>
+    <p:extLst>
+      <p:ext uri="{BB962C8B-B14F-4D97-AF65-F5344CB8AC3E}">
+        <p14:creationId xmlns:p14="http://schemas.microsoft.com/office/powerpoint/2010/main" val="1766610120"/>
+      </p:ext>
+    </p:extLst>
+  </p:cSld>
+  <p:clrMapOvr>
+    <a:masterClrMapping/>
+  </p:clrMapOvr>
+</p:sld>
+</file>
+
+<file path=ppt/slides/slide4.xml><?xml version="1.0" encoding="utf-8"?>
+<p:sld xmlns:a="http://schemas.openxmlformats.org/drawingml/2006/main" xmlns:r="http://schemas.openxmlformats.org/officeDocument/2006/relationships" xmlns:p="http://schemas.openxmlformats.org/presentationml/2006/main">
+  <p:cSld>
+    <p:spTree>
+      <p:nvGrpSpPr>
+        <p:cNvPr id="1" name=""/>
+        <p:cNvGrpSpPr/>
+        <p:nvPr/>
+      </p:nvGrpSpPr>
+      <p:grpSpPr>
+        <a:xfrm>
+          <a:off x="0" y="0"/>
+          <a:ext cx="0" cy="0"/>
+          <a:chOff x="0" y="0"/>
+          <a:chExt cx="0" cy="0"/>
+        </a:xfrm>
+      </p:grpSpPr>
+      <p:sp>
+        <p:nvSpPr>
+          <p:cNvPr id="2" name="Cím 1">
+            <a:extLst>
+              <a:ext uri="{FF2B5EF4-FFF2-40B4-BE49-F238E27FC236}">
+                <a16:creationId xmlns:a16="http://schemas.microsoft.com/office/drawing/2014/main" id="{593300DD-170A-56FA-E690-08184EE2E224}"/>
+              </a:ext>
+            </a:extLst>
+          </p:cNvPr>
+          <p:cNvSpPr>
+            <a:spLocks noGrp="1"/>
+          </p:cNvSpPr>
+          <p:nvPr>
+            <p:ph type="title"/>
+          </p:nvPr>
+        </p:nvSpPr>
+        <p:spPr>
+          <a:xfrm>
+            <a:off x="657523" y="503340"/>
+            <a:ext cx="10325000" cy="842953"/>
+          </a:xfrm>
+        </p:spPr>
+        <p:txBody>
+          <a:bodyPr/>
+          <a:lstStyle/>
+          <a:p>
+            <a:pPr algn="ctr"/>
+            <a:r>
+              <a:rPr lang="hu-HU" b="1" dirty="0"/>
+              <a:t>Adatfeltárás, ábrázolás</a:t>
+            </a:r>
+          </a:p>
+        </p:txBody>
+      </p:sp>
+      <p:sp>
+        <p:nvSpPr>
+          <p:cNvPr id="3" name="Tartalom helye 2">
+            <a:extLst>
+              <a:ext uri="{FF2B5EF4-FFF2-40B4-BE49-F238E27FC236}">
+                <a16:creationId xmlns:a16="http://schemas.microsoft.com/office/drawing/2014/main" id="{E6483260-B8B1-1228-49C2-61EDED1E44E3}"/>
+              </a:ext>
+            </a:extLst>
+          </p:cNvPr>
+          <p:cNvSpPr>
+            <a:spLocks noGrp="1"/>
+          </p:cNvSpPr>
+          <p:nvPr>
+            <p:ph idx="1"/>
+          </p:nvPr>
+        </p:nvSpPr>
+        <p:spPr>
+          <a:xfrm>
+            <a:off x="838200" y="1825625"/>
+            <a:ext cx="10515600" cy="4667250"/>
+          </a:xfrm>
+        </p:spPr>
+        <p:txBody>
+          <a:bodyPr/>
+          <a:lstStyle/>
+          <a:p>
+            <a:r>
+              <a:rPr lang="hu-HU" dirty="0"/>
+              <a:t>Rengeteg egyszerű ábra</a:t>
+            </a:r>
+          </a:p>
+          <a:p>
+            <a:r>
+              <a:rPr lang="hu-HU" dirty="0"/>
+              <a:t>Szórás-, oszlop- és </a:t>
+            </a:r>
+            <a:r>
+              <a:rPr lang="hu-HU" dirty="0" err="1"/>
+              <a:t>Sankey</a:t>
+            </a:r>
+            <a:r>
+              <a:rPr lang="hu-HU" dirty="0"/>
+              <a:t>-diagramok</a:t>
+            </a:r>
+          </a:p>
+          <a:p>
+            <a:r>
+              <a:rPr lang="hu-HU" dirty="0"/>
+              <a:t>Cél: esetleges egyszerű viszonyok feltárása, adatok szemléltetése</a:t>
+            </a:r>
+          </a:p>
+          <a:p>
+            <a:r>
+              <a:rPr lang="hu-HU" dirty="0"/>
+              <a:t>Sok változó </a:t>
+            </a:r>
+            <a:r>
+              <a:rPr lang="hu-HU" dirty="0">
+                <a:sym typeface="Wingdings" panose="05000000000000000000" pitchFamily="2" charset="2"/>
+              </a:rPr>
+              <a:t> két-két dimenziós vetítések átláthatóság érdekében</a:t>
+            </a:r>
+          </a:p>
+          <a:p>
+            <a:r>
+              <a:rPr lang="hu-HU" dirty="0">
+                <a:sym typeface="Wingdings" panose="05000000000000000000" pitchFamily="2" charset="2"/>
+              </a:rPr>
+              <a:t>Tapasztalatok: </a:t>
+            </a:r>
+          </a:p>
+          <a:p>
+            <a:pPr marL="971550" lvl="1" indent="-514350">
+              <a:buFont typeface="+mj-lt"/>
+              <a:buAutoNum type="arabicPeriod"/>
+            </a:pPr>
+            <a:r>
+              <a:rPr lang="hu-HU" dirty="0">
+                <a:sym typeface="Wingdings" panose="05000000000000000000" pitchFamily="2" charset="2"/>
+              </a:rPr>
+              <a:t>Nagy szórás</a:t>
+            </a:r>
+          </a:p>
+          <a:p>
+            <a:pPr marL="971550" lvl="1" indent="-514350">
+              <a:buFont typeface="+mj-lt"/>
+              <a:buAutoNum type="arabicPeriod"/>
+            </a:pPr>
+            <a:r>
+              <a:rPr lang="hu-HU" dirty="0">
+                <a:sym typeface="Wingdings" panose="05000000000000000000" pitchFamily="2" charset="2"/>
+              </a:rPr>
+              <a:t>Gyenge, pozitív korreláció</a:t>
+            </a:r>
+          </a:p>
+          <a:p>
+            <a:pPr marL="971550" lvl="1" indent="-514350">
+              <a:buFont typeface="+mj-lt"/>
+              <a:buAutoNum type="arabicPeriod"/>
+            </a:pPr>
+            <a:r>
+              <a:rPr lang="hu-HU" dirty="0">
+                <a:sym typeface="Wingdings" panose="05000000000000000000" pitchFamily="2" charset="2"/>
+              </a:rPr>
+              <a:t>Egész erős homogenitás (nem emelkednek ki csoportok)</a:t>
+            </a:r>
+          </a:p>
+          <a:p>
+            <a:pPr marL="971550" lvl="1" indent="-514350">
+              <a:buFont typeface="+mj-lt"/>
+              <a:buAutoNum type="arabicPeriod"/>
+            </a:pPr>
+            <a:r>
+              <a:rPr lang="hu-HU" dirty="0">
+                <a:sym typeface="Wingdings" panose="05000000000000000000" pitchFamily="2" charset="2"/>
+              </a:rPr>
+              <a:t>Minden változó „fontos”</a:t>
+            </a:r>
+          </a:p>
+          <a:p>
+            <a:pPr marL="971550" lvl="1" indent="-514350">
+              <a:buFont typeface="+mj-lt"/>
+              <a:buAutoNum type="arabicPeriod"/>
+            </a:pPr>
+            <a:r>
+              <a:rPr lang="hu-HU" dirty="0">
+                <a:sym typeface="Wingdings" panose="05000000000000000000" pitchFamily="2" charset="2"/>
+              </a:rPr>
+              <a:t>Emelt érettségi hatása erős, tagozaté nagyon gyenge</a:t>
+            </a:r>
+          </a:p>
+          <a:p>
+            <a:pPr marL="971550" lvl="1" indent="-514350">
+              <a:buFont typeface="+mj-lt"/>
+              <a:buAutoNum type="arabicPeriod"/>
+            </a:pPr>
+            <a:endParaRPr lang="hu-HU" dirty="0"/>
+          </a:p>
+        </p:txBody>
+      </p:sp>
+    </p:spTree>
+    <p:extLst>
+      <p:ext uri="{BB962C8B-B14F-4D97-AF65-F5344CB8AC3E}">
+        <p14:creationId xmlns:p14="http://schemas.microsoft.com/office/powerpoint/2010/main" val="4234436358"/>
+      </p:ext>
+    </p:extLst>
+  </p:cSld>
+  <p:clrMapOvr>
+    <a:masterClrMapping/>
+  </p:clrMapOvr>
+</p:sld>
+</file>
+
+<file path=ppt/slides/slide5.xml><?xml version="1.0" encoding="utf-8"?>
+<p:sld xmlns:a="http://schemas.openxmlformats.org/drawingml/2006/main" xmlns:r="http://schemas.openxmlformats.org/officeDocument/2006/relationships" xmlns:p="http://schemas.openxmlformats.org/presentationml/2006/main">
+  <p:cSld>
+    <p:spTree>
+      <p:nvGrpSpPr>
+        <p:cNvPr id="1" name=""/>
+        <p:cNvGrpSpPr/>
+        <p:nvPr/>
+      </p:nvGrpSpPr>
+      <p:grpSpPr>
+        <a:xfrm>
+          <a:off x="0" y="0"/>
+          <a:ext cx="0" cy="0"/>
+          <a:chOff x="0" y="0"/>
+          <a:chExt cx="0" cy="0"/>
+        </a:xfrm>
+      </p:grpSpPr>
+      <p:sp>
+        <p:nvSpPr>
+          <p:cNvPr id="2" name="Cím 1">
+            <a:extLst>
+              <a:ext uri="{FF2B5EF4-FFF2-40B4-BE49-F238E27FC236}">
+                <a16:creationId xmlns:a16="http://schemas.microsoft.com/office/drawing/2014/main" id="{7FE3CFF5-21C9-B057-ED7B-7D500761B28F}"/>
+              </a:ext>
+            </a:extLst>
+          </p:cNvPr>
+          <p:cNvSpPr>
+            <a:spLocks noGrp="1"/>
+          </p:cNvSpPr>
+          <p:nvPr>
+            <p:ph type="title"/>
+          </p:nvPr>
+        </p:nvSpPr>
+        <p:spPr/>
+        <p:txBody>
+          <a:bodyPr/>
+          <a:lstStyle/>
+          <a:p>
+            <a:pPr algn="ctr"/>
+            <a:r>
+              <a:rPr lang="hu-HU" b="1" dirty="0"/>
+              <a:t>Szórásdiagram példa (2019.)</a:t>
+            </a:r>
+          </a:p>
+        </p:txBody>
+      </p:sp>
+      <p:pic>
+        <p:nvPicPr>
+          <p:cNvPr id="5" name="Kép 4">
+            <a:extLst>
+              <a:ext uri="{FF2B5EF4-FFF2-40B4-BE49-F238E27FC236}">
+                <a16:creationId xmlns:a16="http://schemas.microsoft.com/office/drawing/2014/main" id="{11A79781-608C-DBAB-D0CB-5A3158F933C6}"/>
+              </a:ext>
+            </a:extLst>
+          </p:cNvPr>
+          <p:cNvPicPr>
+            <a:picLocks noChangeAspect="1"/>
+          </p:cNvPicPr>
+          <p:nvPr/>
+        </p:nvPicPr>
+        <p:blipFill>
+          <a:blip r:embed="rId2">
+            <a:extLst>
+              <a:ext uri="{28A0092B-C50C-407E-A947-70E740481C1C}">
+                <a14:useLocalDpi xmlns:a14="http://schemas.microsoft.com/office/drawing/2010/main" val="0"/>
+              </a:ext>
+            </a:extLst>
+          </a:blip>
+          <a:stretch>
+            <a:fillRect/>
+          </a:stretch>
+        </p:blipFill>
+        <p:spPr>
+          <a:xfrm>
+            <a:off x="1093684" y="1089940"/>
+            <a:ext cx="10004631" cy="4887456"/>
+          </a:xfrm>
+          <a:prstGeom prst="rect">
+            <a:avLst/>
+          </a:prstGeom>
+        </p:spPr>
+      </p:pic>
+    </p:spTree>
+    <p:extLst>
+      <p:ext uri="{BB962C8B-B14F-4D97-AF65-F5344CB8AC3E}">
+        <p14:creationId xmlns:p14="http://schemas.microsoft.com/office/powerpoint/2010/main" val="2949031772"/>
+      </p:ext>
+    </p:extLst>
+  </p:cSld>
+  <p:clrMapOvr>
+    <a:masterClrMapping/>
+  </p:clrMapOvr>
+</p:sld>
+</file>
+
+<file path=ppt/slides/slide6.xml><?xml version="1.0" encoding="utf-8"?>
+<p:sld xmlns:a="http://schemas.openxmlformats.org/drawingml/2006/main" xmlns:r="http://schemas.openxmlformats.org/officeDocument/2006/relationships" xmlns:p="http://schemas.openxmlformats.org/presentationml/2006/main">
+  <p:cSld>
+    <p:spTree>
+      <p:nvGrpSpPr>
+        <p:cNvPr id="1" name=""/>
+        <p:cNvGrpSpPr/>
+        <p:nvPr/>
+      </p:nvGrpSpPr>
+      <p:grpSpPr>
+        <a:xfrm>
+          <a:off x="0" y="0"/>
+          <a:ext cx="0" cy="0"/>
+          <a:chOff x="0" y="0"/>
+          <a:chExt cx="0" cy="0"/>
+        </a:xfrm>
+      </p:grpSpPr>
+      <p:sp>
+        <p:nvSpPr>
+          <p:cNvPr id="2" name="Cím 1">
+            <a:extLst>
+              <a:ext uri="{FF2B5EF4-FFF2-40B4-BE49-F238E27FC236}">
+                <a16:creationId xmlns:a16="http://schemas.microsoft.com/office/drawing/2014/main" id="{7F112246-AD39-CD7F-35E3-748B0593F14B}"/>
+              </a:ext>
+            </a:extLst>
+          </p:cNvPr>
+          <p:cNvSpPr>
+            <a:spLocks noGrp="1"/>
+          </p:cNvSpPr>
+          <p:nvPr>
+            <p:ph type="title"/>
+          </p:nvPr>
+        </p:nvSpPr>
+        <p:spPr/>
+        <p:txBody>
+          <a:bodyPr/>
+          <a:lstStyle/>
+          <a:p>
+            <a:pPr algn="ctr"/>
+            <a:r>
+              <a:rPr lang="hu-HU" b="1" dirty="0"/>
+              <a:t>Szórásdiagram példa (2021.)</a:t>
+            </a:r>
+            <a:endParaRPr lang="hu-HU" dirty="0"/>
+          </a:p>
+        </p:txBody>
+      </p:sp>
+      <p:pic>
+        <p:nvPicPr>
+          <p:cNvPr id="5" name="Tartalom helye 4">
+            <a:extLst>
+              <a:ext uri="{FF2B5EF4-FFF2-40B4-BE49-F238E27FC236}">
+                <a16:creationId xmlns:a16="http://schemas.microsoft.com/office/drawing/2014/main" id="{9C6D9CCC-3495-9008-B536-D3A38EB7EDE0}"/>
+              </a:ext>
+            </a:extLst>
+          </p:cNvPr>
+          <p:cNvPicPr>
+            <a:picLocks noGrp="1" noChangeAspect="1"/>
+          </p:cNvPicPr>
+          <p:nvPr>
+            <p:ph idx="1"/>
+          </p:nvPr>
+        </p:nvPicPr>
+        <p:blipFill>
+          <a:blip r:embed="rId2">
+            <a:extLst>
+              <a:ext uri="{28A0092B-C50C-407E-A947-70E740481C1C}">
+                <a14:useLocalDpi xmlns:a14="http://schemas.microsoft.com/office/drawing/2010/main" val="0"/>
+              </a:ext>
+            </a:extLst>
+          </a:blip>
+          <a:stretch>
+            <a:fillRect/>
+          </a:stretch>
+        </p:blipFill>
+        <p:spPr>
+          <a:xfrm>
+            <a:off x="1273708" y="1670584"/>
+            <a:ext cx="9644584" cy="4822291"/>
+          </a:xfrm>
+        </p:spPr>
+      </p:pic>
+    </p:spTree>
+    <p:extLst>
+      <p:ext uri="{BB962C8B-B14F-4D97-AF65-F5344CB8AC3E}">
+        <p14:creationId xmlns:p14="http://schemas.microsoft.com/office/powerpoint/2010/main" val="3386716064"/>
+      </p:ext>
+    </p:extLst>
+  </p:cSld>
+  <p:clrMapOvr>
+    <a:masterClrMapping/>
+  </p:clrMapOvr>
+</p:sld>
+</file>
+
+<file path=ppt/slides/slide7.xml><?xml version="1.0" encoding="utf-8"?>
+<p:sld xmlns:a="http://schemas.openxmlformats.org/drawingml/2006/main" xmlns:r="http://schemas.openxmlformats.org/officeDocument/2006/relationships" xmlns:p="http://schemas.openxmlformats.org/presentationml/2006/main">
+  <p:cSld>
+    <p:spTree>
+      <p:nvGrpSpPr>
+        <p:cNvPr id="1" name=""/>
+        <p:cNvGrpSpPr/>
+        <p:nvPr/>
+      </p:nvGrpSpPr>
+      <p:grpSpPr>
+        <a:xfrm>
+          <a:off x="0" y="0"/>
+          <a:ext cx="0" cy="0"/>
+          <a:chOff x="0" y="0"/>
+          <a:chExt cx="0" cy="0"/>
+        </a:xfrm>
+      </p:grpSpPr>
+      <p:sp>
+        <p:nvSpPr>
+          <p:cNvPr id="2" name="Cím 1">
+            <a:extLst>
+              <a:ext uri="{FF2B5EF4-FFF2-40B4-BE49-F238E27FC236}">
+                <a16:creationId xmlns:a16="http://schemas.microsoft.com/office/drawing/2014/main" id="{F38CDD30-E093-0439-5B2C-1C6D195D21FF}"/>
+              </a:ext>
+            </a:extLst>
+          </p:cNvPr>
+          <p:cNvSpPr>
+            <a:spLocks noGrp="1"/>
+          </p:cNvSpPr>
+          <p:nvPr>
+            <p:ph type="title"/>
+          </p:nvPr>
+        </p:nvSpPr>
+        <p:spPr/>
+        <p:txBody>
+          <a:bodyPr/>
+          <a:lstStyle/>
+          <a:p>
+            <a:pPr algn="ctr"/>
+            <a:r>
+              <a:rPr lang="hu-HU" b="1" dirty="0"/>
+              <a:t>Folyamatábrák (</a:t>
+            </a:r>
+            <a:r>
+              <a:rPr lang="hu-HU" b="1" dirty="0" err="1"/>
+              <a:t>Sankey</a:t>
+            </a:r>
+            <a:r>
+              <a:rPr lang="hu-HU" b="1" dirty="0"/>
+              <a:t>-diagramok)</a:t>
+            </a:r>
+          </a:p>
+        </p:txBody>
+      </p:sp>
+      <p:sp>
+        <p:nvSpPr>
+          <p:cNvPr id="3" name="Tartalom helye 2">
+            <a:extLst>
+              <a:ext uri="{FF2B5EF4-FFF2-40B4-BE49-F238E27FC236}">
+                <a16:creationId xmlns:a16="http://schemas.microsoft.com/office/drawing/2014/main" id="{2161B55E-86FE-14EA-E45B-CC3E3D33F6E4}"/>
+              </a:ext>
+            </a:extLst>
+          </p:cNvPr>
+          <p:cNvSpPr>
+            <a:spLocks noGrp="1"/>
+          </p:cNvSpPr>
+          <p:nvPr>
+            <p:ph idx="1"/>
+          </p:nvPr>
+        </p:nvSpPr>
+        <p:spPr/>
+        <p:txBody>
+          <a:bodyPr/>
+          <a:lstStyle/>
+          <a:p>
+            <a:r>
+              <a:rPr lang="hu-HU" dirty="0"/>
+              <a:t>Két-két állapot közötti folyamok ábrázolása</a:t>
+            </a:r>
+          </a:p>
+          <a:p>
+            <a:r>
+              <a:rPr lang="hu-HU" dirty="0"/>
+              <a:t>Kirajzolódnak tendenciák</a:t>
+            </a:r>
+          </a:p>
+          <a:p>
+            <a:r>
+              <a:rPr lang="hu-HU" dirty="0"/>
+              <a:t>Több állapot esetén nem minden kapcsolat látszik</a:t>
+            </a:r>
+          </a:p>
+          <a:p>
+            <a:r>
+              <a:rPr lang="hu-HU" dirty="0"/>
+              <a:t>Folytonos adatokat kategorizálni kell először</a:t>
+            </a:r>
+          </a:p>
+          <a:p>
+            <a:r>
+              <a:rPr lang="hu-HU" dirty="0"/>
+              <a:t>5-5 potenciális osztály minden változónál</a:t>
+            </a:r>
+          </a:p>
+          <a:p>
+            <a:pPr marL="0" indent="0">
+              <a:buNone/>
+            </a:pPr>
+            <a:endParaRPr lang="hu-HU" dirty="0"/>
+          </a:p>
+        </p:txBody>
+      </p:sp>
+    </p:spTree>
+    <p:extLst>
+      <p:ext uri="{BB962C8B-B14F-4D97-AF65-F5344CB8AC3E}">
+        <p14:creationId xmlns:p14="http://schemas.microsoft.com/office/powerpoint/2010/main" val="3338285652"/>
+      </p:ext>
+    </p:extLst>
+  </p:cSld>
+  <p:clrMapOvr>
+    <a:masterClrMapping/>
+  </p:clrMapOvr>
+</p:sld>
+</file>
+
+<file path=ppt/slides/slide8.xml><?xml version="1.0" encoding="utf-8"?>
+<p:sld xmlns:a="http://schemas.openxmlformats.org/drawingml/2006/main" xmlns:r="http://schemas.openxmlformats.org/officeDocument/2006/relationships" xmlns:p="http://schemas.openxmlformats.org/presentationml/2006/main">
+  <p:cSld>
+    <p:spTree>
+      <p:nvGrpSpPr>
+        <p:cNvPr id="1" name=""/>
+        <p:cNvGrpSpPr/>
+        <p:nvPr/>
+      </p:nvGrpSpPr>
+      <p:grpSpPr>
+        <a:xfrm>
+          <a:off x="0" y="0"/>
+          <a:ext cx="0" cy="0"/>
+          <a:chOff x="0" y="0"/>
+          <a:chExt cx="0" cy="0"/>
+        </a:xfrm>
+      </p:grpSpPr>
+      <p:sp>
+        <p:nvSpPr>
+          <p:cNvPr id="2" name="Cím 1">
+            <a:extLst>
+              <a:ext uri="{FF2B5EF4-FFF2-40B4-BE49-F238E27FC236}">
+                <a16:creationId xmlns:a16="http://schemas.microsoft.com/office/drawing/2014/main" id="{D654C71D-FD4A-B1BF-F3CC-B1B373C013CF}"/>
+              </a:ext>
+            </a:extLst>
+          </p:cNvPr>
+          <p:cNvSpPr>
+            <a:spLocks noGrp="1"/>
+          </p:cNvSpPr>
+          <p:nvPr>
+            <p:ph type="title"/>
+          </p:nvPr>
+        </p:nvSpPr>
+        <p:spPr/>
+        <p:txBody>
+          <a:bodyPr/>
+          <a:lstStyle/>
+          <a:p>
+            <a:pPr algn="ctr"/>
+            <a:r>
+              <a:rPr lang="hu-HU" b="1" dirty="0" err="1"/>
+              <a:t>Sankey</a:t>
+            </a:r>
+            <a:r>
+              <a:rPr lang="hu-HU" b="1" dirty="0"/>
+              <a:t>-ábra példa</a:t>
+            </a:r>
+          </a:p>
+        </p:txBody>
+      </p:sp>
+      <p:sp>
+        <p:nvSpPr>
+          <p:cNvPr id="3" name="Tartalom helye 2">
+            <a:extLst>
+              <a:ext uri="{FF2B5EF4-FFF2-40B4-BE49-F238E27FC236}">
+                <a16:creationId xmlns:a16="http://schemas.microsoft.com/office/drawing/2014/main" id="{8A84244E-4612-8558-DCD4-2C6B18A135B7}"/>
+              </a:ext>
+            </a:extLst>
+          </p:cNvPr>
+          <p:cNvSpPr>
+            <a:spLocks noGrp="1"/>
+          </p:cNvSpPr>
+          <p:nvPr>
+            <p:ph idx="1"/>
+          </p:nvPr>
+        </p:nvSpPr>
+        <p:spPr/>
+        <p:txBody>
+          <a:bodyPr/>
+          <a:lstStyle/>
+          <a:p>
+            <a:endParaRPr lang="hu-HU" dirty="0"/>
+          </a:p>
+        </p:txBody>
+      </p:sp>
+    </p:spTree>
+    <p:extLst>
+      <p:ext uri="{BB962C8B-B14F-4D97-AF65-F5344CB8AC3E}">
+        <p14:creationId xmlns:p14="http://schemas.microsoft.com/office/powerpoint/2010/main" val="439460277"/>
+      </p:ext>
+    </p:extLst>
+  </p:cSld>
+  <p:clrMapOvr>
+    <a:masterClrMapping/>
+  </p:clrMapOvr>
+</p:sld>
+</file>
+
+<file path=ppt/slides/slide9.xml><?xml version="1.0" encoding="utf-8"?>
 <p:sld xmlns:a="http://schemas.openxmlformats.org/drawingml/2006/main" xmlns:r="http://schemas.openxmlformats.org/officeDocument/2006/relationships" xmlns:p="http://schemas.openxmlformats.org/presentationml/2006/main">
   <p:cSld>
     <p:spTree>
@@ -16279,1187 +18681,6 @@
     <p:extLst>
       <p:ext uri="{BB962C8B-B14F-4D97-AF65-F5344CB8AC3E}">
         <p14:creationId xmlns:p14="http://schemas.microsoft.com/office/powerpoint/2010/main" val="130996675"/>
-      </p:ext>
-    </p:extLst>
-  </p:cSld>
-  <p:clrMapOvr>
-    <a:masterClrMapping/>
-  </p:clrMapOvr>
-</p:sld>
-</file>
-
-<file path=ppt/slides/slide11.xml><?xml version="1.0" encoding="utf-8"?>
-<p:sld xmlns:a="http://schemas.openxmlformats.org/drawingml/2006/main" xmlns:r="http://schemas.openxmlformats.org/officeDocument/2006/relationships" xmlns:p="http://schemas.openxmlformats.org/presentationml/2006/main">
-  <p:cSld>
-    <p:spTree>
-      <p:nvGrpSpPr>
-        <p:cNvPr id="1" name=""/>
-        <p:cNvGrpSpPr/>
-        <p:nvPr/>
-      </p:nvGrpSpPr>
-      <p:grpSpPr>
-        <a:xfrm>
-          <a:off x="0" y="0"/>
-          <a:ext cx="0" cy="0"/>
-          <a:chOff x="0" y="0"/>
-          <a:chExt cx="0" cy="0"/>
-        </a:xfrm>
-      </p:grpSpPr>
-      <p:sp>
-        <p:nvSpPr>
-          <p:cNvPr id="2" name="Cím 1">
-            <a:extLst>
-              <a:ext uri="{FF2B5EF4-FFF2-40B4-BE49-F238E27FC236}">
-                <a16:creationId xmlns:a16="http://schemas.microsoft.com/office/drawing/2014/main" id="{C07D1A37-CB14-78F2-6839-5D06B4C95C2C}"/>
-              </a:ext>
-            </a:extLst>
-          </p:cNvPr>
-          <p:cNvSpPr>
-            <a:spLocks noGrp="1"/>
-          </p:cNvSpPr>
-          <p:nvPr>
-            <p:ph type="title"/>
-          </p:nvPr>
-        </p:nvSpPr>
-        <p:spPr/>
-        <p:txBody>
-          <a:bodyPr/>
-          <a:lstStyle/>
-          <a:p>
-            <a:pPr algn="ctr"/>
-            <a:r>
-              <a:rPr lang="hu-HU" b="1" dirty="0"/>
-              <a:t>Klaszterkép példa</a:t>
-            </a:r>
-          </a:p>
-        </p:txBody>
-      </p:sp>
-      <p:sp>
-        <p:nvSpPr>
-          <p:cNvPr id="3" name="Tartalom helye 2">
-            <a:extLst>
-              <a:ext uri="{FF2B5EF4-FFF2-40B4-BE49-F238E27FC236}">
-                <a16:creationId xmlns:a16="http://schemas.microsoft.com/office/drawing/2014/main" id="{EC718255-444F-927B-6AE4-0306C7E4B234}"/>
-              </a:ext>
-            </a:extLst>
-          </p:cNvPr>
-          <p:cNvSpPr>
-            <a:spLocks noGrp="1"/>
-          </p:cNvSpPr>
-          <p:nvPr>
-            <p:ph idx="1"/>
-          </p:nvPr>
-        </p:nvSpPr>
-        <p:spPr/>
-        <p:txBody>
-          <a:bodyPr/>
-          <a:lstStyle/>
-          <a:p>
-            <a:endParaRPr lang="hu-HU"/>
-          </a:p>
-        </p:txBody>
-      </p:sp>
-    </p:spTree>
-    <p:extLst>
-      <p:ext uri="{BB962C8B-B14F-4D97-AF65-F5344CB8AC3E}">
-        <p14:creationId xmlns:p14="http://schemas.microsoft.com/office/powerpoint/2010/main" val="1947997817"/>
-      </p:ext>
-    </p:extLst>
-  </p:cSld>
-  <p:clrMapOvr>
-    <a:masterClrMapping/>
-  </p:clrMapOvr>
-</p:sld>
-</file>
-
-<file path=ppt/slides/slide12.xml><?xml version="1.0" encoding="utf-8"?>
-<p:sld xmlns:a="http://schemas.openxmlformats.org/drawingml/2006/main" xmlns:r="http://schemas.openxmlformats.org/officeDocument/2006/relationships" xmlns:p="http://schemas.openxmlformats.org/presentationml/2006/main">
-  <p:cSld>
-    <p:spTree>
-      <p:nvGrpSpPr>
-        <p:cNvPr id="1" name=""/>
-        <p:cNvGrpSpPr/>
-        <p:nvPr/>
-      </p:nvGrpSpPr>
-      <p:grpSpPr>
-        <a:xfrm>
-          <a:off x="0" y="0"/>
-          <a:ext cx="0" cy="0"/>
-          <a:chOff x="0" y="0"/>
-          <a:chExt cx="0" cy="0"/>
-        </a:xfrm>
-      </p:grpSpPr>
-      <p:sp>
-        <p:nvSpPr>
-          <p:cNvPr id="2" name="Cím 1">
-            <a:extLst>
-              <a:ext uri="{FF2B5EF4-FFF2-40B4-BE49-F238E27FC236}">
-                <a16:creationId xmlns:a16="http://schemas.microsoft.com/office/drawing/2014/main" id="{91460F28-EC90-F661-5B85-DB0D89BDDDB8}"/>
-              </a:ext>
-            </a:extLst>
-          </p:cNvPr>
-          <p:cNvSpPr>
-            <a:spLocks noGrp="1"/>
-          </p:cNvSpPr>
-          <p:nvPr>
-            <p:ph type="title"/>
-          </p:nvPr>
-        </p:nvSpPr>
-        <p:spPr/>
-        <p:txBody>
-          <a:bodyPr/>
-          <a:lstStyle/>
-          <a:p>
-            <a:pPr algn="ctr"/>
-            <a:r>
-              <a:rPr lang="hu-HU" b="1" dirty="0"/>
-              <a:t>Modellezés</a:t>
-            </a:r>
-          </a:p>
-        </p:txBody>
-      </p:sp>
-      <p:sp>
-        <p:nvSpPr>
-          <p:cNvPr id="3" name="Tartalom helye 2">
-            <a:extLst>
-              <a:ext uri="{FF2B5EF4-FFF2-40B4-BE49-F238E27FC236}">
-                <a16:creationId xmlns:a16="http://schemas.microsoft.com/office/drawing/2014/main" id="{D6F290C8-C053-E2E5-3E39-469296C04814}"/>
-              </a:ext>
-            </a:extLst>
-          </p:cNvPr>
-          <p:cNvSpPr>
-            <a:spLocks noGrp="1"/>
-          </p:cNvSpPr>
-          <p:nvPr>
-            <p:ph idx="1"/>
-          </p:nvPr>
-        </p:nvSpPr>
-        <p:spPr/>
-        <p:txBody>
-          <a:bodyPr/>
-          <a:lstStyle/>
-          <a:p>
-            <a:endParaRPr lang="hu-HU" dirty="0"/>
-          </a:p>
-        </p:txBody>
-      </p:sp>
-    </p:spTree>
-    <p:extLst>
-      <p:ext uri="{BB962C8B-B14F-4D97-AF65-F5344CB8AC3E}">
-        <p14:creationId xmlns:p14="http://schemas.microsoft.com/office/powerpoint/2010/main" val="2483476666"/>
-      </p:ext>
-    </p:extLst>
-  </p:cSld>
-  <p:clrMapOvr>
-    <a:masterClrMapping/>
-  </p:clrMapOvr>
-</p:sld>
-</file>
-
-<file path=ppt/slides/slide2.xml><?xml version="1.0" encoding="utf-8"?>
-<p:sld xmlns:a="http://schemas.openxmlformats.org/drawingml/2006/main" xmlns:r="http://schemas.openxmlformats.org/officeDocument/2006/relationships" xmlns:p="http://schemas.openxmlformats.org/presentationml/2006/main">
-  <p:cSld>
-    <p:spTree>
-      <p:nvGrpSpPr>
-        <p:cNvPr id="1" name=""/>
-        <p:cNvGrpSpPr/>
-        <p:nvPr/>
-      </p:nvGrpSpPr>
-      <p:grpSpPr>
-        <a:xfrm>
-          <a:off x="0" y="0"/>
-          <a:ext cx="0" cy="0"/>
-          <a:chOff x="0" y="0"/>
-          <a:chExt cx="0" cy="0"/>
-        </a:xfrm>
-      </p:grpSpPr>
-      <p:sp>
-        <p:nvSpPr>
-          <p:cNvPr id="2" name="Cím 1">
-            <a:extLst>
-              <a:ext uri="{FF2B5EF4-FFF2-40B4-BE49-F238E27FC236}">
-                <a16:creationId xmlns:a16="http://schemas.microsoft.com/office/drawing/2014/main" id="{733C5798-D47E-11F9-62DF-DBAA7E0A7B79}"/>
-              </a:ext>
-            </a:extLst>
-          </p:cNvPr>
-          <p:cNvSpPr>
-            <a:spLocks noGrp="1"/>
-          </p:cNvSpPr>
-          <p:nvPr>
-            <p:ph type="ctrTitle"/>
-          </p:nvPr>
-        </p:nvSpPr>
-        <p:spPr>
-          <a:xfrm>
-            <a:off x="814387" y="666750"/>
-            <a:ext cx="10563225" cy="2476499"/>
-          </a:xfrm>
-        </p:spPr>
-        <p:txBody>
-          <a:bodyPr>
-            <a:normAutofit fontScale="90000"/>
-          </a:bodyPr>
-          <a:lstStyle/>
-          <a:p>
-            <a:r>
-              <a:rPr lang="hu-HU" sz="4800" b="1" dirty="0"/>
-              <a:t>Elsőéves hallgatók pandémia előtti és alatti bemeneti adatainak elemzése modern adattudományi eszközökkel </a:t>
-            </a:r>
-          </a:p>
-        </p:txBody>
-      </p:sp>
-      <p:sp>
-        <p:nvSpPr>
-          <p:cNvPr id="4" name="Szövegdoboz 3">
-            <a:extLst>
-              <a:ext uri="{FF2B5EF4-FFF2-40B4-BE49-F238E27FC236}">
-                <a16:creationId xmlns:a16="http://schemas.microsoft.com/office/drawing/2014/main" id="{E32E7805-8CEE-B4F4-ABD5-690411980294}"/>
-              </a:ext>
-            </a:extLst>
-          </p:cNvPr>
-          <p:cNvSpPr txBox="1"/>
-          <p:nvPr/>
-        </p:nvSpPr>
-        <p:spPr>
-          <a:xfrm>
-            <a:off x="600073" y="3542496"/>
-            <a:ext cx="10991850" cy="954107"/>
-          </a:xfrm>
-          <a:prstGeom prst="rect">
-            <a:avLst/>
-          </a:prstGeom>
-          <a:noFill/>
-        </p:spPr>
-        <p:txBody>
-          <a:bodyPr wrap="square" rtlCol="0">
-            <a:spAutoFit/>
-          </a:bodyPr>
-          <a:lstStyle/>
-          <a:p>
-            <a:pPr algn="ctr"/>
-            <a:r>
-              <a:rPr lang="hu-HU" sz="2800" b="1" dirty="0" err="1"/>
-              <a:t>Köller</a:t>
-            </a:r>
-            <a:r>
-              <a:rPr lang="hu-HU" sz="2800" b="1" dirty="0"/>
-              <a:t> Donát</a:t>
-            </a:r>
-            <a:r>
-              <a:rPr lang="hu-HU" sz="2800" dirty="0"/>
-              <a:t> és </a:t>
-            </a:r>
-            <a:r>
-              <a:rPr lang="hu-HU" sz="2800" b="1" dirty="0"/>
-              <a:t>Vlaszov Artúr</a:t>
-            </a:r>
-          </a:p>
-          <a:p>
-            <a:pPr algn="ctr"/>
-            <a:r>
-              <a:rPr lang="hu-HU" sz="2800" dirty="0"/>
-              <a:t>BME Matematikus </a:t>
-            </a:r>
-            <a:r>
-              <a:rPr lang="hu-HU" sz="2800" dirty="0" err="1"/>
-              <a:t>MSc</a:t>
-            </a:r>
-            <a:endParaRPr lang="hu-HU" sz="2800" dirty="0"/>
-          </a:p>
-        </p:txBody>
-      </p:sp>
-      <p:sp>
-        <p:nvSpPr>
-          <p:cNvPr id="5" name="Szövegdoboz 4">
-            <a:extLst>
-              <a:ext uri="{FF2B5EF4-FFF2-40B4-BE49-F238E27FC236}">
-                <a16:creationId xmlns:a16="http://schemas.microsoft.com/office/drawing/2014/main" id="{A94F048C-93C7-9727-5534-C2A2BB68DDB3}"/>
-              </a:ext>
-            </a:extLst>
-          </p:cNvPr>
-          <p:cNvSpPr txBox="1"/>
-          <p:nvPr/>
-        </p:nvSpPr>
-        <p:spPr>
-          <a:xfrm>
-            <a:off x="600073" y="4806255"/>
-            <a:ext cx="10367963" cy="1384995"/>
-          </a:xfrm>
-          <a:prstGeom prst="rect">
-            <a:avLst/>
-          </a:prstGeom>
-          <a:noFill/>
-        </p:spPr>
-        <p:txBody>
-          <a:bodyPr wrap="square" rtlCol="0">
-            <a:spAutoFit/>
-          </a:bodyPr>
-          <a:lstStyle/>
-          <a:p>
-            <a:pPr algn="ctr"/>
-            <a:r>
-              <a:rPr lang="hu-HU" sz="2800" dirty="0"/>
-              <a:t>Témavezető:</a:t>
-            </a:r>
-          </a:p>
-          <a:p>
-            <a:pPr algn="ctr"/>
-            <a:r>
-              <a:rPr lang="hu-HU" sz="2800" b="1" dirty="0"/>
-              <a:t>Dr. Szilágy Brigitta</a:t>
-            </a:r>
-          </a:p>
-          <a:p>
-            <a:pPr algn="ctr"/>
-            <a:r>
-              <a:rPr lang="hu-HU" sz="2800" dirty="0"/>
-              <a:t>Geometria tanszék</a:t>
-            </a:r>
-          </a:p>
-        </p:txBody>
-      </p:sp>
-    </p:spTree>
-    <p:extLst>
-      <p:ext uri="{BB962C8B-B14F-4D97-AF65-F5344CB8AC3E}">
-        <p14:creationId xmlns:p14="http://schemas.microsoft.com/office/powerpoint/2010/main" val="1434615375"/>
-      </p:ext>
-    </p:extLst>
-  </p:cSld>
-  <p:clrMapOvr>
-    <a:masterClrMapping/>
-  </p:clrMapOvr>
-</p:sld>
-</file>
-
-<file path=ppt/slides/slide3.xml><?xml version="1.0" encoding="utf-8"?>
-<p:sld xmlns:a="http://schemas.openxmlformats.org/drawingml/2006/main" xmlns:r="http://schemas.openxmlformats.org/officeDocument/2006/relationships" xmlns:p="http://schemas.openxmlformats.org/presentationml/2006/main">
-  <p:cSld>
-    <p:spTree>
-      <p:nvGrpSpPr>
-        <p:cNvPr id="1" name=""/>
-        <p:cNvGrpSpPr/>
-        <p:nvPr/>
-      </p:nvGrpSpPr>
-      <p:grpSpPr>
-        <a:xfrm>
-          <a:off x="0" y="0"/>
-          <a:ext cx="0" cy="0"/>
-          <a:chOff x="0" y="0"/>
-          <a:chExt cx="0" cy="0"/>
-        </a:xfrm>
-      </p:grpSpPr>
-      <p:sp>
-        <p:nvSpPr>
-          <p:cNvPr id="2" name="Cím 1">
-            <a:extLst>
-              <a:ext uri="{FF2B5EF4-FFF2-40B4-BE49-F238E27FC236}">
-                <a16:creationId xmlns:a16="http://schemas.microsoft.com/office/drawing/2014/main" id="{7272F0D8-9DF9-25AE-0E2C-2047DA9D9426}"/>
-              </a:ext>
-            </a:extLst>
-          </p:cNvPr>
-          <p:cNvSpPr>
-            <a:spLocks noGrp="1"/>
-          </p:cNvSpPr>
-          <p:nvPr>
-            <p:ph type="title"/>
-          </p:nvPr>
-        </p:nvSpPr>
-        <p:spPr/>
-        <p:txBody>
-          <a:bodyPr/>
-          <a:lstStyle/>
-          <a:p>
-            <a:pPr algn="ctr"/>
-            <a:r>
-              <a:rPr lang="hu-HU" b="1" dirty="0"/>
-              <a:t>Kérdésfeltevés</a:t>
-            </a:r>
-          </a:p>
-        </p:txBody>
-      </p:sp>
-      <p:sp>
-        <p:nvSpPr>
-          <p:cNvPr id="3" name="Tartalom helye 2">
-            <a:extLst>
-              <a:ext uri="{FF2B5EF4-FFF2-40B4-BE49-F238E27FC236}">
-                <a16:creationId xmlns:a16="http://schemas.microsoft.com/office/drawing/2014/main" id="{4FEFA480-032B-BDBB-56AE-B38CFD507F75}"/>
-              </a:ext>
-            </a:extLst>
-          </p:cNvPr>
-          <p:cNvSpPr>
-            <a:spLocks noGrp="1"/>
-          </p:cNvSpPr>
-          <p:nvPr>
-            <p:ph idx="1"/>
-          </p:nvPr>
-        </p:nvSpPr>
-        <p:spPr/>
-        <p:txBody>
-          <a:bodyPr/>
-          <a:lstStyle/>
-          <a:p>
-            <a:r>
-              <a:rPr lang="hu-HU" dirty="0" err="1"/>
-              <a:t>Előrejelezhető</a:t>
-            </a:r>
-            <a:r>
-              <a:rPr lang="hu-HU" dirty="0"/>
-              <a:t>-e egy hallgató sikeressége adott bemeneti változók segítségével?</a:t>
-            </a:r>
-          </a:p>
-          <a:p>
-            <a:r>
-              <a:rPr lang="hu-HU" dirty="0"/>
-              <a:t>Változtak-e az eredmények a pandémiás időszakban? Ha igen, hogyan?</a:t>
-            </a:r>
-          </a:p>
-          <a:p>
-            <a:r>
-              <a:rPr lang="hu-HU" dirty="0"/>
-              <a:t>Donát ments meg, mit írjak még ide?</a:t>
-            </a:r>
-          </a:p>
-        </p:txBody>
-      </p:sp>
-    </p:spTree>
-    <p:extLst>
-      <p:ext uri="{BB962C8B-B14F-4D97-AF65-F5344CB8AC3E}">
-        <p14:creationId xmlns:p14="http://schemas.microsoft.com/office/powerpoint/2010/main" val="1680388290"/>
-      </p:ext>
-    </p:extLst>
-  </p:cSld>
-  <p:clrMapOvr>
-    <a:masterClrMapping/>
-  </p:clrMapOvr>
-</p:sld>
-</file>
-
-<file path=ppt/slides/slide4.xml><?xml version="1.0" encoding="utf-8"?>
-<p:sld xmlns:a="http://schemas.openxmlformats.org/drawingml/2006/main" xmlns:r="http://schemas.openxmlformats.org/officeDocument/2006/relationships" xmlns:p="http://schemas.openxmlformats.org/presentationml/2006/main">
-  <p:cSld>
-    <p:spTree>
-      <p:nvGrpSpPr>
-        <p:cNvPr id="1" name=""/>
-        <p:cNvGrpSpPr/>
-        <p:nvPr/>
-      </p:nvGrpSpPr>
-      <p:grpSpPr>
-        <a:xfrm>
-          <a:off x="0" y="0"/>
-          <a:ext cx="0" cy="0"/>
-          <a:chOff x="0" y="0"/>
-          <a:chExt cx="0" cy="0"/>
-        </a:xfrm>
-      </p:grpSpPr>
-      <p:sp>
-        <p:nvSpPr>
-          <p:cNvPr id="2" name="Cím 1">
-            <a:extLst>
-              <a:ext uri="{FF2B5EF4-FFF2-40B4-BE49-F238E27FC236}">
-                <a16:creationId xmlns:a16="http://schemas.microsoft.com/office/drawing/2014/main" id="{9329AF93-67B2-E332-782E-C7DF0935A2FC}"/>
-              </a:ext>
-            </a:extLst>
-          </p:cNvPr>
-          <p:cNvSpPr>
-            <a:spLocks noGrp="1"/>
-          </p:cNvSpPr>
-          <p:nvPr>
-            <p:ph type="title"/>
-          </p:nvPr>
-        </p:nvSpPr>
-        <p:spPr/>
-        <p:txBody>
-          <a:bodyPr/>
-          <a:lstStyle/>
-          <a:p>
-            <a:pPr algn="ctr"/>
-            <a:r>
-              <a:rPr lang="hu-HU" b="1" dirty="0"/>
-              <a:t>Rendelkezésre álló adatok, tisztítás, előkészítés</a:t>
-            </a:r>
-          </a:p>
-        </p:txBody>
-      </p:sp>
-      <p:sp>
-        <p:nvSpPr>
-          <p:cNvPr id="3" name="Tartalom helye 2">
-            <a:extLst>
-              <a:ext uri="{FF2B5EF4-FFF2-40B4-BE49-F238E27FC236}">
-                <a16:creationId xmlns:a16="http://schemas.microsoft.com/office/drawing/2014/main" id="{C8D77745-B9CC-0349-29A7-C170675BA62F}"/>
-              </a:ext>
-            </a:extLst>
-          </p:cNvPr>
-          <p:cNvSpPr>
-            <a:spLocks noGrp="1"/>
-          </p:cNvSpPr>
-          <p:nvPr>
-            <p:ph idx="1"/>
-          </p:nvPr>
-        </p:nvSpPr>
-        <p:spPr/>
-        <p:txBody>
-          <a:bodyPr/>
-          <a:lstStyle/>
-          <a:p>
-            <a:r>
-              <a:rPr lang="hu-HU" dirty="0"/>
-              <a:t>Adatok forrása: </a:t>
-            </a:r>
-          </a:p>
-          <a:p>
-            <a:r>
-              <a:rPr lang="hu-HU" dirty="0"/>
-              <a:t>Milyen adatok állnak rendelkezésre: 2019, 2021</a:t>
-            </a:r>
-          </a:p>
-          <a:p>
-            <a:r>
-              <a:rPr lang="hu-HU" dirty="0"/>
-              <a:t>Táblák összeillesztése</a:t>
-            </a:r>
-          </a:p>
-          <a:p>
-            <a:r>
-              <a:rPr lang="hu-HU" dirty="0"/>
-              <a:t>Hibás adatok elhagyása</a:t>
-            </a:r>
-          </a:p>
-          <a:p>
-            <a:r>
-              <a:rPr lang="hu-HU" dirty="0"/>
-              <a:t>Néhány változó aggregálása</a:t>
-            </a:r>
-          </a:p>
-          <a:p>
-            <a:r>
-              <a:rPr lang="hu-HU" dirty="0"/>
-              <a:t>Donát </a:t>
-            </a:r>
-            <a:r>
-              <a:rPr lang="hu-HU" dirty="0" err="1"/>
-              <a:t>egészítstd</a:t>
-            </a:r>
-            <a:r>
-              <a:rPr lang="hu-HU" dirty="0"/>
-              <a:t> ki </a:t>
-            </a:r>
-            <a:r>
-              <a:rPr lang="hu-HU" dirty="0" err="1"/>
-              <a:t>Bls</a:t>
-            </a:r>
-            <a:endParaRPr lang="hu-HU" dirty="0"/>
-          </a:p>
-          <a:p>
-            <a:endParaRPr lang="hu-HU" dirty="0"/>
-          </a:p>
-        </p:txBody>
-      </p:sp>
-    </p:spTree>
-    <p:extLst>
-      <p:ext uri="{BB962C8B-B14F-4D97-AF65-F5344CB8AC3E}">
-        <p14:creationId xmlns:p14="http://schemas.microsoft.com/office/powerpoint/2010/main" val="1766610120"/>
-      </p:ext>
-    </p:extLst>
-  </p:cSld>
-  <p:clrMapOvr>
-    <a:masterClrMapping/>
-  </p:clrMapOvr>
-</p:sld>
-</file>
-
-<file path=ppt/slides/slide5.xml><?xml version="1.0" encoding="utf-8"?>
-<p:sld xmlns:a="http://schemas.openxmlformats.org/drawingml/2006/main" xmlns:r="http://schemas.openxmlformats.org/officeDocument/2006/relationships" xmlns:p="http://schemas.openxmlformats.org/presentationml/2006/main">
-  <p:cSld>
-    <p:spTree>
-      <p:nvGrpSpPr>
-        <p:cNvPr id="1" name=""/>
-        <p:cNvGrpSpPr/>
-        <p:nvPr/>
-      </p:nvGrpSpPr>
-      <p:grpSpPr>
-        <a:xfrm>
-          <a:off x="0" y="0"/>
-          <a:ext cx="0" cy="0"/>
-          <a:chOff x="0" y="0"/>
-          <a:chExt cx="0" cy="0"/>
-        </a:xfrm>
-      </p:grpSpPr>
-      <p:sp>
-        <p:nvSpPr>
-          <p:cNvPr id="2" name="Cím 1">
-            <a:extLst>
-              <a:ext uri="{FF2B5EF4-FFF2-40B4-BE49-F238E27FC236}">
-                <a16:creationId xmlns:a16="http://schemas.microsoft.com/office/drawing/2014/main" id="{593300DD-170A-56FA-E690-08184EE2E224}"/>
-              </a:ext>
-            </a:extLst>
-          </p:cNvPr>
-          <p:cNvSpPr>
-            <a:spLocks noGrp="1"/>
-          </p:cNvSpPr>
-          <p:nvPr>
-            <p:ph type="title"/>
-          </p:nvPr>
-        </p:nvSpPr>
-        <p:spPr/>
-        <p:txBody>
-          <a:bodyPr/>
-          <a:lstStyle/>
-          <a:p>
-            <a:pPr algn="ctr"/>
-            <a:r>
-              <a:rPr lang="hu-HU" b="1" dirty="0"/>
-              <a:t>Adatfeltárás, ábrázolás</a:t>
-            </a:r>
-          </a:p>
-        </p:txBody>
-      </p:sp>
-      <p:sp>
-        <p:nvSpPr>
-          <p:cNvPr id="3" name="Tartalom helye 2">
-            <a:extLst>
-              <a:ext uri="{FF2B5EF4-FFF2-40B4-BE49-F238E27FC236}">
-                <a16:creationId xmlns:a16="http://schemas.microsoft.com/office/drawing/2014/main" id="{E6483260-B8B1-1228-49C2-61EDED1E44E3}"/>
-              </a:ext>
-            </a:extLst>
-          </p:cNvPr>
-          <p:cNvSpPr>
-            <a:spLocks noGrp="1"/>
-          </p:cNvSpPr>
-          <p:nvPr>
-            <p:ph idx="1"/>
-          </p:nvPr>
-        </p:nvSpPr>
-        <p:spPr>
-          <a:xfrm>
-            <a:off x="838200" y="1825625"/>
-            <a:ext cx="10515600" cy="4667250"/>
-          </a:xfrm>
-        </p:spPr>
-        <p:txBody>
-          <a:bodyPr/>
-          <a:lstStyle/>
-          <a:p>
-            <a:r>
-              <a:rPr lang="hu-HU" dirty="0"/>
-              <a:t>Rengeteg egyszerű ábra</a:t>
-            </a:r>
-          </a:p>
-          <a:p>
-            <a:r>
-              <a:rPr lang="hu-HU" dirty="0"/>
-              <a:t>Szórás-, oszlop- és </a:t>
-            </a:r>
-            <a:r>
-              <a:rPr lang="hu-HU" dirty="0" err="1"/>
-              <a:t>Sankey</a:t>
-            </a:r>
-            <a:r>
-              <a:rPr lang="hu-HU" dirty="0"/>
-              <a:t>-diagramok</a:t>
-            </a:r>
-          </a:p>
-          <a:p>
-            <a:r>
-              <a:rPr lang="hu-HU" dirty="0"/>
-              <a:t>Cél: esetleges egyszerű viszonyok feltárása, adatok szemléltetése</a:t>
-            </a:r>
-          </a:p>
-          <a:p>
-            <a:r>
-              <a:rPr lang="hu-HU" dirty="0"/>
-              <a:t>Sok változó </a:t>
-            </a:r>
-            <a:r>
-              <a:rPr lang="hu-HU" dirty="0">
-                <a:sym typeface="Wingdings" panose="05000000000000000000" pitchFamily="2" charset="2"/>
-              </a:rPr>
-              <a:t> két-két dimenziós vetítések átláthatóság érdekében</a:t>
-            </a:r>
-          </a:p>
-          <a:p>
-            <a:r>
-              <a:rPr lang="hu-HU" dirty="0">
-                <a:sym typeface="Wingdings" panose="05000000000000000000" pitchFamily="2" charset="2"/>
-              </a:rPr>
-              <a:t>Tapasztalatok: </a:t>
-            </a:r>
-          </a:p>
-          <a:p>
-            <a:pPr marL="971550" lvl="1" indent="-514350">
-              <a:buFont typeface="+mj-lt"/>
-              <a:buAutoNum type="arabicPeriod"/>
-            </a:pPr>
-            <a:r>
-              <a:rPr lang="hu-HU" dirty="0">
-                <a:sym typeface="Wingdings" panose="05000000000000000000" pitchFamily="2" charset="2"/>
-              </a:rPr>
-              <a:t>Nagy szórás</a:t>
-            </a:r>
-          </a:p>
-          <a:p>
-            <a:pPr marL="971550" lvl="1" indent="-514350">
-              <a:buFont typeface="+mj-lt"/>
-              <a:buAutoNum type="arabicPeriod"/>
-            </a:pPr>
-            <a:r>
-              <a:rPr lang="hu-HU" dirty="0">
-                <a:sym typeface="Wingdings" panose="05000000000000000000" pitchFamily="2" charset="2"/>
-              </a:rPr>
-              <a:t>Gyenge, pozitív korreláció</a:t>
-            </a:r>
-          </a:p>
-          <a:p>
-            <a:pPr marL="971550" lvl="1" indent="-514350">
-              <a:buFont typeface="+mj-lt"/>
-              <a:buAutoNum type="arabicPeriod"/>
-            </a:pPr>
-            <a:r>
-              <a:rPr lang="hu-HU" dirty="0">
-                <a:sym typeface="Wingdings" panose="05000000000000000000" pitchFamily="2" charset="2"/>
-              </a:rPr>
-              <a:t>Egész erős homogenitás (nem emelkednek ki csoportok)</a:t>
-            </a:r>
-          </a:p>
-          <a:p>
-            <a:pPr marL="971550" lvl="1" indent="-514350">
-              <a:buFont typeface="+mj-lt"/>
-              <a:buAutoNum type="arabicPeriod"/>
-            </a:pPr>
-            <a:r>
-              <a:rPr lang="hu-HU" dirty="0">
-                <a:sym typeface="Wingdings" panose="05000000000000000000" pitchFamily="2" charset="2"/>
-              </a:rPr>
-              <a:t>Minden változó „fontos”</a:t>
-            </a:r>
-          </a:p>
-          <a:p>
-            <a:pPr marL="971550" lvl="1" indent="-514350">
-              <a:buFont typeface="+mj-lt"/>
-              <a:buAutoNum type="arabicPeriod"/>
-            </a:pPr>
-            <a:r>
-              <a:rPr lang="hu-HU" dirty="0">
-                <a:sym typeface="Wingdings" panose="05000000000000000000" pitchFamily="2" charset="2"/>
-              </a:rPr>
-              <a:t>Emelt érettségi hatása erős, tagozaté nagyon gyenge</a:t>
-            </a:r>
-          </a:p>
-          <a:p>
-            <a:pPr marL="971550" lvl="1" indent="-514350">
-              <a:buFont typeface="+mj-lt"/>
-              <a:buAutoNum type="arabicPeriod"/>
-            </a:pPr>
-            <a:endParaRPr lang="hu-HU" dirty="0"/>
-          </a:p>
-        </p:txBody>
-      </p:sp>
-    </p:spTree>
-    <p:extLst>
-      <p:ext uri="{BB962C8B-B14F-4D97-AF65-F5344CB8AC3E}">
-        <p14:creationId xmlns:p14="http://schemas.microsoft.com/office/powerpoint/2010/main" val="4234436358"/>
-      </p:ext>
-    </p:extLst>
-  </p:cSld>
-  <p:clrMapOvr>
-    <a:masterClrMapping/>
-  </p:clrMapOvr>
-</p:sld>
-</file>
-
-<file path=ppt/slides/slide6.xml><?xml version="1.0" encoding="utf-8"?>
-<p:sld xmlns:a="http://schemas.openxmlformats.org/drawingml/2006/main" xmlns:r="http://schemas.openxmlformats.org/officeDocument/2006/relationships" xmlns:p="http://schemas.openxmlformats.org/presentationml/2006/main">
-  <p:cSld>
-    <p:spTree>
-      <p:nvGrpSpPr>
-        <p:cNvPr id="1" name=""/>
-        <p:cNvGrpSpPr/>
-        <p:nvPr/>
-      </p:nvGrpSpPr>
-      <p:grpSpPr>
-        <a:xfrm>
-          <a:off x="0" y="0"/>
-          <a:ext cx="0" cy="0"/>
-          <a:chOff x="0" y="0"/>
-          <a:chExt cx="0" cy="0"/>
-        </a:xfrm>
-      </p:grpSpPr>
-      <p:sp>
-        <p:nvSpPr>
-          <p:cNvPr id="2" name="Cím 1">
-            <a:extLst>
-              <a:ext uri="{FF2B5EF4-FFF2-40B4-BE49-F238E27FC236}">
-                <a16:creationId xmlns:a16="http://schemas.microsoft.com/office/drawing/2014/main" id="{7FE3CFF5-21C9-B057-ED7B-7D500761B28F}"/>
-              </a:ext>
-            </a:extLst>
-          </p:cNvPr>
-          <p:cNvSpPr>
-            <a:spLocks noGrp="1"/>
-          </p:cNvSpPr>
-          <p:nvPr>
-            <p:ph type="title"/>
-          </p:nvPr>
-        </p:nvSpPr>
-        <p:spPr/>
-        <p:txBody>
-          <a:bodyPr/>
-          <a:lstStyle/>
-          <a:p>
-            <a:pPr algn="ctr"/>
-            <a:r>
-              <a:rPr lang="hu-HU" b="1" dirty="0"/>
-              <a:t>Szórásdiagram példa (2019.)</a:t>
-            </a:r>
-          </a:p>
-        </p:txBody>
-      </p:sp>
-      <p:pic>
-        <p:nvPicPr>
-          <p:cNvPr id="5" name="Kép 4">
-            <a:extLst>
-              <a:ext uri="{FF2B5EF4-FFF2-40B4-BE49-F238E27FC236}">
-                <a16:creationId xmlns:a16="http://schemas.microsoft.com/office/drawing/2014/main" id="{11A79781-608C-DBAB-D0CB-5A3158F933C6}"/>
-              </a:ext>
-            </a:extLst>
-          </p:cNvPr>
-          <p:cNvPicPr>
-            <a:picLocks noChangeAspect="1"/>
-          </p:cNvPicPr>
-          <p:nvPr/>
-        </p:nvPicPr>
-        <p:blipFill>
-          <a:blip r:embed="rId2">
-            <a:extLst>
-              <a:ext uri="{28A0092B-C50C-407E-A947-70E740481C1C}">
-                <a14:useLocalDpi xmlns:a14="http://schemas.microsoft.com/office/drawing/2010/main" val="0"/>
-              </a:ext>
-            </a:extLst>
-          </a:blip>
-          <a:stretch>
-            <a:fillRect/>
-          </a:stretch>
-        </p:blipFill>
-        <p:spPr>
-          <a:xfrm>
-            <a:off x="1093684" y="1391944"/>
-            <a:ext cx="10004631" cy="4887456"/>
-          </a:xfrm>
-          <a:prstGeom prst="rect">
-            <a:avLst/>
-          </a:prstGeom>
-        </p:spPr>
-      </p:pic>
-    </p:spTree>
-    <p:extLst>
-      <p:ext uri="{BB962C8B-B14F-4D97-AF65-F5344CB8AC3E}">
-        <p14:creationId xmlns:p14="http://schemas.microsoft.com/office/powerpoint/2010/main" val="2949031772"/>
-      </p:ext>
-    </p:extLst>
-  </p:cSld>
-  <p:clrMapOvr>
-    <a:masterClrMapping/>
-  </p:clrMapOvr>
-</p:sld>
-</file>
-
-<file path=ppt/slides/slide7.xml><?xml version="1.0" encoding="utf-8"?>
-<p:sld xmlns:a="http://schemas.openxmlformats.org/drawingml/2006/main" xmlns:r="http://schemas.openxmlformats.org/officeDocument/2006/relationships" xmlns:p="http://schemas.openxmlformats.org/presentationml/2006/main">
-  <p:cSld>
-    <p:spTree>
-      <p:nvGrpSpPr>
-        <p:cNvPr id="1" name=""/>
-        <p:cNvGrpSpPr/>
-        <p:nvPr/>
-      </p:nvGrpSpPr>
-      <p:grpSpPr>
-        <a:xfrm>
-          <a:off x="0" y="0"/>
-          <a:ext cx="0" cy="0"/>
-          <a:chOff x="0" y="0"/>
-          <a:chExt cx="0" cy="0"/>
-        </a:xfrm>
-      </p:grpSpPr>
-      <p:sp>
-        <p:nvSpPr>
-          <p:cNvPr id="2" name="Cím 1">
-            <a:extLst>
-              <a:ext uri="{FF2B5EF4-FFF2-40B4-BE49-F238E27FC236}">
-                <a16:creationId xmlns:a16="http://schemas.microsoft.com/office/drawing/2014/main" id="{7F112246-AD39-CD7F-35E3-748B0593F14B}"/>
-              </a:ext>
-            </a:extLst>
-          </p:cNvPr>
-          <p:cNvSpPr>
-            <a:spLocks noGrp="1"/>
-          </p:cNvSpPr>
-          <p:nvPr>
-            <p:ph type="title"/>
-          </p:nvPr>
-        </p:nvSpPr>
-        <p:spPr/>
-        <p:txBody>
-          <a:bodyPr/>
-          <a:lstStyle/>
-          <a:p>
-            <a:pPr algn="ctr"/>
-            <a:r>
-              <a:rPr lang="hu-HU" b="1" dirty="0"/>
-              <a:t>Szórásdiagram példa (2021.)</a:t>
-            </a:r>
-            <a:endParaRPr lang="hu-HU" dirty="0"/>
-          </a:p>
-        </p:txBody>
-      </p:sp>
-      <p:pic>
-        <p:nvPicPr>
-          <p:cNvPr id="5" name="Tartalom helye 4">
-            <a:extLst>
-              <a:ext uri="{FF2B5EF4-FFF2-40B4-BE49-F238E27FC236}">
-                <a16:creationId xmlns:a16="http://schemas.microsoft.com/office/drawing/2014/main" id="{9C6D9CCC-3495-9008-B536-D3A38EB7EDE0}"/>
-              </a:ext>
-            </a:extLst>
-          </p:cNvPr>
-          <p:cNvPicPr>
-            <a:picLocks noGrp="1" noChangeAspect="1"/>
-          </p:cNvPicPr>
-          <p:nvPr>
-            <p:ph idx="1"/>
-          </p:nvPr>
-        </p:nvPicPr>
-        <p:blipFill>
-          <a:blip r:embed="rId2">
-            <a:extLst>
-              <a:ext uri="{28A0092B-C50C-407E-A947-70E740481C1C}">
-                <a14:useLocalDpi xmlns:a14="http://schemas.microsoft.com/office/drawing/2010/main" val="0"/>
-              </a:ext>
-            </a:extLst>
-          </a:blip>
-          <a:stretch>
-            <a:fillRect/>
-          </a:stretch>
-        </p:blipFill>
-        <p:spPr>
-          <a:xfrm>
-            <a:off x="1273708" y="1670584"/>
-            <a:ext cx="9644584" cy="4822291"/>
-          </a:xfrm>
-        </p:spPr>
-      </p:pic>
-    </p:spTree>
-    <p:extLst>
-      <p:ext uri="{BB962C8B-B14F-4D97-AF65-F5344CB8AC3E}">
-        <p14:creationId xmlns:p14="http://schemas.microsoft.com/office/powerpoint/2010/main" val="3386716064"/>
-      </p:ext>
-    </p:extLst>
-  </p:cSld>
-  <p:clrMapOvr>
-    <a:masterClrMapping/>
-  </p:clrMapOvr>
-</p:sld>
-</file>
-
-<file path=ppt/slides/slide8.xml><?xml version="1.0" encoding="utf-8"?>
-<p:sld xmlns:a="http://schemas.openxmlformats.org/drawingml/2006/main" xmlns:r="http://schemas.openxmlformats.org/officeDocument/2006/relationships" xmlns:p="http://schemas.openxmlformats.org/presentationml/2006/main">
-  <p:cSld>
-    <p:spTree>
-      <p:nvGrpSpPr>
-        <p:cNvPr id="1" name=""/>
-        <p:cNvGrpSpPr/>
-        <p:nvPr/>
-      </p:nvGrpSpPr>
-      <p:grpSpPr>
-        <a:xfrm>
-          <a:off x="0" y="0"/>
-          <a:ext cx="0" cy="0"/>
-          <a:chOff x="0" y="0"/>
-          <a:chExt cx="0" cy="0"/>
-        </a:xfrm>
-      </p:grpSpPr>
-      <p:sp>
-        <p:nvSpPr>
-          <p:cNvPr id="2" name="Cím 1">
-            <a:extLst>
-              <a:ext uri="{FF2B5EF4-FFF2-40B4-BE49-F238E27FC236}">
-                <a16:creationId xmlns:a16="http://schemas.microsoft.com/office/drawing/2014/main" id="{F38CDD30-E093-0439-5B2C-1C6D195D21FF}"/>
-              </a:ext>
-            </a:extLst>
-          </p:cNvPr>
-          <p:cNvSpPr>
-            <a:spLocks noGrp="1"/>
-          </p:cNvSpPr>
-          <p:nvPr>
-            <p:ph type="title"/>
-          </p:nvPr>
-        </p:nvSpPr>
-        <p:spPr/>
-        <p:txBody>
-          <a:bodyPr/>
-          <a:lstStyle/>
-          <a:p>
-            <a:pPr algn="ctr"/>
-            <a:r>
-              <a:rPr lang="hu-HU" b="1" dirty="0"/>
-              <a:t>Folyamatábrák (</a:t>
-            </a:r>
-            <a:r>
-              <a:rPr lang="hu-HU" b="1" dirty="0" err="1"/>
-              <a:t>Sankey</a:t>
-            </a:r>
-            <a:r>
-              <a:rPr lang="hu-HU" b="1" dirty="0"/>
-              <a:t>-diagramok)</a:t>
-            </a:r>
-          </a:p>
-        </p:txBody>
-      </p:sp>
-      <p:sp>
-        <p:nvSpPr>
-          <p:cNvPr id="3" name="Tartalom helye 2">
-            <a:extLst>
-              <a:ext uri="{FF2B5EF4-FFF2-40B4-BE49-F238E27FC236}">
-                <a16:creationId xmlns:a16="http://schemas.microsoft.com/office/drawing/2014/main" id="{2161B55E-86FE-14EA-E45B-CC3E3D33F6E4}"/>
-              </a:ext>
-            </a:extLst>
-          </p:cNvPr>
-          <p:cNvSpPr>
-            <a:spLocks noGrp="1"/>
-          </p:cNvSpPr>
-          <p:nvPr>
-            <p:ph idx="1"/>
-          </p:nvPr>
-        </p:nvSpPr>
-        <p:spPr/>
-        <p:txBody>
-          <a:bodyPr/>
-          <a:lstStyle/>
-          <a:p>
-            <a:r>
-              <a:rPr lang="hu-HU" dirty="0"/>
-              <a:t>Két-két állapot közötti folyamok ábrázolása</a:t>
-            </a:r>
-          </a:p>
-          <a:p>
-            <a:r>
-              <a:rPr lang="hu-HU" dirty="0"/>
-              <a:t>Kirajzolódnak tendenciák</a:t>
-            </a:r>
-          </a:p>
-          <a:p>
-            <a:r>
-              <a:rPr lang="hu-HU" dirty="0"/>
-              <a:t>Több állapot esetén nem minden kapcsolat látszik</a:t>
-            </a:r>
-          </a:p>
-          <a:p>
-            <a:r>
-              <a:rPr lang="hu-HU" dirty="0"/>
-              <a:t>Folytonos adatokat kategorizálni kell először</a:t>
-            </a:r>
-          </a:p>
-          <a:p>
-            <a:r>
-              <a:rPr lang="hu-HU" dirty="0"/>
-              <a:t>5-5 potenciális osztály minden változónál</a:t>
-            </a:r>
-          </a:p>
-          <a:p>
-            <a:pPr marL="0" indent="0">
-              <a:buNone/>
-            </a:pPr>
-            <a:endParaRPr lang="hu-HU" dirty="0"/>
-          </a:p>
-        </p:txBody>
-      </p:sp>
-    </p:spTree>
-    <p:extLst>
-      <p:ext uri="{BB962C8B-B14F-4D97-AF65-F5344CB8AC3E}">
-        <p14:creationId xmlns:p14="http://schemas.microsoft.com/office/powerpoint/2010/main" val="3338285652"/>
-      </p:ext>
-    </p:extLst>
-  </p:cSld>
-  <p:clrMapOvr>
-    <a:masterClrMapping/>
-  </p:clrMapOvr>
-</p:sld>
-</file>
-
-<file path=ppt/slides/slide9.xml><?xml version="1.0" encoding="utf-8"?>
-<p:sld xmlns:a="http://schemas.openxmlformats.org/drawingml/2006/main" xmlns:r="http://schemas.openxmlformats.org/officeDocument/2006/relationships" xmlns:p="http://schemas.openxmlformats.org/presentationml/2006/main">
-  <p:cSld>
-    <p:spTree>
-      <p:nvGrpSpPr>
-        <p:cNvPr id="1" name=""/>
-        <p:cNvGrpSpPr/>
-        <p:nvPr/>
-      </p:nvGrpSpPr>
-      <p:grpSpPr>
-        <a:xfrm>
-          <a:off x="0" y="0"/>
-          <a:ext cx="0" cy="0"/>
-          <a:chOff x="0" y="0"/>
-          <a:chExt cx="0" cy="0"/>
-        </a:xfrm>
-      </p:grpSpPr>
-      <p:sp>
-        <p:nvSpPr>
-          <p:cNvPr id="2" name="Cím 1">
-            <a:extLst>
-              <a:ext uri="{FF2B5EF4-FFF2-40B4-BE49-F238E27FC236}">
-                <a16:creationId xmlns:a16="http://schemas.microsoft.com/office/drawing/2014/main" id="{D654C71D-FD4A-B1BF-F3CC-B1B373C013CF}"/>
-              </a:ext>
-            </a:extLst>
-          </p:cNvPr>
-          <p:cNvSpPr>
-            <a:spLocks noGrp="1"/>
-          </p:cNvSpPr>
-          <p:nvPr>
-            <p:ph type="title"/>
-          </p:nvPr>
-        </p:nvSpPr>
-        <p:spPr/>
-        <p:txBody>
-          <a:bodyPr/>
-          <a:lstStyle/>
-          <a:p>
-            <a:pPr algn="ctr"/>
-            <a:r>
-              <a:rPr lang="hu-HU" b="1" dirty="0" err="1"/>
-              <a:t>Sankey</a:t>
-            </a:r>
-            <a:r>
-              <a:rPr lang="hu-HU" b="1" dirty="0"/>
-              <a:t>-ábra példa</a:t>
-            </a:r>
-          </a:p>
-        </p:txBody>
-      </p:sp>
-      <p:sp>
-        <p:nvSpPr>
-          <p:cNvPr id="3" name="Tartalom helye 2">
-            <a:extLst>
-              <a:ext uri="{FF2B5EF4-FFF2-40B4-BE49-F238E27FC236}">
-                <a16:creationId xmlns:a16="http://schemas.microsoft.com/office/drawing/2014/main" id="{8A84244E-4612-8558-DCD4-2C6B18A135B7}"/>
-              </a:ext>
-            </a:extLst>
-          </p:cNvPr>
-          <p:cNvSpPr>
-            <a:spLocks noGrp="1"/>
-          </p:cNvSpPr>
-          <p:nvPr>
-            <p:ph idx="1"/>
-          </p:nvPr>
-        </p:nvSpPr>
-        <p:spPr/>
-        <p:txBody>
-          <a:bodyPr/>
-          <a:lstStyle/>
-          <a:p>
-            <a:endParaRPr lang="hu-HU" dirty="0"/>
-          </a:p>
-        </p:txBody>
-      </p:sp>
-    </p:spTree>
-    <p:extLst>
-      <p:ext uri="{BB962C8B-B14F-4D97-AF65-F5344CB8AC3E}">
-        <p14:creationId xmlns:p14="http://schemas.microsoft.com/office/powerpoint/2010/main" val="439460277"/>
       </p:ext>
     </p:extLst>
   </p:cSld>
@@ -17671,18 +18892,18 @@
 </file>
 
 <file path=customXml/item1.xml><?xml version="1.0" encoding="utf-8"?>
-<p:properties xmlns:p="http://schemas.microsoft.com/office/2006/metadata/properties" xmlns:xsi="http://www.w3.org/2001/XMLSchema-instance" xmlns:pc="http://schemas.microsoft.com/office/infopath/2007/PartnerControls">
-  <documentManagement/>
-</p:properties>
-</file>
-
-<file path=customXml/item2.xml><?xml version="1.0" encoding="utf-8"?>
 <?mso-contentType ?>
 <FormTemplates xmlns="http://schemas.microsoft.com/sharepoint/v3/contenttype/forms">
   <Display>DocumentLibraryForm</Display>
   <Edit>DocumentLibraryForm</Edit>
   <New>DocumentLibraryForm</New>
 </FormTemplates>
+</file>
+
+<file path=customXml/item2.xml><?xml version="1.0" encoding="utf-8"?>
+<p:properties xmlns:p="http://schemas.microsoft.com/office/2006/metadata/properties" xmlns:xsi="http://www.w3.org/2001/XMLSchema-instance" xmlns:pc="http://schemas.microsoft.com/office/infopath/2007/PartnerControls">
+  <documentManagement/>
+</p:properties>
 </file>
 
 <file path=customXml/item3.xml><?xml version="1.0" encoding="utf-8"?>
@@ -17903,6 +19124,14 @@
 </file>
 
 <file path=customXml/itemProps1.xml><?xml version="1.0" encoding="utf-8"?>
+<ds:datastoreItem xmlns:ds="http://schemas.openxmlformats.org/officeDocument/2006/customXml" ds:itemID="{50840CD4-151D-4EB0-B019-56A60DEADF67}">
+  <ds:schemaRefs>
+    <ds:schemaRef ds:uri="http://schemas.microsoft.com/sharepoint/v3/contenttype/forms"/>
+  </ds:schemaRefs>
+</ds:datastoreItem>
+</file>
+
+<file path=customXml/itemProps2.xml><?xml version="1.0" encoding="utf-8"?>
 <ds:datastoreItem xmlns:ds="http://schemas.openxmlformats.org/officeDocument/2006/customXml" ds:itemID="{9C219F95-6B43-40D3-B82B-9222DC3D5400}">
   <ds:schemaRefs>
     <ds:schemaRef ds:uri="c337042d-1629-4b4f-b38b-20e2dbf6aed7"/>
@@ -17915,14 +19144,6 @@
     <ds:schemaRef ds:uri="0291926e-7f6f-40e6-b2cd-618d734b3849"/>
     <ds:schemaRef ds:uri="http://www.w3.org/XML/1998/namespace"/>
     <ds:schemaRef ds:uri="http://purl.org/dc/elements/1.1/"/>
-  </ds:schemaRefs>
-</ds:datastoreItem>
-</file>
-
-<file path=customXml/itemProps2.xml><?xml version="1.0" encoding="utf-8"?>
-<ds:datastoreItem xmlns:ds="http://schemas.openxmlformats.org/officeDocument/2006/customXml" ds:itemID="{50840CD4-151D-4EB0-B019-56A60DEADF67}">
-  <ds:schemaRefs>
-    <ds:schemaRef ds:uri="http://schemas.microsoft.com/sharepoint/v3/contenttype/forms"/>
   </ds:schemaRefs>
 </ds:datastoreItem>
 </file>

--- a/TDK prezi.pptx
+++ b/TDK prezi.pptx
@@ -21,6 +21,7 @@
     <p:sldId id="330" r:id="rId18"/>
     <p:sldId id="328" r:id="rId19"/>
     <p:sldId id="329" r:id="rId20"/>
+    <p:sldId id="331" r:id="rId21"/>
   </p:sldIdLst>
   <p:sldSz cx="12192000" cy="6858000"/>
   <p:notesSz cx="6858000" cy="9144000"/>
@@ -1801,7 +1802,7 @@
           <a:p>
             <a:fld id="{8F72BA41-EC5B-4197-BCC8-0FD2E523CD7A}" type="datetimeFigureOut">
               <a:rPr lang="en-US" smtClean="0"/>
-              <a:t>11/12/2022</a:t>
+              <a:t>11/13/2022</a:t>
             </a:fld>
             <a:endParaRPr lang="en-US"/>
           </a:p>
@@ -2004,7 +2005,7 @@
           <a:p>
             <a:fld id="{8F72BA41-EC5B-4197-BCC8-0FD2E523CD7A}" type="datetimeFigureOut">
               <a:rPr lang="en-US" smtClean="0"/>
-              <a:t>11/12/2022</a:t>
+              <a:t>11/13/2022</a:t>
             </a:fld>
             <a:endParaRPr lang="en-US"/>
           </a:p>
@@ -3725,7 +3726,7 @@
           <a:p>
             <a:fld id="{8F72BA41-EC5B-4197-BCC8-0FD2E523CD7A}" type="datetimeFigureOut">
               <a:rPr lang="en-US" smtClean="0"/>
-              <a:t>11/12/2022</a:t>
+              <a:t>11/13/2022</a:t>
             </a:fld>
             <a:endParaRPr lang="en-US"/>
           </a:p>
@@ -3924,7 +3925,7 @@
           <a:p>
             <a:fld id="{8F72BA41-EC5B-4197-BCC8-0FD2E523CD7A}" type="datetimeFigureOut">
               <a:rPr lang="en-US" smtClean="0"/>
-              <a:t>11/12/2022</a:t>
+              <a:t>11/13/2022</a:t>
             </a:fld>
             <a:endParaRPr lang="en-US"/>
           </a:p>
@@ -5714,7 +5715,7 @@
           <a:p>
             <a:fld id="{8F72BA41-EC5B-4197-BCC8-0FD2E523CD7A}" type="datetimeFigureOut">
               <a:rPr lang="en-US" smtClean="0"/>
-              <a:t>11/12/2022</a:t>
+              <a:t>11/13/2022</a:t>
             </a:fld>
             <a:endParaRPr lang="en-US"/>
           </a:p>
@@ -5987,7 +5988,7 @@
           <a:p>
             <a:fld id="{8F72BA41-EC5B-4197-BCC8-0FD2E523CD7A}" type="datetimeFigureOut">
               <a:rPr lang="en-US" smtClean="0"/>
-              <a:t>11/12/2022</a:t>
+              <a:t>11/13/2022</a:t>
             </a:fld>
             <a:endParaRPr lang="en-US"/>
           </a:p>
@@ -6407,7 +6408,7 @@
           <a:p>
             <a:fld id="{8F72BA41-EC5B-4197-BCC8-0FD2E523CD7A}" type="datetimeFigureOut">
               <a:rPr lang="en-US" smtClean="0"/>
-              <a:t>11/12/2022</a:t>
+              <a:t>11/13/2022</a:t>
             </a:fld>
             <a:endParaRPr lang="en-US"/>
           </a:p>
@@ -6563,7 +6564,7 @@
           <a:p>
             <a:fld id="{8F72BA41-EC5B-4197-BCC8-0FD2E523CD7A}" type="datetimeFigureOut">
               <a:rPr lang="en-US" smtClean="0"/>
-              <a:t>11/12/2022</a:t>
+              <a:t>11/13/2022</a:t>
             </a:fld>
             <a:endParaRPr lang="en-US"/>
           </a:p>
@@ -8131,7 +8132,7 @@
           <a:p>
             <a:fld id="{8F72BA41-EC5B-4197-BCC8-0FD2E523CD7A}" type="datetimeFigureOut">
               <a:rPr lang="en-US" smtClean="0"/>
-              <a:t>11/12/2022</a:t>
+              <a:t>11/13/2022</a:t>
             </a:fld>
             <a:endParaRPr lang="en-US"/>
           </a:p>
@@ -9982,7 +9983,7 @@
           <a:p>
             <a:fld id="{8F72BA41-EC5B-4197-BCC8-0FD2E523CD7A}" type="datetimeFigureOut">
               <a:rPr lang="en-US" smtClean="0"/>
-              <a:t>11/12/2022</a:t>
+              <a:t>11/13/2022</a:t>
             </a:fld>
             <a:endParaRPr lang="en-US"/>
           </a:p>
@@ -11795,7 +11796,7 @@
           <a:p>
             <a:fld id="{8F72BA41-EC5B-4197-BCC8-0FD2E523CD7A}" type="datetimeFigureOut">
               <a:rPr lang="en-US" smtClean="0"/>
-              <a:t>11/12/2022</a:t>
+              <a:t>11/13/2022</a:t>
             </a:fld>
             <a:endParaRPr lang="en-US"/>
           </a:p>
@@ -13489,7 +13490,7 @@
             <a:fld id="{8F72BA41-EC5B-4197-BCC8-0FD2E523CD7A}" type="datetimeFigureOut">
               <a:rPr lang="en-US" smtClean="0"/>
               <a:pPr/>
-              <a:t>11/12/2022</a:t>
+              <a:t>11/13/2022</a:t>
             </a:fld>
             <a:endParaRPr lang="en-US" dirty="0"/>
           </a:p>
@@ -16266,7 +16267,7 @@
             </a:r>
             <a:r>
               <a:rPr lang="hu-HU" sz="6000" dirty="0"/>
-              <a:t>: első féléves matematika érdemjegycsoportok és kumulált átlag</a:t>
+              <a:t>: első féléves matematika érdemjegycsoport és kumulált átlag</a:t>
             </a:r>
           </a:p>
           <a:p>
@@ -16669,7 +16670,7 @@
         </p:nvSpPr>
         <p:spPr>
           <a:xfrm>
-            <a:off x="2654103" y="306112"/>
+            <a:off x="2578603" y="541900"/>
             <a:ext cx="10325000" cy="768822"/>
           </a:xfrm>
         </p:spPr>
@@ -16701,13 +16702,13 @@
             <p:ph idx="1"/>
             <p:extLst>
               <p:ext uri="{D42A27DB-BD31-4B8C-83A1-F6EECF244321}">
-                <p14:modId xmlns:p14="http://schemas.microsoft.com/office/powerpoint/2010/main" val="764906784"/>
+                <p14:modId xmlns:p14="http://schemas.microsoft.com/office/powerpoint/2010/main" val="2039088654"/>
               </p:ext>
             </p:extLst>
           </p:nvPr>
         </p:nvGraphicFramePr>
         <p:xfrm>
-          <a:off x="1080736" y="2250475"/>
+          <a:off x="1080736" y="2552479"/>
           <a:ext cx="4336444" cy="1854200"/>
         </p:xfrm>
         <a:graphic>
@@ -17025,7 +17026,7 @@
         </p:nvSpPr>
         <p:spPr>
           <a:xfrm>
-            <a:off x="1461994" y="4432690"/>
+            <a:off x="1461994" y="4734694"/>
             <a:ext cx="3627916" cy="307777"/>
           </a:xfrm>
           <a:prstGeom prst="rect">
@@ -17091,8 +17092,8 @@
         </p:blipFill>
         <p:spPr>
           <a:xfrm>
-            <a:off x="6678686" y="2027337"/>
-            <a:ext cx="4516553" cy="4404941"/>
+            <a:off x="6922923" y="2437149"/>
+            <a:ext cx="4092208" cy="3991082"/>
           </a:xfrm>
           <a:prstGeom prst="rect">
             <a:avLst/>
@@ -17113,7 +17114,7 @@
         </p:nvSpPr>
         <p:spPr>
           <a:xfrm>
-            <a:off x="1322790" y="1517357"/>
+            <a:off x="1322790" y="1819361"/>
             <a:ext cx="3852337" cy="369332"/>
           </a:xfrm>
           <a:prstGeom prst="rect">
@@ -17149,7 +17150,7 @@
         </p:nvSpPr>
         <p:spPr>
           <a:xfrm>
-            <a:off x="6341315" y="1517357"/>
+            <a:off x="6373380" y="1819361"/>
             <a:ext cx="5191293" cy="369332"/>
           </a:xfrm>
           <a:prstGeom prst="rect">
@@ -17193,7 +17194,7 @@
         </p:blipFill>
         <p:spPr>
           <a:xfrm>
-            <a:off x="1532525" y="4840030"/>
+            <a:off x="1532525" y="5142034"/>
             <a:ext cx="3557385" cy="1001225"/>
           </a:xfrm>
           <a:prstGeom prst="rect">
@@ -17382,7 +17383,12 @@
             <p:ph idx="1"/>
           </p:nvPr>
         </p:nvSpPr>
-        <p:spPr/>
+        <p:spPr>
+          <a:xfrm>
+            <a:off x="691079" y="1459287"/>
+            <a:ext cx="10325000" cy="3564436"/>
+          </a:xfrm>
+        </p:spPr>
         <p:txBody>
           <a:bodyPr/>
           <a:lstStyle/>
@@ -17439,7 +17445,7 @@
         </p:nvSpPr>
         <p:spPr>
           <a:xfrm>
-            <a:off x="691079" y="411061"/>
+            <a:off x="691079" y="402672"/>
             <a:ext cx="10325000" cy="952010"/>
           </a:xfrm>
         </p:spPr>
@@ -17449,7 +17455,7 @@
           <a:p>
             <a:r>
               <a:rPr lang="hu-HU" b="1" dirty="0"/>
-              <a:t>Diszkusszió, további célok</a:t>
+              <a:t>Diszkusszió</a:t>
             </a:r>
             <a:endParaRPr lang="en-US" b="1" dirty="0"/>
           </a:p>
@@ -17473,8 +17479,8 @@
         </p:nvSpPr>
         <p:spPr>
           <a:xfrm>
-            <a:off x="691079" y="1646782"/>
-            <a:ext cx="10325000" cy="3564436"/>
+            <a:off x="691079" y="1755839"/>
+            <a:ext cx="10325000" cy="4393292"/>
           </a:xfrm>
         </p:spPr>
         <p:txBody>
@@ -17482,12 +17488,78 @@
           <a:lstStyle/>
           <a:p>
             <a:r>
-              <a:rPr lang="hu-HU" dirty="0"/>
-              <a:t>Artúr rész</a:t>
-            </a:r>
-          </a:p>
-          <a:p>
-            <a:endParaRPr lang="hu-HU" dirty="0"/>
+              <a:rPr lang="hu-HU" sz="2200" dirty="0"/>
+              <a:t>2021-ben pontosabb érdemjegy-</a:t>
+            </a:r>
+            <a:r>
+              <a:rPr lang="hu-HU" sz="2200" dirty="0" err="1"/>
+              <a:t>predikciók</a:t>
+            </a:r>
+            <a:r>
+              <a:rPr lang="hu-HU" sz="2200" dirty="0"/>
+              <a:t> (80% fölötti teljesítmény)</a:t>
+            </a:r>
+          </a:p>
+          <a:p>
+            <a:r>
+              <a:rPr lang="hu-HU" sz="2200" dirty="0"/>
+              <a:t>Felvételi pontszám jelentősége drasztikusan nőtt az érdemjegyre nézve, a kognitív készségek kevésbé determinálóak</a:t>
+            </a:r>
+          </a:p>
+          <a:p>
+            <a:r>
+              <a:rPr lang="hu-HU" sz="2200" dirty="0"/>
+              <a:t>Kumulált átlag legfontosabb </a:t>
+            </a:r>
+            <a:r>
+              <a:rPr lang="hu-HU" sz="2200" dirty="0" err="1"/>
+              <a:t>prediktorai</a:t>
+            </a:r>
+            <a:r>
+              <a:rPr lang="hu-HU" sz="2200" dirty="0"/>
+              <a:t> a tanulmányi és érettségi pontok</a:t>
+            </a:r>
+          </a:p>
+          <a:p>
+            <a:r>
+              <a:rPr lang="hu-HU" sz="2200" dirty="0"/>
+              <a:t>Kevert / ”Black </a:t>
+            </a:r>
+            <a:r>
+              <a:rPr lang="hu-HU" sz="2200" dirty="0" err="1"/>
+              <a:t>box</a:t>
+            </a:r>
+            <a:r>
+              <a:rPr lang="hu-HU" sz="2200" dirty="0"/>
+              <a:t>” modellekkel potenciálisan jobb eredmény érhető el</a:t>
+            </a:r>
+          </a:p>
+          <a:p>
+            <a:r>
+              <a:rPr lang="hu-HU" sz="2200" dirty="0"/>
+              <a:t>További célok:</a:t>
+            </a:r>
+          </a:p>
+          <a:p>
+            <a:pPr lvl="1"/>
+            <a:r>
+              <a:rPr lang="hu-HU" sz="1900" dirty="0"/>
+              <a:t>Új változók és több adatpont hozzávételével teljesítmény javítása</a:t>
+            </a:r>
+          </a:p>
+          <a:p>
+            <a:pPr lvl="1"/>
+            <a:r>
+              <a:rPr lang="hu-HU" sz="1900" dirty="0"/>
+              <a:t>Modellezési stratégiák bővítése</a:t>
+            </a:r>
+          </a:p>
+          <a:p>
+            <a:pPr lvl="1"/>
+            <a:r>
+              <a:rPr lang="hu-HU" sz="1900" dirty="0"/>
+              <a:t>Eredmények egyetem- és hallgatóbarát felhasználása</a:t>
+            </a:r>
           </a:p>
           <a:p>
             <a:endParaRPr lang="hu-HU" dirty="0"/>
@@ -17501,6 +17573,70 @@
     <p:extLst>
       <p:ext uri="{BB962C8B-B14F-4D97-AF65-F5344CB8AC3E}">
         <p14:creationId xmlns:p14="http://schemas.microsoft.com/office/powerpoint/2010/main" val="1864989293"/>
+      </p:ext>
+    </p:extLst>
+  </p:cSld>
+  <p:clrMapOvr>
+    <a:masterClrMapping/>
+  </p:clrMapOvr>
+</p:sld>
+</file>
+
+<file path=ppt/slides/slide17.xml><?xml version="1.0" encoding="utf-8"?>
+<p:sld xmlns:a="http://schemas.openxmlformats.org/drawingml/2006/main" xmlns:r="http://schemas.openxmlformats.org/officeDocument/2006/relationships" xmlns:p="http://schemas.openxmlformats.org/presentationml/2006/main">
+  <p:cSld>
+    <p:spTree>
+      <p:nvGrpSpPr>
+        <p:cNvPr id="1" name=""/>
+        <p:cNvGrpSpPr/>
+        <p:nvPr/>
+      </p:nvGrpSpPr>
+      <p:grpSpPr>
+        <a:xfrm>
+          <a:off x="0" y="0"/>
+          <a:ext cx="0" cy="0"/>
+          <a:chOff x="0" y="0"/>
+          <a:chExt cx="0" cy="0"/>
+        </a:xfrm>
+      </p:grpSpPr>
+      <p:sp>
+        <p:nvSpPr>
+          <p:cNvPr id="2" name="Title 1">
+            <a:extLst>
+              <a:ext uri="{FF2B5EF4-FFF2-40B4-BE49-F238E27FC236}">
+                <a16:creationId xmlns:a16="http://schemas.microsoft.com/office/drawing/2014/main" id="{40D53E6D-3095-81B8-4F79-31B7C8D0AD4F}"/>
+              </a:ext>
+            </a:extLst>
+          </p:cNvPr>
+          <p:cNvSpPr>
+            <a:spLocks noGrp="1"/>
+          </p:cNvSpPr>
+          <p:nvPr>
+            <p:ph type="title"/>
+          </p:nvPr>
+        </p:nvSpPr>
+        <p:spPr>
+          <a:xfrm>
+            <a:off x="2159979" y="2709713"/>
+            <a:ext cx="7872041" cy="784231"/>
+          </a:xfrm>
+        </p:spPr>
+        <p:txBody>
+          <a:bodyPr/>
+          <a:lstStyle/>
+          <a:p>
+            <a:r>
+              <a:rPr lang="hu-HU" b="1" dirty="0"/>
+              <a:t>Köszönjük szépen a figyelmet!</a:t>
+            </a:r>
+            <a:endParaRPr lang="en-US" b="1" dirty="0"/>
+          </a:p>
+        </p:txBody>
+      </p:sp>
+    </p:spTree>
+    <p:extLst>
+      <p:ext uri="{BB962C8B-B14F-4D97-AF65-F5344CB8AC3E}">
+        <p14:creationId xmlns:p14="http://schemas.microsoft.com/office/powerpoint/2010/main" val="2829797477"/>
       </p:ext>
     </p:extLst>
   </p:cSld>
@@ -18117,7 +18253,12 @@
             <p:ph type="title"/>
           </p:nvPr>
         </p:nvSpPr>
-        <p:spPr/>
+        <p:spPr>
+          <a:xfrm>
+            <a:off x="682690" y="612396"/>
+            <a:ext cx="10325000" cy="775842"/>
+          </a:xfrm>
+        </p:spPr>
         <p:txBody>
           <a:bodyPr/>
           <a:lstStyle/>
@@ -18158,7 +18299,7 @@
         </p:blipFill>
         <p:spPr>
           <a:xfrm>
-            <a:off x="1093684" y="1089940"/>
+            <a:off x="1003059" y="1484223"/>
             <a:ext cx="10004631" cy="4887456"/>
           </a:xfrm>
           <a:prstGeom prst="rect">
@@ -18212,7 +18353,12 @@
             <p:ph type="title"/>
           </p:nvPr>
         </p:nvSpPr>
-        <p:spPr/>
+        <p:spPr>
+          <a:xfrm>
+            <a:off x="933500" y="365124"/>
+            <a:ext cx="10325000" cy="910065"/>
+          </a:xfrm>
+        </p:spPr>
         <p:txBody>
           <a:bodyPr/>
           <a:lstStyle/>
@@ -18256,8 +18402,8 @@
         </p:blipFill>
         <p:spPr>
           <a:xfrm>
-            <a:off x="1273708" y="1670584"/>
-            <a:ext cx="9644584" cy="4822291"/>
+            <a:off x="1061633" y="1442907"/>
+            <a:ext cx="9881826" cy="4940912"/>
           </a:xfrm>
         </p:spPr>
       </p:pic>
@@ -18892,21 +19038,6 @@
 </file>
 
 <file path=customXml/item1.xml><?xml version="1.0" encoding="utf-8"?>
-<?mso-contentType ?>
-<FormTemplates xmlns="http://schemas.microsoft.com/sharepoint/v3/contenttype/forms">
-  <Display>DocumentLibraryForm</Display>
-  <Edit>DocumentLibraryForm</Edit>
-  <New>DocumentLibraryForm</New>
-</FormTemplates>
-</file>
-
-<file path=customXml/item2.xml><?xml version="1.0" encoding="utf-8"?>
-<p:properties xmlns:p="http://schemas.microsoft.com/office/2006/metadata/properties" xmlns:xsi="http://www.w3.org/2001/XMLSchema-instance" xmlns:pc="http://schemas.microsoft.com/office/infopath/2007/PartnerControls">
-  <documentManagement/>
-</p:properties>
-</file>
-
-<file path=customXml/item3.xml><?xml version="1.0" encoding="utf-8"?>
 <ct:contentTypeSchema xmlns:ct="http://schemas.microsoft.com/office/2006/metadata/contentType" xmlns:ma="http://schemas.microsoft.com/office/2006/metadata/properties/metaAttributes" ct:_="" ma:_="" ma:contentTypeName="Dokumentum" ma:contentTypeID="0x010100E773987F6FCB234CAD7E1038ABAFFC34" ma:contentTypeVersion="12" ma:contentTypeDescription="Új dokumentum létrehozása." ma:contentTypeScope="" ma:versionID="6c0221d54d68b469113230e4d12a3076">
   <xsd:schema xmlns:xsd="http://www.w3.org/2001/XMLSchema" xmlns:xs="http://www.w3.org/2001/XMLSchema" xmlns:p="http://schemas.microsoft.com/office/2006/metadata/properties" xmlns:ns3="0291926e-7f6f-40e6-b2cd-618d734b3849" xmlns:ns4="c337042d-1629-4b4f-b38b-20e2dbf6aed7" targetNamespace="http://schemas.microsoft.com/office/2006/metadata/properties" ma:root="true" ma:fieldsID="0f650a239c9211ace804224dcc7f117d" ns3:_="" ns4:_="">
     <xsd:import namespace="0291926e-7f6f-40e6-b2cd-618d734b3849"/>
@@ -19123,32 +19254,22 @@
 </ct:contentTypeSchema>
 </file>
 
-<file path=customXml/itemProps1.xml><?xml version="1.0" encoding="utf-8"?>
-<ds:datastoreItem xmlns:ds="http://schemas.openxmlformats.org/officeDocument/2006/customXml" ds:itemID="{50840CD4-151D-4EB0-B019-56A60DEADF67}">
-  <ds:schemaRefs>
-    <ds:schemaRef ds:uri="http://schemas.microsoft.com/sharepoint/v3/contenttype/forms"/>
-  </ds:schemaRefs>
-</ds:datastoreItem>
+<file path=customXml/item2.xml><?xml version="1.0" encoding="utf-8"?>
+<?mso-contentType ?>
+<FormTemplates xmlns="http://schemas.microsoft.com/sharepoint/v3/contenttype/forms">
+  <Display>DocumentLibraryForm</Display>
+  <Edit>DocumentLibraryForm</Edit>
+  <New>DocumentLibraryForm</New>
+</FormTemplates>
 </file>
 
-<file path=customXml/itemProps2.xml><?xml version="1.0" encoding="utf-8"?>
-<ds:datastoreItem xmlns:ds="http://schemas.openxmlformats.org/officeDocument/2006/customXml" ds:itemID="{9C219F95-6B43-40D3-B82B-9222DC3D5400}">
-  <ds:schemaRefs>
-    <ds:schemaRef ds:uri="c337042d-1629-4b4f-b38b-20e2dbf6aed7"/>
-    <ds:schemaRef ds:uri="http://schemas.microsoft.com/office/2006/documentManagement/types"/>
-    <ds:schemaRef ds:uri="http://purl.org/dc/dcmitype/"/>
-    <ds:schemaRef ds:uri="http://schemas.microsoft.com/office/2006/metadata/properties"/>
-    <ds:schemaRef ds:uri="http://schemas.openxmlformats.org/package/2006/metadata/core-properties"/>
-    <ds:schemaRef ds:uri="http://purl.org/dc/terms/"/>
-    <ds:schemaRef ds:uri="http://schemas.microsoft.com/office/infopath/2007/PartnerControls"/>
-    <ds:schemaRef ds:uri="0291926e-7f6f-40e6-b2cd-618d734b3849"/>
-    <ds:schemaRef ds:uri="http://www.w3.org/XML/1998/namespace"/>
-    <ds:schemaRef ds:uri="http://purl.org/dc/elements/1.1/"/>
-  </ds:schemaRefs>
-</ds:datastoreItem>
+<file path=customXml/item3.xml><?xml version="1.0" encoding="utf-8"?>
+<p:properties xmlns:p="http://schemas.microsoft.com/office/2006/metadata/properties" xmlns:xsi="http://www.w3.org/2001/XMLSchema-instance" xmlns:pc="http://schemas.microsoft.com/office/infopath/2007/PartnerControls">
+  <documentManagement/>
+</p:properties>
 </file>
 
-<file path=customXml/itemProps3.xml><?xml version="1.0" encoding="utf-8"?>
+<file path=customXml/itemProps1.xml><?xml version="1.0" encoding="utf-8"?>
 <ds:datastoreItem xmlns:ds="http://schemas.openxmlformats.org/officeDocument/2006/customXml" ds:itemID="{1DB5A588-68B5-48FC-930C-60E57FAFE17A}">
   <ds:schemaRefs>
     <ds:schemaRef ds:uri="http://schemas.microsoft.com/office/2006/metadata/contentType"/>
@@ -19165,4 +19286,29 @@
     <ds:schemaRef ds:uri="http://schemas.microsoft.com/internal/obd"/>
   </ds:schemaRefs>
 </ds:datastoreItem>
+</file>
+
+<file path=customXml/itemProps2.xml><?xml version="1.0" encoding="utf-8"?>
+<ds:datastoreItem xmlns:ds="http://schemas.openxmlformats.org/officeDocument/2006/customXml" ds:itemID="{50840CD4-151D-4EB0-B019-56A60DEADF67}">
+  <ds:schemaRefs>
+    <ds:schemaRef ds:uri="http://schemas.microsoft.com/sharepoint/v3/contenttype/forms"/>
+  </ds:schemaRefs>
+</ds:datastoreItem>
+</file>
+
+<file path=customXml/itemProps3.xml><?xml version="1.0" encoding="utf-8"?>
+<ds:datastoreItem xmlns:ds="http://schemas.openxmlformats.org/officeDocument/2006/customXml" ds:itemID="{9C219F95-6B43-40D3-B82B-9222DC3D5400}">
+  <ds:schemaRefs>
+    <ds:schemaRef ds:uri="c337042d-1629-4b4f-b38b-20e2dbf6aed7"/>
+    <ds:schemaRef ds:uri="http://schemas.microsoft.com/office/2006/documentManagement/types"/>
+    <ds:schemaRef ds:uri="http://purl.org/dc/dcmitype/"/>
+    <ds:schemaRef ds:uri="http://schemas.microsoft.com/office/2006/metadata/properties"/>
+    <ds:schemaRef ds:uri="http://schemas.openxmlformats.org/package/2006/metadata/core-properties"/>
+    <ds:schemaRef ds:uri="http://purl.org/dc/terms/"/>
+    <ds:schemaRef ds:uri="http://schemas.microsoft.com/office/infopath/2007/PartnerControls"/>
+    <ds:schemaRef ds:uri="0291926e-7f6f-40e6-b2cd-618d734b3849"/>
+    <ds:schemaRef ds:uri="http://www.w3.org/XML/1998/namespace"/>
+    <ds:schemaRef ds:uri="http://purl.org/dc/elements/1.1/"/>
+  </ds:schemaRefs>
+</ds:datastoreItem>
 </file>
--- a/TDK prezi.pptx
+++ b/TDK prezi.pptx
@@ -17715,8 +17715,8 @@
         </p:nvSpPr>
         <p:spPr>
           <a:xfrm>
-            <a:off x="691079" y="1893782"/>
-            <a:ext cx="4954712" cy="3564436"/>
+            <a:off x="691078" y="1893782"/>
+            <a:ext cx="5404921" cy="4205014"/>
           </a:xfrm>
         </p:spPr>
         <p:txBody>
@@ -17725,23 +17725,26 @@
           </a:bodyPr>
           <a:lstStyle/>
           <a:p>
+            <a:pPr>
+              <a:lnSpc>
+                <a:spcPct val="140000"/>
+              </a:lnSpc>
+            </a:pPr>
             <a:r>
               <a:rPr lang="hu-HU" sz="2400" dirty="0" err="1"/>
               <a:t>Előrejelezhető</a:t>
             </a:r>
             <a:r>
               <a:rPr lang="hu-HU" sz="2400" dirty="0"/>
-              <a:t>-e egy hallgató sikeressége </a:t>
-            </a:r>
-            <a:br>
-              <a:rPr lang="hu-HU" sz="2400" dirty="0"/>
-            </a:br>
-            <a:r>
-              <a:rPr lang="hu-HU" sz="2400" dirty="0"/>
-              <a:t>adott bemeneti változók segítségével?</a:t>
-            </a:r>
-          </a:p>
-          <a:p>
+              <a:t>-e egy hallgató sikeressége adott bemeneti változók segítségével?</a:t>
+            </a:r>
+          </a:p>
+          <a:p>
+            <a:pPr>
+              <a:lnSpc>
+                <a:spcPct val="140000"/>
+              </a:lnSpc>
+            </a:pPr>
             <a:r>
               <a:rPr lang="hu-HU" sz="2400" dirty="0"/>
               <a:t>Változtak-e az eredmények a pandémiás időszakban? Ha igen, hogyan?</a:t>
@@ -19038,6 +19041,21 @@
 </file>
 
 <file path=customXml/item1.xml><?xml version="1.0" encoding="utf-8"?>
+<p:properties xmlns:p="http://schemas.microsoft.com/office/2006/metadata/properties" xmlns:xsi="http://www.w3.org/2001/XMLSchema-instance" xmlns:pc="http://schemas.microsoft.com/office/infopath/2007/PartnerControls">
+  <documentManagement/>
+</p:properties>
+</file>
+
+<file path=customXml/item2.xml><?xml version="1.0" encoding="utf-8"?>
+<?mso-contentType ?>
+<FormTemplates xmlns="http://schemas.microsoft.com/sharepoint/v3/contenttype/forms">
+  <Display>DocumentLibraryForm</Display>
+  <Edit>DocumentLibraryForm</Edit>
+  <New>DocumentLibraryForm</New>
+</FormTemplates>
+</file>
+
+<file path=customXml/item3.xml><?xml version="1.0" encoding="utf-8"?>
 <ct:contentTypeSchema xmlns:ct="http://schemas.microsoft.com/office/2006/metadata/contentType" xmlns:ma="http://schemas.microsoft.com/office/2006/metadata/properties/metaAttributes" ct:_="" ma:_="" ma:contentTypeName="Dokumentum" ma:contentTypeID="0x010100E773987F6FCB234CAD7E1038ABAFFC34" ma:contentTypeVersion="12" ma:contentTypeDescription="Új dokumentum létrehozása." ma:contentTypeScope="" ma:versionID="6c0221d54d68b469113230e4d12a3076">
   <xsd:schema xmlns:xsd="http://www.w3.org/2001/XMLSchema" xmlns:xs="http://www.w3.org/2001/XMLSchema" xmlns:p="http://schemas.microsoft.com/office/2006/metadata/properties" xmlns:ns3="0291926e-7f6f-40e6-b2cd-618d734b3849" xmlns:ns4="c337042d-1629-4b4f-b38b-20e2dbf6aed7" targetNamespace="http://schemas.microsoft.com/office/2006/metadata/properties" ma:root="true" ma:fieldsID="0f650a239c9211ace804224dcc7f117d" ns3:_="" ns4:_="">
     <xsd:import namespace="0291926e-7f6f-40e6-b2cd-618d734b3849"/>
@@ -19254,22 +19272,32 @@
 </ct:contentTypeSchema>
 </file>
 
-<file path=customXml/item2.xml><?xml version="1.0" encoding="utf-8"?>
-<?mso-contentType ?>
-<FormTemplates xmlns="http://schemas.microsoft.com/sharepoint/v3/contenttype/forms">
-  <Display>DocumentLibraryForm</Display>
-  <Edit>DocumentLibraryForm</Edit>
-  <New>DocumentLibraryForm</New>
-</FormTemplates>
+<file path=customXml/itemProps1.xml><?xml version="1.0" encoding="utf-8"?>
+<ds:datastoreItem xmlns:ds="http://schemas.openxmlformats.org/officeDocument/2006/customXml" ds:itemID="{9C219F95-6B43-40D3-B82B-9222DC3D5400}">
+  <ds:schemaRefs>
+    <ds:schemaRef ds:uri="c337042d-1629-4b4f-b38b-20e2dbf6aed7"/>
+    <ds:schemaRef ds:uri="http://schemas.microsoft.com/office/2006/documentManagement/types"/>
+    <ds:schemaRef ds:uri="http://purl.org/dc/dcmitype/"/>
+    <ds:schemaRef ds:uri="http://schemas.microsoft.com/office/2006/metadata/properties"/>
+    <ds:schemaRef ds:uri="http://schemas.openxmlformats.org/package/2006/metadata/core-properties"/>
+    <ds:schemaRef ds:uri="http://purl.org/dc/terms/"/>
+    <ds:schemaRef ds:uri="http://schemas.microsoft.com/office/infopath/2007/PartnerControls"/>
+    <ds:schemaRef ds:uri="0291926e-7f6f-40e6-b2cd-618d734b3849"/>
+    <ds:schemaRef ds:uri="http://www.w3.org/XML/1998/namespace"/>
+    <ds:schemaRef ds:uri="http://purl.org/dc/elements/1.1/"/>
+  </ds:schemaRefs>
+</ds:datastoreItem>
 </file>
 
-<file path=customXml/item3.xml><?xml version="1.0" encoding="utf-8"?>
-<p:properties xmlns:p="http://schemas.microsoft.com/office/2006/metadata/properties" xmlns:xsi="http://www.w3.org/2001/XMLSchema-instance" xmlns:pc="http://schemas.microsoft.com/office/infopath/2007/PartnerControls">
-  <documentManagement/>
-</p:properties>
+<file path=customXml/itemProps2.xml><?xml version="1.0" encoding="utf-8"?>
+<ds:datastoreItem xmlns:ds="http://schemas.openxmlformats.org/officeDocument/2006/customXml" ds:itemID="{50840CD4-151D-4EB0-B019-56A60DEADF67}">
+  <ds:schemaRefs>
+    <ds:schemaRef ds:uri="http://schemas.microsoft.com/sharepoint/v3/contenttype/forms"/>
+  </ds:schemaRefs>
+</ds:datastoreItem>
 </file>
 
-<file path=customXml/itemProps1.xml><?xml version="1.0" encoding="utf-8"?>
+<file path=customXml/itemProps3.xml><?xml version="1.0" encoding="utf-8"?>
 <ds:datastoreItem xmlns:ds="http://schemas.openxmlformats.org/officeDocument/2006/customXml" ds:itemID="{1DB5A588-68B5-48FC-930C-60E57FAFE17A}">
   <ds:schemaRefs>
     <ds:schemaRef ds:uri="http://schemas.microsoft.com/office/2006/metadata/contentType"/>
@@ -19286,29 +19314,4 @@
     <ds:schemaRef ds:uri="http://schemas.microsoft.com/internal/obd"/>
   </ds:schemaRefs>
 </ds:datastoreItem>
-</file>
-
-<file path=customXml/itemProps2.xml><?xml version="1.0" encoding="utf-8"?>
-<ds:datastoreItem xmlns:ds="http://schemas.openxmlformats.org/officeDocument/2006/customXml" ds:itemID="{50840CD4-151D-4EB0-B019-56A60DEADF67}">
-  <ds:schemaRefs>
-    <ds:schemaRef ds:uri="http://schemas.microsoft.com/sharepoint/v3/contenttype/forms"/>
-  </ds:schemaRefs>
-</ds:datastoreItem>
-</file>
-
-<file path=customXml/itemProps3.xml><?xml version="1.0" encoding="utf-8"?>
-<ds:datastoreItem xmlns:ds="http://schemas.openxmlformats.org/officeDocument/2006/customXml" ds:itemID="{9C219F95-6B43-40D3-B82B-9222DC3D5400}">
-  <ds:schemaRefs>
-    <ds:schemaRef ds:uri="c337042d-1629-4b4f-b38b-20e2dbf6aed7"/>
-    <ds:schemaRef ds:uri="http://schemas.microsoft.com/office/2006/documentManagement/types"/>
-    <ds:schemaRef ds:uri="http://purl.org/dc/dcmitype/"/>
-    <ds:schemaRef ds:uri="http://schemas.microsoft.com/office/2006/metadata/properties"/>
-    <ds:schemaRef ds:uri="http://schemas.openxmlformats.org/package/2006/metadata/core-properties"/>
-    <ds:schemaRef ds:uri="http://purl.org/dc/terms/"/>
-    <ds:schemaRef ds:uri="http://schemas.microsoft.com/office/infopath/2007/PartnerControls"/>
-    <ds:schemaRef ds:uri="0291926e-7f6f-40e6-b2cd-618d734b3849"/>
-    <ds:schemaRef ds:uri="http://www.w3.org/XML/1998/namespace"/>
-    <ds:schemaRef ds:uri="http://purl.org/dc/elements/1.1/"/>
-  </ds:schemaRefs>
-</ds:datastoreItem>
 </file>
--- a/TDK prezi.pptx
+++ b/TDK prezi.pptx
@@ -21,7 +21,8 @@
     <p:sldId id="330" r:id="rId18"/>
     <p:sldId id="328" r:id="rId19"/>
     <p:sldId id="329" r:id="rId20"/>
-    <p:sldId id="331" r:id="rId21"/>
+    <p:sldId id="332" r:id="rId21"/>
+    <p:sldId id="331" r:id="rId22"/>
   </p:sldIdLst>
   <p:sldSz cx="12192000" cy="6858000"/>
   <p:notesSz cx="6858000" cy="9144000"/>
@@ -1802,7 +1803,7 @@
           <a:p>
             <a:fld id="{8F72BA41-EC5B-4197-BCC8-0FD2E523CD7A}" type="datetimeFigureOut">
               <a:rPr lang="en-US" smtClean="0"/>
-              <a:t>11/13/2022</a:t>
+              <a:t>11/14/2022</a:t>
             </a:fld>
             <a:endParaRPr lang="en-US"/>
           </a:p>
@@ -2005,7 +2006,7 @@
           <a:p>
             <a:fld id="{8F72BA41-EC5B-4197-BCC8-0FD2E523CD7A}" type="datetimeFigureOut">
               <a:rPr lang="en-US" smtClean="0"/>
-              <a:t>11/13/2022</a:t>
+              <a:t>11/14/2022</a:t>
             </a:fld>
             <a:endParaRPr lang="en-US"/>
           </a:p>
@@ -3726,7 +3727,7 @@
           <a:p>
             <a:fld id="{8F72BA41-EC5B-4197-BCC8-0FD2E523CD7A}" type="datetimeFigureOut">
               <a:rPr lang="en-US" smtClean="0"/>
-              <a:t>11/13/2022</a:t>
+              <a:t>11/14/2022</a:t>
             </a:fld>
             <a:endParaRPr lang="en-US"/>
           </a:p>
@@ -3925,7 +3926,7 @@
           <a:p>
             <a:fld id="{8F72BA41-EC5B-4197-BCC8-0FD2E523CD7A}" type="datetimeFigureOut">
               <a:rPr lang="en-US" smtClean="0"/>
-              <a:t>11/13/2022</a:t>
+              <a:t>11/14/2022</a:t>
             </a:fld>
             <a:endParaRPr lang="en-US"/>
           </a:p>
@@ -5715,7 +5716,7 @@
           <a:p>
             <a:fld id="{8F72BA41-EC5B-4197-BCC8-0FD2E523CD7A}" type="datetimeFigureOut">
               <a:rPr lang="en-US" smtClean="0"/>
-              <a:t>11/13/2022</a:t>
+              <a:t>11/14/2022</a:t>
             </a:fld>
             <a:endParaRPr lang="en-US"/>
           </a:p>
@@ -5988,7 +5989,7 @@
           <a:p>
             <a:fld id="{8F72BA41-EC5B-4197-BCC8-0FD2E523CD7A}" type="datetimeFigureOut">
               <a:rPr lang="en-US" smtClean="0"/>
-              <a:t>11/13/2022</a:t>
+              <a:t>11/14/2022</a:t>
             </a:fld>
             <a:endParaRPr lang="en-US"/>
           </a:p>
@@ -6408,7 +6409,7 @@
           <a:p>
             <a:fld id="{8F72BA41-EC5B-4197-BCC8-0FD2E523CD7A}" type="datetimeFigureOut">
               <a:rPr lang="en-US" smtClean="0"/>
-              <a:t>11/13/2022</a:t>
+              <a:t>11/14/2022</a:t>
             </a:fld>
             <a:endParaRPr lang="en-US"/>
           </a:p>
@@ -6564,7 +6565,7 @@
           <a:p>
             <a:fld id="{8F72BA41-EC5B-4197-BCC8-0FD2E523CD7A}" type="datetimeFigureOut">
               <a:rPr lang="en-US" smtClean="0"/>
-              <a:t>11/13/2022</a:t>
+              <a:t>11/14/2022</a:t>
             </a:fld>
             <a:endParaRPr lang="en-US"/>
           </a:p>
@@ -8132,7 +8133,7 @@
           <a:p>
             <a:fld id="{8F72BA41-EC5B-4197-BCC8-0FD2E523CD7A}" type="datetimeFigureOut">
               <a:rPr lang="en-US" smtClean="0"/>
-              <a:t>11/13/2022</a:t>
+              <a:t>11/14/2022</a:t>
             </a:fld>
             <a:endParaRPr lang="en-US"/>
           </a:p>
@@ -9983,7 +9984,7 @@
           <a:p>
             <a:fld id="{8F72BA41-EC5B-4197-BCC8-0FD2E523CD7A}" type="datetimeFigureOut">
               <a:rPr lang="en-US" smtClean="0"/>
-              <a:t>11/13/2022</a:t>
+              <a:t>11/14/2022</a:t>
             </a:fld>
             <a:endParaRPr lang="en-US"/>
           </a:p>
@@ -11796,7 +11797,7 @@
           <a:p>
             <a:fld id="{8F72BA41-EC5B-4197-BCC8-0FD2E523CD7A}" type="datetimeFigureOut">
               <a:rPr lang="en-US" smtClean="0"/>
-              <a:t>11/13/2022</a:t>
+              <a:t>11/14/2022</a:t>
             </a:fld>
             <a:endParaRPr lang="en-US"/>
           </a:p>
@@ -13490,7 +13491,7 @@
             <a:fld id="{8F72BA41-EC5B-4197-BCC8-0FD2E523CD7A}" type="datetimeFigureOut">
               <a:rPr lang="en-US" smtClean="0"/>
               <a:pPr/>
-              <a:t>11/13/2022</a:t>
+              <a:t>11/14/2022</a:t>
             </a:fld>
             <a:endParaRPr lang="en-US" dirty="0"/>
           </a:p>
@@ -17535,33 +17536,6 @@
             </a:r>
           </a:p>
           <a:p>
-            <a:r>
-              <a:rPr lang="hu-HU" sz="2200" dirty="0"/>
-              <a:t>További célok:</a:t>
-            </a:r>
-          </a:p>
-          <a:p>
-            <a:pPr lvl="1"/>
-            <a:r>
-              <a:rPr lang="hu-HU" sz="1900" dirty="0"/>
-              <a:t>Új változók és több adatpont hozzávételével teljesítmény javítása</a:t>
-            </a:r>
-          </a:p>
-          <a:p>
-            <a:pPr lvl="1"/>
-            <a:r>
-              <a:rPr lang="hu-HU" sz="1900" dirty="0"/>
-              <a:t>Modellezési stratégiák bővítése</a:t>
-            </a:r>
-          </a:p>
-          <a:p>
-            <a:pPr lvl="1"/>
-            <a:r>
-              <a:rPr lang="hu-HU" sz="1900" dirty="0"/>
-              <a:t>Eredmények egyetem- és hallgatóbarát felhasználása</a:t>
-            </a:r>
-          </a:p>
-          <a:p>
             <a:endParaRPr lang="hu-HU" dirty="0"/>
           </a:p>
           <a:p>
@@ -17583,6 +17557,111 @@
 </file>
 
 <file path=ppt/slides/slide17.xml><?xml version="1.0" encoding="utf-8"?>
+<p:sld xmlns:a="http://schemas.openxmlformats.org/drawingml/2006/main" xmlns:r="http://schemas.openxmlformats.org/officeDocument/2006/relationships" xmlns:p="http://schemas.openxmlformats.org/presentationml/2006/main">
+  <p:cSld>
+    <p:spTree>
+      <p:nvGrpSpPr>
+        <p:cNvPr id="1" name=""/>
+        <p:cNvGrpSpPr/>
+        <p:nvPr/>
+      </p:nvGrpSpPr>
+      <p:grpSpPr>
+        <a:xfrm>
+          <a:off x="0" y="0"/>
+          <a:ext cx="0" cy="0"/>
+          <a:chOff x="0" y="0"/>
+          <a:chExt cx="0" cy="0"/>
+        </a:xfrm>
+      </p:grpSpPr>
+      <p:sp>
+        <p:nvSpPr>
+          <p:cNvPr id="2" name="Title 1">
+            <a:extLst>
+              <a:ext uri="{FF2B5EF4-FFF2-40B4-BE49-F238E27FC236}">
+                <a16:creationId xmlns:a16="http://schemas.microsoft.com/office/drawing/2014/main" id="{D7CDC523-DDCB-1A81-3FC0-AA5FF201869A}"/>
+              </a:ext>
+            </a:extLst>
+          </p:cNvPr>
+          <p:cNvSpPr>
+            <a:spLocks noGrp="1"/>
+          </p:cNvSpPr>
+          <p:nvPr>
+            <p:ph type="title"/>
+          </p:nvPr>
+        </p:nvSpPr>
+        <p:spPr/>
+        <p:txBody>
+          <a:bodyPr/>
+          <a:lstStyle/>
+          <a:p>
+            <a:r>
+              <a:rPr lang="hu-HU" b="1" dirty="0"/>
+              <a:t>További célok</a:t>
+            </a:r>
+            <a:endParaRPr lang="en-GB" b="1" dirty="0"/>
+          </a:p>
+        </p:txBody>
+      </p:sp>
+      <p:sp>
+        <p:nvSpPr>
+          <p:cNvPr id="3" name="Content Placeholder 2">
+            <a:extLst>
+              <a:ext uri="{FF2B5EF4-FFF2-40B4-BE49-F238E27FC236}">
+                <a16:creationId xmlns:a16="http://schemas.microsoft.com/office/drawing/2014/main" id="{C468CAFA-1063-A0D1-D03F-F59496EA3A43}"/>
+              </a:ext>
+            </a:extLst>
+          </p:cNvPr>
+          <p:cNvSpPr>
+            <a:spLocks noGrp="1"/>
+          </p:cNvSpPr>
+          <p:nvPr>
+            <p:ph idx="1"/>
+          </p:nvPr>
+        </p:nvSpPr>
+        <p:spPr/>
+        <p:txBody>
+          <a:bodyPr/>
+          <a:lstStyle/>
+          <a:p>
+            <a:endParaRPr lang="hu-HU" sz="2100" dirty="0"/>
+          </a:p>
+          <a:p>
+            <a:r>
+              <a:rPr lang="hu-HU" sz="2100" dirty="0"/>
+              <a:t>Új változók és több adatpont hozzávételével teljesítmény javítása</a:t>
+            </a:r>
+          </a:p>
+          <a:p>
+            <a:r>
+              <a:rPr lang="hu-HU" sz="2100" dirty="0"/>
+              <a:t>Modellezési stratégiák bővítése</a:t>
+            </a:r>
+          </a:p>
+          <a:p>
+            <a:r>
+              <a:rPr lang="hu-HU" sz="2100" dirty="0"/>
+              <a:t>Eredmények egyetem- és hallgatóbarát felhasználása</a:t>
+            </a:r>
+          </a:p>
+          <a:p>
+            <a:endParaRPr lang="en-GB" dirty="0"/>
+          </a:p>
+        </p:txBody>
+      </p:sp>
+    </p:spTree>
+    <p:extLst>
+      <p:ext uri="{BB962C8B-B14F-4D97-AF65-F5344CB8AC3E}">
+        <p14:creationId xmlns:p14="http://schemas.microsoft.com/office/powerpoint/2010/main" val="523938285"/>
+      </p:ext>
+    </p:extLst>
+  </p:cSld>
+  <p:clrMapOvr>
+    <a:masterClrMapping/>
+  </p:clrMapOvr>
+</p:sld>
+</file>
+
+<file path=ppt/slides/slide18.xml><?xml version="1.0" encoding="utf-8"?>
 <p:sld xmlns:a="http://schemas.openxmlformats.org/drawingml/2006/main" xmlns:r="http://schemas.openxmlformats.org/officeDocument/2006/relationships" xmlns:p="http://schemas.openxmlformats.org/presentationml/2006/main">
   <p:cSld>
     <p:spTree>
@@ -19041,18 +19120,18 @@
 </file>
 
 <file path=customXml/item1.xml><?xml version="1.0" encoding="utf-8"?>
-<p:properties xmlns:p="http://schemas.microsoft.com/office/2006/metadata/properties" xmlns:xsi="http://www.w3.org/2001/XMLSchema-instance" xmlns:pc="http://schemas.microsoft.com/office/infopath/2007/PartnerControls">
-  <documentManagement/>
-</p:properties>
-</file>
-
-<file path=customXml/item2.xml><?xml version="1.0" encoding="utf-8"?>
 <?mso-contentType ?>
 <FormTemplates xmlns="http://schemas.microsoft.com/sharepoint/v3/contenttype/forms">
   <Display>DocumentLibraryForm</Display>
   <Edit>DocumentLibraryForm</Edit>
   <New>DocumentLibraryForm</New>
 </FormTemplates>
+</file>
+
+<file path=customXml/item2.xml><?xml version="1.0" encoding="utf-8"?>
+<p:properties xmlns:p="http://schemas.microsoft.com/office/2006/metadata/properties" xmlns:xsi="http://www.w3.org/2001/XMLSchema-instance" xmlns:pc="http://schemas.microsoft.com/office/infopath/2007/PartnerControls">
+  <documentManagement/>
+</p:properties>
 </file>
 
 <file path=customXml/item3.xml><?xml version="1.0" encoding="utf-8"?>
@@ -19273,6 +19352,14 @@
 </file>
 
 <file path=customXml/itemProps1.xml><?xml version="1.0" encoding="utf-8"?>
+<ds:datastoreItem xmlns:ds="http://schemas.openxmlformats.org/officeDocument/2006/customXml" ds:itemID="{50840CD4-151D-4EB0-B019-56A60DEADF67}">
+  <ds:schemaRefs>
+    <ds:schemaRef ds:uri="http://schemas.microsoft.com/sharepoint/v3/contenttype/forms"/>
+  </ds:schemaRefs>
+</ds:datastoreItem>
+</file>
+
+<file path=customXml/itemProps2.xml><?xml version="1.0" encoding="utf-8"?>
 <ds:datastoreItem xmlns:ds="http://schemas.openxmlformats.org/officeDocument/2006/customXml" ds:itemID="{9C219F95-6B43-40D3-B82B-9222DC3D5400}">
   <ds:schemaRefs>
     <ds:schemaRef ds:uri="c337042d-1629-4b4f-b38b-20e2dbf6aed7"/>
@@ -19285,14 +19372,6 @@
     <ds:schemaRef ds:uri="0291926e-7f6f-40e6-b2cd-618d734b3849"/>
     <ds:schemaRef ds:uri="http://www.w3.org/XML/1998/namespace"/>
     <ds:schemaRef ds:uri="http://purl.org/dc/elements/1.1/"/>
-  </ds:schemaRefs>
-</ds:datastoreItem>
-</file>
-
-<file path=customXml/itemProps2.xml><?xml version="1.0" encoding="utf-8"?>
-<ds:datastoreItem xmlns:ds="http://schemas.openxmlformats.org/officeDocument/2006/customXml" ds:itemID="{50840CD4-151D-4EB0-B019-56A60DEADF67}">
-  <ds:schemaRefs>
-    <ds:schemaRef ds:uri="http://schemas.microsoft.com/sharepoint/v3/contenttype/forms"/>
   </ds:schemaRefs>
 </ds:datastoreItem>
 </file>

--- a/TDK prezi.pptx
+++ b/TDK prezi.pptx
@@ -13,16 +13,17 @@
     <p:sldId id="321" r:id="rId10"/>
     <p:sldId id="322" r:id="rId11"/>
     <p:sldId id="323" r:id="rId12"/>
-    <p:sldId id="324" r:id="rId13"/>
-    <p:sldId id="325" r:id="rId14"/>
-    <p:sldId id="266" r:id="rId15"/>
-    <p:sldId id="326" r:id="rId16"/>
-    <p:sldId id="327" r:id="rId17"/>
-    <p:sldId id="330" r:id="rId18"/>
-    <p:sldId id="328" r:id="rId19"/>
-    <p:sldId id="329" r:id="rId20"/>
-    <p:sldId id="332" r:id="rId21"/>
-    <p:sldId id="331" r:id="rId22"/>
+    <p:sldId id="333" r:id="rId13"/>
+    <p:sldId id="324" r:id="rId14"/>
+    <p:sldId id="325" r:id="rId15"/>
+    <p:sldId id="266" r:id="rId16"/>
+    <p:sldId id="326" r:id="rId17"/>
+    <p:sldId id="327" r:id="rId18"/>
+    <p:sldId id="330" r:id="rId19"/>
+    <p:sldId id="328" r:id="rId20"/>
+    <p:sldId id="329" r:id="rId21"/>
+    <p:sldId id="332" r:id="rId22"/>
+    <p:sldId id="331" r:id="rId23"/>
   </p:sldIdLst>
   <p:sldSz cx="12192000" cy="6858000"/>
   <p:notesSz cx="6858000" cy="9144000"/>
@@ -16109,6 +16110,209 @@
           <p:cNvPr id="2" name="Cím 1">
             <a:extLst>
               <a:ext uri="{FF2B5EF4-FFF2-40B4-BE49-F238E27FC236}">
+                <a16:creationId xmlns:a16="http://schemas.microsoft.com/office/drawing/2014/main" id="{383354C3-B640-CF14-AC22-FB75DCB46C38}"/>
+              </a:ext>
+            </a:extLst>
+          </p:cNvPr>
+          <p:cNvSpPr>
+            <a:spLocks noGrp="1"/>
+          </p:cNvSpPr>
+          <p:nvPr>
+            <p:ph type="title"/>
+          </p:nvPr>
+        </p:nvSpPr>
+        <p:spPr/>
+        <p:txBody>
+          <a:bodyPr/>
+          <a:lstStyle/>
+          <a:p>
+            <a:pPr algn="ctr"/>
+            <a:r>
+              <a:rPr lang="hu-HU" b="1" dirty="0" err="1"/>
+              <a:t>Klaszterezés</a:t>
+            </a:r>
+            <a:endParaRPr lang="hu-HU" b="1" dirty="0"/>
+          </a:p>
+        </p:txBody>
+      </p:sp>
+      <p:sp>
+        <p:nvSpPr>
+          <p:cNvPr id="3" name="Tartalom helye 2">
+            <a:extLst>
+              <a:ext uri="{FF2B5EF4-FFF2-40B4-BE49-F238E27FC236}">
+                <a16:creationId xmlns:a16="http://schemas.microsoft.com/office/drawing/2014/main" id="{C0B2C9A2-C23C-153B-2DB9-D235FC626E59}"/>
+              </a:ext>
+            </a:extLst>
+          </p:cNvPr>
+          <p:cNvSpPr>
+            <a:spLocks noGrp="1"/>
+          </p:cNvSpPr>
+          <p:nvPr>
+            <p:ph idx="1"/>
+          </p:nvPr>
+        </p:nvSpPr>
+        <p:spPr>
+          <a:xfrm>
+            <a:off x="838200" y="1476375"/>
+            <a:ext cx="10515600" cy="4700588"/>
+          </a:xfrm>
+        </p:spPr>
+        <p:txBody>
+          <a:bodyPr/>
+          <a:lstStyle/>
+          <a:p>
+            <a:r>
+              <a:rPr lang="hu-HU" dirty="0"/>
+              <a:t>3 módszer:</a:t>
+            </a:r>
+          </a:p>
+          <a:p>
+            <a:pPr marL="971550" lvl="1" indent="-514350">
+              <a:buFont typeface="+mj-lt"/>
+              <a:buAutoNum type="arabicPeriod"/>
+            </a:pPr>
+            <a:r>
+              <a:rPr lang="hu-HU" sz="2800" b="1" dirty="0"/>
+              <a:t>K-közép</a:t>
+            </a:r>
+          </a:p>
+          <a:p>
+            <a:pPr marL="971550" lvl="1" indent="-514350">
+              <a:buFont typeface="+mj-lt"/>
+              <a:buAutoNum type="arabicPeriod"/>
+            </a:pPr>
+            <a:r>
+              <a:rPr lang="hu-HU" sz="2800" b="1" dirty="0"/>
+              <a:t>DBSCAN</a:t>
+            </a:r>
+          </a:p>
+          <a:p>
+            <a:pPr marL="971550" lvl="1" indent="-514350">
+              <a:buFont typeface="+mj-lt"/>
+              <a:buAutoNum type="arabicPeriod"/>
+            </a:pPr>
+            <a:r>
+              <a:rPr lang="hu-HU" sz="2800" b="1" dirty="0" err="1"/>
+              <a:t>Ward</a:t>
+            </a:r>
+            <a:r>
+              <a:rPr lang="hu-HU" sz="2800" b="1" dirty="0"/>
+              <a:t>-féle hierarchikus algoritmus</a:t>
+            </a:r>
+          </a:p>
+          <a:p>
+            <a:r>
+              <a:rPr lang="hu-HU" b="1" dirty="0"/>
+              <a:t>Optimalizáció</a:t>
+            </a:r>
+            <a:r>
+              <a:rPr lang="hu-HU" dirty="0"/>
+              <a:t>: alkalmas változóhalmaz megválasztása, </a:t>
+            </a:r>
+            <a:r>
+              <a:rPr lang="hu-HU" dirty="0" err="1"/>
+              <a:t>hiperparaméterek</a:t>
+            </a:r>
+            <a:r>
+              <a:rPr lang="hu-HU" dirty="0"/>
+              <a:t> optimalizálása</a:t>
+            </a:r>
+          </a:p>
+          <a:p>
+            <a:r>
+              <a:rPr lang="hu-HU" b="1" dirty="0"/>
+              <a:t>Nehézség</a:t>
+            </a:r>
+            <a:r>
+              <a:rPr lang="hu-HU" dirty="0"/>
+              <a:t>: </a:t>
+            </a:r>
+          </a:p>
+          <a:p>
+            <a:pPr lvl="1"/>
+            <a:r>
+              <a:rPr lang="hu-HU" dirty="0"/>
+              <a:t>Nem csökkenthető a dimenzió, PCA-</a:t>
+            </a:r>
+            <a:r>
+              <a:rPr lang="hu-HU" dirty="0" err="1"/>
+              <a:t>val</a:t>
+            </a:r>
+            <a:r>
+              <a:rPr lang="hu-HU" dirty="0"/>
+              <a:t> sem</a:t>
+            </a:r>
+          </a:p>
+          <a:p>
+            <a:pPr lvl="1"/>
+            <a:r>
+              <a:rPr lang="hu-HU" dirty="0"/>
+              <a:t>nem </a:t>
+            </a:r>
+            <a:r>
+              <a:rPr lang="hu-HU" dirty="0" err="1"/>
+              <a:t>klaszterezhető</a:t>
+            </a:r>
+            <a:r>
+              <a:rPr lang="hu-HU" dirty="0"/>
+              <a:t> jól az adat</a:t>
+            </a:r>
+          </a:p>
+          <a:p>
+            <a:r>
+              <a:rPr lang="hu-HU" dirty="0" err="1"/>
+              <a:t>Klaszterezéssel</a:t>
+            </a:r>
+            <a:r>
+              <a:rPr lang="hu-HU" dirty="0"/>
+              <a:t> </a:t>
+            </a:r>
+            <a:r>
+              <a:rPr lang="hu-HU" b="1" dirty="0"/>
+              <a:t>nem</a:t>
+            </a:r>
+            <a:r>
+              <a:rPr lang="hu-HU" dirty="0"/>
+              <a:t> egyszerűsíthető a modell</a:t>
+            </a:r>
+          </a:p>
+        </p:txBody>
+      </p:sp>
+    </p:spTree>
+    <p:extLst>
+      <p:ext uri="{BB962C8B-B14F-4D97-AF65-F5344CB8AC3E}">
+        <p14:creationId xmlns:p14="http://schemas.microsoft.com/office/powerpoint/2010/main" val="130996675"/>
+      </p:ext>
+    </p:extLst>
+  </p:cSld>
+  <p:clrMapOvr>
+    <a:masterClrMapping/>
+  </p:clrMapOvr>
+</p:sld>
+</file>
+
+<file path=ppt/slides/slide11.xml><?xml version="1.0" encoding="utf-8"?>
+<p:sld xmlns:a="http://schemas.openxmlformats.org/drawingml/2006/main" xmlns:r="http://schemas.openxmlformats.org/officeDocument/2006/relationships" xmlns:p="http://schemas.openxmlformats.org/presentationml/2006/main">
+  <p:cSld>
+    <p:spTree>
+      <p:nvGrpSpPr>
+        <p:cNvPr id="1" name=""/>
+        <p:cNvGrpSpPr/>
+        <p:nvPr/>
+      </p:nvGrpSpPr>
+      <p:grpSpPr>
+        <a:xfrm>
+          <a:off x="0" y="0"/>
+          <a:ext cx="0" cy="0"/>
+          <a:chOff x="0" y="0"/>
+          <a:chExt cx="0" cy="0"/>
+        </a:xfrm>
+      </p:grpSpPr>
+      <p:sp>
+        <p:nvSpPr>
+          <p:cNvPr id="2" name="Cím 1">
+            <a:extLst>
+              <a:ext uri="{FF2B5EF4-FFF2-40B4-BE49-F238E27FC236}">
                 <a16:creationId xmlns:a16="http://schemas.microsoft.com/office/drawing/2014/main" id="{C07D1A37-CB14-78F2-6839-5D06B4C95C2C}"/>
               </a:ext>
             </a:extLst>
@@ -16171,7 +16375,7 @@
 </p:sld>
 </file>
 
-<file path=ppt/slides/slide11.xml><?xml version="1.0" encoding="utf-8"?>
+<file path=ppt/slides/slide12.xml><?xml version="1.0" encoding="utf-8"?>
 <p:sld xmlns:a="http://schemas.openxmlformats.org/drawingml/2006/main" xmlns:r="http://schemas.openxmlformats.org/officeDocument/2006/relationships" xmlns:p="http://schemas.openxmlformats.org/presentationml/2006/main">
   <p:cSld>
     <p:spTree>
@@ -16360,7 +16564,7 @@
 </p:sld>
 </file>
 
-<file path=ppt/slides/slide12.xml><?xml version="1.0" encoding="utf-8"?>
+<file path=ppt/slides/slide13.xml><?xml version="1.0" encoding="utf-8"?>
 <p:sld xmlns:a="http://schemas.openxmlformats.org/drawingml/2006/main" xmlns:r="http://schemas.openxmlformats.org/officeDocument/2006/relationships" xmlns:p="http://schemas.openxmlformats.org/presentationml/2006/main">
   <p:cSld>
     <p:spTree>
@@ -16636,7 +16840,7 @@
 </p:sld>
 </file>
 
-<file path=ppt/slides/slide13.xml><?xml version="1.0" encoding="utf-8"?>
+<file path=ppt/slides/slide14.xml><?xml version="1.0" encoding="utf-8"?>
 <p:sld xmlns:a="http://schemas.openxmlformats.org/drawingml/2006/main" xmlns:r="http://schemas.openxmlformats.org/officeDocument/2006/relationships" xmlns:p="http://schemas.openxmlformats.org/presentationml/2006/main">
   <p:cSld>
     <p:spTree>
@@ -17216,7 +17420,7 @@
 </p:sld>
 </file>
 
-<file path=ppt/slides/slide14.xml><?xml version="1.0" encoding="utf-8"?>
+<file path=ppt/slides/slide15.xml><?xml version="1.0" encoding="utf-8"?>
 <p:sld xmlns:a="http://schemas.openxmlformats.org/drawingml/2006/main" xmlns:r="http://schemas.openxmlformats.org/officeDocument/2006/relationships" xmlns:p="http://schemas.openxmlformats.org/presentationml/2006/main">
   <p:cSld>
     <p:spTree>
@@ -17317,7 +17521,7 @@
 </p:sld>
 </file>
 
-<file path=ppt/slides/slide15.xml><?xml version="1.0" encoding="utf-8"?>
+<file path=ppt/slides/slide16.xml><?xml version="1.0" encoding="utf-8"?>
 <p:sld xmlns:a="http://schemas.openxmlformats.org/drawingml/2006/main" xmlns:r="http://schemas.openxmlformats.org/officeDocument/2006/relationships" xmlns:p="http://schemas.openxmlformats.org/presentationml/2006/main">
   <p:cSld>
     <p:spTree>
@@ -17411,7 +17615,7 @@
 </p:sld>
 </file>
 
-<file path=ppt/slides/slide16.xml><?xml version="1.0" encoding="utf-8"?>
+<file path=ppt/slides/slide17.xml><?xml version="1.0" encoding="utf-8"?>
 <p:sld xmlns:a="http://schemas.openxmlformats.org/drawingml/2006/main" xmlns:r="http://schemas.openxmlformats.org/officeDocument/2006/relationships" xmlns:p="http://schemas.openxmlformats.org/presentationml/2006/main">
   <p:cSld>
     <p:spTree>
@@ -17556,7 +17760,7 @@
 </p:sld>
 </file>
 
-<file path=ppt/slides/slide17.xml><?xml version="1.0" encoding="utf-8"?>
+<file path=ppt/slides/slide18.xml><?xml version="1.0" encoding="utf-8"?>
 <p:sld xmlns:a="http://schemas.openxmlformats.org/drawingml/2006/main" xmlns:r="http://schemas.openxmlformats.org/officeDocument/2006/relationships" xmlns:p="http://schemas.openxmlformats.org/presentationml/2006/main">
   <p:cSld>
     <p:spTree>
@@ -17661,7 +17865,7 @@
 </p:sld>
 </file>
 
-<file path=ppt/slides/slide18.xml><?xml version="1.0" encoding="utf-8"?>
+<file path=ppt/slides/slide19.xml><?xml version="1.0" encoding="utf-8"?>
 <p:sld xmlns:a="http://schemas.openxmlformats.org/drawingml/2006/main" xmlns:r="http://schemas.openxmlformats.org/officeDocument/2006/relationships" xmlns:p="http://schemas.openxmlformats.org/presentationml/2006/main">
   <p:cSld>
     <p:spTree>
@@ -18660,7 +18864,12 @@
             <p:ph type="title"/>
           </p:nvPr>
         </p:nvSpPr>
-        <p:spPr/>
+        <p:spPr>
+          <a:xfrm>
+            <a:off x="672029" y="447675"/>
+            <a:ext cx="10325000" cy="777764"/>
+          </a:xfrm>
+        </p:spPr>
         <p:txBody>
           <a:bodyPr/>
           <a:lstStyle/>
@@ -18677,28 +18886,74 @@
           </a:p>
         </p:txBody>
       </p:sp>
-      <p:sp>
-        <p:nvSpPr>
-          <p:cNvPr id="3" name="Tartalom helye 2">
+      <p:pic>
+        <p:nvPicPr>
+          <p:cNvPr id="5" name="Kép 4">
             <a:extLst>
               <a:ext uri="{FF2B5EF4-FFF2-40B4-BE49-F238E27FC236}">
-                <a16:creationId xmlns:a16="http://schemas.microsoft.com/office/drawing/2014/main" id="{8A84244E-4612-8558-DCD4-2C6B18A135B7}"/>
+                <a16:creationId xmlns:a16="http://schemas.microsoft.com/office/drawing/2014/main" id="{C7CD537C-4BB8-5673-3BF4-8EB99CE25F5D}"/>
               </a:ext>
             </a:extLst>
           </p:cNvPr>
-          <p:cNvSpPr>
-            <a:spLocks noGrp="1"/>
-          </p:cNvSpPr>
-          <p:nvPr>
-            <p:ph idx="1"/>
-          </p:nvPr>
+          <p:cNvPicPr>
+            <a:picLocks noChangeAspect="1"/>
+          </p:cNvPicPr>
+          <p:nvPr/>
+        </p:nvPicPr>
+        <p:blipFill>
+          <a:blip r:embed="rId2">
+            <a:extLst>
+              <a:ext uri="{28A0092B-C50C-407E-A947-70E740481C1C}">
+                <a14:useLocalDpi xmlns:a14="http://schemas.microsoft.com/office/drawing/2010/main" val="0"/>
+              </a:ext>
+            </a:extLst>
+          </a:blip>
+          <a:stretch>
+            <a:fillRect/>
+          </a:stretch>
+        </p:blipFill>
+        <p:spPr>
+          <a:xfrm>
+            <a:off x="1332854" y="1723279"/>
+            <a:ext cx="9526291" cy="3788659"/>
+          </a:xfrm>
+          <a:prstGeom prst="rect">
+            <a:avLst/>
+          </a:prstGeom>
+        </p:spPr>
+      </p:pic>
+      <p:sp>
+        <p:nvSpPr>
+          <p:cNvPr id="6" name="Szövegdoboz 5">
+            <a:extLst>
+              <a:ext uri="{FF2B5EF4-FFF2-40B4-BE49-F238E27FC236}">
+                <a16:creationId xmlns:a16="http://schemas.microsoft.com/office/drawing/2014/main" id="{112CE147-98A3-14B5-CE48-5A23DF66C65B}"/>
+              </a:ext>
+            </a:extLst>
+          </p:cNvPr>
+          <p:cNvSpPr txBox="1"/>
+          <p:nvPr/>
         </p:nvSpPr>
-        <p:spPr/>
+        <p:spPr>
+          <a:xfrm>
+            <a:off x="672029" y="5511938"/>
+            <a:ext cx="11196320" cy="369332"/>
+          </a:xfrm>
+          <a:prstGeom prst="rect">
+            <a:avLst/>
+          </a:prstGeom>
+          <a:noFill/>
+        </p:spPr>
         <p:txBody>
-          <a:bodyPr/>
+          <a:bodyPr wrap="square" rtlCol="0">
+            <a:spAutoFit/>
+          </a:bodyPr>
           <a:lstStyle/>
           <a:p>
-            <a:endParaRPr lang="hu-HU" dirty="0"/>
+            <a:r>
+              <a:rPr lang="hu-HU" dirty="0"/>
+              <a:t>Teszt eredmény                                                      A1 jegy                                                             A2 jegy</a:t>
+            </a:r>
           </a:p>
         </p:txBody>
       </p:sp>
@@ -18737,7 +18992,7 @@
           <p:cNvPr id="2" name="Cím 1">
             <a:extLst>
               <a:ext uri="{FF2B5EF4-FFF2-40B4-BE49-F238E27FC236}">
-                <a16:creationId xmlns:a16="http://schemas.microsoft.com/office/drawing/2014/main" id="{383354C3-B640-CF14-AC22-FB75DCB46C38}"/>
+                <a16:creationId xmlns:a16="http://schemas.microsoft.com/office/drawing/2014/main" id="{195CE57C-1F75-1C87-8C3B-BBFC2D11FE94}"/>
               </a:ext>
             </a:extLst>
           </p:cNvPr>
@@ -18748,159 +19003,238 @@
             <p:ph type="title"/>
           </p:nvPr>
         </p:nvSpPr>
-        <p:spPr/>
+        <p:spPr>
+          <a:xfrm>
+            <a:off x="691079" y="0"/>
+            <a:ext cx="10325000" cy="828675"/>
+          </a:xfrm>
+        </p:spPr>
         <p:txBody>
-          <a:bodyPr/>
+          <a:bodyPr>
+            <a:normAutofit/>
+          </a:bodyPr>
           <a:lstStyle/>
           <a:p>
             <a:pPr algn="ctr"/>
             <a:r>
               <a:rPr lang="hu-HU" b="1" dirty="0" err="1"/>
-              <a:t>Klaszterezés</a:t>
-            </a:r>
-            <a:endParaRPr lang="hu-HU" b="1" dirty="0"/>
+              <a:t>Sankey</a:t>
+            </a:r>
+            <a:r>
+              <a:rPr lang="hu-HU" b="1" dirty="0"/>
+              <a:t>-ábra példák</a:t>
+            </a:r>
+          </a:p>
+        </p:txBody>
+      </p:sp>
+      <p:pic>
+        <p:nvPicPr>
+          <p:cNvPr id="5" name="Kép 4">
+            <a:extLst>
+              <a:ext uri="{FF2B5EF4-FFF2-40B4-BE49-F238E27FC236}">
+                <a16:creationId xmlns:a16="http://schemas.microsoft.com/office/drawing/2014/main" id="{3276A6C7-C17C-D430-33BE-5123867C9104}"/>
+              </a:ext>
+            </a:extLst>
+          </p:cNvPr>
+          <p:cNvPicPr>
+            <a:picLocks noChangeAspect="1"/>
+          </p:cNvPicPr>
+          <p:nvPr/>
+        </p:nvPicPr>
+        <p:blipFill>
+          <a:blip r:embed="rId2">
+            <a:extLst>
+              <a:ext uri="{28A0092B-C50C-407E-A947-70E740481C1C}">
+                <a14:useLocalDpi xmlns:a14="http://schemas.microsoft.com/office/drawing/2010/main" val="0"/>
+              </a:ext>
+            </a:extLst>
+          </a:blip>
+          <a:stretch>
+            <a:fillRect/>
+          </a:stretch>
+        </p:blipFill>
+        <p:spPr>
+          <a:xfrm>
+            <a:off x="619759" y="880275"/>
+            <a:ext cx="7342471" cy="2548725"/>
+          </a:xfrm>
+          <a:prstGeom prst="rect">
+            <a:avLst/>
+          </a:prstGeom>
+        </p:spPr>
+      </p:pic>
+      <p:pic>
+        <p:nvPicPr>
+          <p:cNvPr id="7" name="Kép 6">
+            <a:extLst>
+              <a:ext uri="{FF2B5EF4-FFF2-40B4-BE49-F238E27FC236}">
+                <a16:creationId xmlns:a16="http://schemas.microsoft.com/office/drawing/2014/main" id="{30E5752F-75FE-CF76-46E7-C0DB08430FA5}"/>
+              </a:ext>
+            </a:extLst>
+          </p:cNvPr>
+          <p:cNvPicPr>
+            <a:picLocks noChangeAspect="1"/>
+          </p:cNvPicPr>
+          <p:nvPr/>
+        </p:nvPicPr>
+        <p:blipFill>
+          <a:blip r:embed="rId3">
+            <a:extLst>
+              <a:ext uri="{28A0092B-C50C-407E-A947-70E740481C1C}">
+                <a14:useLocalDpi xmlns:a14="http://schemas.microsoft.com/office/drawing/2010/main" val="0"/>
+              </a:ext>
+            </a:extLst>
+          </a:blip>
+          <a:stretch>
+            <a:fillRect/>
+          </a:stretch>
+        </p:blipFill>
+        <p:spPr>
+          <a:xfrm>
+            <a:off x="4375454" y="3800874"/>
+            <a:ext cx="7337958" cy="2548725"/>
+          </a:xfrm>
+          <a:prstGeom prst="rect">
+            <a:avLst/>
+          </a:prstGeom>
+        </p:spPr>
+      </p:pic>
+      <p:sp>
+        <p:nvSpPr>
+          <p:cNvPr id="8" name="Szövegdoboz 7">
+            <a:extLst>
+              <a:ext uri="{FF2B5EF4-FFF2-40B4-BE49-F238E27FC236}">
+                <a16:creationId xmlns:a16="http://schemas.microsoft.com/office/drawing/2014/main" id="{355F44B5-A5CB-AA26-0DEB-B201C05CE4D1}"/>
+              </a:ext>
+            </a:extLst>
+          </p:cNvPr>
+          <p:cNvSpPr txBox="1"/>
+          <p:nvPr/>
+        </p:nvSpPr>
+        <p:spPr>
+          <a:xfrm>
+            <a:off x="0" y="3440031"/>
+            <a:ext cx="10599519" cy="369332"/>
+          </a:xfrm>
+          <a:prstGeom prst="rect">
+            <a:avLst/>
+          </a:prstGeom>
+          <a:noFill/>
+        </p:spPr>
+        <p:txBody>
+          <a:bodyPr wrap="square" rtlCol="0">
+            <a:spAutoFit/>
+          </a:bodyPr>
+          <a:lstStyle/>
+          <a:p>
+            <a:r>
+              <a:rPr lang="hu-HU" dirty="0"/>
+              <a:t>Tanulmányi pont                             Érettségi pont                                       A1 jegy         </a:t>
+            </a:r>
           </a:p>
         </p:txBody>
       </p:sp>
       <p:sp>
         <p:nvSpPr>
-          <p:cNvPr id="3" name="Tartalom helye 2">
+          <p:cNvPr id="9" name="Szövegdoboz 8">
             <a:extLst>
               <a:ext uri="{FF2B5EF4-FFF2-40B4-BE49-F238E27FC236}">
-                <a16:creationId xmlns:a16="http://schemas.microsoft.com/office/drawing/2014/main" id="{C0B2C9A2-C23C-153B-2DB9-D235FC626E59}"/>
+                <a16:creationId xmlns:a16="http://schemas.microsoft.com/office/drawing/2014/main" id="{43E2290A-B79F-24CE-17B4-296CF3D726B4}"/>
               </a:ext>
             </a:extLst>
           </p:cNvPr>
-          <p:cNvSpPr>
-            <a:spLocks noGrp="1"/>
-          </p:cNvSpPr>
-          <p:nvPr>
-            <p:ph idx="1"/>
-          </p:nvPr>
+          <p:cNvSpPr txBox="1"/>
+          <p:nvPr/>
         </p:nvSpPr>
         <p:spPr>
           <a:xfrm>
-            <a:off x="838200" y="1476375"/>
-            <a:ext cx="10515600" cy="4700588"/>
+            <a:off x="3759200" y="6349599"/>
+            <a:ext cx="10599519" cy="369332"/>
           </a:xfrm>
+          <a:prstGeom prst="rect">
+            <a:avLst/>
+          </a:prstGeom>
+          <a:noFill/>
         </p:spPr>
         <p:txBody>
-          <a:bodyPr/>
+          <a:bodyPr wrap="square" rtlCol="0">
+            <a:spAutoFit/>
+          </a:bodyPr>
           <a:lstStyle/>
           <a:p>
             <a:r>
               <a:rPr lang="hu-HU" dirty="0"/>
-              <a:t>3 módszer:</a:t>
-            </a:r>
-          </a:p>
-          <a:p>
-            <a:pPr marL="971550" lvl="1" indent="-514350">
-              <a:buFont typeface="+mj-lt"/>
-              <a:buAutoNum type="arabicPeriod"/>
-            </a:pPr>
-            <a:r>
-              <a:rPr lang="hu-HU" sz="2800" b="1" dirty="0"/>
-              <a:t>K-közép</a:t>
-            </a:r>
-          </a:p>
-          <a:p>
-            <a:pPr marL="971550" lvl="1" indent="-514350">
-              <a:buFont typeface="+mj-lt"/>
-              <a:buAutoNum type="arabicPeriod"/>
-            </a:pPr>
-            <a:r>
-              <a:rPr lang="hu-HU" sz="2800" b="1" dirty="0"/>
-              <a:t>DBSCAN</a:t>
-            </a:r>
-          </a:p>
-          <a:p>
-            <a:pPr marL="971550" lvl="1" indent="-514350">
-              <a:buFont typeface="+mj-lt"/>
-              <a:buAutoNum type="arabicPeriod"/>
-            </a:pPr>
-            <a:r>
-              <a:rPr lang="hu-HU" sz="2800" b="1" dirty="0" err="1"/>
-              <a:t>Ward</a:t>
-            </a:r>
-            <a:r>
-              <a:rPr lang="hu-HU" sz="2800" b="1" dirty="0"/>
-              <a:t>-féle hierarchikus algoritmus</a:t>
-            </a:r>
-          </a:p>
-          <a:p>
-            <a:r>
-              <a:rPr lang="hu-HU" b="1" dirty="0"/>
-              <a:t>Optimalizáció</a:t>
-            </a:r>
-            <a:r>
-              <a:rPr lang="hu-HU" dirty="0"/>
-              <a:t>: alkalmas változóhalmaz megválasztása, </a:t>
-            </a:r>
-            <a:r>
-              <a:rPr lang="hu-HU" dirty="0" err="1"/>
-              <a:t>hiperparaméterek</a:t>
-            </a:r>
-            <a:r>
-              <a:rPr lang="hu-HU" dirty="0"/>
-              <a:t> optimalizálása</a:t>
-            </a:r>
-          </a:p>
-          <a:p>
-            <a:r>
-              <a:rPr lang="hu-HU" b="1" dirty="0"/>
-              <a:t>Nehézség</a:t>
-            </a:r>
-            <a:r>
-              <a:rPr lang="hu-HU" dirty="0"/>
-              <a:t>: </a:t>
-            </a:r>
-          </a:p>
-          <a:p>
-            <a:pPr lvl="1"/>
-            <a:r>
-              <a:rPr lang="hu-HU" dirty="0"/>
-              <a:t>Nem csökkenthető a dimenzió, PCA-</a:t>
-            </a:r>
-            <a:r>
-              <a:rPr lang="hu-HU" dirty="0" err="1"/>
-              <a:t>val</a:t>
-            </a:r>
-            <a:r>
-              <a:rPr lang="hu-HU" dirty="0"/>
-              <a:t> sem</a:t>
-            </a:r>
-          </a:p>
-          <a:p>
-            <a:pPr lvl="1"/>
-            <a:r>
-              <a:rPr lang="hu-HU" dirty="0"/>
-              <a:t>nem </a:t>
-            </a:r>
-            <a:r>
-              <a:rPr lang="hu-HU" dirty="0" err="1"/>
-              <a:t>klaszterezhető</a:t>
-            </a:r>
-            <a:r>
-              <a:rPr lang="hu-HU" dirty="0"/>
-              <a:t> jól az adat</a:t>
-            </a:r>
-          </a:p>
-          <a:p>
-            <a:r>
-              <a:rPr lang="hu-HU" dirty="0" err="1"/>
-              <a:t>Klaszterezéssel</a:t>
-            </a:r>
-            <a:r>
-              <a:rPr lang="hu-HU" dirty="0"/>
-              <a:t> </a:t>
-            </a:r>
-            <a:r>
-              <a:rPr lang="hu-HU" b="1" dirty="0"/>
-              <a:t>nem</a:t>
-            </a:r>
-            <a:r>
-              <a:rPr lang="hu-HU" dirty="0"/>
-              <a:t> egyszerűsíthető a modell</a:t>
+              <a:t>Tanulmányi pont                             Érettségi pont                                       A1 jegy         </a:t>
+            </a:r>
+          </a:p>
+        </p:txBody>
+      </p:sp>
+      <p:sp>
+        <p:nvSpPr>
+          <p:cNvPr id="10" name="Szövegdoboz 9">
+            <a:extLst>
+              <a:ext uri="{FF2B5EF4-FFF2-40B4-BE49-F238E27FC236}">
+                <a16:creationId xmlns:a16="http://schemas.microsoft.com/office/drawing/2014/main" id="{901BDC6C-F468-56DA-E624-9D15617C3FF6}"/>
+              </a:ext>
+            </a:extLst>
+          </p:cNvPr>
+          <p:cNvSpPr txBox="1"/>
+          <p:nvPr/>
+        </p:nvSpPr>
+        <p:spPr>
+          <a:xfrm>
+            <a:off x="2736514" y="4673599"/>
+            <a:ext cx="3108960" cy="646331"/>
+          </a:xfrm>
+          <a:prstGeom prst="rect">
+            <a:avLst/>
+          </a:prstGeom>
+          <a:noFill/>
+        </p:spPr>
+        <p:txBody>
+          <a:bodyPr wrap="square" rtlCol="0">
+            <a:spAutoFit/>
+          </a:bodyPr>
+          <a:lstStyle/>
+          <a:p>
+            <a:r>
+              <a:rPr lang="hu-HU" sz="3600" dirty="0"/>
+              <a:t>2021</a:t>
+            </a:r>
+          </a:p>
+        </p:txBody>
+      </p:sp>
+      <p:sp>
+        <p:nvSpPr>
+          <p:cNvPr id="11" name="Szövegdoboz 10">
+            <a:extLst>
+              <a:ext uri="{FF2B5EF4-FFF2-40B4-BE49-F238E27FC236}">
+                <a16:creationId xmlns:a16="http://schemas.microsoft.com/office/drawing/2014/main" id="{B1F923D9-B201-43A1-F588-106C774D85D0}"/>
+              </a:ext>
+            </a:extLst>
+          </p:cNvPr>
+          <p:cNvSpPr txBox="1"/>
+          <p:nvPr/>
+        </p:nvSpPr>
+        <p:spPr>
+          <a:xfrm>
+            <a:off x="8283039" y="1789964"/>
+            <a:ext cx="2316480" cy="646331"/>
+          </a:xfrm>
+          <a:prstGeom prst="rect">
+            <a:avLst/>
+          </a:prstGeom>
+          <a:noFill/>
+        </p:spPr>
+        <p:txBody>
+          <a:bodyPr wrap="square" rtlCol="0">
+            <a:spAutoFit/>
+          </a:bodyPr>
+          <a:lstStyle/>
+          <a:p>
+            <a:r>
+              <a:rPr lang="hu-HU" sz="3600" dirty="0"/>
+              <a:t>2019</a:t>
             </a:r>
           </a:p>
         </p:txBody>
@@ -18908,7 +19242,7 @@
     </p:spTree>
     <p:extLst>
       <p:ext uri="{BB962C8B-B14F-4D97-AF65-F5344CB8AC3E}">
-        <p14:creationId xmlns:p14="http://schemas.microsoft.com/office/powerpoint/2010/main" val="130996675"/>
+        <p14:creationId xmlns:p14="http://schemas.microsoft.com/office/powerpoint/2010/main" val="3700258583"/>
       </p:ext>
     </p:extLst>
   </p:cSld>
@@ -19120,18 +19454,18 @@
 </file>
 
 <file path=customXml/item1.xml><?xml version="1.0" encoding="utf-8"?>
+<p:properties xmlns:p="http://schemas.microsoft.com/office/2006/metadata/properties" xmlns:xsi="http://www.w3.org/2001/XMLSchema-instance" xmlns:pc="http://schemas.microsoft.com/office/infopath/2007/PartnerControls">
+  <documentManagement/>
+</p:properties>
+</file>
+
+<file path=customXml/item2.xml><?xml version="1.0" encoding="utf-8"?>
 <?mso-contentType ?>
 <FormTemplates xmlns="http://schemas.microsoft.com/sharepoint/v3/contenttype/forms">
   <Display>DocumentLibraryForm</Display>
   <Edit>DocumentLibraryForm</Edit>
   <New>DocumentLibraryForm</New>
 </FormTemplates>
-</file>
-
-<file path=customXml/item2.xml><?xml version="1.0" encoding="utf-8"?>
-<p:properties xmlns:p="http://schemas.microsoft.com/office/2006/metadata/properties" xmlns:xsi="http://www.w3.org/2001/XMLSchema-instance" xmlns:pc="http://schemas.microsoft.com/office/infopath/2007/PartnerControls">
-  <documentManagement/>
-</p:properties>
 </file>
 
 <file path=customXml/item3.xml><?xml version="1.0" encoding="utf-8"?>
@@ -19352,14 +19686,6 @@
 </file>
 
 <file path=customXml/itemProps1.xml><?xml version="1.0" encoding="utf-8"?>
-<ds:datastoreItem xmlns:ds="http://schemas.openxmlformats.org/officeDocument/2006/customXml" ds:itemID="{50840CD4-151D-4EB0-B019-56A60DEADF67}">
-  <ds:schemaRefs>
-    <ds:schemaRef ds:uri="http://schemas.microsoft.com/sharepoint/v3/contenttype/forms"/>
-  </ds:schemaRefs>
-</ds:datastoreItem>
-</file>
-
-<file path=customXml/itemProps2.xml><?xml version="1.0" encoding="utf-8"?>
 <ds:datastoreItem xmlns:ds="http://schemas.openxmlformats.org/officeDocument/2006/customXml" ds:itemID="{9C219F95-6B43-40D3-B82B-9222DC3D5400}">
   <ds:schemaRefs>
     <ds:schemaRef ds:uri="c337042d-1629-4b4f-b38b-20e2dbf6aed7"/>
@@ -19372,6 +19698,14 @@
     <ds:schemaRef ds:uri="0291926e-7f6f-40e6-b2cd-618d734b3849"/>
     <ds:schemaRef ds:uri="http://www.w3.org/XML/1998/namespace"/>
     <ds:schemaRef ds:uri="http://purl.org/dc/elements/1.1/"/>
+  </ds:schemaRefs>
+</ds:datastoreItem>
+</file>
+
+<file path=customXml/itemProps2.xml><?xml version="1.0" encoding="utf-8"?>
+<ds:datastoreItem xmlns:ds="http://schemas.openxmlformats.org/officeDocument/2006/customXml" ds:itemID="{50840CD4-151D-4EB0-B019-56A60DEADF67}">
+  <ds:schemaRefs>
+    <ds:schemaRef ds:uri="http://schemas.microsoft.com/sharepoint/v3/contenttype/forms"/>
   </ds:schemaRefs>
 </ds:datastoreItem>
 </file>

--- a/TDK prezi.pptx
+++ b/TDK prezi.pptx
@@ -1804,7 +1804,7 @@
           <a:p>
             <a:fld id="{8F72BA41-EC5B-4197-BCC8-0FD2E523CD7A}" type="datetimeFigureOut">
               <a:rPr lang="en-US" smtClean="0"/>
-              <a:t>11/14/2022</a:t>
+              <a:t>11/15/2022</a:t>
             </a:fld>
             <a:endParaRPr lang="en-US"/>
           </a:p>
@@ -2007,7 +2007,7 @@
           <a:p>
             <a:fld id="{8F72BA41-EC5B-4197-BCC8-0FD2E523CD7A}" type="datetimeFigureOut">
               <a:rPr lang="en-US" smtClean="0"/>
-              <a:t>11/14/2022</a:t>
+              <a:t>11/15/2022</a:t>
             </a:fld>
             <a:endParaRPr lang="en-US"/>
           </a:p>
@@ -3728,7 +3728,7 @@
           <a:p>
             <a:fld id="{8F72BA41-EC5B-4197-BCC8-0FD2E523CD7A}" type="datetimeFigureOut">
               <a:rPr lang="en-US" smtClean="0"/>
-              <a:t>11/14/2022</a:t>
+              <a:t>11/15/2022</a:t>
             </a:fld>
             <a:endParaRPr lang="en-US"/>
           </a:p>
@@ -3927,7 +3927,7 @@
           <a:p>
             <a:fld id="{8F72BA41-EC5B-4197-BCC8-0FD2E523CD7A}" type="datetimeFigureOut">
               <a:rPr lang="en-US" smtClean="0"/>
-              <a:t>11/14/2022</a:t>
+              <a:t>11/15/2022</a:t>
             </a:fld>
             <a:endParaRPr lang="en-US"/>
           </a:p>
@@ -5717,7 +5717,7 @@
           <a:p>
             <a:fld id="{8F72BA41-EC5B-4197-BCC8-0FD2E523CD7A}" type="datetimeFigureOut">
               <a:rPr lang="en-US" smtClean="0"/>
-              <a:t>11/14/2022</a:t>
+              <a:t>11/15/2022</a:t>
             </a:fld>
             <a:endParaRPr lang="en-US"/>
           </a:p>
@@ -5990,7 +5990,7 @@
           <a:p>
             <a:fld id="{8F72BA41-EC5B-4197-BCC8-0FD2E523CD7A}" type="datetimeFigureOut">
               <a:rPr lang="en-US" smtClean="0"/>
-              <a:t>11/14/2022</a:t>
+              <a:t>11/15/2022</a:t>
             </a:fld>
             <a:endParaRPr lang="en-US"/>
           </a:p>
@@ -6410,7 +6410,7 @@
           <a:p>
             <a:fld id="{8F72BA41-EC5B-4197-BCC8-0FD2E523CD7A}" type="datetimeFigureOut">
               <a:rPr lang="en-US" smtClean="0"/>
-              <a:t>11/14/2022</a:t>
+              <a:t>11/15/2022</a:t>
             </a:fld>
             <a:endParaRPr lang="en-US"/>
           </a:p>
@@ -6566,7 +6566,7 @@
           <a:p>
             <a:fld id="{8F72BA41-EC5B-4197-BCC8-0FD2E523CD7A}" type="datetimeFigureOut">
               <a:rPr lang="en-US" smtClean="0"/>
-              <a:t>11/14/2022</a:t>
+              <a:t>11/15/2022</a:t>
             </a:fld>
             <a:endParaRPr lang="en-US"/>
           </a:p>
@@ -8134,7 +8134,7 @@
           <a:p>
             <a:fld id="{8F72BA41-EC5B-4197-BCC8-0FD2E523CD7A}" type="datetimeFigureOut">
               <a:rPr lang="en-US" smtClean="0"/>
-              <a:t>11/14/2022</a:t>
+              <a:t>11/15/2022</a:t>
             </a:fld>
             <a:endParaRPr lang="en-US"/>
           </a:p>
@@ -9985,7 +9985,7 @@
           <a:p>
             <a:fld id="{8F72BA41-EC5B-4197-BCC8-0FD2E523CD7A}" type="datetimeFigureOut">
               <a:rPr lang="en-US" smtClean="0"/>
-              <a:t>11/14/2022</a:t>
+              <a:t>11/15/2022</a:t>
             </a:fld>
             <a:endParaRPr lang="en-US"/>
           </a:p>
@@ -11798,7 +11798,7 @@
           <a:p>
             <a:fld id="{8F72BA41-EC5B-4197-BCC8-0FD2E523CD7A}" type="datetimeFigureOut">
               <a:rPr lang="en-US" smtClean="0"/>
-              <a:t>11/14/2022</a:t>
+              <a:t>11/15/2022</a:t>
             </a:fld>
             <a:endParaRPr lang="en-US"/>
           </a:p>
@@ -13492,7 +13492,7 @@
             <a:fld id="{8F72BA41-EC5B-4197-BCC8-0FD2E523CD7A}" type="datetimeFigureOut">
               <a:rPr lang="en-US" smtClean="0"/>
               <a:pPr/>
-              <a:t>11/14/2022</a:t>
+              <a:t>11/15/2022</a:t>
             </a:fld>
             <a:endParaRPr lang="en-US" dirty="0"/>
           </a:p>
@@ -16121,9 +16121,16 @@
             <p:ph type="title"/>
           </p:nvPr>
         </p:nvSpPr>
-        <p:spPr/>
+        <p:spPr>
+          <a:xfrm>
+            <a:off x="933500" y="-149171"/>
+            <a:ext cx="10325000" cy="1127705"/>
+          </a:xfrm>
+        </p:spPr>
         <p:txBody>
-          <a:bodyPr/>
+          <a:bodyPr>
+            <a:normAutofit/>
+          </a:bodyPr>
           <a:lstStyle/>
           <a:p>
             <a:pPr algn="ctr"/>
@@ -16324,7 +16331,12 @@
             <p:ph type="title"/>
           </p:nvPr>
         </p:nvSpPr>
-        <p:spPr/>
+        <p:spPr>
+          <a:xfrm>
+            <a:off x="933500" y="0"/>
+            <a:ext cx="10325000" cy="1073039"/>
+          </a:xfrm>
+        </p:spPr>
         <p:txBody>
           <a:bodyPr/>
           <a:lstStyle/>
@@ -16337,31 +16349,42 @@
           </a:p>
         </p:txBody>
       </p:sp>
-      <p:sp>
-        <p:nvSpPr>
-          <p:cNvPr id="3" name="Tartalom helye 2">
+      <p:pic>
+        <p:nvPicPr>
+          <p:cNvPr id="5" name="Kép 4">
             <a:extLst>
               <a:ext uri="{FF2B5EF4-FFF2-40B4-BE49-F238E27FC236}">
-                <a16:creationId xmlns:a16="http://schemas.microsoft.com/office/drawing/2014/main" id="{EC718255-444F-927B-6AE4-0306C7E4B234}"/>
+                <a16:creationId xmlns:a16="http://schemas.microsoft.com/office/drawing/2014/main" id="{F7D64CBE-4514-7B07-3035-019BB0C6E856}"/>
               </a:ext>
             </a:extLst>
           </p:cNvPr>
-          <p:cNvSpPr>
-            <a:spLocks noGrp="1"/>
-          </p:cNvSpPr>
-          <p:nvPr>
-            <p:ph idx="1"/>
-          </p:nvPr>
-        </p:nvSpPr>
-        <p:spPr/>
-        <p:txBody>
-          <a:bodyPr/>
-          <a:lstStyle/>
-          <a:p>
-            <a:endParaRPr lang="hu-HU"/>
-          </a:p>
-        </p:txBody>
-      </p:sp>
+          <p:cNvPicPr>
+            <a:picLocks noChangeAspect="1"/>
+          </p:cNvPicPr>
+          <p:nvPr/>
+        </p:nvPicPr>
+        <p:blipFill>
+          <a:blip r:embed="rId2">
+            <a:extLst>
+              <a:ext uri="{28A0092B-C50C-407E-A947-70E740481C1C}">
+                <a14:useLocalDpi xmlns:a14="http://schemas.microsoft.com/office/drawing/2010/main" val="0"/>
+              </a:ext>
+            </a:extLst>
+          </a:blip>
+          <a:stretch>
+            <a:fillRect/>
+          </a:stretch>
+        </p:blipFill>
+        <p:spPr>
+          <a:xfrm>
+            <a:off x="695047" y="1708061"/>
+            <a:ext cx="10801905" cy="3441877"/>
+          </a:xfrm>
+          <a:prstGeom prst="rect">
+            <a:avLst/>
+          </a:prstGeom>
+        </p:spPr>
+      </p:pic>
     </p:spTree>
     <p:extLst>
       <p:ext uri="{BB962C8B-B14F-4D97-AF65-F5344CB8AC3E}">
@@ -19454,18 +19477,18 @@
 </file>
 
 <file path=customXml/item1.xml><?xml version="1.0" encoding="utf-8"?>
-<p:properties xmlns:p="http://schemas.microsoft.com/office/2006/metadata/properties" xmlns:xsi="http://www.w3.org/2001/XMLSchema-instance" xmlns:pc="http://schemas.microsoft.com/office/infopath/2007/PartnerControls">
-  <documentManagement/>
-</p:properties>
-</file>
-
-<file path=customXml/item2.xml><?xml version="1.0" encoding="utf-8"?>
 <?mso-contentType ?>
 <FormTemplates xmlns="http://schemas.microsoft.com/sharepoint/v3/contenttype/forms">
   <Display>DocumentLibraryForm</Display>
   <Edit>DocumentLibraryForm</Edit>
   <New>DocumentLibraryForm</New>
 </FormTemplates>
+</file>
+
+<file path=customXml/item2.xml><?xml version="1.0" encoding="utf-8"?>
+<p:properties xmlns:p="http://schemas.microsoft.com/office/2006/metadata/properties" xmlns:xsi="http://www.w3.org/2001/XMLSchema-instance" xmlns:pc="http://schemas.microsoft.com/office/infopath/2007/PartnerControls">
+  <documentManagement/>
+</p:properties>
 </file>
 
 <file path=customXml/item3.xml><?xml version="1.0" encoding="utf-8"?>
@@ -19686,6 +19709,14 @@
 </file>
 
 <file path=customXml/itemProps1.xml><?xml version="1.0" encoding="utf-8"?>
+<ds:datastoreItem xmlns:ds="http://schemas.openxmlformats.org/officeDocument/2006/customXml" ds:itemID="{50840CD4-151D-4EB0-B019-56A60DEADF67}">
+  <ds:schemaRefs>
+    <ds:schemaRef ds:uri="http://schemas.microsoft.com/sharepoint/v3/contenttype/forms"/>
+  </ds:schemaRefs>
+</ds:datastoreItem>
+</file>
+
+<file path=customXml/itemProps2.xml><?xml version="1.0" encoding="utf-8"?>
 <ds:datastoreItem xmlns:ds="http://schemas.openxmlformats.org/officeDocument/2006/customXml" ds:itemID="{9C219F95-6B43-40D3-B82B-9222DC3D5400}">
   <ds:schemaRefs>
     <ds:schemaRef ds:uri="c337042d-1629-4b4f-b38b-20e2dbf6aed7"/>
@@ -19698,14 +19729,6 @@
     <ds:schemaRef ds:uri="0291926e-7f6f-40e6-b2cd-618d734b3849"/>
     <ds:schemaRef ds:uri="http://www.w3.org/XML/1998/namespace"/>
     <ds:schemaRef ds:uri="http://purl.org/dc/elements/1.1/"/>
-  </ds:schemaRefs>
-</ds:datastoreItem>
-</file>
-
-<file path=customXml/itemProps2.xml><?xml version="1.0" encoding="utf-8"?>
-<ds:datastoreItem xmlns:ds="http://schemas.openxmlformats.org/officeDocument/2006/customXml" ds:itemID="{50840CD4-151D-4EB0-B019-56A60DEADF67}">
-  <ds:schemaRefs>
-    <ds:schemaRef ds:uri="http://schemas.microsoft.com/sharepoint/v3/contenttype/forms"/>
   </ds:schemaRefs>
 </ds:datastoreItem>
 </file>

--- a/TDK prezi.pptx
+++ b/TDK prezi.pptx
@@ -17715,6 +17715,26 @@
           <a:bodyPr/>
           <a:lstStyle/>
           <a:p>
+            <a:pPr>
+              <a:lnSpc>
+                <a:spcPct val="150000"/>
+              </a:lnSpc>
+            </a:pPr>
+            <a:r>
+              <a:rPr lang="hu-HU" sz="2200"/>
+              <a:t>Újszerű, egyedi </a:t>
+            </a:r>
+            <a:r>
+              <a:rPr lang="hu-HU" sz="2200" dirty="0"/>
+              <a:t>modellezés</a:t>
+            </a:r>
+          </a:p>
+          <a:p>
+            <a:pPr>
+              <a:lnSpc>
+                <a:spcPct val="150000"/>
+              </a:lnSpc>
+            </a:pPr>
             <a:r>
               <a:rPr lang="hu-HU" sz="2200" dirty="0"/>
               <a:t>2021-ben pontosabb érdemjegy-</a:t>
@@ -17729,12 +17749,22 @@
             </a:r>
           </a:p>
           <a:p>
+            <a:pPr>
+              <a:lnSpc>
+                <a:spcPct val="150000"/>
+              </a:lnSpc>
+            </a:pPr>
             <a:r>
               <a:rPr lang="hu-HU" sz="2200" dirty="0"/>
               <a:t>Felvételi pontszám jelentősége drasztikusan nőtt az érdemjegyre nézve, a kognitív készségek kevésbé determinálóak</a:t>
             </a:r>
           </a:p>
           <a:p>
+            <a:pPr>
+              <a:lnSpc>
+                <a:spcPct val="150000"/>
+              </a:lnSpc>
+            </a:pPr>
             <a:r>
               <a:rPr lang="hu-HU" sz="2200" dirty="0"/>
               <a:t>Kumulált átlag legfontosabb </a:t>
@@ -17749,6 +17779,11 @@
             </a:r>
           </a:p>
           <a:p>
+            <a:pPr>
+              <a:lnSpc>
+                <a:spcPct val="150000"/>
+              </a:lnSpc>
+            </a:pPr>
             <a:r>
               <a:rPr lang="hu-HU" sz="2200" dirty="0"/>
               <a:t>Kevert / ”Black </a:t>
@@ -19477,18 +19512,18 @@
 </file>
 
 <file path=customXml/item1.xml><?xml version="1.0" encoding="utf-8"?>
+<p:properties xmlns:p="http://schemas.microsoft.com/office/2006/metadata/properties" xmlns:xsi="http://www.w3.org/2001/XMLSchema-instance" xmlns:pc="http://schemas.microsoft.com/office/infopath/2007/PartnerControls">
+  <documentManagement/>
+</p:properties>
+</file>
+
+<file path=customXml/item2.xml><?xml version="1.0" encoding="utf-8"?>
 <?mso-contentType ?>
 <FormTemplates xmlns="http://schemas.microsoft.com/sharepoint/v3/contenttype/forms">
   <Display>DocumentLibraryForm</Display>
   <Edit>DocumentLibraryForm</Edit>
   <New>DocumentLibraryForm</New>
 </FormTemplates>
-</file>
-
-<file path=customXml/item2.xml><?xml version="1.0" encoding="utf-8"?>
-<p:properties xmlns:p="http://schemas.microsoft.com/office/2006/metadata/properties" xmlns:xsi="http://www.w3.org/2001/XMLSchema-instance" xmlns:pc="http://schemas.microsoft.com/office/infopath/2007/PartnerControls">
-  <documentManagement/>
-</p:properties>
 </file>
 
 <file path=customXml/item3.xml><?xml version="1.0" encoding="utf-8"?>
@@ -19709,14 +19744,6 @@
 </file>
 
 <file path=customXml/itemProps1.xml><?xml version="1.0" encoding="utf-8"?>
-<ds:datastoreItem xmlns:ds="http://schemas.openxmlformats.org/officeDocument/2006/customXml" ds:itemID="{50840CD4-151D-4EB0-B019-56A60DEADF67}">
-  <ds:schemaRefs>
-    <ds:schemaRef ds:uri="http://schemas.microsoft.com/sharepoint/v3/contenttype/forms"/>
-  </ds:schemaRefs>
-</ds:datastoreItem>
-</file>
-
-<file path=customXml/itemProps2.xml><?xml version="1.0" encoding="utf-8"?>
 <ds:datastoreItem xmlns:ds="http://schemas.openxmlformats.org/officeDocument/2006/customXml" ds:itemID="{9C219F95-6B43-40D3-B82B-9222DC3D5400}">
   <ds:schemaRefs>
     <ds:schemaRef ds:uri="c337042d-1629-4b4f-b38b-20e2dbf6aed7"/>
@@ -19729,6 +19756,14 @@
     <ds:schemaRef ds:uri="0291926e-7f6f-40e6-b2cd-618d734b3849"/>
     <ds:schemaRef ds:uri="http://www.w3.org/XML/1998/namespace"/>
     <ds:schemaRef ds:uri="http://purl.org/dc/elements/1.1/"/>
+  </ds:schemaRefs>
+</ds:datastoreItem>
+</file>
+
+<file path=customXml/itemProps2.xml><?xml version="1.0" encoding="utf-8"?>
+<ds:datastoreItem xmlns:ds="http://schemas.openxmlformats.org/officeDocument/2006/customXml" ds:itemID="{50840CD4-151D-4EB0-B019-56A60DEADF67}">
+  <ds:schemaRefs>
+    <ds:schemaRef ds:uri="http://schemas.microsoft.com/sharepoint/v3/contenttype/forms"/>
   </ds:schemaRefs>
 </ds:datastoreItem>
 </file>

--- a/TDK prezi.pptx
+++ b/TDK prezi.pptx
@@ -16657,7 +16657,7 @@
         <p:spPr>
           <a:xfrm>
             <a:off x="691079" y="1769389"/>
-            <a:ext cx="10325000" cy="4623022"/>
+            <a:ext cx="5297381" cy="4623022"/>
           </a:xfrm>
         </p:spPr>
         <p:txBody>
@@ -16720,17 +16720,6 @@
           <a:p>
             <a:pPr lvl="1"/>
             <a:r>
-              <a:rPr lang="hu-HU" dirty="0" err="1"/>
-              <a:t>Kvantilis</a:t>
-            </a:r>
-            <a:r>
-              <a:rPr lang="hu-HU" dirty="0"/>
-              <a:t> menti skálázás</a:t>
-            </a:r>
-          </a:p>
-          <a:p>
-            <a:pPr lvl="1"/>
-            <a:r>
               <a:rPr lang="hu-HU" dirty="0"/>
               <a:t>PCA dimenziócsökkentés </a:t>
             </a:r>
@@ -16743,9 +16732,13 @@
             </a:r>
           </a:p>
           <a:p>
+            <a:pPr lvl="1"/>
+            <a:endParaRPr lang="hu-HU" dirty="0"/>
+          </a:p>
+          <a:p>
             <a:r>
               <a:rPr lang="hu-HU" dirty="0"/>
-              <a:t>Kumulált átlag</a:t>
+              <a:t>Kumulált átlag </a:t>
             </a:r>
           </a:p>
           <a:p>
@@ -16784,17 +16777,6 @@
             <a:r>
               <a:rPr lang="hu-HU" dirty="0"/>
               <a:t>lineáris regresszió</a:t>
-            </a:r>
-          </a:p>
-          <a:p>
-            <a:pPr lvl="1"/>
-            <a:r>
-              <a:rPr lang="hu-HU" dirty="0" err="1"/>
-              <a:t>Kvantilis</a:t>
-            </a:r>
-            <a:r>
-              <a:rPr lang="hu-HU" dirty="0"/>
-              <a:t> menti skálázás</a:t>
             </a:r>
           </a:p>
           <a:p>
@@ -17320,8 +17302,8 @@
         </p:blipFill>
         <p:spPr>
           <a:xfrm>
-            <a:off x="6922923" y="2437149"/>
-            <a:ext cx="4092208" cy="3991082"/>
+            <a:off x="6883441" y="2398643"/>
+            <a:ext cx="4131690" cy="4029588"/>
           </a:xfrm>
           <a:prstGeom prst="rect">
             <a:avLst/>
@@ -17721,12 +17703,8 @@
               </a:lnSpc>
             </a:pPr>
             <a:r>
-              <a:rPr lang="hu-HU" sz="2200"/>
-              <a:t>Újszerű, egyedi </a:t>
-            </a:r>
-            <a:r>
               <a:rPr lang="hu-HU" sz="2200" dirty="0"/>
-              <a:t>modellezés</a:t>
+              <a:t>Újszerű, egyedi modellezés</a:t>
             </a:r>
           </a:p>
           <a:p>
@@ -17745,7 +17723,15 @@
             </a:r>
             <a:r>
               <a:rPr lang="hu-HU" sz="2200" dirty="0"/>
-              <a:t> (80% fölötti teljesítmény)</a:t>
+              <a:t> (</a:t>
+            </a:r>
+            <a:r>
+              <a:rPr lang="hu-HU" sz="2200" b="1" dirty="0"/>
+              <a:t>80%</a:t>
+            </a:r>
+            <a:r>
+              <a:rPr lang="hu-HU" sz="2200" dirty="0"/>
+              <a:t> fölötti teljesítmény)</a:t>
             </a:r>
           </a:p>
           <a:p>
@@ -17755,8 +17741,12 @@
               </a:lnSpc>
             </a:pPr>
             <a:r>
+              <a:rPr lang="hu-HU" sz="2200" b="1" dirty="0"/>
+              <a:t>Felvételi pontszám jelentősége drasztikusan nőtt </a:t>
+            </a:r>
+            <a:r>
               <a:rPr lang="hu-HU" sz="2200" dirty="0"/>
-              <a:t>Felvételi pontszám jelentősége drasztikusan nőtt az érdemjegyre nézve, a kognitív készségek kevésbé determinálóak</a:t>
+              <a:t>az érdemjegyre nézve, a kognitív készségek kevésbé determinálóak</a:t>
             </a:r>
           </a:p>
           <a:p>
@@ -18288,7 +18278,7 @@
             </a:pPr>
             <a:r>
               <a:rPr lang="hu-HU" dirty="0"/>
-              <a:t>2019-es és 2021-es adatok </a:t>
+              <a:t>2019-es és 2021-eselsőéves adatok</a:t>
             </a:r>
           </a:p>
           <a:p>
@@ -18298,7 +18288,7 @@
               </a:lnSpc>
             </a:pPr>
             <a:r>
-              <a:rPr lang="hu-HU" dirty="0" err="1"/>
+              <a:rPr lang="hu-HU" b="1" dirty="0" err="1"/>
               <a:t>Neptun</a:t>
             </a:r>
             <a:r>
@@ -18318,7 +18308,7 @@
               </a:lnSpc>
             </a:pPr>
             <a:r>
-              <a:rPr lang="hu-HU" dirty="0" err="1"/>
+              <a:rPr lang="hu-HU" b="1" dirty="0" err="1"/>
               <a:t>EduBase</a:t>
             </a:r>
             <a:r>
@@ -18436,12 +18426,6 @@
         <p:txBody>
           <a:bodyPr/>
           <a:lstStyle/>
-          <a:p>
-            <a:r>
-              <a:rPr lang="hu-HU" dirty="0"/>
-              <a:t>Rengeteg egyszerű ábra</a:t>
-            </a:r>
-          </a:p>
           <a:p>
             <a:r>
               <a:rPr lang="hu-HU" dirty="0"/>
@@ -19512,18 +19496,18 @@
 </file>
 
 <file path=customXml/item1.xml><?xml version="1.0" encoding="utf-8"?>
-<p:properties xmlns:p="http://schemas.microsoft.com/office/2006/metadata/properties" xmlns:xsi="http://www.w3.org/2001/XMLSchema-instance" xmlns:pc="http://schemas.microsoft.com/office/infopath/2007/PartnerControls">
-  <documentManagement/>
-</p:properties>
-</file>
-
-<file path=customXml/item2.xml><?xml version="1.0" encoding="utf-8"?>
 <?mso-contentType ?>
 <FormTemplates xmlns="http://schemas.microsoft.com/sharepoint/v3/contenttype/forms">
   <Display>DocumentLibraryForm</Display>
   <Edit>DocumentLibraryForm</Edit>
   <New>DocumentLibraryForm</New>
 </FormTemplates>
+</file>
+
+<file path=customXml/item2.xml><?xml version="1.0" encoding="utf-8"?>
+<p:properties xmlns:p="http://schemas.microsoft.com/office/2006/metadata/properties" xmlns:xsi="http://www.w3.org/2001/XMLSchema-instance" xmlns:pc="http://schemas.microsoft.com/office/infopath/2007/PartnerControls">
+  <documentManagement/>
+</p:properties>
 </file>
 
 <file path=customXml/item3.xml><?xml version="1.0" encoding="utf-8"?>
@@ -19744,6 +19728,14 @@
 </file>
 
 <file path=customXml/itemProps1.xml><?xml version="1.0" encoding="utf-8"?>
+<ds:datastoreItem xmlns:ds="http://schemas.openxmlformats.org/officeDocument/2006/customXml" ds:itemID="{50840CD4-151D-4EB0-B019-56A60DEADF67}">
+  <ds:schemaRefs>
+    <ds:schemaRef ds:uri="http://schemas.microsoft.com/sharepoint/v3/contenttype/forms"/>
+  </ds:schemaRefs>
+</ds:datastoreItem>
+</file>
+
+<file path=customXml/itemProps2.xml><?xml version="1.0" encoding="utf-8"?>
 <ds:datastoreItem xmlns:ds="http://schemas.openxmlformats.org/officeDocument/2006/customXml" ds:itemID="{9C219F95-6B43-40D3-B82B-9222DC3D5400}">
   <ds:schemaRefs>
     <ds:schemaRef ds:uri="c337042d-1629-4b4f-b38b-20e2dbf6aed7"/>
@@ -19756,14 +19748,6 @@
     <ds:schemaRef ds:uri="0291926e-7f6f-40e6-b2cd-618d734b3849"/>
     <ds:schemaRef ds:uri="http://www.w3.org/XML/1998/namespace"/>
     <ds:schemaRef ds:uri="http://purl.org/dc/elements/1.1/"/>
-  </ds:schemaRefs>
-</ds:datastoreItem>
-</file>
-
-<file path=customXml/itemProps2.xml><?xml version="1.0" encoding="utf-8"?>
-<ds:datastoreItem xmlns:ds="http://schemas.openxmlformats.org/officeDocument/2006/customXml" ds:itemID="{50840CD4-151D-4EB0-B019-56A60DEADF67}">
-  <ds:schemaRefs>
-    <ds:schemaRef ds:uri="http://schemas.microsoft.com/sharepoint/v3/contenttype/forms"/>
   </ds:schemaRefs>
 </ds:datastoreItem>
 </file>

--- a/TDK prezi.pptx
+++ b/TDK prezi.pptx
@@ -18519,18 +18519,6 @@
               <a:buFont typeface="+mj-lt"/>
               <a:buAutoNum type="arabicPeriod"/>
             </a:pPr>
-            <a:r>
-              <a:rPr lang="hu-HU" dirty="0">
-                <a:sym typeface="Wingdings" panose="05000000000000000000" pitchFamily="2" charset="2"/>
-              </a:rPr>
-              <a:t>Emelt érettségi hatása erős, tagozaté nagyon gyenge</a:t>
-            </a:r>
-          </a:p>
-          <a:p>
-            <a:pPr marL="971550" lvl="1" indent="-514350">
-              <a:buFont typeface="+mj-lt"/>
-              <a:buAutoNum type="arabicPeriod"/>
-            </a:pPr>
             <a:endParaRPr lang="hu-HU" dirty="0"/>
           </a:p>
         </p:txBody>
@@ -18583,7 +18571,7 @@
         </p:nvSpPr>
         <p:spPr>
           <a:xfrm>
-            <a:off x="682690" y="612396"/>
+            <a:off x="933499" y="336171"/>
             <a:ext cx="10325000" cy="775842"/>
           </a:xfrm>
         </p:spPr>
@@ -18599,12 +18587,56 @@
           </a:p>
         </p:txBody>
       </p:sp>
+      <p:sp>
+        <p:nvSpPr>
+          <p:cNvPr id="3" name="Szövegdoboz 2">
+            <a:extLst>
+              <a:ext uri="{FF2B5EF4-FFF2-40B4-BE49-F238E27FC236}">
+                <a16:creationId xmlns:a16="http://schemas.microsoft.com/office/drawing/2014/main" id="{98BF83E3-1890-53E2-32B1-DBCDDB737825}"/>
+              </a:ext>
+            </a:extLst>
+          </p:cNvPr>
+          <p:cNvSpPr txBox="1"/>
+          <p:nvPr/>
+        </p:nvSpPr>
+        <p:spPr>
+          <a:xfrm>
+            <a:off x="933499" y="5945753"/>
+            <a:ext cx="10906125" cy="738664"/>
+          </a:xfrm>
+          <a:prstGeom prst="rect">
+            <a:avLst/>
+          </a:prstGeom>
+          <a:noFill/>
+        </p:spPr>
+        <p:txBody>
+          <a:bodyPr wrap="square" rtlCol="0">
+            <a:spAutoFit/>
+          </a:bodyPr>
+          <a:lstStyle/>
+          <a:p>
+            <a:r>
+              <a:rPr lang="hu-HU" sz="2400" b="1" dirty="0"/>
+              <a:t>Konkrét tapasztalat: </a:t>
+            </a:r>
+            <a:r>
+              <a:rPr lang="hu-HU" sz="2400" b="1" dirty="0">
+                <a:sym typeface="Wingdings" panose="05000000000000000000" pitchFamily="2" charset="2"/>
+              </a:rPr>
+              <a:t>Emelt érettségi hatása erős, tagozaté nagyon gyenge</a:t>
+            </a:r>
+          </a:p>
+          <a:p>
+            <a:endParaRPr lang="hu-HU" dirty="0"/>
+          </a:p>
+        </p:txBody>
+      </p:sp>
       <p:pic>
         <p:nvPicPr>
-          <p:cNvPr id="5" name="Kép 4">
+          <p:cNvPr id="6" name="Kép 5">
             <a:extLst>
               <a:ext uri="{FF2B5EF4-FFF2-40B4-BE49-F238E27FC236}">
-                <a16:creationId xmlns:a16="http://schemas.microsoft.com/office/drawing/2014/main" id="{11A79781-608C-DBAB-D0CB-5A3158F933C6}"/>
+                <a16:creationId xmlns:a16="http://schemas.microsoft.com/office/drawing/2014/main" id="{AFD3F166-7023-7CC6-E893-A647C7953719}"/>
               </a:ext>
             </a:extLst>
           </p:cNvPr>
@@ -18627,8 +18659,8 @@
         </p:blipFill>
         <p:spPr>
           <a:xfrm>
-            <a:off x="1003059" y="1484223"/>
-            <a:ext cx="10004631" cy="4887456"/>
+            <a:off x="1500358" y="1320800"/>
+            <a:ext cx="9191283" cy="4490120"/>
           </a:xfrm>
           <a:prstGeom prst="rect">
             <a:avLst/>
@@ -18702,19 +18734,17 @@
       </p:sp>
       <p:pic>
         <p:nvPicPr>
-          <p:cNvPr id="5" name="Tartalom helye 4">
+          <p:cNvPr id="7" name="Kép 6">
             <a:extLst>
               <a:ext uri="{FF2B5EF4-FFF2-40B4-BE49-F238E27FC236}">
-                <a16:creationId xmlns:a16="http://schemas.microsoft.com/office/drawing/2014/main" id="{9C6D9CCC-3495-9008-B536-D3A38EB7EDE0}"/>
+                <a16:creationId xmlns:a16="http://schemas.microsoft.com/office/drawing/2014/main" id="{D7BBECA0-F579-8500-855B-77523A961E33}"/>
               </a:ext>
             </a:extLst>
           </p:cNvPr>
           <p:cNvPicPr>
-            <a:picLocks noGrp="1" noChangeAspect="1"/>
+            <a:picLocks noChangeAspect="1"/>
           </p:cNvPicPr>
-          <p:nvPr>
-            <p:ph idx="1"/>
-          </p:nvPr>
+          <p:nvPr/>
         </p:nvPicPr>
         <p:blipFill>
           <a:blip r:embed="rId2">
@@ -18730,9 +18760,12 @@
         </p:blipFill>
         <p:spPr>
           <a:xfrm>
-            <a:off x="1061633" y="1442907"/>
-            <a:ext cx="9881826" cy="4940912"/>
+            <a:off x="1091563" y="1391920"/>
+            <a:ext cx="10008873" cy="5004436"/>
           </a:xfrm>
+          <a:prstGeom prst="rect">
+            <a:avLst/>
+          </a:prstGeom>
         </p:spPr>
       </p:pic>
     </p:spTree>
@@ -18781,7 +18814,12 @@
             <p:ph type="title"/>
           </p:nvPr>
         </p:nvSpPr>
-        <p:spPr/>
+        <p:spPr>
+          <a:xfrm>
+            <a:off x="691079" y="232201"/>
+            <a:ext cx="10325000" cy="1442463"/>
+          </a:xfrm>
+        </p:spPr>
         <p:txBody>
           <a:bodyPr/>
           <a:lstStyle/>
@@ -18818,7 +18856,12 @@
             <p:ph idx="1"/>
           </p:nvPr>
         </p:nvSpPr>
-        <p:spPr/>
+        <p:spPr>
+          <a:xfrm>
+            <a:off x="691079" y="2594131"/>
+            <a:ext cx="10325000" cy="3564436"/>
+          </a:xfrm>
+        </p:spPr>
         <p:txBody>
           <a:bodyPr/>
           <a:lstStyle/>
@@ -18860,6 +18903,42 @@
           </a:p>
         </p:txBody>
       </p:sp>
+      <p:pic>
+        <p:nvPicPr>
+          <p:cNvPr id="5" name="Kép 4">
+            <a:extLst>
+              <a:ext uri="{FF2B5EF4-FFF2-40B4-BE49-F238E27FC236}">
+                <a16:creationId xmlns:a16="http://schemas.microsoft.com/office/drawing/2014/main" id="{43EC4B11-8833-DBE6-F943-2FFAFCEABFFC}"/>
+              </a:ext>
+            </a:extLst>
+          </p:cNvPr>
+          <p:cNvPicPr>
+            <a:picLocks noChangeAspect="1"/>
+          </p:cNvPicPr>
+          <p:nvPr/>
+        </p:nvPicPr>
+        <p:blipFill>
+          <a:blip r:embed="rId2">
+            <a:extLst>
+              <a:ext uri="{28A0092B-C50C-407E-A947-70E740481C1C}">
+                <a14:useLocalDpi xmlns:a14="http://schemas.microsoft.com/office/drawing/2010/main" val="0"/>
+              </a:ext>
+            </a:extLst>
+          </a:blip>
+          <a:stretch>
+            <a:fillRect/>
+          </a:stretch>
+        </p:blipFill>
+        <p:spPr>
+          <a:xfrm>
+            <a:off x="7402805" y="2489199"/>
+            <a:ext cx="4423235" cy="2721991"/>
+          </a:xfrm>
+          <a:prstGeom prst="rect">
+            <a:avLst/>
+          </a:prstGeom>
+        </p:spPr>
+      </p:pic>
     </p:spTree>
     <p:extLst>
       <p:ext uri="{BB962C8B-B14F-4D97-AF65-F5344CB8AC3E}">
@@ -19496,18 +19575,18 @@
 </file>
 
 <file path=customXml/item1.xml><?xml version="1.0" encoding="utf-8"?>
+<p:properties xmlns:p="http://schemas.microsoft.com/office/2006/metadata/properties" xmlns:xsi="http://www.w3.org/2001/XMLSchema-instance" xmlns:pc="http://schemas.microsoft.com/office/infopath/2007/PartnerControls">
+  <documentManagement/>
+</p:properties>
+</file>
+
+<file path=customXml/item2.xml><?xml version="1.0" encoding="utf-8"?>
 <?mso-contentType ?>
 <FormTemplates xmlns="http://schemas.microsoft.com/sharepoint/v3/contenttype/forms">
   <Display>DocumentLibraryForm</Display>
   <Edit>DocumentLibraryForm</Edit>
   <New>DocumentLibraryForm</New>
 </FormTemplates>
-</file>
-
-<file path=customXml/item2.xml><?xml version="1.0" encoding="utf-8"?>
-<p:properties xmlns:p="http://schemas.microsoft.com/office/2006/metadata/properties" xmlns:xsi="http://www.w3.org/2001/XMLSchema-instance" xmlns:pc="http://schemas.microsoft.com/office/infopath/2007/PartnerControls">
-  <documentManagement/>
-</p:properties>
 </file>
 
 <file path=customXml/item3.xml><?xml version="1.0" encoding="utf-8"?>
@@ -19728,14 +19807,6 @@
 </file>
 
 <file path=customXml/itemProps1.xml><?xml version="1.0" encoding="utf-8"?>
-<ds:datastoreItem xmlns:ds="http://schemas.openxmlformats.org/officeDocument/2006/customXml" ds:itemID="{50840CD4-151D-4EB0-B019-56A60DEADF67}">
-  <ds:schemaRefs>
-    <ds:schemaRef ds:uri="http://schemas.microsoft.com/sharepoint/v3/contenttype/forms"/>
-  </ds:schemaRefs>
-</ds:datastoreItem>
-</file>
-
-<file path=customXml/itemProps2.xml><?xml version="1.0" encoding="utf-8"?>
 <ds:datastoreItem xmlns:ds="http://schemas.openxmlformats.org/officeDocument/2006/customXml" ds:itemID="{9C219F95-6B43-40D3-B82B-9222DC3D5400}">
   <ds:schemaRefs>
     <ds:schemaRef ds:uri="c337042d-1629-4b4f-b38b-20e2dbf6aed7"/>
@@ -19748,6 +19819,14 @@
     <ds:schemaRef ds:uri="0291926e-7f6f-40e6-b2cd-618d734b3849"/>
     <ds:schemaRef ds:uri="http://www.w3.org/XML/1998/namespace"/>
     <ds:schemaRef ds:uri="http://purl.org/dc/elements/1.1/"/>
+  </ds:schemaRefs>
+</ds:datastoreItem>
+</file>
+
+<file path=customXml/itemProps2.xml><?xml version="1.0" encoding="utf-8"?>
+<ds:datastoreItem xmlns:ds="http://schemas.openxmlformats.org/officeDocument/2006/customXml" ds:itemID="{50840CD4-151D-4EB0-B019-56A60DEADF67}">
+  <ds:schemaRefs>
+    <ds:schemaRef ds:uri="http://schemas.microsoft.com/sharepoint/v3/contenttype/forms"/>
   </ds:schemaRefs>
 </ds:datastoreItem>
 </file>

--- a/TDK prezi.pptx
+++ b/TDK prezi.pptx
@@ -16216,6 +16216,9 @@
               <a:rPr lang="hu-HU" dirty="0"/>
               <a:t>: alkalmas változóhalmaz megválasztása, </a:t>
             </a:r>
+            <a:br>
+              <a:rPr lang="hu-HU" dirty="0"/>
+            </a:br>
             <a:r>
               <a:rPr lang="hu-HU" dirty="0" err="1"/>
               <a:t>hiperparaméterek</a:t>
@@ -16285,6 +16288,53 @@
           </a:p>
         </p:txBody>
       </p:sp>
+      <p:pic>
+        <p:nvPicPr>
+          <p:cNvPr id="1028" name="Picture 4" descr="Nincs elérhető leírás.">
+            <a:extLst>
+              <a:ext uri="{FF2B5EF4-FFF2-40B4-BE49-F238E27FC236}">
+                <a16:creationId xmlns:a16="http://schemas.microsoft.com/office/drawing/2014/main" id="{7F127673-BE87-5B68-5E22-0BCFC727A285}"/>
+              </a:ext>
+            </a:extLst>
+          </p:cNvPr>
+          <p:cNvPicPr>
+            <a:picLocks noChangeAspect="1" noChangeArrowheads="1"/>
+          </p:cNvPicPr>
+          <p:nvPr/>
+        </p:nvPicPr>
+        <p:blipFill>
+          <a:blip r:embed="rId2">
+            <a:extLst>
+              <a:ext uri="{28A0092B-C50C-407E-A947-70E740481C1C}">
+                <a14:useLocalDpi xmlns:a14="http://schemas.microsoft.com/office/drawing/2010/main" val="0"/>
+              </a:ext>
+            </a:extLst>
+          </a:blip>
+          <a:srcRect/>
+          <a:stretch>
+            <a:fillRect/>
+          </a:stretch>
+        </p:blipFill>
+        <p:spPr bwMode="auto">
+          <a:xfrm>
+            <a:off x="7977188" y="978534"/>
+            <a:ext cx="2614611" cy="4808480"/>
+          </a:xfrm>
+          <a:prstGeom prst="rect">
+            <a:avLst/>
+          </a:prstGeom>
+          <a:noFill/>
+          <a:extLst>
+            <a:ext uri="{909E8E84-426E-40DD-AFC4-6F175D3DCCD1}">
+              <a14:hiddenFill xmlns:a14="http://schemas.microsoft.com/office/drawing/2010/main">
+                <a:solidFill>
+                  <a:srgbClr val="FFFFFF"/>
+                </a:solidFill>
+              </a14:hiddenFill>
+            </a:ext>
+          </a:extLst>
+        </p:spPr>
+      </p:pic>
     </p:spTree>
     <p:extLst>
       <p:ext uri="{BB962C8B-B14F-4D97-AF65-F5344CB8AC3E}">
@@ -16912,7 +16962,7 @@
             <p:ph idx="1"/>
             <p:extLst>
               <p:ext uri="{D42A27DB-BD31-4B8C-83A1-F6EECF244321}">
-                <p14:modId xmlns:p14="http://schemas.microsoft.com/office/powerpoint/2010/main" val="2039088654"/>
+                <p14:modId xmlns:p14="http://schemas.microsoft.com/office/powerpoint/2010/main" val="900149288"/>
               </p:ext>
             </p:extLst>
           </p:nvPr>
@@ -17067,7 +17117,7 @@
                       </a:r>
                       <a:r>
                         <a:rPr lang="hu-HU" dirty="0"/>
-                        <a:t> 2 csoport</a:t>
+                        <a:t> 3 csoport</a:t>
                       </a:r>
                       <a:endParaRPr lang="en-US" dirty="0"/>
                     </a:p>
@@ -17119,7 +17169,7 @@
                       <a:pPr algn="ctr"/>
                       <a:r>
                         <a:rPr lang="hu-HU" dirty="0"/>
-                        <a:t>Összesített 3 csoport</a:t>
+                        <a:t>Összesített 2 csoport</a:t>
                       </a:r>
                       <a:endParaRPr lang="en-US" dirty="0"/>
                     </a:p>
@@ -17561,8 +17611,8 @@
         </p:nvSpPr>
         <p:spPr>
           <a:xfrm>
-            <a:off x="691079" y="335559"/>
-            <a:ext cx="10325000" cy="784231"/>
+            <a:off x="2482850" y="337480"/>
+            <a:ext cx="7226300" cy="784231"/>
           </a:xfrm>
         </p:spPr>
         <p:txBody>
@@ -17577,33 +17627,1208 @@
           </a:p>
         </p:txBody>
       </p:sp>
-      <p:sp>
-        <p:nvSpPr>
-          <p:cNvPr id="3" name="Content Placeholder 2">
+      <p:pic>
+        <p:nvPicPr>
+          <p:cNvPr id="5" name="Content Placeholder 4" descr="Chart, bar chart&#10;&#10;Description automatically generated">
             <a:extLst>
               <a:ext uri="{FF2B5EF4-FFF2-40B4-BE49-F238E27FC236}">
-                <a16:creationId xmlns:a16="http://schemas.microsoft.com/office/drawing/2014/main" id="{CD1B12DB-F6BB-C12F-A1A0-3B72A280EA9E}"/>
+                <a16:creationId xmlns:a16="http://schemas.microsoft.com/office/drawing/2014/main" id="{EA7B24AD-2991-B769-BA83-CD66839706C9}"/>
               </a:ext>
             </a:extLst>
           </p:cNvPr>
-          <p:cNvSpPr>
-            <a:spLocks noGrp="1"/>
-          </p:cNvSpPr>
+          <p:cNvPicPr>
+            <a:picLocks noGrp="1" noChangeAspect="1"/>
+          </p:cNvPicPr>
           <p:nvPr>
             <p:ph idx="1"/>
           </p:nvPr>
+        </p:nvPicPr>
+        <p:blipFill>
+          <a:blip r:embed="rId2">
+            <a:extLst>
+              <a:ext uri="{28A0092B-C50C-407E-A947-70E740481C1C}">
+                <a14:useLocalDpi xmlns:a14="http://schemas.microsoft.com/office/drawing/2010/main" val="0"/>
+              </a:ext>
+            </a:extLst>
+          </a:blip>
+          <a:stretch>
+            <a:fillRect/>
+          </a:stretch>
+        </p:blipFill>
+        <p:spPr>
+          <a:xfrm>
+            <a:off x="4894981" y="3910872"/>
+            <a:ext cx="3286657" cy="2696830"/>
+          </a:xfrm>
+        </p:spPr>
+      </p:pic>
+      <p:pic>
+        <p:nvPicPr>
+          <p:cNvPr id="7" name="Picture 6" descr="Chart, bar chart&#10;&#10;Description automatically generated">
+            <a:extLst>
+              <a:ext uri="{FF2B5EF4-FFF2-40B4-BE49-F238E27FC236}">
+                <a16:creationId xmlns:a16="http://schemas.microsoft.com/office/drawing/2014/main" id="{EEE2419F-A831-AC99-7E07-80A344819B7B}"/>
+              </a:ext>
+            </a:extLst>
+          </p:cNvPr>
+          <p:cNvPicPr>
+            <a:picLocks noChangeAspect="1"/>
+          </p:cNvPicPr>
+          <p:nvPr/>
+        </p:nvPicPr>
+        <p:blipFill>
+          <a:blip r:embed="rId3">
+            <a:extLst>
+              <a:ext uri="{28A0092B-C50C-407E-A947-70E740481C1C}">
+                <a14:useLocalDpi xmlns:a14="http://schemas.microsoft.com/office/drawing/2010/main" val="0"/>
+              </a:ext>
+            </a:extLst>
+          </a:blip>
+          <a:stretch>
+            <a:fillRect/>
+          </a:stretch>
+        </p:blipFill>
+        <p:spPr>
+          <a:xfrm>
+            <a:off x="8307238" y="3910872"/>
+            <a:ext cx="3217143" cy="2696830"/>
+          </a:xfrm>
+          <a:prstGeom prst="rect">
+            <a:avLst/>
+          </a:prstGeom>
+        </p:spPr>
+      </p:pic>
+      <p:pic>
+        <p:nvPicPr>
+          <p:cNvPr id="9" name="Picture 8" descr="Chart, scatter chart&#10;&#10;Description automatically generated">
+            <a:extLst>
+              <a:ext uri="{FF2B5EF4-FFF2-40B4-BE49-F238E27FC236}">
+                <a16:creationId xmlns:a16="http://schemas.microsoft.com/office/drawing/2014/main" id="{8F0548ED-932F-290A-411A-CFFFED14FD30}"/>
+              </a:ext>
+            </a:extLst>
+          </p:cNvPr>
+          <p:cNvPicPr>
+            <a:picLocks noChangeAspect="1"/>
+          </p:cNvPicPr>
+          <p:nvPr/>
+        </p:nvPicPr>
+        <p:blipFill>
+          <a:blip r:embed="rId4">
+            <a:extLst>
+              <a:ext uri="{28A0092B-C50C-407E-A947-70E740481C1C}">
+                <a14:useLocalDpi xmlns:a14="http://schemas.microsoft.com/office/drawing/2010/main" val="0"/>
+              </a:ext>
+            </a:extLst>
+          </a:blip>
+          <a:stretch>
+            <a:fillRect/>
+          </a:stretch>
+        </p:blipFill>
+        <p:spPr>
+          <a:xfrm>
+            <a:off x="4986436" y="1297219"/>
+            <a:ext cx="2976746" cy="2286473"/>
+          </a:xfrm>
+          <a:prstGeom prst="rect">
+            <a:avLst/>
+          </a:prstGeom>
+        </p:spPr>
+      </p:pic>
+      <p:pic>
+        <p:nvPicPr>
+          <p:cNvPr id="13" name="Picture 12" descr="Chart, scatter chart&#10;&#10;Description automatically generated">
+            <a:extLst>
+              <a:ext uri="{FF2B5EF4-FFF2-40B4-BE49-F238E27FC236}">
+                <a16:creationId xmlns:a16="http://schemas.microsoft.com/office/drawing/2014/main" id="{D34B2FBD-4990-F849-1067-239E966B2FE4}"/>
+              </a:ext>
+            </a:extLst>
+          </p:cNvPr>
+          <p:cNvPicPr>
+            <a:picLocks noChangeAspect="1"/>
+          </p:cNvPicPr>
+          <p:nvPr/>
+        </p:nvPicPr>
+        <p:blipFill>
+          <a:blip r:embed="rId5">
+            <a:extLst>
+              <a:ext uri="{28A0092B-C50C-407E-A947-70E740481C1C}">
+                <a14:useLocalDpi xmlns:a14="http://schemas.microsoft.com/office/drawing/2010/main" val="0"/>
+              </a:ext>
+            </a:extLst>
+          </a:blip>
+          <a:stretch>
+            <a:fillRect/>
+          </a:stretch>
+        </p:blipFill>
+        <p:spPr>
+          <a:xfrm>
+            <a:off x="8391159" y="1245080"/>
+            <a:ext cx="2924541" cy="2349491"/>
+          </a:xfrm>
+          <a:prstGeom prst="rect">
+            <a:avLst/>
+          </a:prstGeom>
+        </p:spPr>
+      </p:pic>
+      <mc:AlternateContent xmlns:mc="http://schemas.openxmlformats.org/markup-compatibility/2006">
+        <mc:Choice xmlns:a14="http://schemas.microsoft.com/office/drawing/2010/main" Requires="a14">
+          <p:graphicFrame>
+            <p:nvGraphicFramePr>
+              <p:cNvPr id="18" name="Table 18">
+                <a:extLst>
+                  <a:ext uri="{FF2B5EF4-FFF2-40B4-BE49-F238E27FC236}">
+                    <a16:creationId xmlns:a16="http://schemas.microsoft.com/office/drawing/2014/main" id="{3280B078-A1D8-4CA2-2C73-DED44138F864}"/>
+                  </a:ext>
+                </a:extLst>
+              </p:cNvPr>
+              <p:cNvGraphicFramePr>
+                <a:graphicFrameLocks noGrp="1"/>
+              </p:cNvGraphicFramePr>
+              <p:nvPr>
+                <p:extLst>
+                  <p:ext uri="{D42A27DB-BD31-4B8C-83A1-F6EECF244321}">
+                    <p14:modId xmlns:p14="http://schemas.microsoft.com/office/powerpoint/2010/main" val="3351284838"/>
+                  </p:ext>
+                </p:extLst>
+              </p:nvPr>
+            </p:nvGraphicFramePr>
+            <p:xfrm>
+              <a:off x="654410" y="2239011"/>
+              <a:ext cx="3656880" cy="1112520"/>
+            </p:xfrm>
+            <a:graphic>
+              <a:graphicData uri="http://schemas.openxmlformats.org/drawingml/2006/table">
+                <a:tbl>
+                  <a:tblPr firstRow="1" bandRow="1">
+                    <a:tableStyleId>{5C22544A-7EE6-4342-B048-85BDC9FD1C3A}</a:tableStyleId>
+                  </a:tblPr>
+                  <a:tblGrid>
+                    <a:gridCol w="1218960">
+                      <a:extLst>
+                        <a:ext uri="{9D8B030D-6E8A-4147-A177-3AD203B41FA5}">
+                          <a16:colId xmlns:a16="http://schemas.microsoft.com/office/drawing/2014/main" val="1273714778"/>
+                        </a:ext>
+                      </a:extLst>
+                    </a:gridCol>
+                    <a:gridCol w="1218960">
+                      <a:extLst>
+                        <a:ext uri="{9D8B030D-6E8A-4147-A177-3AD203B41FA5}">
+                          <a16:colId xmlns:a16="http://schemas.microsoft.com/office/drawing/2014/main" val="4137539326"/>
+                        </a:ext>
+                      </a:extLst>
+                    </a:gridCol>
+                    <a:gridCol w="1218960">
+                      <a:extLst>
+                        <a:ext uri="{9D8B030D-6E8A-4147-A177-3AD203B41FA5}">
+                          <a16:colId xmlns:a16="http://schemas.microsoft.com/office/drawing/2014/main" val="1857443914"/>
+                        </a:ext>
+                      </a:extLst>
+                    </a:gridCol>
+                  </a:tblGrid>
+                  <a:tr h="370840">
+                    <a:tc>
+                      <a:txBody>
+                        <a:bodyPr/>
+                        <a:lstStyle/>
+                        <a:p>
+                          <a:pPr algn="ctr"/>
+                          <a:endParaRPr lang="en-GB" dirty="0"/>
+                        </a:p>
+                      </a:txBody>
+                      <a:tcPr/>
+                    </a:tc>
+                    <a:tc>
+                      <a:txBody>
+                        <a:bodyPr/>
+                        <a:lstStyle/>
+                        <a:p>
+                          <a:pPr algn="ctr"/>
+                          <a:r>
+                            <a:rPr lang="hu-HU" dirty="0"/>
+                            <a:t>2019</a:t>
+                          </a:r>
+                          <a:endParaRPr lang="en-GB" dirty="0"/>
+                        </a:p>
+                      </a:txBody>
+                      <a:tcPr/>
+                    </a:tc>
+                    <a:tc>
+                      <a:txBody>
+                        <a:bodyPr/>
+                        <a:lstStyle/>
+                        <a:p>
+                          <a:pPr algn="ctr"/>
+                          <a:r>
+                            <a:rPr lang="hu-HU" dirty="0"/>
+                            <a:t>2021</a:t>
+                          </a:r>
+                          <a:endParaRPr lang="en-GB" dirty="0"/>
+                        </a:p>
+                      </a:txBody>
+                      <a:tcPr/>
+                    </a:tc>
+                    <a:extLst>
+                      <a:ext uri="{0D108BD9-81ED-4DB2-BD59-A6C34878D82A}">
+                        <a16:rowId xmlns:a16="http://schemas.microsoft.com/office/drawing/2014/main" val="2964264103"/>
+                      </a:ext>
+                    </a:extLst>
+                  </a:tr>
+                  <a:tr h="370840">
+                    <a:tc>
+                      <a:txBody>
+                        <a:bodyPr/>
+                        <a:lstStyle/>
+                        <a:p>
+                          <a:pPr algn="ctr"/>
+                          <a14:m>
+                            <m:oMathPara xmlns:m="http://schemas.openxmlformats.org/officeDocument/2006/math">
+                              <m:oMathParaPr>
+                                <m:jc m:val="center"/>
+                              </m:oMathParaPr>
+                              <m:oMath xmlns:m="http://schemas.openxmlformats.org/officeDocument/2006/math">
+                                <m:r>
+                                  <a:rPr lang="hu-HU" b="0" i="1" smtClean="0">
+                                    <a:latin typeface="Cambria Math" panose="02040503050406030204" pitchFamily="18" charset="0"/>
+                                  </a:rPr>
+                                  <m:t>𝑀𝐴𝐸</m:t>
+                                </m:r>
+                              </m:oMath>
+                            </m:oMathPara>
+                          </a14:m>
+                          <a:endParaRPr lang="en-GB" dirty="0"/>
+                        </a:p>
+                      </a:txBody>
+                      <a:tcPr/>
+                    </a:tc>
+                    <a:tc>
+                      <a:txBody>
+                        <a:bodyPr/>
+                        <a:lstStyle/>
+                        <a:p>
+                          <a:pPr algn="ctr"/>
+                          <a:r>
+                            <a:rPr lang="hu-HU" dirty="0"/>
+                            <a:t>0.3455</a:t>
+                          </a:r>
+                          <a:endParaRPr lang="en-GB" dirty="0"/>
+                        </a:p>
+                      </a:txBody>
+                      <a:tcPr/>
+                    </a:tc>
+                    <a:tc>
+                      <a:txBody>
+                        <a:bodyPr/>
+                        <a:lstStyle/>
+                        <a:p>
+                          <a:pPr algn="ctr"/>
+                          <a:r>
+                            <a:rPr lang="hu-HU" dirty="0"/>
+                            <a:t>0.3710</a:t>
+                          </a:r>
+                          <a:endParaRPr lang="en-GB" dirty="0"/>
+                        </a:p>
+                      </a:txBody>
+                      <a:tcPr/>
+                    </a:tc>
+                    <a:extLst>
+                      <a:ext uri="{0D108BD9-81ED-4DB2-BD59-A6C34878D82A}">
+                        <a16:rowId xmlns:a16="http://schemas.microsoft.com/office/drawing/2014/main" val="564176705"/>
+                      </a:ext>
+                    </a:extLst>
+                  </a:tr>
+                  <a:tr h="370840">
+                    <a:tc>
+                      <a:txBody>
+                        <a:bodyPr/>
+                        <a:lstStyle/>
+                        <a:p>
+                          <a:pPr algn="ctr"/>
+                          <a14:m>
+                            <m:oMathPara xmlns:m="http://schemas.openxmlformats.org/officeDocument/2006/math">
+                              <m:oMathParaPr>
+                                <m:jc m:val="center"/>
+                              </m:oMathParaPr>
+                              <m:oMath xmlns:m="http://schemas.openxmlformats.org/officeDocument/2006/math">
+                                <m:sSup>
+                                  <m:sSupPr>
+                                    <m:ctrlPr>
+                                      <a:rPr lang="hu-HU" b="0" i="1" smtClean="0">
+                                        <a:latin typeface="Cambria Math" panose="02040503050406030204" pitchFamily="18" charset="0"/>
+                                      </a:rPr>
+                                    </m:ctrlPr>
+                                  </m:sSupPr>
+                                  <m:e>
+                                    <m:r>
+                                      <a:rPr lang="hu-HU" b="0" i="1" smtClean="0">
+                                        <a:latin typeface="Cambria Math" panose="02040503050406030204" pitchFamily="18" charset="0"/>
+                                      </a:rPr>
+                                      <m:t>𝑅</m:t>
+                                    </m:r>
+                                  </m:e>
+                                  <m:sup>
+                                    <m:r>
+                                      <a:rPr lang="hu-HU" b="0" i="1" smtClean="0">
+                                        <a:latin typeface="Cambria Math" panose="02040503050406030204" pitchFamily="18" charset="0"/>
+                                      </a:rPr>
+                                      <m:t>2</m:t>
+                                    </m:r>
+                                  </m:sup>
+                                </m:sSup>
+                              </m:oMath>
+                            </m:oMathPara>
+                          </a14:m>
+                          <a:endParaRPr lang="hu-HU" b="0" dirty="0"/>
+                        </a:p>
+                      </a:txBody>
+                      <a:tcPr/>
+                    </a:tc>
+                    <a:tc>
+                      <a:txBody>
+                        <a:bodyPr/>
+                        <a:lstStyle/>
+                        <a:p>
+                          <a:pPr algn="ctr"/>
+                          <a:r>
+                            <a:rPr lang="hu-HU" dirty="0"/>
+                            <a:t>0.5465</a:t>
+                          </a:r>
+                          <a:endParaRPr lang="en-GB" dirty="0"/>
+                        </a:p>
+                      </a:txBody>
+                      <a:tcPr/>
+                    </a:tc>
+                    <a:tc>
+                      <a:txBody>
+                        <a:bodyPr/>
+                        <a:lstStyle/>
+                        <a:p>
+                          <a:pPr algn="ctr"/>
+                          <a:r>
+                            <a:rPr lang="hu-HU" dirty="0"/>
+                            <a:t>0.5645</a:t>
+                          </a:r>
+                          <a:endParaRPr lang="en-GB" dirty="0"/>
+                        </a:p>
+                      </a:txBody>
+                      <a:tcPr/>
+                    </a:tc>
+                    <a:extLst>
+                      <a:ext uri="{0D108BD9-81ED-4DB2-BD59-A6C34878D82A}">
+                        <a16:rowId xmlns:a16="http://schemas.microsoft.com/office/drawing/2014/main" val="70091092"/>
+                      </a:ext>
+                    </a:extLst>
+                  </a:tr>
+                </a:tbl>
+              </a:graphicData>
+            </a:graphic>
+          </p:graphicFrame>
+        </mc:Choice>
+        <mc:Fallback>
+          <p:graphicFrame>
+            <p:nvGraphicFramePr>
+              <p:cNvPr id="18" name="Table 18">
+                <a:extLst>
+                  <a:ext uri="{FF2B5EF4-FFF2-40B4-BE49-F238E27FC236}">
+                    <a16:creationId xmlns:a16="http://schemas.microsoft.com/office/drawing/2014/main" id="{3280B078-A1D8-4CA2-2C73-DED44138F864}"/>
+                  </a:ext>
+                </a:extLst>
+              </p:cNvPr>
+              <p:cNvGraphicFramePr>
+                <a:graphicFrameLocks noGrp="1"/>
+              </p:cNvGraphicFramePr>
+              <p:nvPr>
+                <p:extLst>
+                  <p:ext uri="{D42A27DB-BD31-4B8C-83A1-F6EECF244321}">
+                    <p14:modId xmlns:p14="http://schemas.microsoft.com/office/powerpoint/2010/main" val="3351284838"/>
+                  </p:ext>
+                </p:extLst>
+              </p:nvPr>
+            </p:nvGraphicFramePr>
+            <p:xfrm>
+              <a:off x="654410" y="2239011"/>
+              <a:ext cx="3656880" cy="1112520"/>
+            </p:xfrm>
+            <a:graphic>
+              <a:graphicData uri="http://schemas.openxmlformats.org/drawingml/2006/table">
+                <a:tbl>
+                  <a:tblPr firstRow="1" bandRow="1">
+                    <a:tableStyleId>{5C22544A-7EE6-4342-B048-85BDC9FD1C3A}</a:tableStyleId>
+                  </a:tblPr>
+                  <a:tblGrid>
+                    <a:gridCol w="1218960">
+                      <a:extLst>
+                        <a:ext uri="{9D8B030D-6E8A-4147-A177-3AD203B41FA5}">
+                          <a16:colId xmlns:a16="http://schemas.microsoft.com/office/drawing/2014/main" val="1273714778"/>
+                        </a:ext>
+                      </a:extLst>
+                    </a:gridCol>
+                    <a:gridCol w="1218960">
+                      <a:extLst>
+                        <a:ext uri="{9D8B030D-6E8A-4147-A177-3AD203B41FA5}">
+                          <a16:colId xmlns:a16="http://schemas.microsoft.com/office/drawing/2014/main" val="4137539326"/>
+                        </a:ext>
+                      </a:extLst>
+                    </a:gridCol>
+                    <a:gridCol w="1218960">
+                      <a:extLst>
+                        <a:ext uri="{9D8B030D-6E8A-4147-A177-3AD203B41FA5}">
+                          <a16:colId xmlns:a16="http://schemas.microsoft.com/office/drawing/2014/main" val="1857443914"/>
+                        </a:ext>
+                      </a:extLst>
+                    </a:gridCol>
+                  </a:tblGrid>
+                  <a:tr h="370840">
+                    <a:tc>
+                      <a:txBody>
+                        <a:bodyPr/>
+                        <a:lstStyle/>
+                        <a:p>
+                          <a:pPr algn="ctr"/>
+                          <a:endParaRPr lang="en-GB" dirty="0"/>
+                        </a:p>
+                      </a:txBody>
+                      <a:tcPr/>
+                    </a:tc>
+                    <a:tc>
+                      <a:txBody>
+                        <a:bodyPr/>
+                        <a:lstStyle/>
+                        <a:p>
+                          <a:pPr algn="ctr"/>
+                          <a:r>
+                            <a:rPr lang="hu-HU" dirty="0"/>
+                            <a:t>2019</a:t>
+                          </a:r>
+                          <a:endParaRPr lang="en-GB" dirty="0"/>
+                        </a:p>
+                      </a:txBody>
+                      <a:tcPr/>
+                    </a:tc>
+                    <a:tc>
+                      <a:txBody>
+                        <a:bodyPr/>
+                        <a:lstStyle/>
+                        <a:p>
+                          <a:pPr algn="ctr"/>
+                          <a:r>
+                            <a:rPr lang="hu-HU" dirty="0"/>
+                            <a:t>2021</a:t>
+                          </a:r>
+                          <a:endParaRPr lang="en-GB" dirty="0"/>
+                        </a:p>
+                      </a:txBody>
+                      <a:tcPr/>
+                    </a:tc>
+                    <a:extLst>
+                      <a:ext uri="{0D108BD9-81ED-4DB2-BD59-A6C34878D82A}">
+                        <a16:rowId xmlns:a16="http://schemas.microsoft.com/office/drawing/2014/main" val="2964264103"/>
+                      </a:ext>
+                    </a:extLst>
+                  </a:tr>
+                  <a:tr h="370840">
+                    <a:tc>
+                      <a:txBody>
+                        <a:bodyPr/>
+                        <a:lstStyle/>
+                        <a:p>
+                          <a:endParaRPr lang="en-US"/>
+                        </a:p>
+                      </a:txBody>
+                      <a:tcPr>
+                        <a:blipFill>
+                          <a:blip r:embed="rId6"/>
+                          <a:stretch>
+                            <a:fillRect l="-500" t="-108197" r="-202500" b="-124590"/>
+                          </a:stretch>
+                        </a:blipFill>
+                      </a:tcPr>
+                    </a:tc>
+                    <a:tc>
+                      <a:txBody>
+                        <a:bodyPr/>
+                        <a:lstStyle/>
+                        <a:p>
+                          <a:pPr algn="ctr"/>
+                          <a:r>
+                            <a:rPr lang="hu-HU" dirty="0"/>
+                            <a:t>0.3455</a:t>
+                          </a:r>
+                          <a:endParaRPr lang="en-GB" dirty="0"/>
+                        </a:p>
+                      </a:txBody>
+                      <a:tcPr/>
+                    </a:tc>
+                    <a:tc>
+                      <a:txBody>
+                        <a:bodyPr/>
+                        <a:lstStyle/>
+                        <a:p>
+                          <a:pPr algn="ctr"/>
+                          <a:r>
+                            <a:rPr lang="hu-HU" dirty="0"/>
+                            <a:t>0.3710</a:t>
+                          </a:r>
+                          <a:endParaRPr lang="en-GB" dirty="0"/>
+                        </a:p>
+                      </a:txBody>
+                      <a:tcPr/>
+                    </a:tc>
+                    <a:extLst>
+                      <a:ext uri="{0D108BD9-81ED-4DB2-BD59-A6C34878D82A}">
+                        <a16:rowId xmlns:a16="http://schemas.microsoft.com/office/drawing/2014/main" val="564176705"/>
+                      </a:ext>
+                    </a:extLst>
+                  </a:tr>
+                  <a:tr h="370840">
+                    <a:tc>
+                      <a:txBody>
+                        <a:bodyPr/>
+                        <a:lstStyle/>
+                        <a:p>
+                          <a:endParaRPr lang="en-US"/>
+                        </a:p>
+                      </a:txBody>
+                      <a:tcPr>
+                        <a:blipFill>
+                          <a:blip r:embed="rId6"/>
+                          <a:stretch>
+                            <a:fillRect l="-500" t="-208197" r="-202500" b="-24590"/>
+                          </a:stretch>
+                        </a:blipFill>
+                      </a:tcPr>
+                    </a:tc>
+                    <a:tc>
+                      <a:txBody>
+                        <a:bodyPr/>
+                        <a:lstStyle/>
+                        <a:p>
+                          <a:pPr algn="ctr"/>
+                          <a:r>
+                            <a:rPr lang="hu-HU" dirty="0"/>
+                            <a:t>0.5465</a:t>
+                          </a:r>
+                          <a:endParaRPr lang="en-GB" dirty="0"/>
+                        </a:p>
+                      </a:txBody>
+                      <a:tcPr/>
+                    </a:tc>
+                    <a:tc>
+                      <a:txBody>
+                        <a:bodyPr/>
+                        <a:lstStyle/>
+                        <a:p>
+                          <a:pPr algn="ctr"/>
+                          <a:r>
+                            <a:rPr lang="hu-HU" dirty="0"/>
+                            <a:t>0.5645</a:t>
+                          </a:r>
+                          <a:endParaRPr lang="en-GB" dirty="0"/>
+                        </a:p>
+                      </a:txBody>
+                      <a:tcPr/>
+                    </a:tc>
+                    <a:extLst>
+                      <a:ext uri="{0D108BD9-81ED-4DB2-BD59-A6C34878D82A}">
+                        <a16:rowId xmlns:a16="http://schemas.microsoft.com/office/drawing/2014/main" val="70091092"/>
+                      </a:ext>
+                    </a:extLst>
+                  </a:tr>
+                </a:tbl>
+              </a:graphicData>
+            </a:graphic>
+          </p:graphicFrame>
+        </mc:Fallback>
+      </mc:AlternateContent>
+      <mc:AlternateContent xmlns:mc="http://schemas.openxmlformats.org/markup-compatibility/2006">
+        <mc:Choice xmlns:a14="http://schemas.microsoft.com/office/drawing/2010/main" Requires="a14">
+          <p:graphicFrame>
+            <p:nvGraphicFramePr>
+              <p:cNvPr id="19" name="Table 18">
+                <a:extLst>
+                  <a:ext uri="{FF2B5EF4-FFF2-40B4-BE49-F238E27FC236}">
+                    <a16:creationId xmlns:a16="http://schemas.microsoft.com/office/drawing/2014/main" id="{27BB62FE-6FB3-A479-6748-09C6B1BEFB98}"/>
+                  </a:ext>
+                </a:extLst>
+              </p:cNvPr>
+              <p:cNvGraphicFramePr>
+                <a:graphicFrameLocks noGrp="1"/>
+              </p:cNvGraphicFramePr>
+              <p:nvPr>
+                <p:extLst>
+                  <p:ext uri="{D42A27DB-BD31-4B8C-83A1-F6EECF244321}">
+                    <p14:modId xmlns:p14="http://schemas.microsoft.com/office/powerpoint/2010/main" val="605280621"/>
+                  </p:ext>
+                </p:extLst>
+              </p:nvPr>
+            </p:nvGraphicFramePr>
+            <p:xfrm>
+              <a:off x="654410" y="4876501"/>
+              <a:ext cx="3656880" cy="1112520"/>
+            </p:xfrm>
+            <a:graphic>
+              <a:graphicData uri="http://schemas.openxmlformats.org/drawingml/2006/table">
+                <a:tbl>
+                  <a:tblPr firstRow="1" bandRow="1">
+                    <a:tableStyleId>{5C22544A-7EE6-4342-B048-85BDC9FD1C3A}</a:tableStyleId>
+                  </a:tblPr>
+                  <a:tblGrid>
+                    <a:gridCol w="1218960">
+                      <a:extLst>
+                        <a:ext uri="{9D8B030D-6E8A-4147-A177-3AD203B41FA5}">
+                          <a16:colId xmlns:a16="http://schemas.microsoft.com/office/drawing/2014/main" val="1273714778"/>
+                        </a:ext>
+                      </a:extLst>
+                    </a:gridCol>
+                    <a:gridCol w="1218960">
+                      <a:extLst>
+                        <a:ext uri="{9D8B030D-6E8A-4147-A177-3AD203B41FA5}">
+                          <a16:colId xmlns:a16="http://schemas.microsoft.com/office/drawing/2014/main" val="4137539326"/>
+                        </a:ext>
+                      </a:extLst>
+                    </a:gridCol>
+                    <a:gridCol w="1218960">
+                      <a:extLst>
+                        <a:ext uri="{9D8B030D-6E8A-4147-A177-3AD203B41FA5}">
+                          <a16:colId xmlns:a16="http://schemas.microsoft.com/office/drawing/2014/main" val="1857443914"/>
+                        </a:ext>
+                      </a:extLst>
+                    </a:gridCol>
+                  </a:tblGrid>
+                  <a:tr h="370840">
+                    <a:tc>
+                      <a:txBody>
+                        <a:bodyPr/>
+                        <a:lstStyle/>
+                        <a:p>
+                          <a:pPr algn="ctr"/>
+                          <a:endParaRPr lang="en-GB" dirty="0"/>
+                        </a:p>
+                      </a:txBody>
+                      <a:tcPr/>
+                    </a:tc>
+                    <a:tc>
+                      <a:txBody>
+                        <a:bodyPr/>
+                        <a:lstStyle/>
+                        <a:p>
+                          <a:pPr algn="ctr"/>
+                          <a:r>
+                            <a:rPr lang="hu-HU" dirty="0"/>
+                            <a:t>2019</a:t>
+                          </a:r>
+                          <a:endParaRPr lang="en-GB" dirty="0"/>
+                        </a:p>
+                      </a:txBody>
+                      <a:tcPr/>
+                    </a:tc>
+                    <a:tc>
+                      <a:txBody>
+                        <a:bodyPr/>
+                        <a:lstStyle/>
+                        <a:p>
+                          <a:pPr algn="ctr"/>
+                          <a:r>
+                            <a:rPr lang="hu-HU" dirty="0"/>
+                            <a:t>2021</a:t>
+                          </a:r>
+                          <a:endParaRPr lang="en-GB" dirty="0"/>
+                        </a:p>
+                      </a:txBody>
+                      <a:tcPr/>
+                    </a:tc>
+                    <a:extLst>
+                      <a:ext uri="{0D108BD9-81ED-4DB2-BD59-A6C34878D82A}">
+                        <a16:rowId xmlns:a16="http://schemas.microsoft.com/office/drawing/2014/main" val="2964264103"/>
+                      </a:ext>
+                    </a:extLst>
+                  </a:tr>
+                  <a:tr h="370840">
+                    <a:tc>
+                      <a:txBody>
+                        <a:bodyPr/>
+                        <a:lstStyle/>
+                        <a:p>
+                          <a:pPr algn="ctr"/>
+                          <a14:m>
+                            <m:oMathPara xmlns:m="http://schemas.openxmlformats.org/officeDocument/2006/math">
+                              <m:oMathParaPr>
+                                <m:jc m:val="center"/>
+                              </m:oMathParaPr>
+                              <m:oMath xmlns:m="http://schemas.openxmlformats.org/officeDocument/2006/math">
+                                <m:r>
+                                  <a:rPr lang="hu-HU" b="0" i="1" smtClean="0">
+                                    <a:latin typeface="Cambria Math" panose="02040503050406030204" pitchFamily="18" charset="0"/>
+                                  </a:rPr>
+                                  <m:t>𝑀𝐴𝐸</m:t>
+                                </m:r>
+                              </m:oMath>
+                            </m:oMathPara>
+                          </a14:m>
+                          <a:endParaRPr lang="en-GB" dirty="0"/>
+                        </a:p>
+                      </a:txBody>
+                      <a:tcPr/>
+                    </a:tc>
+                    <a:tc>
+                      <a:txBody>
+                        <a:bodyPr/>
+                        <a:lstStyle/>
+                        <a:p>
+                          <a:pPr algn="ctr"/>
+                          <a:r>
+                            <a:rPr lang="hu-HU" dirty="0"/>
+                            <a:t>0.3059</a:t>
+                          </a:r>
+                          <a:endParaRPr lang="en-GB" dirty="0"/>
+                        </a:p>
+                      </a:txBody>
+                      <a:tcPr/>
+                    </a:tc>
+                    <a:tc>
+                      <a:txBody>
+                        <a:bodyPr/>
+                        <a:lstStyle/>
+                        <a:p>
+                          <a:pPr algn="ctr"/>
+                          <a:r>
+                            <a:rPr lang="hu-HU" dirty="0"/>
+                            <a:t>0.3770</a:t>
+                          </a:r>
+                          <a:endParaRPr lang="en-GB" dirty="0"/>
+                        </a:p>
+                      </a:txBody>
+                      <a:tcPr/>
+                    </a:tc>
+                    <a:extLst>
+                      <a:ext uri="{0D108BD9-81ED-4DB2-BD59-A6C34878D82A}">
+                        <a16:rowId xmlns:a16="http://schemas.microsoft.com/office/drawing/2014/main" val="564176705"/>
+                      </a:ext>
+                    </a:extLst>
+                  </a:tr>
+                  <a:tr h="370840">
+                    <a:tc>
+                      <a:txBody>
+                        <a:bodyPr/>
+                        <a:lstStyle/>
+                        <a:p>
+                          <a:pPr algn="ctr"/>
+                          <a14:m>
+                            <m:oMathPara xmlns:m="http://schemas.openxmlformats.org/officeDocument/2006/math">
+                              <m:oMathParaPr>
+                                <m:jc m:val="center"/>
+                              </m:oMathParaPr>
+                              <m:oMath xmlns:m="http://schemas.openxmlformats.org/officeDocument/2006/math">
+                                <m:sSup>
+                                  <m:sSupPr>
+                                    <m:ctrlPr>
+                                      <a:rPr lang="hu-HU" b="0" i="1" smtClean="0">
+                                        <a:latin typeface="Cambria Math" panose="02040503050406030204" pitchFamily="18" charset="0"/>
+                                      </a:rPr>
+                                    </m:ctrlPr>
+                                  </m:sSupPr>
+                                  <m:e>
+                                    <m:r>
+                                      <a:rPr lang="hu-HU" b="0" i="1" smtClean="0">
+                                        <a:latin typeface="Cambria Math" panose="02040503050406030204" pitchFamily="18" charset="0"/>
+                                      </a:rPr>
+                                      <m:t>𝑅</m:t>
+                                    </m:r>
+                                  </m:e>
+                                  <m:sup>
+                                    <m:r>
+                                      <a:rPr lang="hu-HU" b="0" i="1" smtClean="0">
+                                        <a:latin typeface="Cambria Math" panose="02040503050406030204" pitchFamily="18" charset="0"/>
+                                      </a:rPr>
+                                      <m:t>2</m:t>
+                                    </m:r>
+                                  </m:sup>
+                                </m:sSup>
+                              </m:oMath>
+                            </m:oMathPara>
+                          </a14:m>
+                          <a:endParaRPr lang="hu-HU" b="0" dirty="0"/>
+                        </a:p>
+                      </a:txBody>
+                      <a:tcPr/>
+                    </a:tc>
+                    <a:tc>
+                      <a:txBody>
+                        <a:bodyPr/>
+                        <a:lstStyle/>
+                        <a:p>
+                          <a:pPr algn="ctr"/>
+                          <a:r>
+                            <a:rPr lang="hu-HU" dirty="0"/>
+                            <a:t>0.7485</a:t>
+                          </a:r>
+                          <a:endParaRPr lang="en-GB" dirty="0"/>
+                        </a:p>
+                      </a:txBody>
+                      <a:tcPr/>
+                    </a:tc>
+                    <a:tc>
+                      <a:txBody>
+                        <a:bodyPr/>
+                        <a:lstStyle/>
+                        <a:p>
+                          <a:pPr algn="ctr"/>
+                          <a:r>
+                            <a:rPr lang="hu-HU" dirty="0"/>
+                            <a:t>0.4696</a:t>
+                          </a:r>
+                          <a:endParaRPr lang="en-GB" dirty="0"/>
+                        </a:p>
+                      </a:txBody>
+                      <a:tcPr/>
+                    </a:tc>
+                    <a:extLst>
+                      <a:ext uri="{0D108BD9-81ED-4DB2-BD59-A6C34878D82A}">
+                        <a16:rowId xmlns:a16="http://schemas.microsoft.com/office/drawing/2014/main" val="70091092"/>
+                      </a:ext>
+                    </a:extLst>
+                  </a:tr>
+                </a:tbl>
+              </a:graphicData>
+            </a:graphic>
+          </p:graphicFrame>
+        </mc:Choice>
+        <mc:Fallback>
+          <p:graphicFrame>
+            <p:nvGraphicFramePr>
+              <p:cNvPr id="19" name="Table 18">
+                <a:extLst>
+                  <a:ext uri="{FF2B5EF4-FFF2-40B4-BE49-F238E27FC236}">
+                    <a16:creationId xmlns:a16="http://schemas.microsoft.com/office/drawing/2014/main" id="{27BB62FE-6FB3-A479-6748-09C6B1BEFB98}"/>
+                  </a:ext>
+                </a:extLst>
+              </p:cNvPr>
+              <p:cNvGraphicFramePr>
+                <a:graphicFrameLocks noGrp="1"/>
+              </p:cNvGraphicFramePr>
+              <p:nvPr>
+                <p:extLst>
+                  <p:ext uri="{D42A27DB-BD31-4B8C-83A1-F6EECF244321}">
+                    <p14:modId xmlns:p14="http://schemas.microsoft.com/office/powerpoint/2010/main" val="605280621"/>
+                  </p:ext>
+                </p:extLst>
+              </p:nvPr>
+            </p:nvGraphicFramePr>
+            <p:xfrm>
+              <a:off x="654410" y="4876501"/>
+              <a:ext cx="3656880" cy="1112520"/>
+            </p:xfrm>
+            <a:graphic>
+              <a:graphicData uri="http://schemas.openxmlformats.org/drawingml/2006/table">
+                <a:tbl>
+                  <a:tblPr firstRow="1" bandRow="1">
+                    <a:tableStyleId>{5C22544A-7EE6-4342-B048-85BDC9FD1C3A}</a:tableStyleId>
+                  </a:tblPr>
+                  <a:tblGrid>
+                    <a:gridCol w="1218960">
+                      <a:extLst>
+                        <a:ext uri="{9D8B030D-6E8A-4147-A177-3AD203B41FA5}">
+                          <a16:colId xmlns:a16="http://schemas.microsoft.com/office/drawing/2014/main" val="1273714778"/>
+                        </a:ext>
+                      </a:extLst>
+                    </a:gridCol>
+                    <a:gridCol w="1218960">
+                      <a:extLst>
+                        <a:ext uri="{9D8B030D-6E8A-4147-A177-3AD203B41FA5}">
+                          <a16:colId xmlns:a16="http://schemas.microsoft.com/office/drawing/2014/main" val="4137539326"/>
+                        </a:ext>
+                      </a:extLst>
+                    </a:gridCol>
+                    <a:gridCol w="1218960">
+                      <a:extLst>
+                        <a:ext uri="{9D8B030D-6E8A-4147-A177-3AD203B41FA5}">
+                          <a16:colId xmlns:a16="http://schemas.microsoft.com/office/drawing/2014/main" val="1857443914"/>
+                        </a:ext>
+                      </a:extLst>
+                    </a:gridCol>
+                  </a:tblGrid>
+                  <a:tr h="370840">
+                    <a:tc>
+                      <a:txBody>
+                        <a:bodyPr/>
+                        <a:lstStyle/>
+                        <a:p>
+                          <a:pPr algn="ctr"/>
+                          <a:endParaRPr lang="en-GB" dirty="0"/>
+                        </a:p>
+                      </a:txBody>
+                      <a:tcPr/>
+                    </a:tc>
+                    <a:tc>
+                      <a:txBody>
+                        <a:bodyPr/>
+                        <a:lstStyle/>
+                        <a:p>
+                          <a:pPr algn="ctr"/>
+                          <a:r>
+                            <a:rPr lang="hu-HU" dirty="0"/>
+                            <a:t>2019</a:t>
+                          </a:r>
+                          <a:endParaRPr lang="en-GB" dirty="0"/>
+                        </a:p>
+                      </a:txBody>
+                      <a:tcPr/>
+                    </a:tc>
+                    <a:tc>
+                      <a:txBody>
+                        <a:bodyPr/>
+                        <a:lstStyle/>
+                        <a:p>
+                          <a:pPr algn="ctr"/>
+                          <a:r>
+                            <a:rPr lang="hu-HU" dirty="0"/>
+                            <a:t>2021</a:t>
+                          </a:r>
+                          <a:endParaRPr lang="en-GB" dirty="0"/>
+                        </a:p>
+                      </a:txBody>
+                      <a:tcPr/>
+                    </a:tc>
+                    <a:extLst>
+                      <a:ext uri="{0D108BD9-81ED-4DB2-BD59-A6C34878D82A}">
+                        <a16:rowId xmlns:a16="http://schemas.microsoft.com/office/drawing/2014/main" val="2964264103"/>
+                      </a:ext>
+                    </a:extLst>
+                  </a:tr>
+                  <a:tr h="370840">
+                    <a:tc>
+                      <a:txBody>
+                        <a:bodyPr/>
+                        <a:lstStyle/>
+                        <a:p>
+                          <a:endParaRPr lang="en-US"/>
+                        </a:p>
+                      </a:txBody>
+                      <a:tcPr>
+                        <a:blipFill>
+                          <a:blip r:embed="rId7"/>
+                          <a:stretch>
+                            <a:fillRect l="-500" t="-106452" r="-202500" b="-122581"/>
+                          </a:stretch>
+                        </a:blipFill>
+                      </a:tcPr>
+                    </a:tc>
+                    <a:tc>
+                      <a:txBody>
+                        <a:bodyPr/>
+                        <a:lstStyle/>
+                        <a:p>
+                          <a:pPr algn="ctr"/>
+                          <a:r>
+                            <a:rPr lang="hu-HU" dirty="0"/>
+                            <a:t>0.3059</a:t>
+                          </a:r>
+                          <a:endParaRPr lang="en-GB" dirty="0"/>
+                        </a:p>
+                      </a:txBody>
+                      <a:tcPr/>
+                    </a:tc>
+                    <a:tc>
+                      <a:txBody>
+                        <a:bodyPr/>
+                        <a:lstStyle/>
+                        <a:p>
+                          <a:pPr algn="ctr"/>
+                          <a:r>
+                            <a:rPr lang="hu-HU" dirty="0"/>
+                            <a:t>0.3770</a:t>
+                          </a:r>
+                          <a:endParaRPr lang="en-GB" dirty="0"/>
+                        </a:p>
+                      </a:txBody>
+                      <a:tcPr/>
+                    </a:tc>
+                    <a:extLst>
+                      <a:ext uri="{0D108BD9-81ED-4DB2-BD59-A6C34878D82A}">
+                        <a16:rowId xmlns:a16="http://schemas.microsoft.com/office/drawing/2014/main" val="564176705"/>
+                      </a:ext>
+                    </a:extLst>
+                  </a:tr>
+                  <a:tr h="370840">
+                    <a:tc>
+                      <a:txBody>
+                        <a:bodyPr/>
+                        <a:lstStyle/>
+                        <a:p>
+                          <a:endParaRPr lang="en-US"/>
+                        </a:p>
+                      </a:txBody>
+                      <a:tcPr>
+                        <a:blipFill>
+                          <a:blip r:embed="rId7"/>
+                          <a:stretch>
+                            <a:fillRect l="-500" t="-209836" r="-202500" b="-24590"/>
+                          </a:stretch>
+                        </a:blipFill>
+                      </a:tcPr>
+                    </a:tc>
+                    <a:tc>
+                      <a:txBody>
+                        <a:bodyPr/>
+                        <a:lstStyle/>
+                        <a:p>
+                          <a:pPr algn="ctr"/>
+                          <a:r>
+                            <a:rPr lang="hu-HU" dirty="0"/>
+                            <a:t>0.7485</a:t>
+                          </a:r>
+                          <a:endParaRPr lang="en-GB" dirty="0"/>
+                        </a:p>
+                      </a:txBody>
+                      <a:tcPr/>
+                    </a:tc>
+                    <a:tc>
+                      <a:txBody>
+                        <a:bodyPr/>
+                        <a:lstStyle/>
+                        <a:p>
+                          <a:pPr algn="ctr"/>
+                          <a:r>
+                            <a:rPr lang="hu-HU" dirty="0"/>
+                            <a:t>0.4696</a:t>
+                          </a:r>
+                          <a:endParaRPr lang="en-GB" dirty="0"/>
+                        </a:p>
+                      </a:txBody>
+                      <a:tcPr/>
+                    </a:tc>
+                    <a:extLst>
+                      <a:ext uri="{0D108BD9-81ED-4DB2-BD59-A6C34878D82A}">
+                        <a16:rowId xmlns:a16="http://schemas.microsoft.com/office/drawing/2014/main" val="70091092"/>
+                      </a:ext>
+                    </a:extLst>
+                  </a:tr>
+                </a:tbl>
+              </a:graphicData>
+            </a:graphic>
+          </p:graphicFrame>
+        </mc:Fallback>
+      </mc:AlternateContent>
+      <p:cxnSp>
+        <p:nvCxnSpPr>
+          <p:cNvPr id="23" name="Straight Connector 22">
+            <a:extLst>
+              <a:ext uri="{FF2B5EF4-FFF2-40B4-BE49-F238E27FC236}">
+                <a16:creationId xmlns:a16="http://schemas.microsoft.com/office/drawing/2014/main" id="{BB03E11D-D0DA-8958-2C8C-C089D2A86909}"/>
+              </a:ext>
+            </a:extLst>
+          </p:cNvPr>
+          <p:cNvCxnSpPr/>
+          <p:nvPr/>
+        </p:nvCxnSpPr>
+        <p:spPr>
+          <a:xfrm>
+            <a:off x="342900" y="3759200"/>
+            <a:ext cx="11709400" cy="0"/>
+          </a:xfrm>
+          <a:prstGeom prst="line">
+            <a:avLst/>
+          </a:prstGeom>
+        </p:spPr>
+        <p:style>
+          <a:lnRef idx="1">
+            <a:schemeClr val="accent1"/>
+          </a:lnRef>
+          <a:fillRef idx="0">
+            <a:schemeClr val="accent1"/>
+          </a:fillRef>
+          <a:effectRef idx="0">
+            <a:schemeClr val="accent1"/>
+          </a:effectRef>
+          <a:fontRef idx="minor">
+            <a:schemeClr val="tx1"/>
+          </a:fontRef>
+        </p:style>
+      </p:cxnSp>
+      <p:sp>
+        <p:nvSpPr>
+          <p:cNvPr id="24" name="TextBox 23">
+            <a:extLst>
+              <a:ext uri="{FF2B5EF4-FFF2-40B4-BE49-F238E27FC236}">
+                <a16:creationId xmlns:a16="http://schemas.microsoft.com/office/drawing/2014/main" id="{0B81968C-E0D7-C481-CD77-BD070834CC58}"/>
+              </a:ext>
+            </a:extLst>
+          </p:cNvPr>
+          <p:cNvSpPr txBox="1"/>
+          <p:nvPr/>
         </p:nvSpPr>
         <p:spPr>
           <a:xfrm>
-            <a:off x="691079" y="1459287"/>
-            <a:ext cx="10325000" cy="3564436"/>
+            <a:off x="654410" y="1462010"/>
+            <a:ext cx="2177199" cy="369332"/>
           </a:xfrm>
+          <a:prstGeom prst="rect">
+            <a:avLst/>
+          </a:prstGeom>
+          <a:noFill/>
         </p:spPr>
         <p:txBody>
-          <a:bodyPr/>
+          <a:bodyPr wrap="none" rtlCol="0">
+            <a:spAutoFit/>
+          </a:bodyPr>
           <a:lstStyle/>
           <a:p>
-            <a:endParaRPr lang="en-US" dirty="0"/>
+            <a:r>
+              <a:rPr lang="hu-HU" b="1" dirty="0"/>
+              <a:t>Lineáris regresszió</a:t>
+            </a:r>
+            <a:endParaRPr lang="en-GB" b="1" dirty="0"/>
+          </a:p>
+        </p:txBody>
+      </p:sp>
+      <p:sp>
+        <p:nvSpPr>
+          <p:cNvPr id="25" name="TextBox 24">
+            <a:extLst>
+              <a:ext uri="{FF2B5EF4-FFF2-40B4-BE49-F238E27FC236}">
+                <a16:creationId xmlns:a16="http://schemas.microsoft.com/office/drawing/2014/main" id="{3222BF3D-46EE-16D3-73EA-B3F0DA505BC8}"/>
+              </a:ext>
+            </a:extLst>
+          </p:cNvPr>
+          <p:cNvSpPr txBox="1"/>
+          <p:nvPr/>
+        </p:nvSpPr>
+        <p:spPr>
+          <a:xfrm>
+            <a:off x="656448" y="4166870"/>
+            <a:ext cx="2574744" cy="369332"/>
+          </a:xfrm>
+          <a:prstGeom prst="rect">
+            <a:avLst/>
+          </a:prstGeom>
+          <a:noFill/>
+        </p:spPr>
+        <p:txBody>
+          <a:bodyPr wrap="none" rtlCol="0">
+            <a:spAutoFit/>
+          </a:bodyPr>
+          <a:lstStyle/>
+          <a:p>
+            <a:r>
+              <a:rPr lang="hu-HU" b="1" dirty="0" err="1"/>
+              <a:t>Gradient</a:t>
+            </a:r>
+            <a:r>
+              <a:rPr lang="hu-HU" b="1" dirty="0"/>
+              <a:t> </a:t>
+            </a:r>
+            <a:r>
+              <a:rPr lang="hu-HU" b="1" dirty="0" err="1"/>
+              <a:t>Boosting</a:t>
+            </a:r>
+            <a:r>
+              <a:rPr lang="hu-HU" b="1" dirty="0"/>
+              <a:t> </a:t>
+            </a:r>
+            <a:r>
+              <a:rPr lang="hu-HU" b="1" dirty="0" err="1"/>
+              <a:t>Tree</a:t>
+            </a:r>
+            <a:endParaRPr lang="en-GB" b="1" dirty="0"/>
           </a:p>
         </p:txBody>
       </p:sp>
@@ -17703,8 +18928,12 @@
               </a:lnSpc>
             </a:pPr>
             <a:r>
+              <a:rPr lang="hu-HU" sz="2200" b="1" dirty="0"/>
+              <a:t>Újszerű, egyedi </a:t>
+            </a:r>
+            <a:r>
               <a:rPr lang="hu-HU" sz="2200" dirty="0"/>
-              <a:t>Újszerű, egyedi modellezés</a:t>
+              <a:t>modellezés</a:t>
             </a:r>
           </a:p>
           <a:p>
@@ -17723,15 +18952,7 @@
             </a:r>
             <a:r>
               <a:rPr lang="hu-HU" sz="2200" dirty="0"/>
-              <a:t> (</a:t>
-            </a:r>
-            <a:r>
-              <a:rPr lang="hu-HU" sz="2200" b="1" dirty="0"/>
-              <a:t>80%</a:t>
-            </a:r>
-            <a:r>
-              <a:rPr lang="hu-HU" sz="2200" dirty="0"/>
-              <a:t> fölötti teljesítmény)</a:t>
+              <a:t> (80% fölötti teljesítmény)</a:t>
             </a:r>
           </a:p>
           <a:p>
@@ -17741,12 +18962,8 @@
               </a:lnSpc>
             </a:pPr>
             <a:r>
-              <a:rPr lang="hu-HU" sz="2200" b="1" dirty="0"/>
-              <a:t>Felvételi pontszám jelentősége drasztikusan nőtt </a:t>
-            </a:r>
-            <a:r>
               <a:rPr lang="hu-HU" sz="2200" dirty="0"/>
-              <a:t>az érdemjegyre nézve, a kognitív készségek kevésbé determinálóak</a:t>
+              <a:t>Felvételi pontszám jelentősége drasztikusan nőtt az érdemjegyre nézve, a matematika-nyelvi teszt eredményei kevésbé determinálóak</a:t>
             </a:r>
           </a:p>
           <a:p>
@@ -17896,6 +19113,10 @@
             </a:r>
           </a:p>
           <a:p>
+            <a:r>
+              <a:rPr lang="hu-HU" sz="2100" dirty="0"/>
+              <a:t>Más típusú tanulmányi teszteken ugyanezen algoritmusok kipróbálása</a:t>
+            </a:r>
             <a:endParaRPr lang="en-GB" dirty="0"/>
           </a:p>
         </p:txBody>
@@ -18278,7 +19499,7 @@
             </a:pPr>
             <a:r>
               <a:rPr lang="hu-HU" dirty="0"/>
-              <a:t>2019-es és 2021-eselsőéves adatok</a:t>
+              <a:t>2019-es és 2021-es elsőéves adatok</a:t>
             </a:r>
           </a:p>
           <a:p>
@@ -19575,18 +20796,18 @@
 </file>
 
 <file path=customXml/item1.xml><?xml version="1.0" encoding="utf-8"?>
-<p:properties xmlns:p="http://schemas.microsoft.com/office/2006/metadata/properties" xmlns:xsi="http://www.w3.org/2001/XMLSchema-instance" xmlns:pc="http://schemas.microsoft.com/office/infopath/2007/PartnerControls">
-  <documentManagement/>
-</p:properties>
-</file>
-
-<file path=customXml/item2.xml><?xml version="1.0" encoding="utf-8"?>
 <?mso-contentType ?>
 <FormTemplates xmlns="http://schemas.microsoft.com/sharepoint/v3/contenttype/forms">
   <Display>DocumentLibraryForm</Display>
   <Edit>DocumentLibraryForm</Edit>
   <New>DocumentLibraryForm</New>
 </FormTemplates>
+</file>
+
+<file path=customXml/item2.xml><?xml version="1.0" encoding="utf-8"?>
+<p:properties xmlns:p="http://schemas.microsoft.com/office/2006/metadata/properties" xmlns:xsi="http://www.w3.org/2001/XMLSchema-instance" xmlns:pc="http://schemas.microsoft.com/office/infopath/2007/PartnerControls">
+  <documentManagement/>
+</p:properties>
 </file>
 
 <file path=customXml/item3.xml><?xml version="1.0" encoding="utf-8"?>
@@ -19807,6 +21028,14 @@
 </file>
 
 <file path=customXml/itemProps1.xml><?xml version="1.0" encoding="utf-8"?>
+<ds:datastoreItem xmlns:ds="http://schemas.openxmlformats.org/officeDocument/2006/customXml" ds:itemID="{50840CD4-151D-4EB0-B019-56A60DEADF67}">
+  <ds:schemaRefs>
+    <ds:schemaRef ds:uri="http://schemas.microsoft.com/sharepoint/v3/contenttype/forms"/>
+  </ds:schemaRefs>
+</ds:datastoreItem>
+</file>
+
+<file path=customXml/itemProps2.xml><?xml version="1.0" encoding="utf-8"?>
 <ds:datastoreItem xmlns:ds="http://schemas.openxmlformats.org/officeDocument/2006/customXml" ds:itemID="{9C219F95-6B43-40D3-B82B-9222DC3D5400}">
   <ds:schemaRefs>
     <ds:schemaRef ds:uri="c337042d-1629-4b4f-b38b-20e2dbf6aed7"/>
@@ -19819,14 +21048,6 @@
     <ds:schemaRef ds:uri="0291926e-7f6f-40e6-b2cd-618d734b3849"/>
     <ds:schemaRef ds:uri="http://www.w3.org/XML/1998/namespace"/>
     <ds:schemaRef ds:uri="http://purl.org/dc/elements/1.1/"/>
-  </ds:schemaRefs>
-</ds:datastoreItem>
-</file>
-
-<file path=customXml/itemProps2.xml><?xml version="1.0" encoding="utf-8"?>
-<ds:datastoreItem xmlns:ds="http://schemas.openxmlformats.org/officeDocument/2006/customXml" ds:itemID="{50840CD4-151D-4EB0-B019-56A60DEADF67}">
-  <ds:schemaRefs>
-    <ds:schemaRef ds:uri="http://schemas.microsoft.com/sharepoint/v3/contenttype/forms"/>
   </ds:schemaRefs>
 </ds:datastoreItem>
 </file>

--- a/TDK prezi.pptx
+++ b/TDK prezi.pptx
@@ -4,6 +4,9 @@
   <p:sldMasterIdLst>
     <p:sldMasterId id="2147483712" r:id="rId4"/>
   </p:sldMasterIdLst>
+  <p:notesMasterIdLst>
+    <p:notesMasterId r:id="rId24"/>
+  </p:notesMasterIdLst>
   <p:sldIdLst>
     <p:sldId id="256" r:id="rId5"/>
     <p:sldId id="318" r:id="rId6"/>
@@ -138,6 +141,439 @@
 </p1510:revInfo>
 </file>
 
+<file path=ppt/notesMasters/notesMaster1.xml><?xml version="1.0" encoding="utf-8"?>
+<p:notesMaster xmlns:a="http://schemas.openxmlformats.org/drawingml/2006/main" xmlns:r="http://schemas.openxmlformats.org/officeDocument/2006/relationships" xmlns:p="http://schemas.openxmlformats.org/presentationml/2006/main">
+  <p:cSld>
+    <p:bg>
+      <p:bgRef idx="1001">
+        <a:schemeClr val="bg1"/>
+      </p:bgRef>
+    </p:bg>
+    <p:spTree>
+      <p:nvGrpSpPr>
+        <p:cNvPr id="1" name=""/>
+        <p:cNvGrpSpPr/>
+        <p:nvPr/>
+      </p:nvGrpSpPr>
+      <p:grpSpPr>
+        <a:xfrm>
+          <a:off x="0" y="0"/>
+          <a:ext cx="0" cy="0"/>
+          <a:chOff x="0" y="0"/>
+          <a:chExt cx="0" cy="0"/>
+        </a:xfrm>
+      </p:grpSpPr>
+      <p:sp>
+        <p:nvSpPr>
+          <p:cNvPr id="2" name="Élőfej helye 1"/>
+          <p:cNvSpPr>
+            <a:spLocks noGrp="1"/>
+          </p:cNvSpPr>
+          <p:nvPr>
+            <p:ph type="hdr" sz="quarter"/>
+          </p:nvPr>
+        </p:nvSpPr>
+        <p:spPr>
+          <a:xfrm>
+            <a:off x="0" y="0"/>
+            <a:ext cx="2971800" cy="458788"/>
+          </a:xfrm>
+          <a:prstGeom prst="rect">
+            <a:avLst/>
+          </a:prstGeom>
+        </p:spPr>
+        <p:txBody>
+          <a:bodyPr vert="horz" lIns="91440" tIns="45720" rIns="91440" bIns="45720" rtlCol="0"/>
+          <a:lstStyle>
+            <a:lvl1pPr algn="l">
+              <a:defRPr sz="1200"/>
+            </a:lvl1pPr>
+          </a:lstStyle>
+          <a:p>
+            <a:endParaRPr lang="hu-HU"/>
+          </a:p>
+        </p:txBody>
+      </p:sp>
+      <p:sp>
+        <p:nvSpPr>
+          <p:cNvPr id="3" name="Dátum helye 2"/>
+          <p:cNvSpPr>
+            <a:spLocks noGrp="1"/>
+          </p:cNvSpPr>
+          <p:nvPr>
+            <p:ph type="dt" idx="1"/>
+          </p:nvPr>
+        </p:nvSpPr>
+        <p:spPr>
+          <a:xfrm>
+            <a:off x="3884613" y="0"/>
+            <a:ext cx="2971800" cy="458788"/>
+          </a:xfrm>
+          <a:prstGeom prst="rect">
+            <a:avLst/>
+          </a:prstGeom>
+        </p:spPr>
+        <p:txBody>
+          <a:bodyPr vert="horz" lIns="91440" tIns="45720" rIns="91440" bIns="45720" rtlCol="0"/>
+          <a:lstStyle>
+            <a:lvl1pPr algn="r">
+              <a:defRPr sz="1200"/>
+            </a:lvl1pPr>
+          </a:lstStyle>
+          <a:p>
+            <a:fld id="{63521C7F-D8F1-43E1-AD44-5737A86CFC43}" type="datetimeFigureOut">
+              <a:rPr lang="hu-HU" smtClean="0"/>
+              <a:t>2022. 11. 16.</a:t>
+            </a:fld>
+            <a:endParaRPr lang="hu-HU"/>
+          </a:p>
+        </p:txBody>
+      </p:sp>
+      <p:sp>
+        <p:nvSpPr>
+          <p:cNvPr id="4" name="Diakép helye 3"/>
+          <p:cNvSpPr>
+            <a:spLocks noGrp="1" noRot="1" noChangeAspect="1"/>
+          </p:cNvSpPr>
+          <p:nvPr>
+            <p:ph type="sldImg" idx="2"/>
+          </p:nvPr>
+        </p:nvSpPr>
+        <p:spPr>
+          <a:xfrm>
+            <a:off x="685800" y="1143000"/>
+            <a:ext cx="5486400" cy="3086100"/>
+          </a:xfrm>
+          <a:prstGeom prst="rect">
+            <a:avLst/>
+          </a:prstGeom>
+          <a:noFill/>
+          <a:ln w="12700">
+            <a:solidFill>
+              <a:prstClr val="black"/>
+            </a:solidFill>
+          </a:ln>
+        </p:spPr>
+        <p:txBody>
+          <a:bodyPr vert="horz" lIns="91440" tIns="45720" rIns="91440" bIns="45720" rtlCol="0" anchor="ctr"/>
+          <a:lstStyle/>
+          <a:p>
+            <a:endParaRPr lang="hu-HU"/>
+          </a:p>
+        </p:txBody>
+      </p:sp>
+      <p:sp>
+        <p:nvSpPr>
+          <p:cNvPr id="5" name="Jegyzetek helye 4"/>
+          <p:cNvSpPr>
+            <a:spLocks noGrp="1"/>
+          </p:cNvSpPr>
+          <p:nvPr>
+            <p:ph type="body" sz="quarter" idx="3"/>
+          </p:nvPr>
+        </p:nvSpPr>
+        <p:spPr>
+          <a:xfrm>
+            <a:off x="685800" y="4400550"/>
+            <a:ext cx="5486400" cy="3600450"/>
+          </a:xfrm>
+          <a:prstGeom prst="rect">
+            <a:avLst/>
+          </a:prstGeom>
+        </p:spPr>
+        <p:txBody>
+          <a:bodyPr vert="horz" lIns="91440" tIns="45720" rIns="91440" bIns="45720" rtlCol="0"/>
+          <a:lstStyle/>
+          <a:p>
+            <a:pPr lvl="0"/>
+            <a:r>
+              <a:rPr lang="hu-HU"/>
+              <a:t>Mintaszöveg szerkesztése</a:t>
+            </a:r>
+          </a:p>
+          <a:p>
+            <a:pPr lvl="1"/>
+            <a:r>
+              <a:rPr lang="hu-HU"/>
+              <a:t>Második szint</a:t>
+            </a:r>
+          </a:p>
+          <a:p>
+            <a:pPr lvl="2"/>
+            <a:r>
+              <a:rPr lang="hu-HU"/>
+              <a:t>Harmadik szint</a:t>
+            </a:r>
+          </a:p>
+          <a:p>
+            <a:pPr lvl="3"/>
+            <a:r>
+              <a:rPr lang="hu-HU"/>
+              <a:t>Negyedik szint</a:t>
+            </a:r>
+          </a:p>
+          <a:p>
+            <a:pPr lvl="4"/>
+            <a:r>
+              <a:rPr lang="hu-HU"/>
+              <a:t>Ötödik szint</a:t>
+            </a:r>
+          </a:p>
+        </p:txBody>
+      </p:sp>
+      <p:sp>
+        <p:nvSpPr>
+          <p:cNvPr id="6" name="Élőláb helye 5"/>
+          <p:cNvSpPr>
+            <a:spLocks noGrp="1"/>
+          </p:cNvSpPr>
+          <p:nvPr>
+            <p:ph type="ftr" sz="quarter" idx="4"/>
+          </p:nvPr>
+        </p:nvSpPr>
+        <p:spPr>
+          <a:xfrm>
+            <a:off x="0" y="8685213"/>
+            <a:ext cx="2971800" cy="458787"/>
+          </a:xfrm>
+          <a:prstGeom prst="rect">
+            <a:avLst/>
+          </a:prstGeom>
+        </p:spPr>
+        <p:txBody>
+          <a:bodyPr vert="horz" lIns="91440" tIns="45720" rIns="91440" bIns="45720" rtlCol="0" anchor="b"/>
+          <a:lstStyle>
+            <a:lvl1pPr algn="l">
+              <a:defRPr sz="1200"/>
+            </a:lvl1pPr>
+          </a:lstStyle>
+          <a:p>
+            <a:endParaRPr lang="hu-HU"/>
+          </a:p>
+        </p:txBody>
+      </p:sp>
+      <p:sp>
+        <p:nvSpPr>
+          <p:cNvPr id="7" name="Dia számának helye 6"/>
+          <p:cNvSpPr>
+            <a:spLocks noGrp="1"/>
+          </p:cNvSpPr>
+          <p:nvPr>
+            <p:ph type="sldNum" sz="quarter" idx="5"/>
+          </p:nvPr>
+        </p:nvSpPr>
+        <p:spPr>
+          <a:xfrm>
+            <a:off x="3884613" y="8685213"/>
+            <a:ext cx="2971800" cy="458787"/>
+          </a:xfrm>
+          <a:prstGeom prst="rect">
+            <a:avLst/>
+          </a:prstGeom>
+        </p:spPr>
+        <p:txBody>
+          <a:bodyPr vert="horz" lIns="91440" tIns="45720" rIns="91440" bIns="45720" rtlCol="0" anchor="b"/>
+          <a:lstStyle>
+            <a:lvl1pPr algn="r">
+              <a:defRPr sz="1200"/>
+            </a:lvl1pPr>
+          </a:lstStyle>
+          <a:p>
+            <a:fld id="{908EB5CB-5DE1-4EAD-B98D-446173F8893A}" type="slidenum">
+              <a:rPr lang="hu-HU" smtClean="0"/>
+              <a:t>‹#›</a:t>
+            </a:fld>
+            <a:endParaRPr lang="hu-HU"/>
+          </a:p>
+        </p:txBody>
+      </p:sp>
+    </p:spTree>
+    <p:extLst>
+      <p:ext uri="{BB962C8B-B14F-4D97-AF65-F5344CB8AC3E}">
+        <p14:creationId xmlns:p14="http://schemas.microsoft.com/office/powerpoint/2010/main" val="3839931996"/>
+      </p:ext>
+    </p:extLst>
+  </p:cSld>
+  <p:clrMap bg1="lt1" tx1="dk1" bg2="lt2" tx2="dk2" accent1="accent1" accent2="accent2" accent3="accent3" accent4="accent4" accent5="accent5" accent6="accent6" hlink="hlink" folHlink="folHlink"/>
+  <p:notesStyle>
+    <a:lvl1pPr marL="0" algn="l" defTabSz="914400" rtl="0" eaLnBrk="1" latinLnBrk="0" hangingPunct="1">
+      <a:defRPr sz="1200" kern="1200">
+        <a:solidFill>
+          <a:schemeClr val="tx1"/>
+        </a:solidFill>
+        <a:latin typeface="+mn-lt"/>
+        <a:ea typeface="+mn-ea"/>
+        <a:cs typeface="+mn-cs"/>
+      </a:defRPr>
+    </a:lvl1pPr>
+    <a:lvl2pPr marL="457200" algn="l" defTabSz="914400" rtl="0" eaLnBrk="1" latinLnBrk="0" hangingPunct="1">
+      <a:defRPr sz="1200" kern="1200">
+        <a:solidFill>
+          <a:schemeClr val="tx1"/>
+        </a:solidFill>
+        <a:latin typeface="+mn-lt"/>
+        <a:ea typeface="+mn-ea"/>
+        <a:cs typeface="+mn-cs"/>
+      </a:defRPr>
+    </a:lvl2pPr>
+    <a:lvl3pPr marL="914400" algn="l" defTabSz="914400" rtl="0" eaLnBrk="1" latinLnBrk="0" hangingPunct="1">
+      <a:defRPr sz="1200" kern="1200">
+        <a:solidFill>
+          <a:schemeClr val="tx1"/>
+        </a:solidFill>
+        <a:latin typeface="+mn-lt"/>
+        <a:ea typeface="+mn-ea"/>
+        <a:cs typeface="+mn-cs"/>
+      </a:defRPr>
+    </a:lvl3pPr>
+    <a:lvl4pPr marL="1371600" algn="l" defTabSz="914400" rtl="0" eaLnBrk="1" latinLnBrk="0" hangingPunct="1">
+      <a:defRPr sz="1200" kern="1200">
+        <a:solidFill>
+          <a:schemeClr val="tx1"/>
+        </a:solidFill>
+        <a:latin typeface="+mn-lt"/>
+        <a:ea typeface="+mn-ea"/>
+        <a:cs typeface="+mn-cs"/>
+      </a:defRPr>
+    </a:lvl4pPr>
+    <a:lvl5pPr marL="1828800" algn="l" defTabSz="914400" rtl="0" eaLnBrk="1" latinLnBrk="0" hangingPunct="1">
+      <a:defRPr sz="1200" kern="1200">
+        <a:solidFill>
+          <a:schemeClr val="tx1"/>
+        </a:solidFill>
+        <a:latin typeface="+mn-lt"/>
+        <a:ea typeface="+mn-ea"/>
+        <a:cs typeface="+mn-cs"/>
+      </a:defRPr>
+    </a:lvl5pPr>
+    <a:lvl6pPr marL="2286000" algn="l" defTabSz="914400" rtl="0" eaLnBrk="1" latinLnBrk="0" hangingPunct="1">
+      <a:defRPr sz="1200" kern="1200">
+        <a:solidFill>
+          <a:schemeClr val="tx1"/>
+        </a:solidFill>
+        <a:latin typeface="+mn-lt"/>
+        <a:ea typeface="+mn-ea"/>
+        <a:cs typeface="+mn-cs"/>
+      </a:defRPr>
+    </a:lvl6pPr>
+    <a:lvl7pPr marL="2743200" algn="l" defTabSz="914400" rtl="0" eaLnBrk="1" latinLnBrk="0" hangingPunct="1">
+      <a:defRPr sz="1200" kern="1200">
+        <a:solidFill>
+          <a:schemeClr val="tx1"/>
+        </a:solidFill>
+        <a:latin typeface="+mn-lt"/>
+        <a:ea typeface="+mn-ea"/>
+        <a:cs typeface="+mn-cs"/>
+      </a:defRPr>
+    </a:lvl7pPr>
+    <a:lvl8pPr marL="3200400" algn="l" defTabSz="914400" rtl="0" eaLnBrk="1" latinLnBrk="0" hangingPunct="1">
+      <a:defRPr sz="1200" kern="1200">
+        <a:solidFill>
+          <a:schemeClr val="tx1"/>
+        </a:solidFill>
+        <a:latin typeface="+mn-lt"/>
+        <a:ea typeface="+mn-ea"/>
+        <a:cs typeface="+mn-cs"/>
+      </a:defRPr>
+    </a:lvl8pPr>
+    <a:lvl9pPr marL="3657600" algn="l" defTabSz="914400" rtl="0" eaLnBrk="1" latinLnBrk="0" hangingPunct="1">
+      <a:defRPr sz="1200" kern="1200">
+        <a:solidFill>
+          <a:schemeClr val="tx1"/>
+        </a:solidFill>
+        <a:latin typeface="+mn-lt"/>
+        <a:ea typeface="+mn-ea"/>
+        <a:cs typeface="+mn-cs"/>
+      </a:defRPr>
+    </a:lvl9pPr>
+  </p:notesStyle>
+</p:notesMaster>
+</file>
+
+<file path=ppt/notesSlides/notesSlide1.xml><?xml version="1.0" encoding="utf-8"?>
+<p:notes xmlns:a="http://schemas.openxmlformats.org/drawingml/2006/main" xmlns:r="http://schemas.openxmlformats.org/officeDocument/2006/relationships" xmlns:p="http://schemas.openxmlformats.org/presentationml/2006/main">
+  <p:cSld>
+    <p:spTree>
+      <p:nvGrpSpPr>
+        <p:cNvPr id="1" name=""/>
+        <p:cNvGrpSpPr/>
+        <p:nvPr/>
+      </p:nvGrpSpPr>
+      <p:grpSpPr>
+        <a:xfrm>
+          <a:off x="0" y="0"/>
+          <a:ext cx="0" cy="0"/>
+          <a:chOff x="0" y="0"/>
+          <a:chExt cx="0" cy="0"/>
+        </a:xfrm>
+      </p:grpSpPr>
+      <p:sp>
+        <p:nvSpPr>
+          <p:cNvPr id="2" name="Diakép helye 1"/>
+          <p:cNvSpPr>
+            <a:spLocks noGrp="1" noRot="1" noChangeAspect="1"/>
+          </p:cNvSpPr>
+          <p:nvPr>
+            <p:ph type="sldImg"/>
+          </p:nvPr>
+        </p:nvSpPr>
+        <p:spPr/>
+      </p:sp>
+      <p:sp>
+        <p:nvSpPr>
+          <p:cNvPr id="3" name="Jegyzetek helye 2"/>
+          <p:cNvSpPr>
+            <a:spLocks noGrp="1"/>
+          </p:cNvSpPr>
+          <p:nvPr>
+            <p:ph type="body" idx="1"/>
+          </p:nvPr>
+        </p:nvSpPr>
+        <p:spPr/>
+        <p:txBody>
+          <a:bodyPr/>
+          <a:lstStyle/>
+          <a:p>
+            <a:endParaRPr lang="hu-HU" dirty="0"/>
+          </a:p>
+        </p:txBody>
+      </p:sp>
+      <p:sp>
+        <p:nvSpPr>
+          <p:cNvPr id="4" name="Dia számának helye 3"/>
+          <p:cNvSpPr>
+            <a:spLocks noGrp="1"/>
+          </p:cNvSpPr>
+          <p:nvPr>
+            <p:ph type="sldNum" sz="quarter" idx="5"/>
+          </p:nvPr>
+        </p:nvSpPr>
+        <p:spPr/>
+        <p:txBody>
+          <a:bodyPr/>
+          <a:lstStyle/>
+          <a:p>
+            <a:fld id="{908EB5CB-5DE1-4EAD-B98D-446173F8893A}" type="slidenum">
+              <a:rPr lang="hu-HU" smtClean="0"/>
+              <a:t>14</a:t>
+            </a:fld>
+            <a:endParaRPr lang="hu-HU"/>
+          </a:p>
+        </p:txBody>
+      </p:sp>
+    </p:spTree>
+    <p:extLst>
+      <p:ext uri="{BB962C8B-B14F-4D97-AF65-F5344CB8AC3E}">
+        <p14:creationId xmlns:p14="http://schemas.microsoft.com/office/powerpoint/2010/main" val="2553071360"/>
+      </p:ext>
+    </p:extLst>
+  </p:cSld>
+  <p:clrMapOvr>
+    <a:masterClrMapping/>
+  </p:clrMapOvr>
+</p:notes>
+</file>
+
 <file path=ppt/slideLayouts/slideLayout1.xml><?xml version="1.0" encoding="utf-8"?>
 <p:sldLayout xmlns:a="http://schemas.openxmlformats.org/drawingml/2006/main" xmlns:r="http://schemas.openxmlformats.org/officeDocument/2006/relationships" xmlns:p="http://schemas.openxmlformats.org/presentationml/2006/main" showMasterSp="0" type="title" preserve="1">
   <p:cSld name="Title Slide">
@@ -1804,7 +2240,7 @@
           <a:p>
             <a:fld id="{8F72BA41-EC5B-4197-BCC8-0FD2E523CD7A}" type="datetimeFigureOut">
               <a:rPr lang="en-US" smtClean="0"/>
-              <a:t>11/15/2022</a:t>
+              <a:t>11/16/2022</a:t>
             </a:fld>
             <a:endParaRPr lang="en-US"/>
           </a:p>
@@ -2007,7 +2443,7 @@
           <a:p>
             <a:fld id="{8F72BA41-EC5B-4197-BCC8-0FD2E523CD7A}" type="datetimeFigureOut">
               <a:rPr lang="en-US" smtClean="0"/>
-              <a:t>11/15/2022</a:t>
+              <a:t>11/16/2022</a:t>
             </a:fld>
             <a:endParaRPr lang="en-US"/>
           </a:p>
@@ -3728,7 +4164,7 @@
           <a:p>
             <a:fld id="{8F72BA41-EC5B-4197-BCC8-0FD2E523CD7A}" type="datetimeFigureOut">
               <a:rPr lang="en-US" smtClean="0"/>
-              <a:t>11/15/2022</a:t>
+              <a:t>11/16/2022</a:t>
             </a:fld>
             <a:endParaRPr lang="en-US"/>
           </a:p>
@@ -3927,7 +4363,7 @@
           <a:p>
             <a:fld id="{8F72BA41-EC5B-4197-BCC8-0FD2E523CD7A}" type="datetimeFigureOut">
               <a:rPr lang="en-US" smtClean="0"/>
-              <a:t>11/15/2022</a:t>
+              <a:t>11/16/2022</a:t>
             </a:fld>
             <a:endParaRPr lang="en-US"/>
           </a:p>
@@ -5717,7 +6153,7 @@
           <a:p>
             <a:fld id="{8F72BA41-EC5B-4197-BCC8-0FD2E523CD7A}" type="datetimeFigureOut">
               <a:rPr lang="en-US" smtClean="0"/>
-              <a:t>11/15/2022</a:t>
+              <a:t>11/16/2022</a:t>
             </a:fld>
             <a:endParaRPr lang="en-US"/>
           </a:p>
@@ -5990,7 +6426,7 @@
           <a:p>
             <a:fld id="{8F72BA41-EC5B-4197-BCC8-0FD2E523CD7A}" type="datetimeFigureOut">
               <a:rPr lang="en-US" smtClean="0"/>
-              <a:t>11/15/2022</a:t>
+              <a:t>11/16/2022</a:t>
             </a:fld>
             <a:endParaRPr lang="en-US"/>
           </a:p>
@@ -6410,7 +6846,7 @@
           <a:p>
             <a:fld id="{8F72BA41-EC5B-4197-BCC8-0FD2E523CD7A}" type="datetimeFigureOut">
               <a:rPr lang="en-US" smtClean="0"/>
-              <a:t>11/15/2022</a:t>
+              <a:t>11/16/2022</a:t>
             </a:fld>
             <a:endParaRPr lang="en-US"/>
           </a:p>
@@ -6566,7 +7002,7 @@
           <a:p>
             <a:fld id="{8F72BA41-EC5B-4197-BCC8-0FD2E523CD7A}" type="datetimeFigureOut">
               <a:rPr lang="en-US" smtClean="0"/>
-              <a:t>11/15/2022</a:t>
+              <a:t>11/16/2022</a:t>
             </a:fld>
             <a:endParaRPr lang="en-US"/>
           </a:p>
@@ -8134,7 +8570,7 @@
           <a:p>
             <a:fld id="{8F72BA41-EC5B-4197-BCC8-0FD2E523CD7A}" type="datetimeFigureOut">
               <a:rPr lang="en-US" smtClean="0"/>
-              <a:t>11/15/2022</a:t>
+              <a:t>11/16/2022</a:t>
             </a:fld>
             <a:endParaRPr lang="en-US"/>
           </a:p>
@@ -9985,7 +10421,7 @@
           <a:p>
             <a:fld id="{8F72BA41-EC5B-4197-BCC8-0FD2E523CD7A}" type="datetimeFigureOut">
               <a:rPr lang="en-US" smtClean="0"/>
-              <a:t>11/15/2022</a:t>
+              <a:t>11/16/2022</a:t>
             </a:fld>
             <a:endParaRPr lang="en-US"/>
           </a:p>
@@ -11798,7 +12234,7 @@
           <a:p>
             <a:fld id="{8F72BA41-EC5B-4197-BCC8-0FD2E523CD7A}" type="datetimeFigureOut">
               <a:rPr lang="en-US" smtClean="0"/>
-              <a:t>11/15/2022</a:t>
+              <a:t>11/16/2022</a:t>
             </a:fld>
             <a:endParaRPr lang="en-US"/>
           </a:p>
@@ -13492,7 +13928,7 @@
             <a:fld id="{8F72BA41-EC5B-4197-BCC8-0FD2E523CD7A}" type="datetimeFigureOut">
               <a:rPr lang="en-US" smtClean="0"/>
               <a:pPr/>
-              <a:t>11/15/2022</a:t>
+              <a:t>11/16/2022</a:t>
             </a:fld>
             <a:endParaRPr lang="en-US" dirty="0"/>
           </a:p>
@@ -15963,6 +16399,14 @@
             </a:r>
             <a:r>
               <a:rPr lang="hu-HU" sz="2000" dirty="0"/>
+              <a:t> </a:t>
+            </a:r>
+            <a:r>
+              <a:rPr lang="hu-HU" sz="2000" b="1" dirty="0"/>
+              <a:t>Ákos</a:t>
+            </a:r>
+            <a:r>
+              <a:rPr lang="hu-HU" sz="2000" dirty="0"/>
               <a:t> &amp; </a:t>
             </a:r>
             <a:r>
@@ -17339,7 +17783,7 @@
           <p:nvPr/>
         </p:nvPicPr>
         <p:blipFill>
-          <a:blip r:embed="rId2">
+          <a:blip r:embed="rId3">
             <a:extLst>
               <a:ext uri="{28A0092B-C50C-407E-A947-70E740481C1C}">
                 <a14:useLocalDpi xmlns:a14="http://schemas.microsoft.com/office/drawing/2010/main" val="0"/>
@@ -17447,7 +17891,7 @@
           <p:nvPr/>
         </p:nvPicPr>
         <p:blipFill>
-          <a:blip r:embed="rId3"/>
+          <a:blip r:embed="rId4"/>
           <a:stretch>
             <a:fillRect/>
           </a:stretch>
@@ -17770,8 +18214,8 @@
           </a:prstGeom>
         </p:spPr>
       </p:pic>
-      <mc:AlternateContent xmlns:mc="http://schemas.openxmlformats.org/markup-compatibility/2006">
-        <mc:Choice xmlns:a14="http://schemas.microsoft.com/office/drawing/2010/main" Requires="a14">
+      <mc:AlternateContent xmlns:mc="http://schemas.openxmlformats.org/markup-compatibility/2006" xmlns:a14="http://schemas.microsoft.com/office/drawing/2010/main">
+        <mc:Choice Requires="a14">
           <p:graphicFrame>
             <p:nvGraphicFramePr>
               <p:cNvPr id="18" name="Table 18">
@@ -18023,7 +18467,7 @@
             </a:graphic>
           </p:graphicFrame>
         </mc:Choice>
-        <mc:Fallback>
+        <mc:Fallback xmlns="">
           <p:graphicFrame>
             <p:nvGraphicFramePr>
               <p:cNvPr id="18" name="Table 18">
@@ -18239,8 +18683,8 @@
           </p:graphicFrame>
         </mc:Fallback>
       </mc:AlternateContent>
-      <mc:AlternateContent xmlns:mc="http://schemas.openxmlformats.org/markup-compatibility/2006">
-        <mc:Choice xmlns:a14="http://schemas.microsoft.com/office/drawing/2010/main" Requires="a14">
+      <mc:AlternateContent xmlns:mc="http://schemas.openxmlformats.org/markup-compatibility/2006" xmlns:a14="http://schemas.microsoft.com/office/drawing/2010/main">
+        <mc:Choice Requires="a14">
           <p:graphicFrame>
             <p:nvGraphicFramePr>
               <p:cNvPr id="19" name="Table 18">
@@ -18492,7 +18936,7 @@
             </a:graphic>
           </p:graphicFrame>
         </mc:Choice>
-        <mc:Fallback>
+        <mc:Fallback xmlns="">
           <p:graphicFrame>
             <p:nvGraphicFramePr>
               <p:cNvPr id="19" name="Table 18">
@@ -19283,6 +19727,10 @@
               </a:lnSpc>
             </a:pPr>
             <a:r>
+              <a:rPr lang="hu-HU" sz="2400" b="1" dirty="0"/>
+              <a:t>Örökzöld kérdés: </a:t>
+            </a:r>
+            <a:r>
               <a:rPr lang="hu-HU" sz="2400" dirty="0" err="1"/>
               <a:t>Előrejelezhető</a:t>
             </a:r>
@@ -19297,6 +19745,10 @@
                 <a:spcPct val="140000"/>
               </a:lnSpc>
             </a:pPr>
+            <a:r>
+              <a:rPr lang="hu-HU" sz="2400" b="1" dirty="0"/>
+              <a:t>Aktuális kérdés: </a:t>
+            </a:r>
             <a:r>
               <a:rPr lang="hu-HU" sz="2400" dirty="0"/>
               <a:t>Változtak-e az eredmények a pandémiás időszakban? Ha igen, hogyan?</a:t>
@@ -20795,19 +21247,314 @@
 </a:theme>
 </file>
 
+<file path=ppt/theme/theme2.xml><?xml version="1.0" encoding="utf-8"?>
+<a:theme xmlns:a="http://schemas.openxmlformats.org/drawingml/2006/main" name="Office-téma">
+  <a:themeElements>
+    <a:clrScheme name="Office">
+      <a:dk1>
+        <a:sysClr val="windowText" lastClr="000000"/>
+      </a:dk1>
+      <a:lt1>
+        <a:sysClr val="window" lastClr="FFFFFF"/>
+      </a:lt1>
+      <a:dk2>
+        <a:srgbClr val="44546A"/>
+      </a:dk2>
+      <a:lt2>
+        <a:srgbClr val="E7E6E6"/>
+      </a:lt2>
+      <a:accent1>
+        <a:srgbClr val="4472C4"/>
+      </a:accent1>
+      <a:accent2>
+        <a:srgbClr val="ED7D31"/>
+      </a:accent2>
+      <a:accent3>
+        <a:srgbClr val="A5A5A5"/>
+      </a:accent3>
+      <a:accent4>
+        <a:srgbClr val="FFC000"/>
+      </a:accent4>
+      <a:accent5>
+        <a:srgbClr val="5B9BD5"/>
+      </a:accent5>
+      <a:accent6>
+        <a:srgbClr val="70AD47"/>
+      </a:accent6>
+      <a:hlink>
+        <a:srgbClr val="0563C1"/>
+      </a:hlink>
+      <a:folHlink>
+        <a:srgbClr val="954F72"/>
+      </a:folHlink>
+    </a:clrScheme>
+    <a:fontScheme name="Office">
+      <a:majorFont>
+        <a:latin typeface="Calibri Light" panose="020F0302020204030204"/>
+        <a:ea typeface=""/>
+        <a:cs typeface=""/>
+        <a:font script="Jpan" typeface="游ゴシック Light"/>
+        <a:font script="Hang" typeface="맑은 고딕"/>
+        <a:font script="Hans" typeface="等线 Light"/>
+        <a:font script="Hant" typeface="新細明體"/>
+        <a:font script="Arab" typeface="Times New Roman"/>
+        <a:font script="Hebr" typeface="Times New Roman"/>
+        <a:font script="Thai" typeface="Angsana New"/>
+        <a:font script="Ethi" typeface="Nyala"/>
+        <a:font script="Beng" typeface="Vrinda"/>
+        <a:font script="Gujr" typeface="Shruti"/>
+        <a:font script="Khmr" typeface="MoolBoran"/>
+        <a:font script="Knda" typeface="Tunga"/>
+        <a:font script="Guru" typeface="Raavi"/>
+        <a:font script="Cans" typeface="Euphemia"/>
+        <a:font script="Cher" typeface="Plantagenet Cherokee"/>
+        <a:font script="Yiii" typeface="Microsoft Yi Baiti"/>
+        <a:font script="Tibt" typeface="Microsoft Himalaya"/>
+        <a:font script="Thaa" typeface="MV Boli"/>
+        <a:font script="Deva" typeface="Mangal"/>
+        <a:font script="Telu" typeface="Gautami"/>
+        <a:font script="Taml" typeface="Latha"/>
+        <a:font script="Syrc" typeface="Estrangelo Edessa"/>
+        <a:font script="Orya" typeface="Kalinga"/>
+        <a:font script="Mlym" typeface="Kartika"/>
+        <a:font script="Laoo" typeface="DokChampa"/>
+        <a:font script="Sinh" typeface="Iskoola Pota"/>
+        <a:font script="Mong" typeface="Mongolian Baiti"/>
+        <a:font script="Viet" typeface="Times New Roman"/>
+        <a:font script="Uigh" typeface="Microsoft Uighur"/>
+        <a:font script="Geor" typeface="Sylfaen"/>
+        <a:font script="Armn" typeface="Arial"/>
+        <a:font script="Bugi" typeface="Leelawadee UI"/>
+        <a:font script="Bopo" typeface="Microsoft JhengHei"/>
+        <a:font script="Java" typeface="Javanese Text"/>
+        <a:font script="Lisu" typeface="Segoe UI"/>
+        <a:font script="Mymr" typeface="Myanmar Text"/>
+        <a:font script="Nkoo" typeface="Ebrima"/>
+        <a:font script="Olck" typeface="Nirmala UI"/>
+        <a:font script="Osma" typeface="Ebrima"/>
+        <a:font script="Phag" typeface="Phagspa"/>
+        <a:font script="Syrn" typeface="Estrangelo Edessa"/>
+        <a:font script="Syrj" typeface="Estrangelo Edessa"/>
+        <a:font script="Syre" typeface="Estrangelo Edessa"/>
+        <a:font script="Sora" typeface="Nirmala UI"/>
+        <a:font script="Tale" typeface="Microsoft Tai Le"/>
+        <a:font script="Talu" typeface="Microsoft New Tai Lue"/>
+        <a:font script="Tfng" typeface="Ebrima"/>
+      </a:majorFont>
+      <a:minorFont>
+        <a:latin typeface="Calibri" panose="020F0502020204030204"/>
+        <a:ea typeface=""/>
+        <a:cs typeface=""/>
+        <a:font script="Jpan" typeface="游ゴシック"/>
+        <a:font script="Hang" typeface="맑은 고딕"/>
+        <a:font script="Hans" typeface="等线"/>
+        <a:font script="Hant" typeface="新細明體"/>
+        <a:font script="Arab" typeface="Arial"/>
+        <a:font script="Hebr" typeface="Arial"/>
+        <a:font script="Thai" typeface="Cordia New"/>
+        <a:font script="Ethi" typeface="Nyala"/>
+        <a:font script="Beng" typeface="Vrinda"/>
+        <a:font script="Gujr" typeface="Shruti"/>
+        <a:font script="Khmr" typeface="DaunPenh"/>
+        <a:font script="Knda" typeface="Tunga"/>
+        <a:font script="Guru" typeface="Raavi"/>
+        <a:font script="Cans" typeface="Euphemia"/>
+        <a:font script="Cher" typeface="Plantagenet Cherokee"/>
+        <a:font script="Yiii" typeface="Microsoft Yi Baiti"/>
+        <a:font script="Tibt" typeface="Microsoft Himalaya"/>
+        <a:font script="Thaa" typeface="MV Boli"/>
+        <a:font script="Deva" typeface="Mangal"/>
+        <a:font script="Telu" typeface="Gautami"/>
+        <a:font script="Taml" typeface="Latha"/>
+        <a:font script="Syrc" typeface="Estrangelo Edessa"/>
+        <a:font script="Orya" typeface="Kalinga"/>
+        <a:font script="Mlym" typeface="Kartika"/>
+        <a:font script="Laoo" typeface="DokChampa"/>
+        <a:font script="Sinh" typeface="Iskoola Pota"/>
+        <a:font script="Mong" typeface="Mongolian Baiti"/>
+        <a:font script="Viet" typeface="Arial"/>
+        <a:font script="Uigh" typeface="Microsoft Uighur"/>
+        <a:font script="Geor" typeface="Sylfaen"/>
+        <a:font script="Armn" typeface="Arial"/>
+        <a:font script="Bugi" typeface="Leelawadee UI"/>
+        <a:font script="Bopo" typeface="Microsoft JhengHei"/>
+        <a:font script="Java" typeface="Javanese Text"/>
+        <a:font script="Lisu" typeface="Segoe UI"/>
+        <a:font script="Mymr" typeface="Myanmar Text"/>
+        <a:font script="Nkoo" typeface="Ebrima"/>
+        <a:font script="Olck" typeface="Nirmala UI"/>
+        <a:font script="Osma" typeface="Ebrima"/>
+        <a:font script="Phag" typeface="Phagspa"/>
+        <a:font script="Syrn" typeface="Estrangelo Edessa"/>
+        <a:font script="Syrj" typeface="Estrangelo Edessa"/>
+        <a:font script="Syre" typeface="Estrangelo Edessa"/>
+        <a:font script="Sora" typeface="Nirmala UI"/>
+        <a:font script="Tale" typeface="Microsoft Tai Le"/>
+        <a:font script="Talu" typeface="Microsoft New Tai Lue"/>
+        <a:font script="Tfng" typeface="Ebrima"/>
+      </a:minorFont>
+    </a:fontScheme>
+    <a:fmtScheme name="Office">
+      <a:fillStyleLst>
+        <a:solidFill>
+          <a:schemeClr val="phClr"/>
+        </a:solidFill>
+        <a:gradFill rotWithShape="1">
+          <a:gsLst>
+            <a:gs pos="0">
+              <a:schemeClr val="phClr">
+                <a:lumMod val="110000"/>
+                <a:satMod val="105000"/>
+                <a:tint val="67000"/>
+              </a:schemeClr>
+            </a:gs>
+            <a:gs pos="50000">
+              <a:schemeClr val="phClr">
+                <a:lumMod val="105000"/>
+                <a:satMod val="103000"/>
+                <a:tint val="73000"/>
+              </a:schemeClr>
+            </a:gs>
+            <a:gs pos="100000">
+              <a:schemeClr val="phClr">
+                <a:lumMod val="105000"/>
+                <a:satMod val="109000"/>
+                <a:tint val="81000"/>
+              </a:schemeClr>
+            </a:gs>
+          </a:gsLst>
+          <a:lin ang="5400000" scaled="0"/>
+        </a:gradFill>
+        <a:gradFill rotWithShape="1">
+          <a:gsLst>
+            <a:gs pos="0">
+              <a:schemeClr val="phClr">
+                <a:satMod val="103000"/>
+                <a:lumMod val="102000"/>
+                <a:tint val="94000"/>
+              </a:schemeClr>
+            </a:gs>
+            <a:gs pos="50000">
+              <a:schemeClr val="phClr">
+                <a:satMod val="110000"/>
+                <a:lumMod val="100000"/>
+                <a:shade val="100000"/>
+              </a:schemeClr>
+            </a:gs>
+            <a:gs pos="100000">
+              <a:schemeClr val="phClr">
+                <a:lumMod val="99000"/>
+                <a:satMod val="120000"/>
+                <a:shade val="78000"/>
+              </a:schemeClr>
+            </a:gs>
+          </a:gsLst>
+          <a:lin ang="5400000" scaled="0"/>
+        </a:gradFill>
+      </a:fillStyleLst>
+      <a:lnStyleLst>
+        <a:ln w="6350" cap="flat" cmpd="sng" algn="ctr">
+          <a:solidFill>
+            <a:schemeClr val="phClr"/>
+          </a:solidFill>
+          <a:prstDash val="solid"/>
+          <a:miter lim="800000"/>
+        </a:ln>
+        <a:ln w="12700" cap="flat" cmpd="sng" algn="ctr">
+          <a:solidFill>
+            <a:schemeClr val="phClr"/>
+          </a:solidFill>
+          <a:prstDash val="solid"/>
+          <a:miter lim="800000"/>
+        </a:ln>
+        <a:ln w="19050" cap="flat" cmpd="sng" algn="ctr">
+          <a:solidFill>
+            <a:schemeClr val="phClr"/>
+          </a:solidFill>
+          <a:prstDash val="solid"/>
+          <a:miter lim="800000"/>
+        </a:ln>
+      </a:lnStyleLst>
+      <a:effectStyleLst>
+        <a:effectStyle>
+          <a:effectLst/>
+        </a:effectStyle>
+        <a:effectStyle>
+          <a:effectLst/>
+        </a:effectStyle>
+        <a:effectStyle>
+          <a:effectLst>
+            <a:outerShdw blurRad="57150" dist="19050" dir="5400000" algn="ctr" rotWithShape="0">
+              <a:srgbClr val="000000">
+                <a:alpha val="63000"/>
+              </a:srgbClr>
+            </a:outerShdw>
+          </a:effectLst>
+        </a:effectStyle>
+      </a:effectStyleLst>
+      <a:bgFillStyleLst>
+        <a:solidFill>
+          <a:schemeClr val="phClr"/>
+        </a:solidFill>
+        <a:solidFill>
+          <a:schemeClr val="phClr">
+            <a:tint val="95000"/>
+            <a:satMod val="170000"/>
+          </a:schemeClr>
+        </a:solidFill>
+        <a:gradFill rotWithShape="1">
+          <a:gsLst>
+            <a:gs pos="0">
+              <a:schemeClr val="phClr">
+                <a:tint val="93000"/>
+                <a:satMod val="150000"/>
+                <a:shade val="98000"/>
+                <a:lumMod val="102000"/>
+              </a:schemeClr>
+            </a:gs>
+            <a:gs pos="50000">
+              <a:schemeClr val="phClr">
+                <a:tint val="98000"/>
+                <a:satMod val="130000"/>
+                <a:shade val="90000"/>
+                <a:lumMod val="103000"/>
+              </a:schemeClr>
+            </a:gs>
+            <a:gs pos="100000">
+              <a:schemeClr val="phClr">
+                <a:shade val="63000"/>
+                <a:satMod val="120000"/>
+              </a:schemeClr>
+            </a:gs>
+          </a:gsLst>
+          <a:lin ang="5400000" scaled="0"/>
+        </a:gradFill>
+      </a:bgFillStyleLst>
+    </a:fmtScheme>
+  </a:themeElements>
+  <a:objectDefaults/>
+  <a:extraClrSchemeLst/>
+  <a:extLst>
+    <a:ext uri="{05A4C25C-085E-4340-85A3-A5531E510DB2}">
+      <thm15:themeFamily xmlns:thm15="http://schemas.microsoft.com/office/thememl/2012/main" name="Office Theme" id="{62F939B6-93AF-4DB8-9C6B-D6C7DFDC589F}" vid="{4A3C46E8-61CC-4603-A589-7422A47A8E4A}"/>
+    </a:ext>
+  </a:extLst>
+</a:theme>
+</file>
+
 <file path=customXml/item1.xml><?xml version="1.0" encoding="utf-8"?>
+<p:properties xmlns:p="http://schemas.microsoft.com/office/2006/metadata/properties" xmlns:xsi="http://www.w3.org/2001/XMLSchema-instance" xmlns:pc="http://schemas.microsoft.com/office/infopath/2007/PartnerControls">
+  <documentManagement/>
+</p:properties>
+</file>
+
+<file path=customXml/item2.xml><?xml version="1.0" encoding="utf-8"?>
 <?mso-contentType ?>
 <FormTemplates xmlns="http://schemas.microsoft.com/sharepoint/v3/contenttype/forms">
   <Display>DocumentLibraryForm</Display>
   <Edit>DocumentLibraryForm</Edit>
   <New>DocumentLibraryForm</New>
 </FormTemplates>
-</file>
-
-<file path=customXml/item2.xml><?xml version="1.0" encoding="utf-8"?>
-<p:properties xmlns:p="http://schemas.microsoft.com/office/2006/metadata/properties" xmlns:xsi="http://www.w3.org/2001/XMLSchema-instance" xmlns:pc="http://schemas.microsoft.com/office/infopath/2007/PartnerControls">
-  <documentManagement/>
-</p:properties>
 </file>
 
 <file path=customXml/item3.xml><?xml version="1.0" encoding="utf-8"?>
@@ -21028,14 +21775,6 @@
 </file>
 
 <file path=customXml/itemProps1.xml><?xml version="1.0" encoding="utf-8"?>
-<ds:datastoreItem xmlns:ds="http://schemas.openxmlformats.org/officeDocument/2006/customXml" ds:itemID="{50840CD4-151D-4EB0-B019-56A60DEADF67}">
-  <ds:schemaRefs>
-    <ds:schemaRef ds:uri="http://schemas.microsoft.com/sharepoint/v3/contenttype/forms"/>
-  </ds:schemaRefs>
-</ds:datastoreItem>
-</file>
-
-<file path=customXml/itemProps2.xml><?xml version="1.0" encoding="utf-8"?>
 <ds:datastoreItem xmlns:ds="http://schemas.openxmlformats.org/officeDocument/2006/customXml" ds:itemID="{9C219F95-6B43-40D3-B82B-9222DC3D5400}">
   <ds:schemaRefs>
     <ds:schemaRef ds:uri="c337042d-1629-4b4f-b38b-20e2dbf6aed7"/>
@@ -21048,6 +21787,14 @@
     <ds:schemaRef ds:uri="0291926e-7f6f-40e6-b2cd-618d734b3849"/>
     <ds:schemaRef ds:uri="http://www.w3.org/XML/1998/namespace"/>
     <ds:schemaRef ds:uri="http://purl.org/dc/elements/1.1/"/>
+  </ds:schemaRefs>
+</ds:datastoreItem>
+</file>
+
+<file path=customXml/itemProps2.xml><?xml version="1.0" encoding="utf-8"?>
+<ds:datastoreItem xmlns:ds="http://schemas.openxmlformats.org/officeDocument/2006/customXml" ds:itemID="{50840CD4-151D-4EB0-B019-56A60DEADF67}">
+  <ds:schemaRefs>
+    <ds:schemaRef ds:uri="http://schemas.microsoft.com/sharepoint/v3/contenttype/forms"/>
   </ds:schemaRefs>
 </ds:datastoreItem>
 </file>

--- a/TDK prezi.pptx
+++ b/TDK prezi.pptx
@@ -5,7 +5,7 @@
     <p:sldMasterId id="2147483712" r:id="rId4"/>
   </p:sldMasterIdLst>
   <p:notesMasterIdLst>
-    <p:notesMasterId r:id="rId24"/>
+    <p:notesMasterId r:id="rId25"/>
   </p:notesMasterIdLst>
   <p:sldIdLst>
     <p:sldId id="256" r:id="rId5"/>
@@ -27,6 +27,7 @@
     <p:sldId id="329" r:id="rId21"/>
     <p:sldId id="332" r:id="rId22"/>
     <p:sldId id="331" r:id="rId23"/>
+    <p:sldId id="334" r:id="rId24"/>
   </p:sldIdLst>
   <p:sldSz cx="12192000" cy="6858000"/>
   <p:notesSz cx="6858000" cy="9144000"/>
@@ -534,7 +535,18 @@
           <a:bodyPr/>
           <a:lstStyle/>
           <a:p>
-            <a:endParaRPr lang="hu-HU" dirty="0"/>
+            <a:r>
+              <a:rPr lang="hu-HU" dirty="0"/>
+              <a:t>A </a:t>
+            </a:r>
+            <a:r>
+              <a:rPr lang="hu-HU" dirty="0" err="1"/>
+              <a:t>Sankey</a:t>
+            </a:r>
+            <a:r>
+              <a:rPr lang="hu-HU" dirty="0"/>
+              <a:t>-diagramok olyan folyamatábrák, amelyekben az ábrázolt folyamok szélessége arányos a megfelelő folyamértékekkel.</a:t>
+            </a:r>
           </a:p>
         </p:txBody>
       </p:sp>
@@ -555,6 +567,192 @@
           <a:p>
             <a:fld id="{908EB5CB-5DE1-4EAD-B98D-446173F8893A}" type="slidenum">
               <a:rPr lang="hu-HU" smtClean="0"/>
+              <a:t>7</a:t>
+            </a:fld>
+            <a:endParaRPr lang="hu-HU"/>
+          </a:p>
+        </p:txBody>
+      </p:sp>
+    </p:spTree>
+    <p:extLst>
+      <p:ext uri="{BB962C8B-B14F-4D97-AF65-F5344CB8AC3E}">
+        <p14:creationId xmlns:p14="http://schemas.microsoft.com/office/powerpoint/2010/main" val="3825866737"/>
+      </p:ext>
+    </p:extLst>
+  </p:cSld>
+  <p:clrMapOvr>
+    <a:masterClrMapping/>
+  </p:clrMapOvr>
+</p:notes>
+</file>
+
+<file path=ppt/notesSlides/notesSlide2.xml><?xml version="1.0" encoding="utf-8"?>
+<p:notes xmlns:a="http://schemas.openxmlformats.org/drawingml/2006/main" xmlns:r="http://schemas.openxmlformats.org/officeDocument/2006/relationships" xmlns:p="http://schemas.openxmlformats.org/presentationml/2006/main">
+  <p:cSld>
+    <p:spTree>
+      <p:nvGrpSpPr>
+        <p:cNvPr id="1" name=""/>
+        <p:cNvGrpSpPr/>
+        <p:nvPr/>
+      </p:nvGrpSpPr>
+      <p:grpSpPr>
+        <a:xfrm>
+          <a:off x="0" y="0"/>
+          <a:ext cx="0" cy="0"/>
+          <a:chOff x="0" y="0"/>
+          <a:chExt cx="0" cy="0"/>
+        </a:xfrm>
+      </p:grpSpPr>
+      <p:sp>
+        <p:nvSpPr>
+          <p:cNvPr id="2" name="Diakép helye 1"/>
+          <p:cNvSpPr>
+            <a:spLocks noGrp="1" noRot="1" noChangeAspect="1"/>
+          </p:cNvSpPr>
+          <p:nvPr>
+            <p:ph type="sldImg"/>
+          </p:nvPr>
+        </p:nvSpPr>
+        <p:spPr/>
+      </p:sp>
+      <p:sp>
+        <p:nvSpPr>
+          <p:cNvPr id="3" name="Jegyzetek helye 2"/>
+          <p:cNvSpPr>
+            <a:spLocks noGrp="1"/>
+          </p:cNvSpPr>
+          <p:nvPr>
+            <p:ph type="body" idx="1"/>
+          </p:nvPr>
+        </p:nvSpPr>
+        <p:spPr/>
+        <p:txBody>
+          <a:bodyPr/>
+          <a:lstStyle/>
+          <a:p>
+            <a:r>
+              <a:rPr lang="hu-HU" dirty="0" err="1"/>
+              <a:t>Dbscan</a:t>
+            </a:r>
+            <a:r>
+              <a:rPr lang="hu-HU" dirty="0"/>
+              <a:t>: sűrűség alapú, magpont: sűrű részben lévő pont, határpont: magponthoz közeli, de nem sűrű részben lévő pont, </a:t>
+            </a:r>
+            <a:r>
+              <a:rPr lang="hu-HU" dirty="0" err="1"/>
+              <a:t>outlier</a:t>
+            </a:r>
+            <a:r>
+              <a:rPr lang="hu-HU" dirty="0"/>
+              <a:t>: egyik sem a kettő közül.</a:t>
+            </a:r>
+          </a:p>
+        </p:txBody>
+      </p:sp>
+      <p:sp>
+        <p:nvSpPr>
+          <p:cNvPr id="4" name="Dia számának helye 3"/>
+          <p:cNvSpPr>
+            <a:spLocks noGrp="1"/>
+          </p:cNvSpPr>
+          <p:nvPr>
+            <p:ph type="sldNum" sz="quarter" idx="5"/>
+          </p:nvPr>
+        </p:nvSpPr>
+        <p:spPr/>
+        <p:txBody>
+          <a:bodyPr/>
+          <a:lstStyle/>
+          <a:p>
+            <a:fld id="{908EB5CB-5DE1-4EAD-B98D-446173F8893A}" type="slidenum">
+              <a:rPr lang="hu-HU" smtClean="0"/>
+              <a:t>10</a:t>
+            </a:fld>
+            <a:endParaRPr lang="hu-HU"/>
+          </a:p>
+        </p:txBody>
+      </p:sp>
+    </p:spTree>
+    <p:extLst>
+      <p:ext uri="{BB962C8B-B14F-4D97-AF65-F5344CB8AC3E}">
+        <p14:creationId xmlns:p14="http://schemas.microsoft.com/office/powerpoint/2010/main" val="1918375686"/>
+      </p:ext>
+    </p:extLst>
+  </p:cSld>
+  <p:clrMapOvr>
+    <a:masterClrMapping/>
+  </p:clrMapOvr>
+</p:notes>
+</file>
+
+<file path=ppt/notesSlides/notesSlide3.xml><?xml version="1.0" encoding="utf-8"?>
+<p:notes xmlns:a="http://schemas.openxmlformats.org/drawingml/2006/main" xmlns:r="http://schemas.openxmlformats.org/officeDocument/2006/relationships" xmlns:p="http://schemas.openxmlformats.org/presentationml/2006/main">
+  <p:cSld>
+    <p:spTree>
+      <p:nvGrpSpPr>
+        <p:cNvPr id="1" name=""/>
+        <p:cNvGrpSpPr/>
+        <p:nvPr/>
+      </p:nvGrpSpPr>
+      <p:grpSpPr>
+        <a:xfrm>
+          <a:off x="0" y="0"/>
+          <a:ext cx="0" cy="0"/>
+          <a:chOff x="0" y="0"/>
+          <a:chExt cx="0" cy="0"/>
+        </a:xfrm>
+      </p:grpSpPr>
+      <p:sp>
+        <p:nvSpPr>
+          <p:cNvPr id="2" name="Diakép helye 1"/>
+          <p:cNvSpPr>
+            <a:spLocks noGrp="1" noRot="1" noChangeAspect="1"/>
+          </p:cNvSpPr>
+          <p:nvPr>
+            <p:ph type="sldImg"/>
+          </p:nvPr>
+        </p:nvSpPr>
+        <p:spPr/>
+      </p:sp>
+      <p:sp>
+        <p:nvSpPr>
+          <p:cNvPr id="3" name="Jegyzetek helye 2"/>
+          <p:cNvSpPr>
+            <a:spLocks noGrp="1"/>
+          </p:cNvSpPr>
+          <p:nvPr>
+            <p:ph type="body" idx="1"/>
+          </p:nvPr>
+        </p:nvSpPr>
+        <p:spPr/>
+        <p:txBody>
+          <a:bodyPr/>
+          <a:lstStyle/>
+          <a:p>
+            <a:r>
+              <a:rPr lang="hu-HU" dirty="0"/>
+              <a:t>Tévesztési mátrixnál címkék jelentése</a:t>
+            </a:r>
+          </a:p>
+        </p:txBody>
+      </p:sp>
+      <p:sp>
+        <p:nvSpPr>
+          <p:cNvPr id="4" name="Dia számának helye 3"/>
+          <p:cNvSpPr>
+            <a:spLocks noGrp="1"/>
+          </p:cNvSpPr>
+          <p:nvPr>
+            <p:ph type="sldNum" sz="quarter" idx="5"/>
+          </p:nvPr>
+        </p:nvSpPr>
+        <p:spPr/>
+        <p:txBody>
+          <a:bodyPr/>
+          <a:lstStyle/>
+          <a:p>
+            <a:fld id="{908EB5CB-5DE1-4EAD-B98D-446173F8893A}" type="slidenum">
+              <a:rPr lang="hu-HU" smtClean="0"/>
               <a:t>14</a:t>
             </a:fld>
             <a:endParaRPr lang="hu-HU"/>
@@ -565,6 +763,93 @@
     <p:extLst>
       <p:ext uri="{BB962C8B-B14F-4D97-AF65-F5344CB8AC3E}">
         <p14:creationId xmlns:p14="http://schemas.microsoft.com/office/powerpoint/2010/main" val="2553071360"/>
+      </p:ext>
+    </p:extLst>
+  </p:cSld>
+  <p:clrMapOvr>
+    <a:masterClrMapping/>
+  </p:clrMapOvr>
+</p:notes>
+</file>
+
+<file path=ppt/notesSlides/notesSlide4.xml><?xml version="1.0" encoding="utf-8"?>
+<p:notes xmlns:a="http://schemas.openxmlformats.org/drawingml/2006/main" xmlns:r="http://schemas.openxmlformats.org/officeDocument/2006/relationships" xmlns:p="http://schemas.openxmlformats.org/presentationml/2006/main">
+  <p:cSld>
+    <p:spTree>
+      <p:nvGrpSpPr>
+        <p:cNvPr id="1" name=""/>
+        <p:cNvGrpSpPr/>
+        <p:nvPr/>
+      </p:nvGrpSpPr>
+      <p:grpSpPr>
+        <a:xfrm>
+          <a:off x="0" y="0"/>
+          <a:ext cx="0" cy="0"/>
+          <a:chOff x="0" y="0"/>
+          <a:chExt cx="0" cy="0"/>
+        </a:xfrm>
+      </p:grpSpPr>
+      <p:sp>
+        <p:nvSpPr>
+          <p:cNvPr id="2" name="Diakép helye 1"/>
+          <p:cNvSpPr>
+            <a:spLocks noGrp="1" noRot="1" noChangeAspect="1"/>
+          </p:cNvSpPr>
+          <p:nvPr>
+            <p:ph type="sldImg"/>
+          </p:nvPr>
+        </p:nvSpPr>
+        <p:spPr/>
+      </p:sp>
+      <p:sp>
+        <p:nvSpPr>
+          <p:cNvPr id="3" name="Jegyzetek helye 2"/>
+          <p:cNvSpPr>
+            <a:spLocks noGrp="1"/>
+          </p:cNvSpPr>
+          <p:nvPr>
+            <p:ph type="body" idx="1"/>
+          </p:nvPr>
+        </p:nvSpPr>
+        <p:spPr/>
+        <p:txBody>
+          <a:bodyPr/>
+          <a:lstStyle/>
+          <a:p>
+            <a:r>
+              <a:rPr lang="hu-HU" dirty="0"/>
+              <a:t>Kauzalitás – korreláció ; magabiztosabb hallgatók ; több változó vizsgálata</a:t>
+            </a:r>
+          </a:p>
+        </p:txBody>
+      </p:sp>
+      <p:sp>
+        <p:nvSpPr>
+          <p:cNvPr id="4" name="Dia számának helye 3"/>
+          <p:cNvSpPr>
+            <a:spLocks noGrp="1"/>
+          </p:cNvSpPr>
+          <p:nvPr>
+            <p:ph type="sldNum" sz="quarter" idx="5"/>
+          </p:nvPr>
+        </p:nvSpPr>
+        <p:spPr/>
+        <p:txBody>
+          <a:bodyPr/>
+          <a:lstStyle/>
+          <a:p>
+            <a:fld id="{908EB5CB-5DE1-4EAD-B98D-446173F8893A}" type="slidenum">
+              <a:rPr lang="hu-HU" smtClean="0"/>
+              <a:t>15</a:t>
+            </a:fld>
+            <a:endParaRPr lang="hu-HU"/>
+          </a:p>
+        </p:txBody>
+      </p:sp>
+    </p:spTree>
+    <p:extLst>
+      <p:ext uri="{BB962C8B-B14F-4D97-AF65-F5344CB8AC3E}">
+        <p14:creationId xmlns:p14="http://schemas.microsoft.com/office/powerpoint/2010/main" val="2462153350"/>
       </p:ext>
     </p:extLst>
   </p:cSld>
@@ -16686,16 +16971,13 @@
             <a:pPr lvl="1"/>
             <a:r>
               <a:rPr lang="hu-HU" dirty="0"/>
-              <a:t>Nem csökkenthető a dimenzió, PCA-</a:t>
+              <a:t>Nem javítható az eredmény PCA-</a:t>
             </a:r>
             <a:r>
               <a:rPr lang="hu-HU" dirty="0" err="1"/>
               <a:t>val</a:t>
             </a:r>
-            <a:r>
-              <a:rPr lang="hu-HU" dirty="0"/>
-              <a:t> sem</a:t>
-            </a:r>
+            <a:endParaRPr lang="hu-HU" dirty="0"/>
           </a:p>
           <a:p>
             <a:pPr lvl="1"/>
@@ -16747,7 +17029,7 @@
           <p:nvPr/>
         </p:nvPicPr>
         <p:blipFill>
-          <a:blip r:embed="rId2">
+          <a:blip r:embed="rId3">
             <a:extLst>
               <a:ext uri="{28A0092B-C50C-407E-A947-70E740481C1C}">
                 <a14:useLocalDpi xmlns:a14="http://schemas.microsoft.com/office/drawing/2010/main" val="0"/>
@@ -17989,7 +18271,7 @@
           </p:nvPr>
         </p:nvPicPr>
         <p:blipFill>
-          <a:blip r:embed="rId2">
+          <a:blip r:embed="rId3">
             <a:extLst>
               <a:ext uri="{28A0092B-C50C-407E-A947-70E740481C1C}">
                 <a14:useLocalDpi xmlns:a14="http://schemas.microsoft.com/office/drawing/2010/main" val="0"/>
@@ -18214,8 +18496,8 @@
           </a:prstGeom>
         </p:spPr>
       </p:pic>
-      <mc:AlternateContent xmlns:mc="http://schemas.openxmlformats.org/markup-compatibility/2006" xmlns:a14="http://schemas.microsoft.com/office/drawing/2010/main">
-        <mc:Choice Requires="a14">
+      <mc:AlternateContent xmlns:mc="http://schemas.openxmlformats.org/markup-compatibility/2006">
+        <mc:Choice xmlns:a14="http://schemas.microsoft.com/office/drawing/2010/main" Requires="a14">
           <p:graphicFrame>
             <p:nvGraphicFramePr>
               <p:cNvPr id="18" name="Table 18">
@@ -18231,7 +18513,7 @@
               <p:nvPr>
                 <p:extLst>
                   <p:ext uri="{D42A27DB-BD31-4B8C-83A1-F6EECF244321}">
-                    <p14:modId xmlns:p14="http://schemas.microsoft.com/office/powerpoint/2010/main" val="3351284838"/>
+                    <p14:modId xmlns:p14="http://schemas.microsoft.com/office/powerpoint/2010/main" val="72349002"/>
                   </p:ext>
                 </p:extLst>
               </p:nvPr>
@@ -18351,10 +18633,10 @@
                         <a:p>
                           <a:pPr algn="ctr"/>
                           <a:r>
-                            <a:rPr lang="hu-HU" dirty="0"/>
+                            <a:rPr lang="hu-HU" b="1" dirty="0"/>
                             <a:t>0.3455</a:t>
                           </a:r>
-                          <a:endParaRPr lang="en-GB" dirty="0"/>
+                          <a:endParaRPr lang="en-GB" b="1" dirty="0"/>
                         </a:p>
                       </a:txBody>
                       <a:tcPr/>
@@ -18433,10 +18715,10 @@
                         <a:p>
                           <a:pPr algn="ctr"/>
                           <a:r>
-                            <a:rPr lang="hu-HU" dirty="0"/>
+                            <a:rPr lang="hu-HU" b="1" dirty="0"/>
                             <a:t>0.5465</a:t>
                           </a:r>
-                          <a:endParaRPr lang="en-GB" dirty="0"/>
+                          <a:endParaRPr lang="en-GB" b="1" dirty="0"/>
                         </a:p>
                       </a:txBody>
                       <a:tcPr/>
@@ -18467,7 +18749,7 @@
             </a:graphic>
           </p:graphicFrame>
         </mc:Choice>
-        <mc:Fallback xmlns="">
+        <mc:Fallback>
           <p:graphicFrame>
             <p:nvGraphicFramePr>
               <p:cNvPr id="18" name="Table 18">
@@ -18483,7 +18765,7 @@
               <p:nvPr>
                 <p:extLst>
                   <p:ext uri="{D42A27DB-BD31-4B8C-83A1-F6EECF244321}">
-                    <p14:modId xmlns:p14="http://schemas.microsoft.com/office/powerpoint/2010/main" val="3351284838"/>
+                    <p14:modId xmlns:p14="http://schemas.microsoft.com/office/powerpoint/2010/main" val="72349002"/>
                   </p:ext>
                 </p:extLst>
               </p:nvPr>
@@ -18575,7 +18857,7 @@
                         <a:bodyPr/>
                         <a:lstStyle/>
                         <a:p>
-                          <a:endParaRPr lang="en-US"/>
+                          <a:endParaRPr lang="hu-HU"/>
                         </a:p>
                       </a:txBody>
                       <a:tcPr>
@@ -18594,10 +18876,10 @@
                         <a:p>
                           <a:pPr algn="ctr"/>
                           <a:r>
-                            <a:rPr lang="hu-HU" dirty="0"/>
+                            <a:rPr lang="hu-HU" b="1" dirty="0"/>
                             <a:t>0.3455</a:t>
                           </a:r>
-                          <a:endParaRPr lang="en-GB" dirty="0"/>
+                          <a:endParaRPr lang="en-GB" b="1" dirty="0"/>
                         </a:p>
                       </a:txBody>
                       <a:tcPr/>
@@ -18629,7 +18911,7 @@
                         <a:bodyPr/>
                         <a:lstStyle/>
                         <a:p>
-                          <a:endParaRPr lang="en-US"/>
+                          <a:endParaRPr lang="hu-HU"/>
                         </a:p>
                       </a:txBody>
                       <a:tcPr>
@@ -18648,10 +18930,10 @@
                         <a:p>
                           <a:pPr algn="ctr"/>
                           <a:r>
-                            <a:rPr lang="hu-HU" dirty="0"/>
+                            <a:rPr lang="hu-HU" b="1" dirty="0"/>
                             <a:t>0.5465</a:t>
                           </a:r>
-                          <a:endParaRPr lang="en-GB" dirty="0"/>
+                          <a:endParaRPr lang="en-GB" b="1" dirty="0"/>
                         </a:p>
                       </a:txBody>
                       <a:tcPr/>
@@ -18683,8 +18965,8 @@
           </p:graphicFrame>
         </mc:Fallback>
       </mc:AlternateContent>
-      <mc:AlternateContent xmlns:mc="http://schemas.openxmlformats.org/markup-compatibility/2006" xmlns:a14="http://schemas.microsoft.com/office/drawing/2010/main">
-        <mc:Choice Requires="a14">
+      <mc:AlternateContent xmlns:mc="http://schemas.openxmlformats.org/markup-compatibility/2006">
+        <mc:Choice xmlns:a14="http://schemas.microsoft.com/office/drawing/2010/main" Requires="a14">
           <p:graphicFrame>
             <p:nvGraphicFramePr>
               <p:cNvPr id="19" name="Table 18">
@@ -18700,7 +18982,7 @@
               <p:nvPr>
                 <p:extLst>
                   <p:ext uri="{D42A27DB-BD31-4B8C-83A1-F6EECF244321}">
-                    <p14:modId xmlns:p14="http://schemas.microsoft.com/office/powerpoint/2010/main" val="605280621"/>
+                    <p14:modId xmlns:p14="http://schemas.microsoft.com/office/powerpoint/2010/main" val="3034680814"/>
                   </p:ext>
                 </p:extLst>
               </p:nvPr>
@@ -18820,10 +19102,10 @@
                         <a:p>
                           <a:pPr algn="ctr"/>
                           <a:r>
-                            <a:rPr lang="hu-HU" dirty="0"/>
+                            <a:rPr lang="hu-HU" b="1" dirty="0"/>
                             <a:t>0.3059</a:t>
                           </a:r>
-                          <a:endParaRPr lang="en-GB" dirty="0"/>
+                          <a:endParaRPr lang="en-GB" b="1" dirty="0"/>
                         </a:p>
                       </a:txBody>
                       <a:tcPr/>
@@ -18902,10 +19184,10 @@
                         <a:p>
                           <a:pPr algn="ctr"/>
                           <a:r>
-                            <a:rPr lang="hu-HU" dirty="0"/>
+                            <a:rPr lang="hu-HU" b="1" dirty="0"/>
                             <a:t>0.7485</a:t>
                           </a:r>
-                          <a:endParaRPr lang="en-GB" dirty="0"/>
+                          <a:endParaRPr lang="en-GB" b="1" dirty="0"/>
                         </a:p>
                       </a:txBody>
                       <a:tcPr/>
@@ -18936,7 +19218,7 @@
             </a:graphic>
           </p:graphicFrame>
         </mc:Choice>
-        <mc:Fallback xmlns="">
+        <mc:Fallback>
           <p:graphicFrame>
             <p:nvGraphicFramePr>
               <p:cNvPr id="19" name="Table 18">
@@ -18952,7 +19234,7 @@
               <p:nvPr>
                 <p:extLst>
                   <p:ext uri="{D42A27DB-BD31-4B8C-83A1-F6EECF244321}">
-                    <p14:modId xmlns:p14="http://schemas.microsoft.com/office/powerpoint/2010/main" val="605280621"/>
+                    <p14:modId xmlns:p14="http://schemas.microsoft.com/office/powerpoint/2010/main" val="3034680814"/>
                   </p:ext>
                 </p:extLst>
               </p:nvPr>
@@ -19044,7 +19326,7 @@
                         <a:bodyPr/>
                         <a:lstStyle/>
                         <a:p>
-                          <a:endParaRPr lang="en-US"/>
+                          <a:endParaRPr lang="hu-HU"/>
                         </a:p>
                       </a:txBody>
                       <a:tcPr>
@@ -19063,10 +19345,10 @@
                         <a:p>
                           <a:pPr algn="ctr"/>
                           <a:r>
-                            <a:rPr lang="hu-HU" dirty="0"/>
+                            <a:rPr lang="hu-HU" b="1" dirty="0"/>
                             <a:t>0.3059</a:t>
                           </a:r>
-                          <a:endParaRPr lang="en-GB" dirty="0"/>
+                          <a:endParaRPr lang="en-GB" b="1" dirty="0"/>
                         </a:p>
                       </a:txBody>
                       <a:tcPr/>
@@ -19098,7 +19380,7 @@
                         <a:bodyPr/>
                         <a:lstStyle/>
                         <a:p>
-                          <a:endParaRPr lang="en-US"/>
+                          <a:endParaRPr lang="hu-HU"/>
                         </a:p>
                       </a:txBody>
                       <a:tcPr>
@@ -19117,10 +19399,10 @@
                         <a:p>
                           <a:pPr algn="ctr"/>
                           <a:r>
-                            <a:rPr lang="hu-HU" dirty="0"/>
+                            <a:rPr lang="hu-HU" b="1" dirty="0"/>
                             <a:t>0.7485</a:t>
                           </a:r>
-                          <a:endParaRPr lang="en-GB" dirty="0"/>
+                          <a:endParaRPr lang="en-GB" b="1" dirty="0"/>
                         </a:p>
                       </a:txBody>
                       <a:tcPr/>
@@ -19262,7 +19544,7 @@
             </a:r>
             <a:r>
               <a:rPr lang="hu-HU" b="1" dirty="0" err="1"/>
-              <a:t>Boosting</a:t>
+              <a:t>Tree</a:t>
             </a:r>
             <a:r>
               <a:rPr lang="hu-HU" b="1" dirty="0"/>
@@ -19270,7 +19552,7 @@
             </a:r>
             <a:r>
               <a:rPr lang="hu-HU" b="1" dirty="0" err="1"/>
-              <a:t>Tree</a:t>
+              <a:t>Boosting</a:t>
             </a:r>
             <a:endParaRPr lang="en-GB" b="1" dirty="0"/>
           </a:p>
@@ -19502,7 +19784,12 @@
             <p:ph type="title"/>
           </p:nvPr>
         </p:nvSpPr>
-        <p:spPr/>
+        <p:spPr>
+          <a:xfrm>
+            <a:off x="691079" y="499920"/>
+            <a:ext cx="10325000" cy="1442463"/>
+          </a:xfrm>
+        </p:spPr>
         <p:txBody>
           <a:bodyPr/>
           <a:lstStyle/>
@@ -19531,7 +19818,12 @@
             <p:ph idx="1"/>
           </p:nvPr>
         </p:nvSpPr>
-        <p:spPr/>
+        <p:spPr>
+          <a:xfrm>
+            <a:off x="691079" y="1942383"/>
+            <a:ext cx="10325000" cy="3564436"/>
+          </a:xfrm>
+        </p:spPr>
         <p:txBody>
           <a:bodyPr/>
           <a:lstStyle/>
@@ -19540,28 +19832,34 @@
           </a:p>
           <a:p>
             <a:r>
-              <a:rPr lang="hu-HU" sz="2100" dirty="0"/>
+              <a:rPr lang="hu-HU" sz="2400" dirty="0"/>
               <a:t>Új változók és több adatpont hozzávételével teljesítmény javítása</a:t>
             </a:r>
           </a:p>
           <a:p>
             <a:r>
-              <a:rPr lang="hu-HU" sz="2100" dirty="0"/>
+              <a:rPr lang="hu-HU" sz="2400" dirty="0"/>
               <a:t>Modellezési stratégiák bővítése</a:t>
             </a:r>
           </a:p>
           <a:p>
             <a:r>
-              <a:rPr lang="hu-HU" sz="2100" dirty="0"/>
+              <a:rPr lang="hu-HU" sz="2400" dirty="0"/>
               <a:t>Eredmények egyetem- és hallgatóbarát felhasználása</a:t>
             </a:r>
           </a:p>
           <a:p>
             <a:r>
-              <a:rPr lang="hu-HU" sz="2100" dirty="0"/>
+              <a:rPr lang="hu-HU" sz="2400" dirty="0"/>
               <a:t>Más típusú tanulmányi teszteken ugyanezen algoritmusok kipróbálása</a:t>
             </a:r>
-            <a:endParaRPr lang="en-GB" dirty="0"/>
+          </a:p>
+          <a:p>
+            <a:r>
+              <a:rPr lang="hu-HU" sz="2400" dirty="0"/>
+              <a:t>Nemzetközi publikáció</a:t>
+            </a:r>
+            <a:endParaRPr lang="en-GB" sz="2400" dirty="0"/>
           </a:p>
         </p:txBody>
       </p:sp>
@@ -19867,6 +20165,125 @@
 </p:sld>
 </file>
 
+<file path=ppt/slides/slide20.xml><?xml version="1.0" encoding="utf-8"?>
+<p:sld xmlns:a="http://schemas.openxmlformats.org/drawingml/2006/main" xmlns:r="http://schemas.openxmlformats.org/officeDocument/2006/relationships" xmlns:p="http://schemas.openxmlformats.org/presentationml/2006/main">
+  <p:cSld>
+    <p:spTree>
+      <p:nvGrpSpPr>
+        <p:cNvPr id="1" name=""/>
+        <p:cNvGrpSpPr/>
+        <p:nvPr/>
+      </p:nvGrpSpPr>
+      <p:grpSpPr>
+        <a:xfrm>
+          <a:off x="0" y="0"/>
+          <a:ext cx="0" cy="0"/>
+          <a:chOff x="0" y="0"/>
+          <a:chExt cx="0" cy="0"/>
+        </a:xfrm>
+      </p:grpSpPr>
+      <p:sp>
+        <p:nvSpPr>
+          <p:cNvPr id="2" name="Cím 1">
+            <a:extLst>
+              <a:ext uri="{FF2B5EF4-FFF2-40B4-BE49-F238E27FC236}">
+                <a16:creationId xmlns:a16="http://schemas.microsoft.com/office/drawing/2014/main" id="{EBD9393D-5213-11E8-EC18-01A089DF2B1A}"/>
+              </a:ext>
+            </a:extLst>
+          </p:cNvPr>
+          <p:cNvSpPr>
+            <a:spLocks noGrp="1"/>
+          </p:cNvSpPr>
+          <p:nvPr>
+            <p:ph type="title"/>
+          </p:nvPr>
+        </p:nvSpPr>
+        <p:spPr>
+          <a:xfrm>
+            <a:off x="691079" y="616449"/>
+            <a:ext cx="10325000" cy="1038257"/>
+          </a:xfrm>
+        </p:spPr>
+        <p:txBody>
+          <a:bodyPr/>
+          <a:lstStyle/>
+          <a:p>
+            <a:r>
+              <a:rPr lang="hu-HU" b="1" dirty="0"/>
+              <a:t>Bírálati kérdéshez</a:t>
+            </a:r>
+          </a:p>
+        </p:txBody>
+      </p:sp>
+      <p:sp>
+        <p:nvSpPr>
+          <p:cNvPr id="3" name="Tartalom helye 2">
+            <a:extLst>
+              <a:ext uri="{FF2B5EF4-FFF2-40B4-BE49-F238E27FC236}">
+                <a16:creationId xmlns:a16="http://schemas.microsoft.com/office/drawing/2014/main" id="{962A3994-B870-7EB2-6524-891EBC8D70E9}"/>
+              </a:ext>
+            </a:extLst>
+          </p:cNvPr>
+          <p:cNvSpPr>
+            <a:spLocks noGrp="1"/>
+          </p:cNvSpPr>
+          <p:nvPr>
+            <p:ph idx="1"/>
+          </p:nvPr>
+        </p:nvSpPr>
+        <p:spPr/>
+        <p:txBody>
+          <a:bodyPr>
+            <a:normAutofit/>
+          </a:bodyPr>
+          <a:lstStyle/>
+          <a:p>
+            <a:r>
+              <a:rPr lang="hu-HU" sz="3200" dirty="0"/>
+              <a:t>Több, mint egy éves kutatás</a:t>
+            </a:r>
+          </a:p>
+          <a:p>
+            <a:r>
+              <a:rPr lang="hu-HU" sz="3200" dirty="0"/>
+              <a:t>Jelentős adatelemzési tapasztalat</a:t>
+            </a:r>
+          </a:p>
+          <a:p>
+            <a:r>
+              <a:rPr lang="hu-HU" sz="3200" dirty="0" err="1"/>
+              <a:t>BSc</a:t>
+            </a:r>
+            <a:r>
+              <a:rPr lang="hu-HU" sz="3200" dirty="0"/>
+              <a:t> szakdolgozat és projektmunkák </a:t>
+            </a:r>
+          </a:p>
+          <a:p>
+            <a:r>
+              <a:rPr lang="hu-HU" sz="3200" dirty="0" err="1"/>
+              <a:t>HSDSLab</a:t>
+            </a:r>
+            <a:r>
+              <a:rPr lang="hu-HU" sz="3200" dirty="0"/>
+              <a:t>: szerződéses alkalmazottak</a:t>
+            </a:r>
+          </a:p>
+        </p:txBody>
+      </p:sp>
+    </p:spTree>
+    <p:extLst>
+      <p:ext uri="{BB962C8B-B14F-4D97-AF65-F5344CB8AC3E}">
+        <p14:creationId xmlns:p14="http://schemas.microsoft.com/office/powerpoint/2010/main" val="1576416939"/>
+      </p:ext>
+    </p:extLst>
+  </p:cSld>
+  <p:clrMapOvr>
+    <a:masterClrMapping/>
+  </p:clrMapOvr>
+</p:sld>
+</file>
+
 <file path=ppt/slides/slide3.xml><?xml version="1.0" encoding="utf-8"?>
 <p:sld xmlns:a="http://schemas.openxmlformats.org/drawingml/2006/main" xmlns:r="http://schemas.openxmlformats.org/officeDocument/2006/relationships" xmlns:p="http://schemas.openxmlformats.org/presentationml/2006/main">
   <p:cSld>
@@ -20116,7 +20533,14 @@
           <a:p>
             <a:r>
               <a:rPr lang="hu-HU" dirty="0"/>
-              <a:t>Cél: esetleges egyszerű viszonyok feltárása, adatok szemléltetése</a:t>
+              <a:t>Cél: esetleges egyszerű viszonyok feltárása, adatok szemléltetése és </a:t>
+            </a:r>
+            <a:br>
+              <a:rPr lang="hu-HU" dirty="0"/>
+            </a:br>
+            <a:r>
+              <a:rPr lang="hu-HU" dirty="0"/>
+              <a:t>összehasonlítása a két évben</a:t>
             </a:r>
           </a:p>
           <a:p>
@@ -20591,7 +21015,7 @@
           <p:nvPr/>
         </p:nvPicPr>
         <p:blipFill>
-          <a:blip r:embed="rId2">
+          <a:blip r:embed="rId3">
             <a:extLst>
               <a:ext uri="{28A0092B-C50C-407E-A947-70E740481C1C}">
                 <a14:useLocalDpi xmlns:a14="http://schemas.microsoft.com/office/drawing/2010/main" val="0"/>
@@ -21543,18 +21967,18 @@
 </file>
 
 <file path=customXml/item1.xml><?xml version="1.0" encoding="utf-8"?>
-<p:properties xmlns:p="http://schemas.microsoft.com/office/2006/metadata/properties" xmlns:xsi="http://www.w3.org/2001/XMLSchema-instance" xmlns:pc="http://schemas.microsoft.com/office/infopath/2007/PartnerControls">
-  <documentManagement/>
-</p:properties>
-</file>
-
-<file path=customXml/item2.xml><?xml version="1.0" encoding="utf-8"?>
 <?mso-contentType ?>
 <FormTemplates xmlns="http://schemas.microsoft.com/sharepoint/v3/contenttype/forms">
   <Display>DocumentLibraryForm</Display>
   <Edit>DocumentLibraryForm</Edit>
   <New>DocumentLibraryForm</New>
 </FormTemplates>
+</file>
+
+<file path=customXml/item2.xml><?xml version="1.0" encoding="utf-8"?>
+<p:properties xmlns:p="http://schemas.microsoft.com/office/2006/metadata/properties" xmlns:xsi="http://www.w3.org/2001/XMLSchema-instance" xmlns:pc="http://schemas.microsoft.com/office/infopath/2007/PartnerControls">
+  <documentManagement/>
+</p:properties>
 </file>
 
 <file path=customXml/item3.xml><?xml version="1.0" encoding="utf-8"?>
@@ -21775,6 +22199,14 @@
 </file>
 
 <file path=customXml/itemProps1.xml><?xml version="1.0" encoding="utf-8"?>
+<ds:datastoreItem xmlns:ds="http://schemas.openxmlformats.org/officeDocument/2006/customXml" ds:itemID="{50840CD4-151D-4EB0-B019-56A60DEADF67}">
+  <ds:schemaRefs>
+    <ds:schemaRef ds:uri="http://schemas.microsoft.com/sharepoint/v3/contenttype/forms"/>
+  </ds:schemaRefs>
+</ds:datastoreItem>
+</file>
+
+<file path=customXml/itemProps2.xml><?xml version="1.0" encoding="utf-8"?>
 <ds:datastoreItem xmlns:ds="http://schemas.openxmlformats.org/officeDocument/2006/customXml" ds:itemID="{9C219F95-6B43-40D3-B82B-9222DC3D5400}">
   <ds:schemaRefs>
     <ds:schemaRef ds:uri="c337042d-1629-4b4f-b38b-20e2dbf6aed7"/>
@@ -21787,14 +22219,6 @@
     <ds:schemaRef ds:uri="0291926e-7f6f-40e6-b2cd-618d734b3849"/>
     <ds:schemaRef ds:uri="http://www.w3.org/XML/1998/namespace"/>
     <ds:schemaRef ds:uri="http://purl.org/dc/elements/1.1/"/>
-  </ds:schemaRefs>
-</ds:datastoreItem>
-</file>
-
-<file path=customXml/itemProps2.xml><?xml version="1.0" encoding="utf-8"?>
-<ds:datastoreItem xmlns:ds="http://schemas.openxmlformats.org/officeDocument/2006/customXml" ds:itemID="{50840CD4-151D-4EB0-B019-56A60DEADF67}">
-  <ds:schemaRefs>
-    <ds:schemaRef ds:uri="http://schemas.microsoft.com/sharepoint/v3/contenttype/forms"/>
   </ds:schemaRefs>
 </ds:datastoreItem>
 </file>

--- a/TDK prezi.pptx
+++ b/TDK prezi.pptx
@@ -731,7 +731,13 @@
           <a:p>
             <a:r>
               <a:rPr lang="hu-HU" dirty="0"/>
-              <a:t>Tévesztési mátrixnál címkék jelentése</a:t>
+              <a:t>-Tévesztési mátrixnál címkék jelentése</a:t>
+            </a:r>
+          </a:p>
+          <a:p>
+            <a:r>
+              <a:rPr lang="hu-HU" dirty="0"/>
+              <a:t>- Először metrika, aztán táblázat</a:t>
             </a:r>
           </a:p>
         </p:txBody>
@@ -818,7 +824,21 @@
           <a:p>
             <a:r>
               <a:rPr lang="hu-HU" dirty="0"/>
-              <a:t>Kauzalitás – korreláció ; magabiztosabb hallgatók ; több változó vizsgálata</a:t>
+              <a:t>… fontosságokat is kinyertük, amikre azért van szükség, mert </a:t>
+            </a:r>
+            <a:r>
+              <a:rPr lang="hu-HU" dirty="0" err="1"/>
+              <a:t>leiró</a:t>
+            </a:r>
+            <a:r>
+              <a:rPr lang="hu-HU" dirty="0"/>
+              <a:t> ábrákkal a korrelációk ugyan megfigyelhetőek, viszont a kauzalitás nem feltétlen. </a:t>
+            </a:r>
+          </a:p>
+          <a:p>
+            <a:r>
+              <a:rPr lang="hu-HU" dirty="0"/>
+              <a:t>Egyes változók mit jelentenek (kognitív eredmény = nyelvi eredmény)</a:t>
             </a:r>
           </a:p>
         </p:txBody>
@@ -850,6 +870,94 @@
     <p:extLst>
       <p:ext uri="{BB962C8B-B14F-4D97-AF65-F5344CB8AC3E}">
         <p14:creationId xmlns:p14="http://schemas.microsoft.com/office/powerpoint/2010/main" val="2462153350"/>
+      </p:ext>
+    </p:extLst>
+  </p:cSld>
+  <p:clrMapOvr>
+    <a:masterClrMapping/>
+  </p:clrMapOvr>
+</p:notes>
+</file>
+
+<file path=ppt/notesSlides/notesSlide5.xml><?xml version="1.0" encoding="utf-8"?>
+<p:notes xmlns:a="http://schemas.openxmlformats.org/drawingml/2006/main" xmlns:r="http://schemas.openxmlformats.org/officeDocument/2006/relationships" xmlns:p="http://schemas.openxmlformats.org/presentationml/2006/main">
+  <p:cSld>
+    <p:spTree>
+      <p:nvGrpSpPr>
+        <p:cNvPr id="1" name=""/>
+        <p:cNvGrpSpPr/>
+        <p:nvPr/>
+      </p:nvGrpSpPr>
+      <p:grpSpPr>
+        <a:xfrm>
+          <a:off x="0" y="0"/>
+          <a:ext cx="0" cy="0"/>
+          <a:chOff x="0" y="0"/>
+          <a:chExt cx="0" cy="0"/>
+        </a:xfrm>
+      </p:grpSpPr>
+      <p:sp>
+        <p:nvSpPr>
+          <p:cNvPr id="2" name="Slide Image Placeholder 1"/>
+          <p:cNvSpPr>
+            <a:spLocks noGrp="1" noRot="1" noChangeAspect="1"/>
+          </p:cNvSpPr>
+          <p:nvPr>
+            <p:ph type="sldImg"/>
+          </p:nvPr>
+        </p:nvSpPr>
+        <p:spPr/>
+      </p:sp>
+      <p:sp>
+        <p:nvSpPr>
+          <p:cNvPr id="3" name="Notes Placeholder 2"/>
+          <p:cNvSpPr>
+            <a:spLocks noGrp="1"/>
+          </p:cNvSpPr>
+          <p:nvPr>
+            <p:ph type="body" idx="1"/>
+          </p:nvPr>
+        </p:nvSpPr>
+        <p:spPr/>
+        <p:txBody>
+          <a:bodyPr/>
+          <a:lstStyle/>
+          <a:p>
+            <a:r>
+              <a:rPr lang="hu-HU" dirty="0"/>
+              <a:t>Mérőszámok mik</a:t>
+            </a:r>
+            <a:endParaRPr lang="en-GB" dirty="0"/>
+          </a:p>
+        </p:txBody>
+      </p:sp>
+      <p:sp>
+        <p:nvSpPr>
+          <p:cNvPr id="4" name="Slide Number Placeholder 3"/>
+          <p:cNvSpPr>
+            <a:spLocks noGrp="1"/>
+          </p:cNvSpPr>
+          <p:nvPr>
+            <p:ph type="sldNum" sz="quarter" idx="5"/>
+          </p:nvPr>
+        </p:nvSpPr>
+        <p:spPr/>
+        <p:txBody>
+          <a:bodyPr/>
+          <a:lstStyle/>
+          <a:p>
+            <a:fld id="{908EB5CB-5DE1-4EAD-B98D-446173F8893A}" type="slidenum">
+              <a:rPr lang="hu-HU" smtClean="0"/>
+              <a:t>16</a:t>
+            </a:fld>
+            <a:endParaRPr lang="hu-HU"/>
+          </a:p>
+        </p:txBody>
+      </p:sp>
+    </p:spTree>
+    <p:extLst>
+      <p:ext uri="{BB962C8B-B14F-4D97-AF65-F5344CB8AC3E}">
+        <p14:creationId xmlns:p14="http://schemas.microsoft.com/office/powerpoint/2010/main" val="3612307738"/>
       </p:ext>
     </p:extLst>
   </p:cSld>
@@ -18370,7 +18478,7 @@
           </p:nvPr>
         </p:nvPicPr>
         <p:blipFill>
-          <a:blip r:embed="rId2">
+          <a:blip r:embed="rId3">
             <a:extLst>
               <a:ext uri="{28A0092B-C50C-407E-A947-70E740481C1C}">
                 <a14:useLocalDpi xmlns:a14="http://schemas.microsoft.com/office/drawing/2010/main" val="0"/>
@@ -18403,7 +18511,7 @@
           <p:nvPr/>
         </p:nvPicPr>
         <p:blipFill>
-          <a:blip r:embed="rId3">
+          <a:blip r:embed="rId4">
             <a:extLst>
               <a:ext uri="{28A0092B-C50C-407E-A947-70E740481C1C}">
                 <a14:useLocalDpi xmlns:a14="http://schemas.microsoft.com/office/drawing/2010/main" val="0"/>
@@ -18439,7 +18547,7 @@
           <p:nvPr/>
         </p:nvPicPr>
         <p:blipFill>
-          <a:blip r:embed="rId4">
+          <a:blip r:embed="rId5">
             <a:extLst>
               <a:ext uri="{28A0092B-C50C-407E-A947-70E740481C1C}">
                 <a14:useLocalDpi xmlns:a14="http://schemas.microsoft.com/office/drawing/2010/main" val="0"/>
@@ -18475,7 +18583,7 @@
           <p:nvPr/>
         </p:nvPicPr>
         <p:blipFill>
-          <a:blip r:embed="rId5">
+          <a:blip r:embed="rId6">
             <a:extLst>
               <a:ext uri="{28A0092B-C50C-407E-A947-70E740481C1C}">
                 <a14:useLocalDpi xmlns:a14="http://schemas.microsoft.com/office/drawing/2010/main" val="0"/>
@@ -18496,8 +18604,8 @@
           </a:prstGeom>
         </p:spPr>
       </p:pic>
-      <mc:AlternateContent xmlns:mc="http://schemas.openxmlformats.org/markup-compatibility/2006">
-        <mc:Choice xmlns:a14="http://schemas.microsoft.com/office/drawing/2010/main" Requires="a14">
+      <mc:AlternateContent xmlns:mc="http://schemas.openxmlformats.org/markup-compatibility/2006" xmlns:a14="http://schemas.microsoft.com/office/drawing/2010/main">
+        <mc:Choice Requires="a14">
           <p:graphicFrame>
             <p:nvGraphicFramePr>
               <p:cNvPr id="18" name="Table 18">
@@ -18749,7 +18857,7 @@
             </a:graphic>
           </p:graphicFrame>
         </mc:Choice>
-        <mc:Fallback>
+        <mc:Fallback xmlns="">
           <p:graphicFrame>
             <p:nvGraphicFramePr>
               <p:cNvPr id="18" name="Table 18">
@@ -18862,7 +18970,7 @@
                       </a:txBody>
                       <a:tcPr>
                         <a:blipFill>
-                          <a:blip r:embed="rId6"/>
+                          <a:blip r:embed="rId7"/>
                           <a:stretch>
                             <a:fillRect l="-500" t="-108197" r="-202500" b="-124590"/>
                           </a:stretch>
@@ -18916,7 +19024,7 @@
                       </a:txBody>
                       <a:tcPr>
                         <a:blipFill>
-                          <a:blip r:embed="rId6"/>
+                          <a:blip r:embed="rId7"/>
                           <a:stretch>
                             <a:fillRect l="-500" t="-208197" r="-202500" b="-24590"/>
                           </a:stretch>
@@ -18965,8 +19073,8 @@
           </p:graphicFrame>
         </mc:Fallback>
       </mc:AlternateContent>
-      <mc:AlternateContent xmlns:mc="http://schemas.openxmlformats.org/markup-compatibility/2006">
-        <mc:Choice xmlns:a14="http://schemas.microsoft.com/office/drawing/2010/main" Requires="a14">
+      <mc:AlternateContent xmlns:mc="http://schemas.openxmlformats.org/markup-compatibility/2006" xmlns:a14="http://schemas.microsoft.com/office/drawing/2010/main">
+        <mc:Choice Requires="a14">
           <p:graphicFrame>
             <p:nvGraphicFramePr>
               <p:cNvPr id="19" name="Table 18">
@@ -19218,7 +19326,7 @@
             </a:graphic>
           </p:graphicFrame>
         </mc:Choice>
-        <mc:Fallback>
+        <mc:Fallback xmlns="">
           <p:graphicFrame>
             <p:nvGraphicFramePr>
               <p:cNvPr id="19" name="Table 18">
@@ -19331,7 +19439,7 @@
                       </a:txBody>
                       <a:tcPr>
                         <a:blipFill>
-                          <a:blip r:embed="rId7"/>
+                          <a:blip r:embed="rId8"/>
                           <a:stretch>
                             <a:fillRect l="-500" t="-106452" r="-202500" b="-122581"/>
                           </a:stretch>
@@ -19385,7 +19493,7 @@
                       </a:txBody>
                       <a:tcPr>
                         <a:blipFill>
-                          <a:blip r:embed="rId7"/>
+                          <a:blip r:embed="rId8"/>
                           <a:stretch>
                             <a:fillRect l="-500" t="-209836" r="-202500" b="-24590"/>
                           </a:stretch>
@@ -21967,18 +22075,18 @@
 </file>
 
 <file path=customXml/item1.xml><?xml version="1.0" encoding="utf-8"?>
+<p:properties xmlns:p="http://schemas.microsoft.com/office/2006/metadata/properties" xmlns:xsi="http://www.w3.org/2001/XMLSchema-instance" xmlns:pc="http://schemas.microsoft.com/office/infopath/2007/PartnerControls">
+  <documentManagement/>
+</p:properties>
+</file>
+
+<file path=customXml/item2.xml><?xml version="1.0" encoding="utf-8"?>
 <?mso-contentType ?>
 <FormTemplates xmlns="http://schemas.microsoft.com/sharepoint/v3/contenttype/forms">
   <Display>DocumentLibraryForm</Display>
   <Edit>DocumentLibraryForm</Edit>
   <New>DocumentLibraryForm</New>
 </FormTemplates>
-</file>
-
-<file path=customXml/item2.xml><?xml version="1.0" encoding="utf-8"?>
-<p:properties xmlns:p="http://schemas.microsoft.com/office/2006/metadata/properties" xmlns:xsi="http://www.w3.org/2001/XMLSchema-instance" xmlns:pc="http://schemas.microsoft.com/office/infopath/2007/PartnerControls">
-  <documentManagement/>
-</p:properties>
 </file>
 
 <file path=customXml/item3.xml><?xml version="1.0" encoding="utf-8"?>
@@ -22199,14 +22307,6 @@
 </file>
 
 <file path=customXml/itemProps1.xml><?xml version="1.0" encoding="utf-8"?>
-<ds:datastoreItem xmlns:ds="http://schemas.openxmlformats.org/officeDocument/2006/customXml" ds:itemID="{50840CD4-151D-4EB0-B019-56A60DEADF67}">
-  <ds:schemaRefs>
-    <ds:schemaRef ds:uri="http://schemas.microsoft.com/sharepoint/v3/contenttype/forms"/>
-  </ds:schemaRefs>
-</ds:datastoreItem>
-</file>
-
-<file path=customXml/itemProps2.xml><?xml version="1.0" encoding="utf-8"?>
 <ds:datastoreItem xmlns:ds="http://schemas.openxmlformats.org/officeDocument/2006/customXml" ds:itemID="{9C219F95-6B43-40D3-B82B-9222DC3D5400}">
   <ds:schemaRefs>
     <ds:schemaRef ds:uri="c337042d-1629-4b4f-b38b-20e2dbf6aed7"/>
@@ -22219,6 +22319,14 @@
     <ds:schemaRef ds:uri="0291926e-7f6f-40e6-b2cd-618d734b3849"/>
     <ds:schemaRef ds:uri="http://www.w3.org/XML/1998/namespace"/>
     <ds:schemaRef ds:uri="http://purl.org/dc/elements/1.1/"/>
+  </ds:schemaRefs>
+</ds:datastoreItem>
+</file>
+
+<file path=customXml/itemProps2.xml><?xml version="1.0" encoding="utf-8"?>
+<ds:datastoreItem xmlns:ds="http://schemas.openxmlformats.org/officeDocument/2006/customXml" ds:itemID="{50840CD4-151D-4EB0-B019-56A60DEADF67}">
+  <ds:schemaRefs>
+    <ds:schemaRef ds:uri="http://schemas.microsoft.com/sharepoint/v3/contenttype/forms"/>
   </ds:schemaRefs>
 </ds:datastoreItem>
 </file>

--- a/TDK prezi.pptx
+++ b/TDK prezi.pptx
@@ -631,8 +631,16 @@
           <a:lstStyle/>
           <a:p>
             <a:r>
+              <a:rPr lang="hu-HU" dirty="0"/>
+              <a:t>K-közép: inicializál k db középpontot, minden pontot ahhoz a középponthoz rendeli, amelyikhez a legközelebb van, majd a csoportok középpontjait </a:t>
+            </a:r>
+            <a:r>
               <a:rPr lang="hu-HU" dirty="0" err="1"/>
-              <a:t>Dbscan</a:t>
+              <a:t>újraszámolja</a:t>
+            </a:r>
+            <a:r>
+              <a:rPr lang="hu-HU"/>
+              <a:t>. Dbscan</a:t>
             </a:r>
             <a:r>
               <a:rPr lang="hu-HU" dirty="0"/>
@@ -19816,26 +19824,14 @@
             </a:r>
             <a:r>
               <a:rPr lang="hu-HU" sz="2200" dirty="0"/>
-              <a:t> a tanulmányi és érettségi pontok</a:t>
-            </a:r>
-          </a:p>
-          <a:p>
-            <a:pPr>
-              <a:lnSpc>
-                <a:spcPct val="150000"/>
-              </a:lnSpc>
-            </a:pPr>
-            <a:r>
+              <a:t> a tanulmányi és érettségi pontok,</a:t>
+            </a:r>
+            <a:br>
               <a:rPr lang="hu-HU" sz="2200" dirty="0"/>
-              <a:t>Kevert / ”Black </a:t>
-            </a:r>
-            <a:r>
-              <a:rPr lang="hu-HU" sz="2200" dirty="0" err="1"/>
-              <a:t>box</a:t>
-            </a:r>
+            </a:br>
             <a:r>
               <a:rPr lang="hu-HU" sz="2200" dirty="0"/>
-              <a:t>” modellekkel potenciálisan jobb eredmény érhető el</a:t>
+              <a:t>a többi változó jelentősége elenyésző</a:t>
             </a:r>
           </a:p>
           <a:p>
@@ -22075,18 +22071,18 @@
 </file>
 
 <file path=customXml/item1.xml><?xml version="1.0" encoding="utf-8"?>
-<p:properties xmlns:p="http://schemas.microsoft.com/office/2006/metadata/properties" xmlns:xsi="http://www.w3.org/2001/XMLSchema-instance" xmlns:pc="http://schemas.microsoft.com/office/infopath/2007/PartnerControls">
-  <documentManagement/>
-</p:properties>
-</file>
-
-<file path=customXml/item2.xml><?xml version="1.0" encoding="utf-8"?>
 <?mso-contentType ?>
 <FormTemplates xmlns="http://schemas.microsoft.com/sharepoint/v3/contenttype/forms">
   <Display>DocumentLibraryForm</Display>
   <Edit>DocumentLibraryForm</Edit>
   <New>DocumentLibraryForm</New>
 </FormTemplates>
+</file>
+
+<file path=customXml/item2.xml><?xml version="1.0" encoding="utf-8"?>
+<p:properties xmlns:p="http://schemas.microsoft.com/office/2006/metadata/properties" xmlns:xsi="http://www.w3.org/2001/XMLSchema-instance" xmlns:pc="http://schemas.microsoft.com/office/infopath/2007/PartnerControls">
+  <documentManagement/>
+</p:properties>
 </file>
 
 <file path=customXml/item3.xml><?xml version="1.0" encoding="utf-8"?>
@@ -22307,6 +22303,14 @@
 </file>
 
 <file path=customXml/itemProps1.xml><?xml version="1.0" encoding="utf-8"?>
+<ds:datastoreItem xmlns:ds="http://schemas.openxmlformats.org/officeDocument/2006/customXml" ds:itemID="{50840CD4-151D-4EB0-B019-56A60DEADF67}">
+  <ds:schemaRefs>
+    <ds:schemaRef ds:uri="http://schemas.microsoft.com/sharepoint/v3/contenttype/forms"/>
+  </ds:schemaRefs>
+</ds:datastoreItem>
+</file>
+
+<file path=customXml/itemProps2.xml><?xml version="1.0" encoding="utf-8"?>
 <ds:datastoreItem xmlns:ds="http://schemas.openxmlformats.org/officeDocument/2006/customXml" ds:itemID="{9C219F95-6B43-40D3-B82B-9222DC3D5400}">
   <ds:schemaRefs>
     <ds:schemaRef ds:uri="c337042d-1629-4b4f-b38b-20e2dbf6aed7"/>
@@ -22319,14 +22323,6 @@
     <ds:schemaRef ds:uri="0291926e-7f6f-40e6-b2cd-618d734b3849"/>
     <ds:schemaRef ds:uri="http://www.w3.org/XML/1998/namespace"/>
     <ds:schemaRef ds:uri="http://purl.org/dc/elements/1.1/"/>
-  </ds:schemaRefs>
-</ds:datastoreItem>
-</file>
-
-<file path=customXml/itemProps2.xml><?xml version="1.0" encoding="utf-8"?>
-<ds:datastoreItem xmlns:ds="http://schemas.openxmlformats.org/officeDocument/2006/customXml" ds:itemID="{50840CD4-151D-4EB0-B019-56A60DEADF67}">
-  <ds:schemaRefs>
-    <ds:schemaRef ds:uri="http://schemas.microsoft.com/sharepoint/v3/contenttype/forms"/>
   </ds:schemaRefs>
 </ds:datastoreItem>
 </file>
